--- a/JavaLecture/LectureFile/java 16강 실습.pptx
+++ b/JavaLecture/LectureFile/java 16강 실습.pptx
@@ -238,7 +238,7 @@
           <a:p>
             <a:fld id="{D79F2C30-10E1-4C46-91DC-BBDB9629E720}" type="datetimeFigureOut">
               <a:rPr lang="ko-KR" altLang="en-US" smtClean="0"/>
-              <a:t>2023-03-19</a:t>
+              <a:t>2023-05-13</a:t>
             </a:fld>
             <a:endParaRPr lang="ko-KR" altLang="en-US"/>
           </a:p>
@@ -852,7 +852,7 @@
           <a:p>
             <a:fld id="{F8166F1F-CE9B-4651-A6AA-CD717754106B}" type="datetimeFigureOut">
               <a:rPr lang="en-US" smtClean="0"/>
-              <a:t>3/19/2023</a:t>
+              <a:t>5/13/2023</a:t>
             </a:fld>
             <a:endParaRPr lang="en-US"/>
           </a:p>
@@ -1015,7 +1015,7 @@
           <a:p>
             <a:fld id="{A76116CE-C4A3-4A05-B2D7-7C2E9A889C0F}" type="datetimeFigureOut">
               <a:rPr lang="en-US" smtClean="0"/>
-              <a:t>3/19/2023</a:t>
+              <a:t>5/13/2023</a:t>
             </a:fld>
             <a:endParaRPr lang="en-US"/>
           </a:p>
@@ -1188,7 +1188,7 @@
           <a:p>
             <a:fld id="{A76116CE-C4A3-4A05-B2D7-7C2E9A889C0F}" type="datetimeFigureOut">
               <a:rPr lang="en-US" smtClean="0"/>
-              <a:t>3/19/2023</a:t>
+              <a:t>5/13/2023</a:t>
             </a:fld>
             <a:endParaRPr lang="en-US"/>
           </a:p>
@@ -1353,7 +1353,7 @@
           <a:p>
             <a:fld id="{A76116CE-C4A3-4A05-B2D7-7C2E9A889C0F}" type="datetimeFigureOut">
               <a:rPr lang="en-US" smtClean="0"/>
-              <a:t>3/19/2023</a:t>
+              <a:t>5/13/2023</a:t>
             </a:fld>
             <a:endParaRPr lang="en-US"/>
           </a:p>
@@ -1593,7 +1593,7 @@
           <a:p>
             <a:fld id="{A76116CE-C4A3-4A05-B2D7-7C2E9A889C0F}" type="datetimeFigureOut">
               <a:rPr lang="en-US" smtClean="0"/>
-              <a:t>3/19/2023</a:t>
+              <a:t>5/13/2023</a:t>
             </a:fld>
             <a:endParaRPr lang="en-US"/>
           </a:p>
@@ -1873,7 +1873,7 @@
           <a:p>
             <a:fld id="{A76116CE-C4A3-4A05-B2D7-7C2E9A889C0F}" type="datetimeFigureOut">
               <a:rPr lang="en-US" smtClean="0"/>
-              <a:t>3/19/2023</a:t>
+              <a:t>5/13/2023</a:t>
             </a:fld>
             <a:endParaRPr lang="en-US"/>
           </a:p>
@@ -2287,7 +2287,7 @@
           <a:p>
             <a:fld id="{A76116CE-C4A3-4A05-B2D7-7C2E9A889C0F}" type="datetimeFigureOut">
               <a:rPr lang="en-US" smtClean="0"/>
-              <a:t>3/19/2023</a:t>
+              <a:t>5/13/2023</a:t>
             </a:fld>
             <a:endParaRPr lang="en-US"/>
           </a:p>
@@ -2399,7 +2399,7 @@
           <a:p>
             <a:fld id="{A76116CE-C4A3-4A05-B2D7-7C2E9A889C0F}" type="datetimeFigureOut">
               <a:rPr lang="en-US" smtClean="0"/>
-              <a:t>3/19/2023</a:t>
+              <a:t>5/13/2023</a:t>
             </a:fld>
             <a:endParaRPr lang="en-US"/>
           </a:p>
@@ -2489,7 +2489,7 @@
           <a:p>
             <a:fld id="{A76116CE-C4A3-4A05-B2D7-7C2E9A889C0F}" type="datetimeFigureOut">
               <a:rPr lang="en-US" smtClean="0"/>
-              <a:t>3/19/2023</a:t>
+              <a:t>5/13/2023</a:t>
             </a:fld>
             <a:endParaRPr lang="en-US"/>
           </a:p>
@@ -2759,7 +2759,7 @@
           <a:p>
             <a:fld id="{A76116CE-C4A3-4A05-B2D7-7C2E9A889C0F}" type="datetimeFigureOut">
               <a:rPr lang="en-US" smtClean="0"/>
-              <a:t>3/19/2023</a:t>
+              <a:t>5/13/2023</a:t>
             </a:fld>
             <a:endParaRPr lang="en-US"/>
           </a:p>
@@ -3006,7 +3006,7 @@
           <a:p>
             <a:fld id="{A76116CE-C4A3-4A05-B2D7-7C2E9A889C0F}" type="datetimeFigureOut">
               <a:rPr lang="en-US" smtClean="0"/>
-              <a:t>3/19/2023</a:t>
+              <a:t>5/13/2023</a:t>
             </a:fld>
             <a:endParaRPr lang="en-US"/>
           </a:p>
@@ -3212,7 +3212,7 @@
           <a:p>
             <a:fld id="{F8166F1F-CE9B-4651-A6AA-CD717754106B}" type="datetimeFigureOut">
               <a:rPr lang="en-US" smtClean="0"/>
-              <a:t>3/19/2023</a:t>
+              <a:t>5/13/2023</a:t>
             </a:fld>
             <a:endParaRPr lang="en-US"/>
           </a:p>
@@ -3868,7 +3868,7 @@
           <p:cNvPr id="2" name="TextBox 1">
             <a:extLst>
               <a:ext uri="{FF2B5EF4-FFF2-40B4-BE49-F238E27FC236}">
-                <a16:creationId xmlns:a16="http://schemas.microsoft.com/office/drawing/2014/main" xmlns="" id="{E9A453A8-9968-67AB-7B4A-83EEB4662AA6}"/>
+                <a16:creationId xmlns="" xmlns:a16="http://schemas.microsoft.com/office/drawing/2014/main" id="{E9A453A8-9968-67AB-7B4A-83EEB4662AA6}"/>
               </a:ext>
             </a:extLst>
           </p:cNvPr>
@@ -3916,7 +3916,7 @@
           <p:cNvPr id="4" name="TextBox 3">
             <a:extLst>
               <a:ext uri="{FF2B5EF4-FFF2-40B4-BE49-F238E27FC236}">
-                <a16:creationId xmlns:a16="http://schemas.microsoft.com/office/drawing/2014/main" xmlns="" id="{F4B7A35A-8AAC-4622-64BC-CAD1472D4115}"/>
+                <a16:creationId xmlns="" xmlns:a16="http://schemas.microsoft.com/office/drawing/2014/main" id="{F4B7A35A-8AAC-4622-64BC-CAD1472D4115}"/>
               </a:ext>
             </a:extLst>
           </p:cNvPr>
@@ -3988,7 +3988,7 @@
           <p:cNvPr id="7" name="TextBox 6">
             <a:extLst>
               <a:ext uri="{FF2B5EF4-FFF2-40B4-BE49-F238E27FC236}">
-                <a16:creationId xmlns:a16="http://schemas.microsoft.com/office/drawing/2014/main" xmlns="" id="{3ACE900A-D779-4343-6623-8588B376F0A1}"/>
+                <a16:creationId xmlns="" xmlns:a16="http://schemas.microsoft.com/office/drawing/2014/main" id="{3ACE900A-D779-4343-6623-8588B376F0A1}"/>
               </a:ext>
             </a:extLst>
           </p:cNvPr>
@@ -4083,7 +4083,7 @@
           <p:cNvPr id="5" name="TextBox 4">
             <a:extLst>
               <a:ext uri="{FF2B5EF4-FFF2-40B4-BE49-F238E27FC236}">
-                <a16:creationId xmlns:a16="http://schemas.microsoft.com/office/drawing/2014/main" xmlns="" id="{D15853EE-94B0-D08B-DCB7-3381290CC3FF}"/>
+                <a16:creationId xmlns="" xmlns:a16="http://schemas.microsoft.com/office/drawing/2014/main" id="{D15853EE-94B0-D08B-DCB7-3381290CC3FF}"/>
               </a:ext>
             </a:extLst>
           </p:cNvPr>
@@ -4282,7 +4282,7 @@
           <p:cNvPr id="5" name="직선 화살표 연결선 4">
             <a:extLst>
               <a:ext uri="{FF2B5EF4-FFF2-40B4-BE49-F238E27FC236}">
-                <a16:creationId xmlns:a16="http://schemas.microsoft.com/office/drawing/2014/main" xmlns="" id="{299DF5EC-9DF4-5255-06AC-0A7CE4FF58C3}"/>
+                <a16:creationId xmlns="" xmlns:a16="http://schemas.microsoft.com/office/drawing/2014/main" id="{299DF5EC-9DF4-5255-06AC-0A7CE4FF58C3}"/>
               </a:ext>
             </a:extLst>
           </p:cNvPr>
@@ -4324,7 +4324,7 @@
           <p:cNvPr id="6" name="직사각형 5">
             <a:extLst>
               <a:ext uri="{FF2B5EF4-FFF2-40B4-BE49-F238E27FC236}">
-                <a16:creationId xmlns:a16="http://schemas.microsoft.com/office/drawing/2014/main" xmlns="" id="{FFF506F9-840A-0508-4CAF-3AC711D8D5CE}"/>
+                <a16:creationId xmlns="" xmlns:a16="http://schemas.microsoft.com/office/drawing/2014/main" id="{FFF506F9-840A-0508-4CAF-3AC711D8D5CE}"/>
               </a:ext>
             </a:extLst>
           </p:cNvPr>
@@ -4376,7 +4376,7 @@
           <p:cNvPr id="7" name="TextBox 6">
             <a:extLst>
               <a:ext uri="{FF2B5EF4-FFF2-40B4-BE49-F238E27FC236}">
-                <a16:creationId xmlns:a16="http://schemas.microsoft.com/office/drawing/2014/main" xmlns="" id="{C6D113C6-EA5C-788F-0C77-E7CE6EBB865F}"/>
+                <a16:creationId xmlns="" xmlns:a16="http://schemas.microsoft.com/office/drawing/2014/main" id="{C6D113C6-EA5C-788F-0C77-E7CE6EBB865F}"/>
               </a:ext>
             </a:extLst>
           </p:cNvPr>
@@ -4478,7 +4478,7 @@
           <p:cNvPr id="5" name="직선 화살표 연결선 4">
             <a:extLst>
               <a:ext uri="{FF2B5EF4-FFF2-40B4-BE49-F238E27FC236}">
-                <a16:creationId xmlns:a16="http://schemas.microsoft.com/office/drawing/2014/main" xmlns="" id="{299DF5EC-9DF4-5255-06AC-0A7CE4FF58C3}"/>
+                <a16:creationId xmlns="" xmlns:a16="http://schemas.microsoft.com/office/drawing/2014/main" id="{299DF5EC-9DF4-5255-06AC-0A7CE4FF58C3}"/>
               </a:ext>
             </a:extLst>
           </p:cNvPr>
@@ -4519,7 +4519,7 @@
           <p:cNvPr id="6" name="TextBox 5">
             <a:extLst>
               <a:ext uri="{FF2B5EF4-FFF2-40B4-BE49-F238E27FC236}">
-                <a16:creationId xmlns:a16="http://schemas.microsoft.com/office/drawing/2014/main" xmlns="" id="{C6D113C6-EA5C-788F-0C77-E7CE6EBB865F}"/>
+                <a16:creationId xmlns="" xmlns:a16="http://schemas.microsoft.com/office/drawing/2014/main" id="{C6D113C6-EA5C-788F-0C77-E7CE6EBB865F}"/>
               </a:ext>
             </a:extLst>
           </p:cNvPr>
@@ -4725,7 +4725,7 @@
           <p:cNvPr id="5" name="TextBox 4">
             <a:extLst>
               <a:ext uri="{FF2B5EF4-FFF2-40B4-BE49-F238E27FC236}">
-                <a16:creationId xmlns:a16="http://schemas.microsoft.com/office/drawing/2014/main" xmlns="" id="{D15853EE-94B0-D08B-DCB7-3381290CC3FF}"/>
+                <a16:creationId xmlns="" xmlns:a16="http://schemas.microsoft.com/office/drawing/2014/main" id="{D15853EE-94B0-D08B-DCB7-3381290CC3FF}"/>
               </a:ext>
             </a:extLst>
           </p:cNvPr>
@@ -4803,7 +4803,7 @@
           <p:cNvPr id="4" name="TextBox 3">
             <a:extLst>
               <a:ext uri="{FF2B5EF4-FFF2-40B4-BE49-F238E27FC236}">
-                <a16:creationId xmlns:a16="http://schemas.microsoft.com/office/drawing/2014/main" xmlns="" id="{D15853EE-94B0-D08B-DCB7-3381290CC3FF}"/>
+                <a16:creationId xmlns="" xmlns:a16="http://schemas.microsoft.com/office/drawing/2014/main" id="{D15853EE-94B0-D08B-DCB7-3381290CC3FF}"/>
               </a:ext>
             </a:extLst>
           </p:cNvPr>
@@ -4851,7 +4851,7 @@
           <p:cNvPr id="6" name="TextBox 5">
             <a:extLst>
               <a:ext uri="{FF2B5EF4-FFF2-40B4-BE49-F238E27FC236}">
-                <a16:creationId xmlns:a16="http://schemas.microsoft.com/office/drawing/2014/main" xmlns="" id="{52176D31-35F7-8916-46FA-6095EFEC1E49}"/>
+                <a16:creationId xmlns="" xmlns:a16="http://schemas.microsoft.com/office/drawing/2014/main" id="{52176D31-35F7-8916-46FA-6095EFEC1E49}"/>
               </a:ext>
             </a:extLst>
           </p:cNvPr>
@@ -5079,7 +5079,7 @@
           <p:cNvPr id="4" name="TextBox 3">
             <a:extLst>
               <a:ext uri="{FF2B5EF4-FFF2-40B4-BE49-F238E27FC236}">
-                <a16:creationId xmlns:a16="http://schemas.microsoft.com/office/drawing/2014/main" xmlns="" id="{52176D31-35F7-8916-46FA-6095EFEC1E49}"/>
+                <a16:creationId xmlns="" xmlns:a16="http://schemas.microsoft.com/office/drawing/2014/main" id="{52176D31-35F7-8916-46FA-6095EFEC1E49}"/>
               </a:ext>
             </a:extLst>
           </p:cNvPr>
@@ -5188,7 +5188,7 @@
           <p:cNvPr id="13" name="직사각형 12">
             <a:extLst>
               <a:ext uri="{FF2B5EF4-FFF2-40B4-BE49-F238E27FC236}">
-                <a16:creationId xmlns:a16="http://schemas.microsoft.com/office/drawing/2014/main" xmlns="" id="{FFF506F9-840A-0508-4CAF-3AC711D8D5CE}"/>
+                <a16:creationId xmlns="" xmlns:a16="http://schemas.microsoft.com/office/drawing/2014/main" id="{FFF506F9-840A-0508-4CAF-3AC711D8D5CE}"/>
               </a:ext>
             </a:extLst>
           </p:cNvPr>
@@ -5240,7 +5240,7 @@
           <p:cNvPr id="14" name="직사각형 13">
             <a:extLst>
               <a:ext uri="{FF2B5EF4-FFF2-40B4-BE49-F238E27FC236}">
-                <a16:creationId xmlns:a16="http://schemas.microsoft.com/office/drawing/2014/main" xmlns="" id="{FFF506F9-840A-0508-4CAF-3AC711D8D5CE}"/>
+                <a16:creationId xmlns="" xmlns:a16="http://schemas.microsoft.com/office/drawing/2014/main" id="{FFF506F9-840A-0508-4CAF-3AC711D8D5CE}"/>
               </a:ext>
             </a:extLst>
           </p:cNvPr>
@@ -5292,7 +5292,7 @@
           <p:cNvPr id="15" name="TextBox 14">
             <a:extLst>
               <a:ext uri="{FF2B5EF4-FFF2-40B4-BE49-F238E27FC236}">
-                <a16:creationId xmlns:a16="http://schemas.microsoft.com/office/drawing/2014/main" xmlns="" id="{52176D31-35F7-8916-46FA-6095EFEC1E49}"/>
+                <a16:creationId xmlns="" xmlns:a16="http://schemas.microsoft.com/office/drawing/2014/main" id="{52176D31-35F7-8916-46FA-6095EFEC1E49}"/>
               </a:ext>
             </a:extLst>
           </p:cNvPr>
@@ -5393,7 +5393,7 @@
           <p:cNvPr id="16" name="직선 화살표 연결선 15">
             <a:extLst>
               <a:ext uri="{FF2B5EF4-FFF2-40B4-BE49-F238E27FC236}">
-                <a16:creationId xmlns:a16="http://schemas.microsoft.com/office/drawing/2014/main" xmlns="" id="{299DF5EC-9DF4-5255-06AC-0A7CE4FF58C3}"/>
+                <a16:creationId xmlns="" xmlns:a16="http://schemas.microsoft.com/office/drawing/2014/main" id="{299DF5EC-9DF4-5255-06AC-0A7CE4FF58C3}"/>
               </a:ext>
             </a:extLst>
           </p:cNvPr>
@@ -5434,7 +5434,7 @@
           <p:cNvPr id="17" name="TextBox 16">
             <a:extLst>
               <a:ext uri="{FF2B5EF4-FFF2-40B4-BE49-F238E27FC236}">
-                <a16:creationId xmlns:a16="http://schemas.microsoft.com/office/drawing/2014/main" xmlns="" id="{C6D113C6-EA5C-788F-0C77-E7CE6EBB865F}"/>
+                <a16:creationId xmlns="" xmlns:a16="http://schemas.microsoft.com/office/drawing/2014/main" id="{C6D113C6-EA5C-788F-0C77-E7CE6EBB865F}"/>
               </a:ext>
             </a:extLst>
           </p:cNvPr>
@@ -5628,7 +5628,7 @@
           <p:cNvPr id="8" name="직사각형 7">
             <a:extLst>
               <a:ext uri="{FF2B5EF4-FFF2-40B4-BE49-F238E27FC236}">
-                <a16:creationId xmlns:a16="http://schemas.microsoft.com/office/drawing/2014/main" xmlns="" id="{FFF506F9-840A-0508-4CAF-3AC711D8D5CE}"/>
+                <a16:creationId xmlns="" xmlns:a16="http://schemas.microsoft.com/office/drawing/2014/main" id="{FFF506F9-840A-0508-4CAF-3AC711D8D5CE}"/>
               </a:ext>
             </a:extLst>
           </p:cNvPr>
@@ -5859,7 +5859,7 @@
           <p:cNvPr id="11" name="TextBox 10">
             <a:extLst>
               <a:ext uri="{FF2B5EF4-FFF2-40B4-BE49-F238E27FC236}">
-                <a16:creationId xmlns:a16="http://schemas.microsoft.com/office/drawing/2014/main" xmlns="" id="{9F88F580-08BE-88C2-D640-13F0026591CB}"/>
+                <a16:creationId xmlns="" xmlns:a16="http://schemas.microsoft.com/office/drawing/2014/main" id="{9F88F580-08BE-88C2-D640-13F0026591CB}"/>
               </a:ext>
             </a:extLst>
           </p:cNvPr>
@@ -5917,7 +5917,7 @@
           <p:cNvPr id="13" name="TextBox 12">
             <a:extLst>
               <a:ext uri="{FF2B5EF4-FFF2-40B4-BE49-F238E27FC236}">
-                <a16:creationId xmlns:a16="http://schemas.microsoft.com/office/drawing/2014/main" xmlns="" id="{72769C28-9BB6-DE9C-7B6F-264B77B8DD0E}"/>
+                <a16:creationId xmlns="" xmlns:a16="http://schemas.microsoft.com/office/drawing/2014/main" id="{72769C28-9BB6-DE9C-7B6F-264B77B8DD0E}"/>
               </a:ext>
             </a:extLst>
           </p:cNvPr>
@@ -6031,7 +6031,7 @@
           <p:cNvPr id="5" name="직선 화살표 연결선 4">
             <a:extLst>
               <a:ext uri="{FF2B5EF4-FFF2-40B4-BE49-F238E27FC236}">
-                <a16:creationId xmlns="" xmlns:a16="http://schemas.microsoft.com/office/drawing/2014/main" id="{299DF5EC-9DF4-5255-06AC-0A7CE4FF58C3}"/>
+                <a16:creationId xmlns:a16="http://schemas.microsoft.com/office/drawing/2014/main" xmlns="" id="{299DF5EC-9DF4-5255-06AC-0A7CE4FF58C3}"/>
               </a:ext>
             </a:extLst>
           </p:cNvPr>
@@ -6072,7 +6072,7 @@
           <p:cNvPr id="6" name="TextBox 5">
             <a:extLst>
               <a:ext uri="{FF2B5EF4-FFF2-40B4-BE49-F238E27FC236}">
-                <a16:creationId xmlns="" xmlns:a16="http://schemas.microsoft.com/office/drawing/2014/main" id="{C6D113C6-EA5C-788F-0C77-E7CE6EBB865F}"/>
+                <a16:creationId xmlns:a16="http://schemas.microsoft.com/office/drawing/2014/main" xmlns="" id="{C6D113C6-EA5C-788F-0C77-E7CE6EBB865F}"/>
               </a:ext>
             </a:extLst>
           </p:cNvPr>
@@ -6204,7 +6204,7 @@
           <p:cNvPr id="6" name="TextBox 5">
             <a:extLst>
               <a:ext uri="{FF2B5EF4-FFF2-40B4-BE49-F238E27FC236}">
-                <a16:creationId xmlns:a16="http://schemas.microsoft.com/office/drawing/2014/main" xmlns="" id="{D15853EE-94B0-D08B-DCB7-3381290CC3FF}"/>
+                <a16:creationId xmlns="" xmlns:a16="http://schemas.microsoft.com/office/drawing/2014/main" id="{D15853EE-94B0-D08B-DCB7-3381290CC3FF}"/>
               </a:ext>
             </a:extLst>
           </p:cNvPr>
@@ -6390,7 +6390,7 @@
           <p:cNvPr id="4" name="TextBox 3">
             <a:extLst>
               <a:ext uri="{FF2B5EF4-FFF2-40B4-BE49-F238E27FC236}">
-                <a16:creationId xmlns:a16="http://schemas.microsoft.com/office/drawing/2014/main" xmlns="" id="{D15853EE-94B0-D08B-DCB7-3381290CC3FF}"/>
+                <a16:creationId xmlns="" xmlns:a16="http://schemas.microsoft.com/office/drawing/2014/main" id="{D15853EE-94B0-D08B-DCB7-3381290CC3FF}"/>
               </a:ext>
             </a:extLst>
           </p:cNvPr>
@@ -6448,7 +6448,7 @@
           <p:cNvPr id="5" name="TextBox 4">
             <a:extLst>
               <a:ext uri="{FF2B5EF4-FFF2-40B4-BE49-F238E27FC236}">
-                <a16:creationId xmlns:a16="http://schemas.microsoft.com/office/drawing/2014/main" xmlns="" id="{52176D31-35F7-8916-46FA-6095EFEC1E49}"/>
+                <a16:creationId xmlns="" xmlns:a16="http://schemas.microsoft.com/office/drawing/2014/main" id="{52176D31-35F7-8916-46FA-6095EFEC1E49}"/>
               </a:ext>
             </a:extLst>
           </p:cNvPr>
@@ -6562,16 +6562,6 @@
               </a:rPr>
               <a:t>.</a:t>
             </a:r>
-            <a:endParaRPr lang="en-US" altLang="ko-KR" sz="3600" smtClean="0">
-              <a:solidFill>
-                <a:schemeClr val="tx1">
-                  <a:lumMod val="50000"/>
-                  <a:lumOff val="50000"/>
-                </a:schemeClr>
-              </a:solidFill>
-              <a:latin typeface="G마켓 산스 Medium" panose="02000000000000000000" pitchFamily="50" charset="-127"/>
-              <a:ea typeface="G마켓 산스 Medium" panose="02000000000000000000" pitchFamily="50" charset="-127"/>
-            </a:endParaRPr>
           </a:p>
         </p:txBody>
       </p:sp>
@@ -6604,7 +6594,7 @@
           <p:cNvPr id="6" name="직선 화살표 연결선 5">
             <a:extLst>
               <a:ext uri="{FF2B5EF4-FFF2-40B4-BE49-F238E27FC236}">
-                <a16:creationId xmlns="" xmlns:a16="http://schemas.microsoft.com/office/drawing/2014/main" id="{299DF5EC-9DF4-5255-06AC-0A7CE4FF58C3}"/>
+                <a16:creationId xmlns:a16="http://schemas.microsoft.com/office/drawing/2014/main" xmlns="" id="{299DF5EC-9DF4-5255-06AC-0A7CE4FF58C3}"/>
               </a:ext>
             </a:extLst>
           </p:cNvPr>
@@ -6645,7 +6635,7 @@
           <p:cNvPr id="7" name="TextBox 6">
             <a:extLst>
               <a:ext uri="{FF2B5EF4-FFF2-40B4-BE49-F238E27FC236}">
-                <a16:creationId xmlns="" xmlns:a16="http://schemas.microsoft.com/office/drawing/2014/main" id="{C6D113C6-EA5C-788F-0C77-E7CE6EBB865F}"/>
+                <a16:creationId xmlns:a16="http://schemas.microsoft.com/office/drawing/2014/main" xmlns="" id="{C6D113C6-EA5C-788F-0C77-E7CE6EBB865F}"/>
               </a:ext>
             </a:extLst>
           </p:cNvPr>
@@ -6733,7 +6723,7 @@
           <p:cNvPr id="10" name="TextBox 9">
             <a:extLst>
               <a:ext uri="{FF2B5EF4-FFF2-40B4-BE49-F238E27FC236}">
-                <a16:creationId xmlns:a16="http://schemas.microsoft.com/office/drawing/2014/main" xmlns="" id="{52176D31-35F7-8916-46FA-6095EFEC1E49}"/>
+                <a16:creationId xmlns="" xmlns:a16="http://schemas.microsoft.com/office/drawing/2014/main" id="{52176D31-35F7-8916-46FA-6095EFEC1E49}"/>
               </a:ext>
             </a:extLst>
           </p:cNvPr>
@@ -6796,13 +6786,6 @@
               </a:rPr>
               <a:t>.</a:t>
             </a:r>
-            <a:endParaRPr lang="en-US" altLang="ko-KR" sz="3200" smtClean="0">
-              <a:solidFill>
-                <a:srgbClr val="FF0000"/>
-              </a:solidFill>
-              <a:latin typeface="G마켓 산스 Medium" panose="02000000000000000000" pitchFamily="50" charset="-127"/>
-              <a:ea typeface="G마켓 산스 Medium" panose="02000000000000000000" pitchFamily="50" charset="-127"/>
-            </a:endParaRPr>
           </a:p>
         </p:txBody>
       </p:sp>
@@ -6835,7 +6818,7 @@
           <p:cNvPr id="12" name="TextBox 11">
             <a:extLst>
               <a:ext uri="{FF2B5EF4-FFF2-40B4-BE49-F238E27FC236}">
-                <a16:creationId xmlns="" xmlns:a16="http://schemas.microsoft.com/office/drawing/2014/main" id="{C6D113C6-EA5C-788F-0C77-E7CE6EBB865F}"/>
+                <a16:creationId xmlns:a16="http://schemas.microsoft.com/office/drawing/2014/main" xmlns="" id="{C6D113C6-EA5C-788F-0C77-E7CE6EBB865F}"/>
               </a:ext>
             </a:extLst>
           </p:cNvPr>
@@ -6893,7 +6876,7 @@
           <p:cNvPr id="13" name="직선 화살표 연결선 12">
             <a:extLst>
               <a:ext uri="{FF2B5EF4-FFF2-40B4-BE49-F238E27FC236}">
-                <a16:creationId xmlns="" xmlns:a16="http://schemas.microsoft.com/office/drawing/2014/main" id="{299DF5EC-9DF4-5255-06AC-0A7CE4FF58C3}"/>
+                <a16:creationId xmlns:a16="http://schemas.microsoft.com/office/drawing/2014/main" xmlns="" id="{299DF5EC-9DF4-5255-06AC-0A7CE4FF58C3}"/>
               </a:ext>
             </a:extLst>
           </p:cNvPr>
@@ -6958,7 +6941,7 @@
           <p:cNvPr id="19" name="직선 화살표 연결선 18">
             <a:extLst>
               <a:ext uri="{FF2B5EF4-FFF2-40B4-BE49-F238E27FC236}">
-                <a16:creationId xmlns="" xmlns:a16="http://schemas.microsoft.com/office/drawing/2014/main" id="{299DF5EC-9DF4-5255-06AC-0A7CE4FF58C3}"/>
+                <a16:creationId xmlns:a16="http://schemas.microsoft.com/office/drawing/2014/main" xmlns="" id="{299DF5EC-9DF4-5255-06AC-0A7CE4FF58C3}"/>
               </a:ext>
             </a:extLst>
           </p:cNvPr>
@@ -6999,7 +6982,7 @@
           <p:cNvPr id="20" name="TextBox 19">
             <a:extLst>
               <a:ext uri="{FF2B5EF4-FFF2-40B4-BE49-F238E27FC236}">
-                <a16:creationId xmlns="" xmlns:a16="http://schemas.microsoft.com/office/drawing/2014/main" id="{C6D113C6-EA5C-788F-0C77-E7CE6EBB865F}"/>
+                <a16:creationId xmlns:a16="http://schemas.microsoft.com/office/drawing/2014/main" xmlns="" id="{C6D113C6-EA5C-788F-0C77-E7CE6EBB865F}"/>
               </a:ext>
             </a:extLst>
           </p:cNvPr>
@@ -7062,6 +7045,13 @@
   <p:clrMapOvr>
     <a:masterClrMapping/>
   </p:clrMapOvr>
+  <p:timing>
+    <p:tnLst>
+      <p:par>
+        <p:cTn id="1" dur="indefinite" restart="never" nodeType="tmRoot"/>
+      </p:par>
+    </p:tnLst>
+  </p:timing>
 </p:sld>
 </file>
 
@@ -7134,7 +7124,7 @@
         </p:blipFill>
         <p:spPr>
           <a:xfrm>
-            <a:off x="1905000" y="2552700"/>
+            <a:off x="1828800" y="5676900"/>
             <a:ext cx="8182108" cy="2590800"/>
           </a:xfrm>
           <a:prstGeom prst="rect">
@@ -7152,6 +7142,13 @@
   <p:clrMapOvr>
     <a:masterClrMapping/>
   </p:clrMapOvr>
+  <p:timing>
+    <p:tnLst>
+      <p:par>
+        <p:cTn id="1" dur="indefinite" restart="never" nodeType="tmRoot"/>
+      </p:par>
+    </p:tnLst>
+  </p:timing>
 </p:sld>
 </file>
 
@@ -7177,7 +7174,7 @@
           <p:cNvPr id="4" name="TextBox 3">
             <a:extLst>
               <a:ext uri="{FF2B5EF4-FFF2-40B4-BE49-F238E27FC236}">
-                <a16:creationId xmlns:a16="http://schemas.microsoft.com/office/drawing/2014/main" xmlns="" id="{52176D31-35F7-8916-46FA-6095EFEC1E49}"/>
+                <a16:creationId xmlns="" xmlns:a16="http://schemas.microsoft.com/office/drawing/2014/main" id="{52176D31-35F7-8916-46FA-6095EFEC1E49}"/>
               </a:ext>
             </a:extLst>
           </p:cNvPr>
@@ -7382,16 +7379,6 @@
               </a:rPr>
               <a:t>.</a:t>
             </a:r>
-            <a:endParaRPr lang="en-US" altLang="ko-KR" sz="3600" smtClean="0">
-              <a:solidFill>
-                <a:schemeClr val="tx1">
-                  <a:lumMod val="50000"/>
-                  <a:lumOff val="50000"/>
-                </a:schemeClr>
-              </a:solidFill>
-              <a:latin typeface="G마켓 산스 Medium" panose="02000000000000000000" pitchFamily="50" charset="-127"/>
-              <a:ea typeface="G마켓 산스 Medium" panose="02000000000000000000" pitchFamily="50" charset="-127"/>
-            </a:endParaRPr>
           </a:p>
         </p:txBody>
       </p:sp>
@@ -7525,6 +7512,13 @@
   <p:clrMapOvr>
     <a:masterClrMapping/>
   </p:clrMapOvr>
+  <p:timing>
+    <p:tnLst>
+      <p:par>
+        <p:cTn id="1" dur="indefinite" restart="never" nodeType="tmRoot"/>
+      </p:par>
+    </p:tnLst>
+  </p:timing>
 </p:sld>
 </file>
 
@@ -7550,7 +7544,7 @@
           <p:cNvPr id="4" name="TextBox 3">
             <a:extLst>
               <a:ext uri="{FF2B5EF4-FFF2-40B4-BE49-F238E27FC236}">
-                <a16:creationId xmlns:a16="http://schemas.microsoft.com/office/drawing/2014/main" xmlns="" id="{52176D31-35F7-8916-46FA-6095EFEC1E49}"/>
+                <a16:creationId xmlns="" xmlns:a16="http://schemas.microsoft.com/office/drawing/2014/main" id="{52176D31-35F7-8916-46FA-6095EFEC1E49}"/>
               </a:ext>
             </a:extLst>
           </p:cNvPr>
@@ -8102,6 +8096,13 @@
   <p:clrMapOvr>
     <a:masterClrMapping/>
   </p:clrMapOvr>
+  <p:timing>
+    <p:tnLst>
+      <p:par>
+        <p:cTn id="1" dur="indefinite" restart="never" nodeType="tmRoot"/>
+      </p:par>
+    </p:tnLst>
+  </p:timing>
 </p:sld>
 </file>
 
@@ -8127,7 +8128,7 @@
           <p:cNvPr id="4" name="TextBox 3">
             <a:extLst>
               <a:ext uri="{FF2B5EF4-FFF2-40B4-BE49-F238E27FC236}">
-                <a16:creationId xmlns:a16="http://schemas.microsoft.com/office/drawing/2014/main" xmlns="" id="{52176D31-35F7-8916-46FA-6095EFEC1E49}"/>
+                <a16:creationId xmlns="" xmlns:a16="http://schemas.microsoft.com/office/drawing/2014/main" id="{52176D31-35F7-8916-46FA-6095EFEC1E49}"/>
               </a:ext>
             </a:extLst>
           </p:cNvPr>
@@ -8495,16 +8496,6 @@
               </a:rPr>
               <a:t>.</a:t>
             </a:r>
-            <a:endParaRPr lang="en-US" altLang="ko-KR" sz="3600" smtClean="0">
-              <a:solidFill>
-                <a:schemeClr val="tx1">
-                  <a:lumMod val="50000"/>
-                  <a:lumOff val="50000"/>
-                </a:schemeClr>
-              </a:solidFill>
-              <a:latin typeface="G마켓 산스 Medium" panose="02000000000000000000" pitchFamily="50" charset="-127"/>
-              <a:ea typeface="G마켓 산스 Medium" panose="02000000000000000000" pitchFamily="50" charset="-127"/>
-            </a:endParaRPr>
           </a:p>
         </p:txBody>
       </p:sp>
@@ -8543,7 +8534,7 @@
           <p:cNvPr id="4" name="TextBox 3">
             <a:extLst>
               <a:ext uri="{FF2B5EF4-FFF2-40B4-BE49-F238E27FC236}">
-                <a16:creationId xmlns:a16="http://schemas.microsoft.com/office/drawing/2014/main" xmlns="" id="{52176D31-35F7-8916-46FA-6095EFEC1E49}"/>
+                <a16:creationId xmlns="" xmlns:a16="http://schemas.microsoft.com/office/drawing/2014/main" id="{52176D31-35F7-8916-46FA-6095EFEC1E49}"/>
               </a:ext>
             </a:extLst>
           </p:cNvPr>
@@ -8836,7 +8827,7 @@
           <p:cNvPr id="6" name="TextBox 5">
             <a:extLst>
               <a:ext uri="{FF2B5EF4-FFF2-40B4-BE49-F238E27FC236}">
-                <a16:creationId xmlns="" xmlns:a16="http://schemas.microsoft.com/office/drawing/2014/main" id="{52176D31-35F7-8916-46FA-6095EFEC1E49}"/>
+                <a16:creationId xmlns:a16="http://schemas.microsoft.com/office/drawing/2014/main" xmlns="" id="{52176D31-35F7-8916-46FA-6095EFEC1E49}"/>
               </a:ext>
             </a:extLst>
           </p:cNvPr>
@@ -9001,7 +8992,7 @@
           <p:cNvPr id="7" name="TextBox 6">
             <a:extLst>
               <a:ext uri="{FF2B5EF4-FFF2-40B4-BE49-F238E27FC236}">
-                <a16:creationId xmlns="" xmlns:a16="http://schemas.microsoft.com/office/drawing/2014/main" id="{52176D31-35F7-8916-46FA-6095EFEC1E49}"/>
+                <a16:creationId xmlns:a16="http://schemas.microsoft.com/office/drawing/2014/main" xmlns="" id="{52176D31-35F7-8916-46FA-6095EFEC1E49}"/>
               </a:ext>
             </a:extLst>
           </p:cNvPr>
@@ -9382,7 +9373,7 @@
           <p:cNvPr id="2" name="TextBox 1">
             <a:extLst>
               <a:ext uri="{FF2B5EF4-FFF2-40B4-BE49-F238E27FC236}">
-                <a16:creationId xmlns:a16="http://schemas.microsoft.com/office/drawing/2014/main" xmlns="" id="{8D19D88B-9541-32D7-90F1-0C45C993E21C}"/>
+                <a16:creationId xmlns="" xmlns:a16="http://schemas.microsoft.com/office/drawing/2014/main" id="{8D19D88B-9541-32D7-90F1-0C45C993E21C}"/>
               </a:ext>
             </a:extLst>
           </p:cNvPr>
@@ -9472,7 +9463,7 @@
           <p:cNvPr id="4" name="TextBox 3">
             <a:extLst>
               <a:ext uri="{FF2B5EF4-FFF2-40B4-BE49-F238E27FC236}">
-                <a16:creationId xmlns:a16="http://schemas.microsoft.com/office/drawing/2014/main" xmlns="" id="{52176D31-35F7-8916-46FA-6095EFEC1E49}"/>
+                <a16:creationId xmlns="" xmlns:a16="http://schemas.microsoft.com/office/drawing/2014/main" id="{52176D31-35F7-8916-46FA-6095EFEC1E49}"/>
               </a:ext>
             </a:extLst>
           </p:cNvPr>
@@ -9887,7 +9878,7 @@
           <p:cNvPr id="2" name="TextBox 1">
             <a:extLst>
               <a:ext uri="{FF2B5EF4-FFF2-40B4-BE49-F238E27FC236}">
-                <a16:creationId xmlns:a16="http://schemas.microsoft.com/office/drawing/2014/main" xmlns="" id="{715D88A2-BD52-978B-A00A-540446126E3D}"/>
+                <a16:creationId xmlns="" xmlns:a16="http://schemas.microsoft.com/office/drawing/2014/main" id="{715D88A2-BD52-978B-A00A-540446126E3D}"/>
               </a:ext>
             </a:extLst>
           </p:cNvPr>
@@ -9991,7 +9982,7 @@
           <p:cNvPr id="5" name="그룹 1008">
             <a:extLst>
               <a:ext uri="{FF2B5EF4-FFF2-40B4-BE49-F238E27FC236}">
-                <a16:creationId xmlns:a16="http://schemas.microsoft.com/office/drawing/2014/main" xmlns="" id="{678F6342-C505-E8AD-ADA4-022CB2C2088E}"/>
+                <a16:creationId xmlns="" xmlns:a16="http://schemas.microsoft.com/office/drawing/2014/main" id="{678F6342-C505-E8AD-ADA4-022CB2C2088E}"/>
               </a:ext>
             </a:extLst>
           </p:cNvPr>
@@ -10011,7 +10002,7 @@
             <p:cNvPr id="6" name="그룹 1009">
               <a:extLst>
                 <a:ext uri="{FF2B5EF4-FFF2-40B4-BE49-F238E27FC236}">
-                  <a16:creationId xmlns:a16="http://schemas.microsoft.com/office/drawing/2014/main" xmlns="" id="{4E1F1FED-812B-9BBB-925A-84B54A077414}"/>
+                  <a16:creationId xmlns="" xmlns:a16="http://schemas.microsoft.com/office/drawing/2014/main" id="{4E1F1FED-812B-9BBB-925A-84B54A077414}"/>
                 </a:ext>
               </a:extLst>
             </p:cNvPr>
@@ -10031,7 +10022,7 @@
               <p:cNvPr id="11" name="Object 29">
                 <a:extLst>
                   <a:ext uri="{FF2B5EF4-FFF2-40B4-BE49-F238E27FC236}">
-                    <a16:creationId xmlns:a16="http://schemas.microsoft.com/office/drawing/2014/main" xmlns="" id="{7B078609-4286-7B00-51EB-809C8E2DE289}"/>
+                    <a16:creationId xmlns="" xmlns:a16="http://schemas.microsoft.com/office/drawing/2014/main" id="{7B078609-4286-7B00-51EB-809C8E2DE289}"/>
                   </a:ext>
                 </a:extLst>
               </p:cNvPr>
@@ -10062,7 +10053,7 @@
             <p:cNvPr id="7" name="그룹 1010">
               <a:extLst>
                 <a:ext uri="{FF2B5EF4-FFF2-40B4-BE49-F238E27FC236}">
-                  <a16:creationId xmlns:a16="http://schemas.microsoft.com/office/drawing/2014/main" xmlns="" id="{02A649BF-B5B5-FBAF-7DFD-E118A4DF8907}"/>
+                  <a16:creationId xmlns="" xmlns:a16="http://schemas.microsoft.com/office/drawing/2014/main" id="{02A649BF-B5B5-FBAF-7DFD-E118A4DF8907}"/>
                 </a:ext>
               </a:extLst>
             </p:cNvPr>
@@ -10082,7 +10073,7 @@
               <p:cNvPr id="10" name="Object 32">
                 <a:extLst>
                   <a:ext uri="{FF2B5EF4-FFF2-40B4-BE49-F238E27FC236}">
-                    <a16:creationId xmlns:a16="http://schemas.microsoft.com/office/drawing/2014/main" xmlns="" id="{2A0FFF23-B3C9-3EA0-1C1B-A87D4FF098AE}"/>
+                    <a16:creationId xmlns="" xmlns:a16="http://schemas.microsoft.com/office/drawing/2014/main" id="{2A0FFF23-B3C9-3EA0-1C1B-A87D4FF098AE}"/>
                   </a:ext>
                 </a:extLst>
               </p:cNvPr>
@@ -10113,7 +10104,7 @@
             <p:cNvPr id="8" name="그룹 1011">
               <a:extLst>
                 <a:ext uri="{FF2B5EF4-FFF2-40B4-BE49-F238E27FC236}">
-                  <a16:creationId xmlns:a16="http://schemas.microsoft.com/office/drawing/2014/main" xmlns="" id="{881F5410-F7FB-F261-A584-707359BAC593}"/>
+                  <a16:creationId xmlns="" xmlns:a16="http://schemas.microsoft.com/office/drawing/2014/main" id="{881F5410-F7FB-F261-A584-707359BAC593}"/>
                 </a:ext>
               </a:extLst>
             </p:cNvPr>
@@ -10133,7 +10124,7 @@
               <p:cNvPr id="9" name="Object 35">
                 <a:extLst>
                   <a:ext uri="{FF2B5EF4-FFF2-40B4-BE49-F238E27FC236}">
-                    <a16:creationId xmlns:a16="http://schemas.microsoft.com/office/drawing/2014/main" xmlns="" id="{4E99E669-73EB-F9F4-EFE8-DC107035C265}"/>
+                    <a16:creationId xmlns="" xmlns:a16="http://schemas.microsoft.com/office/drawing/2014/main" id="{4E99E669-73EB-F9F4-EFE8-DC107035C265}"/>
                   </a:ext>
                 </a:extLst>
               </p:cNvPr>
@@ -10189,7 +10180,7 @@
           <p:cNvPr id="13" name="직선 화살표 연결선 12">
             <a:extLst>
               <a:ext uri="{FF2B5EF4-FFF2-40B4-BE49-F238E27FC236}">
-                <a16:creationId xmlns:a16="http://schemas.microsoft.com/office/drawing/2014/main" xmlns="" id="{299DF5EC-9DF4-5255-06AC-0A7CE4FF58C3}"/>
+                <a16:creationId xmlns="" xmlns:a16="http://schemas.microsoft.com/office/drawing/2014/main" id="{299DF5EC-9DF4-5255-06AC-0A7CE4FF58C3}"/>
               </a:ext>
             </a:extLst>
           </p:cNvPr>
@@ -10230,7 +10221,7 @@
           <p:cNvPr id="14" name="TextBox 13">
             <a:extLst>
               <a:ext uri="{FF2B5EF4-FFF2-40B4-BE49-F238E27FC236}">
-                <a16:creationId xmlns:a16="http://schemas.microsoft.com/office/drawing/2014/main" xmlns="" id="{C6D113C6-EA5C-788F-0C77-E7CE6EBB865F}"/>
+                <a16:creationId xmlns="" xmlns:a16="http://schemas.microsoft.com/office/drawing/2014/main" id="{C6D113C6-EA5C-788F-0C77-E7CE6EBB865F}"/>
               </a:ext>
             </a:extLst>
           </p:cNvPr>
@@ -10278,7 +10269,7 @@
           <p:cNvPr id="16" name="직선 화살표 연결선 15">
             <a:extLst>
               <a:ext uri="{FF2B5EF4-FFF2-40B4-BE49-F238E27FC236}">
-                <a16:creationId xmlns:a16="http://schemas.microsoft.com/office/drawing/2014/main" xmlns="" id="{299DF5EC-9DF4-5255-06AC-0A7CE4FF58C3}"/>
+                <a16:creationId xmlns="" xmlns:a16="http://schemas.microsoft.com/office/drawing/2014/main" id="{299DF5EC-9DF4-5255-06AC-0A7CE4FF58C3}"/>
               </a:ext>
             </a:extLst>
           </p:cNvPr>
@@ -10319,7 +10310,7 @@
           <p:cNvPr id="17" name="TextBox 16">
             <a:extLst>
               <a:ext uri="{FF2B5EF4-FFF2-40B4-BE49-F238E27FC236}">
-                <a16:creationId xmlns:a16="http://schemas.microsoft.com/office/drawing/2014/main" xmlns="" id="{C6D113C6-EA5C-788F-0C77-E7CE6EBB865F}"/>
+                <a16:creationId xmlns="" xmlns:a16="http://schemas.microsoft.com/office/drawing/2014/main" id="{C6D113C6-EA5C-788F-0C77-E7CE6EBB865F}"/>
               </a:ext>
             </a:extLst>
           </p:cNvPr>
@@ -10560,7 +10551,7 @@
           <p:cNvPr id="5" name="TextBox 4">
             <a:extLst>
               <a:ext uri="{FF2B5EF4-FFF2-40B4-BE49-F238E27FC236}">
-                <a16:creationId xmlns:a16="http://schemas.microsoft.com/office/drawing/2014/main" xmlns="" id="{D15853EE-94B0-D08B-DCB7-3381290CC3FF}"/>
+                <a16:creationId xmlns="" xmlns:a16="http://schemas.microsoft.com/office/drawing/2014/main" id="{D15853EE-94B0-D08B-DCB7-3381290CC3FF}"/>
               </a:ext>
             </a:extLst>
           </p:cNvPr>
@@ -10693,7 +10684,7 @@
           <p:cNvPr id="7" name="직사각형 6">
             <a:extLst>
               <a:ext uri="{FF2B5EF4-FFF2-40B4-BE49-F238E27FC236}">
-                <a16:creationId xmlns:a16="http://schemas.microsoft.com/office/drawing/2014/main" xmlns="" id="{FFF506F9-840A-0508-4CAF-3AC711D8D5CE}"/>
+                <a16:creationId xmlns="" xmlns:a16="http://schemas.microsoft.com/office/drawing/2014/main" id="{FFF506F9-840A-0508-4CAF-3AC711D8D5CE}"/>
               </a:ext>
             </a:extLst>
           </p:cNvPr>

--- a/JavaLecture/LectureFile/java 16강 실습.pptx
+++ b/JavaLecture/LectureFile/java 16강 실습.pptx
@@ -5,7 +5,7 @@
     <p:sldMasterId id="2147483648" r:id="rId1"/>
   </p:sldMasterIdLst>
   <p:notesMasterIdLst>
-    <p:notesMasterId r:id="rId44"/>
+    <p:notesMasterId r:id="rId47"/>
   </p:notesMasterIdLst>
   <p:sldIdLst>
     <p:sldId id="257" r:id="rId2"/>
@@ -38,18 +38,21 @@
     <p:sldId id="913" r:id="rId29"/>
     <p:sldId id="929" r:id="rId30"/>
     <p:sldId id="914" r:id="rId31"/>
-    <p:sldId id="930" r:id="rId32"/>
-    <p:sldId id="915" r:id="rId33"/>
-    <p:sldId id="916" r:id="rId34"/>
-    <p:sldId id="917" r:id="rId35"/>
-    <p:sldId id="918" r:id="rId36"/>
-    <p:sldId id="919" r:id="rId37"/>
-    <p:sldId id="920" r:id="rId38"/>
-    <p:sldId id="921" r:id="rId39"/>
-    <p:sldId id="922" r:id="rId40"/>
-    <p:sldId id="923" r:id="rId41"/>
-    <p:sldId id="924" r:id="rId42"/>
-    <p:sldId id="275" r:id="rId43"/>
+    <p:sldId id="932" r:id="rId32"/>
+    <p:sldId id="930" r:id="rId33"/>
+    <p:sldId id="915" r:id="rId34"/>
+    <p:sldId id="933" r:id="rId35"/>
+    <p:sldId id="916" r:id="rId36"/>
+    <p:sldId id="917" r:id="rId37"/>
+    <p:sldId id="918" r:id="rId38"/>
+    <p:sldId id="931" r:id="rId39"/>
+    <p:sldId id="919" r:id="rId40"/>
+    <p:sldId id="920" r:id="rId41"/>
+    <p:sldId id="921" r:id="rId42"/>
+    <p:sldId id="922" r:id="rId43"/>
+    <p:sldId id="923" r:id="rId44"/>
+    <p:sldId id="924" r:id="rId45"/>
+    <p:sldId id="275" r:id="rId46"/>
   </p:sldIdLst>
   <p:sldSz cx="18288000" cy="10287000"/>
   <p:notesSz cx="7104063" cy="10234613"/>
@@ -249,7 +252,7 @@
           <a:p>
             <a:fld id="{D79F2C30-10E1-4C46-91DC-BBDB9629E720}" type="datetimeFigureOut">
               <a:rPr lang="ko-KR" altLang="en-US" smtClean="0"/>
-              <a:t>2023-09-16 Saturday</a:t>
+              <a:t>2023-09-17 Sunday</a:t>
             </a:fld>
             <a:endParaRPr lang="ko-KR" altLang="en-US"/>
           </a:p>
@@ -793,7 +796,7 @@
           <a:p>
             <a:fld id="{F8166F1F-CE9B-4651-A6AA-CD717754106B}" type="datetimeFigureOut">
               <a:rPr lang="en-US" smtClean="0"/>
-              <a:t>9/16/2023</a:t>
+              <a:t>9/17/2023</a:t>
             </a:fld>
             <a:endParaRPr lang="en-US"/>
           </a:p>
@@ -996,7 +999,7 @@
           <a:p>
             <a:fld id="{A76116CE-C4A3-4A05-B2D7-7C2E9A889C0F}" type="datetimeFigureOut">
               <a:rPr lang="en-US" smtClean="0"/>
-              <a:t>9/16/2023</a:t>
+              <a:t>9/17/2023</a:t>
             </a:fld>
             <a:endParaRPr lang="en-US"/>
           </a:p>
@@ -1199,7 +1202,7 @@
           <a:p>
             <a:fld id="{A76116CE-C4A3-4A05-B2D7-7C2E9A889C0F}" type="datetimeFigureOut">
               <a:rPr lang="en-US" smtClean="0"/>
-              <a:t>9/16/2023</a:t>
+              <a:t>9/17/2023</a:t>
             </a:fld>
             <a:endParaRPr lang="en-US"/>
           </a:p>
@@ -1404,7 +1407,7 @@
           <a:p>
             <a:fld id="{A76116CE-C4A3-4A05-B2D7-7C2E9A889C0F}" type="datetimeFigureOut">
               <a:rPr lang="en-US" smtClean="0"/>
-              <a:t>9/16/2023</a:t>
+              <a:t>9/17/2023</a:t>
             </a:fld>
             <a:endParaRPr lang="en-US"/>
           </a:p>
@@ -1674,7 +1677,7 @@
           <a:p>
             <a:fld id="{A76116CE-C4A3-4A05-B2D7-7C2E9A889C0F}" type="datetimeFigureOut">
               <a:rPr lang="en-US" smtClean="0"/>
-              <a:t>9/16/2023</a:t>
+              <a:t>9/17/2023</a:t>
             </a:fld>
             <a:endParaRPr lang="en-US"/>
           </a:p>
@@ -1992,7 +1995,7 @@
           <a:p>
             <a:fld id="{A76116CE-C4A3-4A05-B2D7-7C2E9A889C0F}" type="datetimeFigureOut">
               <a:rPr lang="en-US" smtClean="0"/>
-              <a:t>9/16/2023</a:t>
+              <a:t>9/17/2023</a:t>
             </a:fld>
             <a:endParaRPr lang="en-US"/>
           </a:p>
@@ -2450,7 +2453,7 @@
           <a:p>
             <a:fld id="{A76116CE-C4A3-4A05-B2D7-7C2E9A889C0F}" type="datetimeFigureOut">
               <a:rPr lang="en-US" smtClean="0"/>
-              <a:t>9/16/2023</a:t>
+              <a:t>9/17/2023</a:t>
             </a:fld>
             <a:endParaRPr lang="en-US"/>
           </a:p>
@@ -2594,7 +2597,7 @@
           <a:p>
             <a:fld id="{A76116CE-C4A3-4A05-B2D7-7C2E9A889C0F}" type="datetimeFigureOut">
               <a:rPr lang="en-US" smtClean="0"/>
-              <a:t>9/16/2023</a:t>
+              <a:t>9/17/2023</a:t>
             </a:fld>
             <a:endParaRPr lang="en-US"/>
           </a:p>
@@ -2708,7 +2711,7 @@
           <a:p>
             <a:fld id="{A76116CE-C4A3-4A05-B2D7-7C2E9A889C0F}" type="datetimeFigureOut">
               <a:rPr lang="en-US" smtClean="0"/>
-              <a:t>9/16/2023</a:t>
+              <a:t>9/17/2023</a:t>
             </a:fld>
             <a:endParaRPr lang="en-US"/>
           </a:p>
@@ -3011,7 +3014,7 @@
           <a:p>
             <a:fld id="{A76116CE-C4A3-4A05-B2D7-7C2E9A889C0F}" type="datetimeFigureOut">
               <a:rPr lang="en-US" smtClean="0"/>
-              <a:t>9/16/2023</a:t>
+              <a:t>9/17/2023</a:t>
             </a:fld>
             <a:endParaRPr lang="en-US"/>
           </a:p>
@@ -3291,7 +3294,7 @@
           <a:p>
             <a:fld id="{A76116CE-C4A3-4A05-B2D7-7C2E9A889C0F}" type="datetimeFigureOut">
               <a:rPr lang="en-US" smtClean="0"/>
-              <a:t>9/16/2023</a:t>
+              <a:t>9/17/2023</a:t>
             </a:fld>
             <a:endParaRPr lang="en-US"/>
           </a:p>
@@ -7296,6 +7299,246 @@
           </a:p>
         </p:txBody>
       </p:sp>
+      <p:pic>
+        <p:nvPicPr>
+          <p:cNvPr id="9" name="그림 8">
+            <a:extLst>
+              <a:ext uri="{FF2B5EF4-FFF2-40B4-BE49-F238E27FC236}">
+                <a16:creationId xmlns:a16="http://schemas.microsoft.com/office/drawing/2014/main" id="{991E793C-311A-B67A-EB97-D9E0473FAC88}"/>
+              </a:ext>
+            </a:extLst>
+          </p:cNvPr>
+          <p:cNvPicPr>
+            <a:picLocks noChangeAspect="1"/>
+          </p:cNvPicPr>
+          <p:nvPr/>
+        </p:nvPicPr>
+        <p:blipFill>
+          <a:blip r:embed="rId7">
+            <a:extLst>
+              <a:ext uri="{BEBA8EAE-BF5A-486C-A8C5-ECC9F3942E4B}">
+                <a14:imgProps xmlns:a14="http://schemas.microsoft.com/office/drawing/2010/main">
+                  <a14:imgLayer r:embed="rId8">
+                    <a14:imgEffect>
+                      <a14:artisticBlur/>
+                    </a14:imgEffect>
+                  </a14:imgLayer>
+                </a14:imgProps>
+              </a:ext>
+            </a:extLst>
+          </a:blip>
+          <a:stretch>
+            <a:fillRect/>
+          </a:stretch>
+        </p:blipFill>
+        <p:spPr>
+          <a:xfrm>
+            <a:off x="152400" y="2705100"/>
+            <a:ext cx="7153275" cy="2574188"/>
+          </a:xfrm>
+          <a:prstGeom prst="rect">
+            <a:avLst/>
+          </a:prstGeom>
+        </p:spPr>
+      </p:pic>
+      <p:pic>
+        <p:nvPicPr>
+          <p:cNvPr id="10" name="그림 9">
+            <a:extLst>
+              <a:ext uri="{FF2B5EF4-FFF2-40B4-BE49-F238E27FC236}">
+                <a16:creationId xmlns:a16="http://schemas.microsoft.com/office/drawing/2014/main" id="{2CBC6832-DB3B-0C5A-FA24-735E145408E2}"/>
+              </a:ext>
+            </a:extLst>
+          </p:cNvPr>
+          <p:cNvPicPr>
+            <a:picLocks noChangeAspect="1"/>
+          </p:cNvPicPr>
+          <p:nvPr/>
+        </p:nvPicPr>
+        <p:blipFill>
+          <a:blip r:embed="rId9">
+            <a:extLst>
+              <a:ext uri="{BEBA8EAE-BF5A-486C-A8C5-ECC9F3942E4B}">
+                <a14:imgProps xmlns:a14="http://schemas.microsoft.com/office/drawing/2010/main">
+                  <a14:imgLayer r:embed="rId10">
+                    <a14:imgEffect>
+                      <a14:artisticBlur/>
+                    </a14:imgEffect>
+                  </a14:imgLayer>
+                </a14:imgProps>
+              </a:ext>
+            </a:extLst>
+          </a:blip>
+          <a:stretch>
+            <a:fillRect/>
+          </a:stretch>
+        </p:blipFill>
+        <p:spPr>
+          <a:xfrm>
+            <a:off x="163286" y="5746122"/>
+            <a:ext cx="7162800" cy="1841221"/>
+          </a:xfrm>
+          <a:prstGeom prst="rect">
+            <a:avLst/>
+          </a:prstGeom>
+        </p:spPr>
+      </p:pic>
+      <p:grpSp>
+        <p:nvGrpSpPr>
+          <p:cNvPr id="12" name="그룹 11">
+            <a:extLst>
+              <a:ext uri="{FF2B5EF4-FFF2-40B4-BE49-F238E27FC236}">
+                <a16:creationId xmlns:a16="http://schemas.microsoft.com/office/drawing/2014/main" id="{39777A27-7E9F-C512-A17B-830CCA2098AA}"/>
+              </a:ext>
+            </a:extLst>
+          </p:cNvPr>
+          <p:cNvGrpSpPr/>
+          <p:nvPr/>
+        </p:nvGrpSpPr>
+        <p:grpSpPr>
+          <a:xfrm>
+            <a:off x="7664305" y="2691984"/>
+            <a:ext cx="10644106" cy="7336895"/>
+            <a:chOff x="7543800" y="245005"/>
+            <a:chExt cx="10644106" cy="7336895"/>
+          </a:xfrm>
+        </p:grpSpPr>
+        <p:grpSp>
+          <p:nvGrpSpPr>
+            <p:cNvPr id="13" name="그룹 12">
+              <a:extLst>
+                <a:ext uri="{FF2B5EF4-FFF2-40B4-BE49-F238E27FC236}">
+                  <a16:creationId xmlns:a16="http://schemas.microsoft.com/office/drawing/2014/main" id="{0B14A72C-2B14-084D-86F7-03E72AE5FED0}"/>
+                </a:ext>
+              </a:extLst>
+            </p:cNvPr>
+            <p:cNvGrpSpPr/>
+            <p:nvPr/>
+          </p:nvGrpSpPr>
+          <p:grpSpPr>
+            <a:xfrm>
+              <a:off x="7543800" y="318712"/>
+              <a:ext cx="10644106" cy="7263188"/>
+              <a:chOff x="7543800" y="318712"/>
+              <a:chExt cx="10644106" cy="7263188"/>
+            </a:xfrm>
+          </p:grpSpPr>
+          <p:pic>
+            <p:nvPicPr>
+              <p:cNvPr id="15" name="그림 14">
+                <a:extLst>
+                  <a:ext uri="{FF2B5EF4-FFF2-40B4-BE49-F238E27FC236}">
+                    <a16:creationId xmlns:a16="http://schemas.microsoft.com/office/drawing/2014/main" id="{A5F4B67F-9402-2A89-A053-3B359BD64C49}"/>
+                  </a:ext>
+                </a:extLst>
+              </p:cNvPr>
+              <p:cNvPicPr>
+                <a:picLocks noChangeAspect="1"/>
+              </p:cNvPicPr>
+              <p:nvPr/>
+            </p:nvPicPr>
+            <p:blipFill>
+              <a:blip r:embed="rId11">
+                <a:extLst>
+                  <a:ext uri="{BEBA8EAE-BF5A-486C-A8C5-ECC9F3942E4B}">
+                    <a14:imgProps xmlns:a14="http://schemas.microsoft.com/office/drawing/2010/main">
+                      <a14:imgLayer r:embed="rId12">
+                        <a14:imgEffect>
+                          <a14:artisticBlur/>
+                        </a14:imgEffect>
+                      </a14:imgLayer>
+                    </a14:imgProps>
+                  </a:ext>
+                </a:extLst>
+              </a:blip>
+              <a:stretch>
+                <a:fillRect/>
+              </a:stretch>
+            </p:blipFill>
+            <p:spPr>
+              <a:xfrm>
+                <a:off x="7543800" y="318712"/>
+                <a:ext cx="10644106" cy="7263188"/>
+              </a:xfrm>
+              <a:prstGeom prst="rect">
+                <a:avLst/>
+              </a:prstGeom>
+            </p:spPr>
+          </p:pic>
+          <p:pic>
+            <p:nvPicPr>
+              <p:cNvPr id="16" name="그림 15">
+                <a:extLst>
+                  <a:ext uri="{FF2B5EF4-FFF2-40B4-BE49-F238E27FC236}">
+                    <a16:creationId xmlns:a16="http://schemas.microsoft.com/office/drawing/2014/main" id="{3DF3F94C-DAA5-FAB5-39CA-EAFA6C8884C3}"/>
+                  </a:ext>
+                </a:extLst>
+              </p:cNvPr>
+              <p:cNvPicPr>
+                <a:picLocks noChangeAspect="1"/>
+              </p:cNvPicPr>
+              <p:nvPr/>
+            </p:nvPicPr>
+            <p:blipFill>
+              <a:blip r:embed="rId13">
+                <a:extLst>
+                  <a:ext uri="{BEBA8EAE-BF5A-486C-A8C5-ECC9F3942E4B}">
+                    <a14:imgProps xmlns:a14="http://schemas.microsoft.com/office/drawing/2010/main">
+                      <a14:imgLayer r:embed="rId14">
+                        <a14:imgEffect>
+                          <a14:artisticBlur/>
+                        </a14:imgEffect>
+                      </a14:imgLayer>
+                    </a14:imgProps>
+                  </a:ext>
+                </a:extLst>
+              </a:blip>
+              <a:stretch>
+                <a:fillRect/>
+              </a:stretch>
+            </p:blipFill>
+            <p:spPr>
+              <a:xfrm>
+                <a:off x="8763000" y="1257300"/>
+                <a:ext cx="8797471" cy="3962400"/>
+              </a:xfrm>
+              <a:prstGeom prst="rect">
+                <a:avLst/>
+              </a:prstGeom>
+            </p:spPr>
+          </p:pic>
+        </p:grpSp>
+        <p:pic>
+          <p:nvPicPr>
+            <p:cNvPr id="14" name="그림 13">
+              <a:extLst>
+                <a:ext uri="{FF2B5EF4-FFF2-40B4-BE49-F238E27FC236}">
+                  <a16:creationId xmlns:a16="http://schemas.microsoft.com/office/drawing/2014/main" id="{E23C24F7-7FBE-73E9-890D-2FEB3C6069E2}"/>
+                </a:ext>
+              </a:extLst>
+            </p:cNvPr>
+            <p:cNvPicPr>
+              <a:picLocks noChangeAspect="1"/>
+            </p:cNvPicPr>
+            <p:nvPr/>
+          </p:nvPicPr>
+          <p:blipFill>
+            <a:blip r:embed="rId6"/>
+            <a:stretch>
+              <a:fillRect/>
+            </a:stretch>
+          </p:blipFill>
+          <p:spPr>
+            <a:xfrm>
+              <a:off x="7567612" y="245005"/>
+              <a:ext cx="6562136" cy="631295"/>
+            </a:xfrm>
+            <a:prstGeom prst="rect">
+              <a:avLst/>
+            </a:prstGeom>
+          </p:spPr>
+        </p:pic>
+      </p:grpSp>
     </p:spTree>
     <p:extLst>
       <p:ext uri="{BB962C8B-B14F-4D97-AF65-F5344CB8AC3E}">
@@ -7306,6 +7549,135 @@
   <p:clrMapOvr>
     <a:masterClrMapping/>
   </p:clrMapOvr>
+  <p:timing>
+    <p:tnLst>
+      <p:par>
+        <p:cTn id="1" dur="indefinite" restart="never" nodeType="tmRoot">
+          <p:childTnLst>
+            <p:seq concurrent="1" nextAc="seek">
+              <p:cTn id="2" dur="indefinite" nodeType="mainSeq">
+                <p:childTnLst>
+                  <p:par>
+                    <p:cTn id="3" fill="hold">
+                      <p:stCondLst>
+                        <p:cond delay="indefinite"/>
+                      </p:stCondLst>
+                      <p:childTnLst>
+                        <p:par>
+                          <p:cTn id="4" fill="hold">
+                            <p:stCondLst>
+                              <p:cond delay="0"/>
+                            </p:stCondLst>
+                            <p:childTnLst>
+                              <p:par>
+                                <p:cTn id="5" presetID="1" presetClass="exit" presetSubtype="0" fill="hold" nodeType="clickEffect">
+                                  <p:stCondLst>
+                                    <p:cond delay="0"/>
+                                  </p:stCondLst>
+                                  <p:childTnLst>
+                                    <p:set>
+                                      <p:cBhvr>
+                                        <p:cTn id="6" dur="1" fill="hold">
+                                          <p:stCondLst>
+                                            <p:cond delay="0"/>
+                                          </p:stCondLst>
+                                        </p:cTn>
+                                        <p:tgtEl>
+                                          <p:spTgt spid="12"/>
+                                        </p:tgtEl>
+                                        <p:attrNameLst>
+                                          <p:attrName>style.visibility</p:attrName>
+                                        </p:attrNameLst>
+                                      </p:cBhvr>
+                                      <p:to>
+                                        <p:strVal val="hidden"/>
+                                      </p:to>
+                                    </p:set>
+                                  </p:childTnLst>
+                                </p:cTn>
+                              </p:par>
+                              <p:par>
+                                <p:cTn id="7" presetID="1" presetClass="exit" presetSubtype="0" fill="hold" nodeType="withEffect">
+                                  <p:stCondLst>
+                                    <p:cond delay="0"/>
+                                  </p:stCondLst>
+                                  <p:childTnLst>
+                                    <p:set>
+                                      <p:cBhvr>
+                                        <p:cTn id="8" dur="1" fill="hold">
+                                          <p:stCondLst>
+                                            <p:cond delay="0"/>
+                                          </p:stCondLst>
+                                        </p:cTn>
+                                        <p:tgtEl>
+                                          <p:spTgt spid="9"/>
+                                        </p:tgtEl>
+                                        <p:attrNameLst>
+                                          <p:attrName>style.visibility</p:attrName>
+                                        </p:attrNameLst>
+                                      </p:cBhvr>
+                                      <p:to>
+                                        <p:strVal val="hidden"/>
+                                      </p:to>
+                                    </p:set>
+                                  </p:childTnLst>
+                                </p:cTn>
+                              </p:par>
+                              <p:par>
+                                <p:cTn id="9" presetID="1" presetClass="exit" presetSubtype="0" fill="hold" nodeType="withEffect">
+                                  <p:stCondLst>
+                                    <p:cond delay="0"/>
+                                  </p:stCondLst>
+                                  <p:childTnLst>
+                                    <p:set>
+                                      <p:cBhvr>
+                                        <p:cTn id="10" dur="1" fill="hold">
+                                          <p:stCondLst>
+                                            <p:cond delay="0"/>
+                                          </p:stCondLst>
+                                        </p:cTn>
+                                        <p:tgtEl>
+                                          <p:spTgt spid="10"/>
+                                        </p:tgtEl>
+                                        <p:attrNameLst>
+                                          <p:attrName>style.visibility</p:attrName>
+                                        </p:attrNameLst>
+                                      </p:cBhvr>
+                                      <p:to>
+                                        <p:strVal val="hidden"/>
+                                      </p:to>
+                                    </p:set>
+                                  </p:childTnLst>
+                                </p:cTn>
+                              </p:par>
+                            </p:childTnLst>
+                          </p:cTn>
+                        </p:par>
+                      </p:childTnLst>
+                    </p:cTn>
+                  </p:par>
+                </p:childTnLst>
+              </p:cTn>
+              <p:prevCondLst>
+                <p:cond evt="onPrev" delay="0">
+                  <p:tgtEl>
+                    <p:sldTgt/>
+                  </p:tgtEl>
+                </p:cond>
+              </p:prevCondLst>
+              <p:nextCondLst>
+                <p:cond evt="onNext" delay="0">
+                  <p:tgtEl>
+                    <p:sldTgt/>
+                  </p:tgtEl>
+                </p:cond>
+              </p:nextCondLst>
+            </p:seq>
+          </p:childTnLst>
+        </p:cTn>
+      </p:par>
+    </p:tnLst>
+  </p:timing>
 </p:sld>
 </file>
 
@@ -9777,6 +10149,81 @@
   <p:clrMapOvr>
     <a:masterClrMapping/>
   </p:clrMapOvr>
+  <p:timing>
+    <p:tnLst>
+      <p:par>
+        <p:cTn id="1" dur="indefinite" restart="never" nodeType="tmRoot">
+          <p:childTnLst>
+            <p:seq concurrent="1" nextAc="seek">
+              <p:cTn id="2" dur="indefinite" nodeType="mainSeq">
+                <p:childTnLst>
+                  <p:par>
+                    <p:cTn id="3" fill="hold">
+                      <p:stCondLst>
+                        <p:cond delay="indefinite"/>
+                      </p:stCondLst>
+                      <p:childTnLst>
+                        <p:par>
+                          <p:cTn id="4" fill="hold">
+                            <p:stCondLst>
+                              <p:cond delay="0"/>
+                            </p:stCondLst>
+                            <p:childTnLst>
+                              <p:par>
+                                <p:cTn id="5" presetID="1" presetClass="exit" presetSubtype="0" fill="hold" nodeType="clickEffect">
+                                  <p:stCondLst>
+                                    <p:cond delay="0"/>
+                                  </p:stCondLst>
+                                  <p:childTnLst>
+                                    <p:set>
+                                      <p:cBhvr>
+                                        <p:cTn id="6" dur="1" fill="hold">
+                                          <p:stCondLst>
+                                            <p:cond delay="0"/>
+                                          </p:stCondLst>
+                                        </p:cTn>
+                                        <p:tgtEl>
+                                          <p:spTgt spid="6"/>
+                                        </p:tgtEl>
+                                        <p:attrNameLst>
+                                          <p:attrName>style.visibility</p:attrName>
+                                        </p:attrNameLst>
+                                      </p:cBhvr>
+                                      <p:to>
+                                        <p:strVal val="hidden"/>
+                                      </p:to>
+                                    </p:set>
+                                  </p:childTnLst>
+                                </p:cTn>
+                              </p:par>
+                            </p:childTnLst>
+                          </p:cTn>
+                        </p:par>
+                      </p:childTnLst>
+                    </p:cTn>
+                  </p:par>
+                </p:childTnLst>
+              </p:cTn>
+              <p:prevCondLst>
+                <p:cond evt="onPrev" delay="0">
+                  <p:tgtEl>
+                    <p:sldTgt/>
+                  </p:tgtEl>
+                </p:cond>
+              </p:prevCondLst>
+              <p:nextCondLst>
+                <p:cond evt="onNext" delay="0">
+                  <p:tgtEl>
+                    <p:sldTgt/>
+                  </p:tgtEl>
+                </p:cond>
+              </p:nextCondLst>
+            </p:seq>
+          </p:childTnLst>
+        </p:cTn>
+      </p:par>
+    </p:tnLst>
+  </p:timing>
 </p:sld>
 </file>
 
@@ -10271,16 +10718,6 @@
               <a:t>input, output </a:t>
             </a:r>
             <a:r>
-              <a:rPr lang="ko-KR" altLang="en-US" sz="2400" dirty="0" err="1">
-                <a:solidFill>
-                  <a:srgbClr val="4C50BB"/>
-                </a:solidFill>
-                <a:latin typeface="G마켓 산스 Medium" panose="02000000000000000000" pitchFamily="50" charset="-127"/>
-                <a:ea typeface="G마켓 산스 Medium" panose="02000000000000000000" pitchFamily="50" charset="-127"/>
-              </a:rPr>
-              <a:t>스트림을</a:t>
-            </a:r>
-            <a:r>
               <a:rPr lang="ko-KR" altLang="en-US" sz="2400" dirty="0">
                 <a:solidFill>
                   <a:srgbClr val="4C50BB"/>
@@ -10288,27 +10725,7 @@
                 <a:latin typeface="G마켓 산스 Medium" panose="02000000000000000000" pitchFamily="50" charset="-127"/>
                 <a:ea typeface="G마켓 산스 Medium" panose="02000000000000000000" pitchFamily="50" charset="-127"/>
               </a:rPr>
-              <a:t> 사용해야 </a:t>
-            </a:r>
-            <a:r>
-              <a:rPr lang="ko-KR" altLang="en-US" sz="2400" dirty="0" err="1">
-                <a:solidFill>
-                  <a:srgbClr val="4C50BB"/>
-                </a:solidFill>
-                <a:latin typeface="G마켓 산스 Medium" panose="02000000000000000000" pitchFamily="50" charset="-127"/>
-                <a:ea typeface="G마켓 산스 Medium" panose="02000000000000000000" pitchFamily="50" charset="-127"/>
-              </a:rPr>
-              <a:t>한다는걸</a:t>
-            </a:r>
-            <a:r>
-              <a:rPr lang="ko-KR" altLang="en-US" sz="2400" dirty="0">
-                <a:solidFill>
-                  <a:srgbClr val="4C50BB"/>
-                </a:solidFill>
-                <a:latin typeface="G마켓 산스 Medium" panose="02000000000000000000" pitchFamily="50" charset="-127"/>
-                <a:ea typeface="G마켓 산스 Medium" panose="02000000000000000000" pitchFamily="50" charset="-127"/>
-              </a:rPr>
-              <a:t> 알 필요가 있을까</a:t>
+              <a:t>스트림을 사용해야 한다는 걸 알 필요가 있을까</a:t>
             </a:r>
             <a:r>
               <a:rPr lang="en-US" altLang="ko-KR" sz="2400" dirty="0">
@@ -10850,6 +11267,641 @@
 </file>
 
 <file path=ppt/slides/slide31.xml><?xml version="1.0" encoding="utf-8"?>
+<p:sld xmlns:a="http://schemas.openxmlformats.org/drawingml/2006/main" xmlns:r="http://schemas.openxmlformats.org/officeDocument/2006/relationships" xmlns:p="http://schemas.openxmlformats.org/presentationml/2006/main">
+  <p:cSld>
+    <p:spTree>
+      <p:nvGrpSpPr>
+        <p:cNvPr id="1" name=""/>
+        <p:cNvGrpSpPr/>
+        <p:nvPr/>
+      </p:nvGrpSpPr>
+      <p:grpSpPr>
+        <a:xfrm>
+          <a:off x="0" y="0"/>
+          <a:ext cx="0" cy="0"/>
+          <a:chOff x="0" y="0"/>
+          <a:chExt cx="0" cy="0"/>
+        </a:xfrm>
+      </p:grpSpPr>
+      <p:pic>
+        <p:nvPicPr>
+          <p:cNvPr id="5" name="그림 4">
+            <a:extLst>
+              <a:ext uri="{FF2B5EF4-FFF2-40B4-BE49-F238E27FC236}">
+                <a16:creationId xmlns:a16="http://schemas.microsoft.com/office/drawing/2014/main" id="{3535DC53-D431-BEBB-9232-DF9566F19C8A}"/>
+              </a:ext>
+            </a:extLst>
+          </p:cNvPr>
+          <p:cNvPicPr>
+            <a:picLocks noChangeAspect="1"/>
+          </p:cNvPicPr>
+          <p:nvPr/>
+        </p:nvPicPr>
+        <p:blipFill>
+          <a:blip r:embed="rId2"/>
+          <a:stretch>
+            <a:fillRect/>
+          </a:stretch>
+        </p:blipFill>
+        <p:spPr>
+          <a:xfrm>
+            <a:off x="1524000" y="2077134"/>
+            <a:ext cx="4725059" cy="1505160"/>
+          </a:xfrm>
+          <a:prstGeom prst="rect">
+            <a:avLst/>
+          </a:prstGeom>
+        </p:spPr>
+      </p:pic>
+      <p:cxnSp>
+        <p:nvCxnSpPr>
+          <p:cNvPr id="6" name="직선 화살표 연결선 5">
+            <a:extLst>
+              <a:ext uri="{FF2B5EF4-FFF2-40B4-BE49-F238E27FC236}">
+                <a16:creationId xmlns:a16="http://schemas.microsoft.com/office/drawing/2014/main" id="{BA7E4FDE-93F1-3C00-9860-96EDFB9F5A4C}"/>
+              </a:ext>
+            </a:extLst>
+          </p:cNvPr>
+          <p:cNvCxnSpPr>
+            <a:cxnSpLocks/>
+          </p:cNvCxnSpPr>
+          <p:nvPr/>
+        </p:nvCxnSpPr>
+        <p:spPr>
+          <a:xfrm>
+            <a:off x="6249059" y="3143934"/>
+            <a:ext cx="1219200" cy="0"/>
+          </a:xfrm>
+          <a:prstGeom prst="straightConnector1">
+            <a:avLst/>
+          </a:prstGeom>
+          <a:ln w="38100">
+            <a:tailEnd type="triangle"/>
+          </a:ln>
+        </p:spPr>
+        <p:style>
+          <a:lnRef idx="1">
+            <a:schemeClr val="accent2"/>
+          </a:lnRef>
+          <a:fillRef idx="0">
+            <a:schemeClr val="accent2"/>
+          </a:fillRef>
+          <a:effectRef idx="0">
+            <a:schemeClr val="accent2"/>
+          </a:effectRef>
+          <a:fontRef idx="minor">
+            <a:schemeClr val="tx1"/>
+          </a:fontRef>
+        </p:style>
+      </p:cxnSp>
+      <p:sp>
+        <p:nvSpPr>
+          <p:cNvPr id="7" name="직사각형 6">
+            <a:extLst>
+              <a:ext uri="{FF2B5EF4-FFF2-40B4-BE49-F238E27FC236}">
+                <a16:creationId xmlns:a16="http://schemas.microsoft.com/office/drawing/2014/main" id="{A54EA248-07ED-2F9A-1FB4-22D8F7992051}"/>
+              </a:ext>
+            </a:extLst>
+          </p:cNvPr>
+          <p:cNvSpPr/>
+          <p:nvPr/>
+        </p:nvSpPr>
+        <p:spPr>
+          <a:xfrm>
+            <a:off x="3200400" y="2935963"/>
+            <a:ext cx="2819400" cy="457200"/>
+          </a:xfrm>
+          <a:prstGeom prst="rect">
+            <a:avLst/>
+          </a:prstGeom>
+          <a:noFill/>
+          <a:ln>
+            <a:solidFill>
+              <a:srgbClr val="FF0000"/>
+            </a:solidFill>
+          </a:ln>
+        </p:spPr>
+        <p:style>
+          <a:lnRef idx="2">
+            <a:schemeClr val="accent2">
+              <a:shade val="50000"/>
+            </a:schemeClr>
+          </a:lnRef>
+          <a:fillRef idx="1">
+            <a:schemeClr val="accent2"/>
+          </a:fillRef>
+          <a:effectRef idx="0">
+            <a:schemeClr val="accent2"/>
+          </a:effectRef>
+          <a:fontRef idx="minor">
+            <a:schemeClr val="lt1"/>
+          </a:fontRef>
+        </p:style>
+        <p:txBody>
+          <a:bodyPr rtlCol="0" anchor="ctr"/>
+          <a:lstStyle/>
+          <a:p>
+            <a:pPr algn="ctr"/>
+            <a:endParaRPr lang="ko-KR" altLang="en-US"/>
+          </a:p>
+        </p:txBody>
+      </p:sp>
+      <p:sp>
+        <p:nvSpPr>
+          <p:cNvPr id="8" name="TextBox 7">
+            <a:extLst>
+              <a:ext uri="{FF2B5EF4-FFF2-40B4-BE49-F238E27FC236}">
+                <a16:creationId xmlns:a16="http://schemas.microsoft.com/office/drawing/2014/main" id="{331E521B-7746-A91F-CB31-A5DA6E5E18F9}"/>
+              </a:ext>
+            </a:extLst>
+          </p:cNvPr>
+          <p:cNvSpPr txBox="1"/>
+          <p:nvPr/>
+        </p:nvSpPr>
+        <p:spPr>
+          <a:xfrm>
+            <a:off x="7468258" y="2820768"/>
+            <a:ext cx="9371941" cy="646331"/>
+          </a:xfrm>
+          <a:prstGeom prst="rect">
+            <a:avLst/>
+          </a:prstGeom>
+          <a:noFill/>
+        </p:spPr>
+        <p:txBody>
+          <a:bodyPr wrap="square" rtlCol="0">
+            <a:spAutoFit/>
+          </a:bodyPr>
+          <a:lstStyle/>
+          <a:p>
+            <a:r>
+              <a:rPr lang="en-US" altLang="ko-KR" sz="3600" dirty="0">
+                <a:solidFill>
+                  <a:srgbClr val="FF0000"/>
+                </a:solidFill>
+                <a:latin typeface="G마켓 산스 Medium" panose="02000000000000000000" pitchFamily="50" charset="-127"/>
+                <a:ea typeface="G마켓 산스 Medium" panose="02000000000000000000" pitchFamily="50" charset="-127"/>
+              </a:rPr>
+              <a:t>ChatGPT </a:t>
+            </a:r>
+            <a:r>
+              <a:rPr lang="ko-KR" altLang="en-US" sz="3600" dirty="0">
+                <a:solidFill>
+                  <a:srgbClr val="FF0000"/>
+                </a:solidFill>
+                <a:latin typeface="G마켓 산스 Medium" panose="02000000000000000000" pitchFamily="50" charset="-127"/>
+                <a:ea typeface="G마켓 산스 Medium" panose="02000000000000000000" pitchFamily="50" charset="-127"/>
+              </a:rPr>
+              <a:t>클래스의 멤버변수로 들어왔다</a:t>
+            </a:r>
+            <a:r>
+              <a:rPr lang="en-US" altLang="ko-KR" sz="3600" dirty="0">
+                <a:solidFill>
+                  <a:srgbClr val="FF0000"/>
+                </a:solidFill>
+                <a:latin typeface="G마켓 산스 Medium" panose="02000000000000000000" pitchFamily="50" charset="-127"/>
+                <a:ea typeface="G마켓 산스 Medium" panose="02000000000000000000" pitchFamily="50" charset="-127"/>
+              </a:rPr>
+              <a:t>.</a:t>
+            </a:r>
+          </a:p>
+        </p:txBody>
+      </p:sp>
+      <p:pic>
+        <p:nvPicPr>
+          <p:cNvPr id="10" name="그림 9">
+            <a:extLst>
+              <a:ext uri="{FF2B5EF4-FFF2-40B4-BE49-F238E27FC236}">
+                <a16:creationId xmlns:a16="http://schemas.microsoft.com/office/drawing/2014/main" id="{DAF845C1-73C1-23DF-8505-7127CA7A5162}"/>
+              </a:ext>
+            </a:extLst>
+          </p:cNvPr>
+          <p:cNvPicPr>
+            <a:picLocks noChangeAspect="1"/>
+          </p:cNvPicPr>
+          <p:nvPr/>
+        </p:nvPicPr>
+        <p:blipFill>
+          <a:blip r:embed="rId3"/>
+          <a:stretch>
+            <a:fillRect/>
+          </a:stretch>
+        </p:blipFill>
+        <p:spPr>
+          <a:xfrm>
+            <a:off x="1505857" y="3905460"/>
+            <a:ext cx="9192899" cy="3505674"/>
+          </a:xfrm>
+          <a:prstGeom prst="rect">
+            <a:avLst/>
+          </a:prstGeom>
+        </p:spPr>
+      </p:pic>
+      <p:cxnSp>
+        <p:nvCxnSpPr>
+          <p:cNvPr id="11" name="직선 화살표 연결선 10">
+            <a:extLst>
+              <a:ext uri="{FF2B5EF4-FFF2-40B4-BE49-F238E27FC236}">
+                <a16:creationId xmlns:a16="http://schemas.microsoft.com/office/drawing/2014/main" id="{736BFA75-75DA-9213-4783-F2C92C5C350B}"/>
+              </a:ext>
+            </a:extLst>
+          </p:cNvPr>
+          <p:cNvCxnSpPr>
+            <a:cxnSpLocks/>
+          </p:cNvCxnSpPr>
+          <p:nvPr/>
+        </p:nvCxnSpPr>
+        <p:spPr>
+          <a:xfrm>
+            <a:off x="3733800" y="5448300"/>
+            <a:ext cx="3124201" cy="0"/>
+          </a:xfrm>
+          <a:prstGeom prst="straightConnector1">
+            <a:avLst/>
+          </a:prstGeom>
+          <a:ln w="38100">
+            <a:tailEnd type="triangle"/>
+          </a:ln>
+        </p:spPr>
+        <p:style>
+          <a:lnRef idx="1">
+            <a:schemeClr val="accent2"/>
+          </a:lnRef>
+          <a:fillRef idx="0">
+            <a:schemeClr val="accent2"/>
+          </a:fillRef>
+          <a:effectRef idx="0">
+            <a:schemeClr val="accent2"/>
+          </a:effectRef>
+          <a:fontRef idx="minor">
+            <a:schemeClr val="tx1"/>
+          </a:fontRef>
+        </p:style>
+      </p:cxnSp>
+      <p:sp>
+        <p:nvSpPr>
+          <p:cNvPr id="12" name="직사각형 11">
+            <a:extLst>
+              <a:ext uri="{FF2B5EF4-FFF2-40B4-BE49-F238E27FC236}">
+                <a16:creationId xmlns:a16="http://schemas.microsoft.com/office/drawing/2014/main" id="{A324866F-9C4C-6906-D629-671F4EDD8935}"/>
+              </a:ext>
+            </a:extLst>
+          </p:cNvPr>
+          <p:cNvSpPr/>
+          <p:nvPr/>
+        </p:nvSpPr>
+        <p:spPr>
+          <a:xfrm>
+            <a:off x="2590142" y="5240329"/>
+            <a:ext cx="991258" cy="457200"/>
+          </a:xfrm>
+          <a:prstGeom prst="rect">
+            <a:avLst/>
+          </a:prstGeom>
+          <a:noFill/>
+          <a:ln>
+            <a:solidFill>
+              <a:srgbClr val="FF0000"/>
+            </a:solidFill>
+          </a:ln>
+        </p:spPr>
+        <p:style>
+          <a:lnRef idx="2">
+            <a:schemeClr val="accent2">
+              <a:shade val="50000"/>
+            </a:schemeClr>
+          </a:lnRef>
+          <a:fillRef idx="1">
+            <a:schemeClr val="accent2"/>
+          </a:fillRef>
+          <a:effectRef idx="0">
+            <a:schemeClr val="accent2"/>
+          </a:effectRef>
+          <a:fontRef idx="minor">
+            <a:schemeClr val="lt1"/>
+          </a:fontRef>
+        </p:style>
+        <p:txBody>
+          <a:bodyPr rtlCol="0" anchor="ctr"/>
+          <a:lstStyle/>
+          <a:p>
+            <a:pPr algn="ctr"/>
+            <a:endParaRPr lang="ko-KR" altLang="en-US"/>
+          </a:p>
+        </p:txBody>
+      </p:sp>
+      <p:sp>
+        <p:nvSpPr>
+          <p:cNvPr id="13" name="TextBox 12">
+            <a:extLst>
+              <a:ext uri="{FF2B5EF4-FFF2-40B4-BE49-F238E27FC236}">
+                <a16:creationId xmlns:a16="http://schemas.microsoft.com/office/drawing/2014/main" id="{0EF580AB-D402-C23B-16B9-F767E30A06E1}"/>
+              </a:ext>
+            </a:extLst>
+          </p:cNvPr>
+          <p:cNvSpPr txBox="1"/>
+          <p:nvPr/>
+        </p:nvSpPr>
+        <p:spPr>
+          <a:xfrm>
+            <a:off x="6858000" y="5125134"/>
+            <a:ext cx="9371941" cy="1754326"/>
+          </a:xfrm>
+          <a:prstGeom prst="rect">
+            <a:avLst/>
+          </a:prstGeom>
+          <a:noFill/>
+        </p:spPr>
+        <p:txBody>
+          <a:bodyPr wrap="square" rtlCol="0">
+            <a:spAutoFit/>
+          </a:bodyPr>
+          <a:lstStyle/>
+          <a:p>
+            <a:r>
+              <a:rPr lang="ko-KR" altLang="en-US" sz="3600" dirty="0">
+                <a:solidFill>
+                  <a:srgbClr val="FF0000"/>
+                </a:solidFill>
+                <a:latin typeface="G마켓 산스 Medium" panose="02000000000000000000" pitchFamily="50" charset="-127"/>
+                <a:ea typeface="G마켓 산스 Medium" panose="02000000000000000000" pitchFamily="50" charset="-127"/>
+              </a:rPr>
+              <a:t>지역변수가 아닌 멤버변수에 저장을 </a:t>
+            </a:r>
+            <a:r>
+              <a:rPr lang="ko-KR" altLang="en-US" sz="3600" dirty="0" err="1">
+                <a:solidFill>
+                  <a:srgbClr val="FF0000"/>
+                </a:solidFill>
+                <a:latin typeface="G마켓 산스 Medium" panose="02000000000000000000" pitchFamily="50" charset="-127"/>
+                <a:ea typeface="G마켓 산스 Medium" panose="02000000000000000000" pitchFamily="50" charset="-127"/>
+              </a:rPr>
+              <a:t>해둔다</a:t>
+            </a:r>
+            <a:r>
+              <a:rPr lang="en-US" altLang="ko-KR" sz="3600" dirty="0">
+                <a:solidFill>
+                  <a:srgbClr val="FF0000"/>
+                </a:solidFill>
+                <a:latin typeface="G마켓 산스 Medium" panose="02000000000000000000" pitchFamily="50" charset="-127"/>
+                <a:ea typeface="G마켓 산스 Medium" panose="02000000000000000000" pitchFamily="50" charset="-127"/>
+              </a:rPr>
+              <a:t>.</a:t>
+            </a:r>
+          </a:p>
+          <a:p>
+            <a:r>
+              <a:rPr lang="en-US" altLang="ko-KR" sz="3600" dirty="0">
+                <a:solidFill>
+                  <a:srgbClr val="FF0000"/>
+                </a:solidFill>
+                <a:latin typeface="G마켓 산스 Medium" panose="02000000000000000000" pitchFamily="50" charset="-127"/>
+                <a:ea typeface="G마켓 산스 Medium" panose="02000000000000000000" pitchFamily="50" charset="-127"/>
+              </a:rPr>
+              <a:t>send</a:t>
+            </a:r>
+            <a:r>
+              <a:rPr lang="ko-KR" altLang="en-US" sz="3600" dirty="0">
+                <a:solidFill>
+                  <a:srgbClr val="FF0000"/>
+                </a:solidFill>
+                <a:latin typeface="G마켓 산스 Medium" panose="02000000000000000000" pitchFamily="50" charset="-127"/>
+                <a:ea typeface="G마켓 산스 Medium" panose="02000000000000000000" pitchFamily="50" charset="-127"/>
+              </a:rPr>
+              <a:t>와 </a:t>
+            </a:r>
+            <a:r>
+              <a:rPr lang="en-US" altLang="ko-KR" sz="3600" dirty="0">
+                <a:solidFill>
+                  <a:srgbClr val="FF0000"/>
+                </a:solidFill>
+                <a:latin typeface="G마켓 산스 Medium" panose="02000000000000000000" pitchFamily="50" charset="-127"/>
+                <a:ea typeface="G마켓 산스 Medium" panose="02000000000000000000" pitchFamily="50" charset="-127"/>
+              </a:rPr>
+              <a:t>receive </a:t>
+            </a:r>
+            <a:r>
+              <a:rPr lang="ko-KR" altLang="en-US" sz="3600" dirty="0">
+                <a:solidFill>
+                  <a:srgbClr val="FF0000"/>
+                </a:solidFill>
+                <a:latin typeface="G마켓 산스 Medium" panose="02000000000000000000" pitchFamily="50" charset="-127"/>
+                <a:ea typeface="G마켓 산스 Medium" panose="02000000000000000000" pitchFamily="50" charset="-127"/>
+              </a:rPr>
+              <a:t>메서드에서 </a:t>
+            </a:r>
+            <a:r>
+              <a:rPr lang="ko-KR" altLang="en-US" sz="3600" dirty="0" err="1">
+                <a:solidFill>
+                  <a:srgbClr val="FF0000"/>
+                </a:solidFill>
+                <a:latin typeface="G마켓 산스 Medium" panose="02000000000000000000" pitchFamily="50" charset="-127"/>
+                <a:ea typeface="G마켓 산스 Medium" panose="02000000000000000000" pitchFamily="50" charset="-127"/>
+              </a:rPr>
+              <a:t>사용해야하기때문이다</a:t>
+            </a:r>
+            <a:r>
+              <a:rPr lang="en-US" altLang="ko-KR" sz="3600" dirty="0">
+                <a:solidFill>
+                  <a:srgbClr val="FF0000"/>
+                </a:solidFill>
+                <a:latin typeface="G마켓 산스 Medium" panose="02000000000000000000" pitchFamily="50" charset="-127"/>
+                <a:ea typeface="G마켓 산스 Medium" panose="02000000000000000000" pitchFamily="50" charset="-127"/>
+              </a:rPr>
+              <a:t>.</a:t>
+            </a:r>
+          </a:p>
+        </p:txBody>
+      </p:sp>
+      <p:sp>
+        <p:nvSpPr>
+          <p:cNvPr id="24" name="직사각형 23">
+            <a:extLst>
+              <a:ext uri="{FF2B5EF4-FFF2-40B4-BE49-F238E27FC236}">
+                <a16:creationId xmlns:a16="http://schemas.microsoft.com/office/drawing/2014/main" id="{287CEC18-9C5A-94FF-C317-A69F8EE35EA0}"/>
+              </a:ext>
+            </a:extLst>
+          </p:cNvPr>
+          <p:cNvSpPr/>
+          <p:nvPr/>
+        </p:nvSpPr>
+        <p:spPr>
+          <a:xfrm>
+            <a:off x="1143000" y="1619934"/>
+            <a:ext cx="16535400" cy="6629400"/>
+          </a:xfrm>
+          <a:prstGeom prst="rect">
+            <a:avLst/>
+          </a:prstGeom>
+          <a:solidFill>
+            <a:schemeClr val="bg1"/>
+          </a:solidFill>
+        </p:spPr>
+        <p:style>
+          <a:lnRef idx="2">
+            <a:schemeClr val="accent1">
+              <a:shade val="15000"/>
+            </a:schemeClr>
+          </a:lnRef>
+          <a:fillRef idx="1">
+            <a:schemeClr val="accent1"/>
+          </a:fillRef>
+          <a:effectRef idx="0">
+            <a:schemeClr val="accent1"/>
+          </a:effectRef>
+          <a:fontRef idx="minor">
+            <a:schemeClr val="lt1"/>
+          </a:fontRef>
+        </p:style>
+        <p:txBody>
+          <a:bodyPr rtlCol="0" anchor="ctr"/>
+          <a:lstStyle/>
+          <a:p>
+            <a:pPr algn="ctr"/>
+            <a:endParaRPr lang="ko-KR" altLang="en-US"/>
+          </a:p>
+        </p:txBody>
+      </p:sp>
+      <p:sp>
+        <p:nvSpPr>
+          <p:cNvPr id="25" name="TextBox 24">
+            <a:extLst>
+              <a:ext uri="{FF2B5EF4-FFF2-40B4-BE49-F238E27FC236}">
+                <a16:creationId xmlns:a16="http://schemas.microsoft.com/office/drawing/2014/main" id="{106389B5-8673-4DF6-988B-98BEB5FE0525}"/>
+              </a:ext>
+            </a:extLst>
+          </p:cNvPr>
+          <p:cNvSpPr txBox="1"/>
+          <p:nvPr/>
+        </p:nvSpPr>
+        <p:spPr>
+          <a:xfrm>
+            <a:off x="533400" y="419100"/>
+            <a:ext cx="1981200" cy="830997"/>
+          </a:xfrm>
+          <a:prstGeom prst="rect">
+            <a:avLst/>
+          </a:prstGeom>
+          <a:noFill/>
+        </p:spPr>
+        <p:txBody>
+          <a:bodyPr wrap="square" rtlCol="0">
+            <a:spAutoFit/>
+          </a:bodyPr>
+          <a:lstStyle/>
+          <a:p>
+            <a:r>
+              <a:rPr lang="ko-KR" altLang="en-US" sz="4800" dirty="0">
+                <a:solidFill>
+                  <a:srgbClr val="4C50BC"/>
+                </a:solidFill>
+                <a:latin typeface="G마켓 산스 Medium" panose="02000000000000000000" pitchFamily="50" charset="-127"/>
+                <a:ea typeface="G마켓 산스 Medium" panose="02000000000000000000" pitchFamily="50" charset="-127"/>
+              </a:rPr>
+              <a:t>정답</a:t>
+            </a:r>
+            <a:endParaRPr lang="en-US" altLang="ko-KR" sz="4800" dirty="0">
+              <a:solidFill>
+                <a:srgbClr val="4C50BC"/>
+              </a:solidFill>
+              <a:latin typeface="G마켓 산스 Medium" panose="02000000000000000000" pitchFamily="50" charset="-127"/>
+              <a:ea typeface="G마켓 산스 Medium" panose="02000000000000000000" pitchFamily="50" charset="-127"/>
+            </a:endParaRPr>
+          </a:p>
+        </p:txBody>
+      </p:sp>
+    </p:spTree>
+    <p:extLst>
+      <p:ext uri="{BB962C8B-B14F-4D97-AF65-F5344CB8AC3E}">
+        <p14:creationId xmlns:p14="http://schemas.microsoft.com/office/powerpoint/2010/main" val="1156710636"/>
+      </p:ext>
+    </p:extLst>
+  </p:cSld>
+  <p:clrMapOvr>
+    <a:masterClrMapping/>
+  </p:clrMapOvr>
+  <p:timing>
+    <p:tnLst>
+      <p:par>
+        <p:cTn id="1" dur="indefinite" restart="never" nodeType="tmRoot">
+          <p:childTnLst>
+            <p:seq concurrent="1" nextAc="seek">
+              <p:cTn id="2" dur="indefinite" nodeType="mainSeq">
+                <p:childTnLst>
+                  <p:par>
+                    <p:cTn id="3" fill="hold">
+                      <p:stCondLst>
+                        <p:cond delay="indefinite"/>
+                      </p:stCondLst>
+                      <p:childTnLst>
+                        <p:par>
+                          <p:cTn id="4" fill="hold">
+                            <p:stCondLst>
+                              <p:cond delay="0"/>
+                            </p:stCondLst>
+                            <p:childTnLst>
+                              <p:par>
+                                <p:cTn id="5" presetID="1" presetClass="exit" presetSubtype="0" fill="hold" grpId="0" nodeType="clickEffect">
+                                  <p:stCondLst>
+                                    <p:cond delay="0"/>
+                                  </p:stCondLst>
+                                  <p:childTnLst>
+                                    <p:set>
+                                      <p:cBhvr>
+                                        <p:cTn id="6" dur="1" fill="hold">
+                                          <p:stCondLst>
+                                            <p:cond delay="0"/>
+                                          </p:stCondLst>
+                                        </p:cTn>
+                                        <p:tgtEl>
+                                          <p:spTgt spid="24"/>
+                                        </p:tgtEl>
+                                        <p:attrNameLst>
+                                          <p:attrName>style.visibility</p:attrName>
+                                        </p:attrNameLst>
+                                      </p:cBhvr>
+                                      <p:to>
+                                        <p:strVal val="hidden"/>
+                                      </p:to>
+                                    </p:set>
+                                  </p:childTnLst>
+                                </p:cTn>
+                              </p:par>
+                            </p:childTnLst>
+                          </p:cTn>
+                        </p:par>
+                      </p:childTnLst>
+                    </p:cTn>
+                  </p:par>
+                </p:childTnLst>
+              </p:cTn>
+              <p:prevCondLst>
+                <p:cond evt="onPrev" delay="0">
+                  <p:tgtEl>
+                    <p:sldTgt/>
+                  </p:tgtEl>
+                </p:cond>
+              </p:prevCondLst>
+              <p:nextCondLst>
+                <p:cond evt="onNext" delay="0">
+                  <p:tgtEl>
+                    <p:sldTgt/>
+                  </p:tgtEl>
+                </p:cond>
+              </p:nextCondLst>
+            </p:seq>
+          </p:childTnLst>
+        </p:cTn>
+      </p:par>
+    </p:tnLst>
+    <p:bldLst>
+      <p:bldP spid="24" grpId="0" animBg="1"/>
+    </p:bldLst>
+  </p:timing>
+</p:sld>
+</file>
+
+<file path=ppt/slides/slide32.xml><?xml version="1.0" encoding="utf-8"?>
 <p:sld xmlns:a="http://schemas.openxmlformats.org/drawingml/2006/main" xmlns:r="http://schemas.openxmlformats.org/officeDocument/2006/relationships" xmlns:p="http://schemas.openxmlformats.org/presentationml/2006/main">
   <p:cSld>
     <p:spTree>
@@ -10952,7 +12004,7 @@
         <p:spPr>
           <a:xfrm>
             <a:off x="381000" y="47804"/>
-            <a:ext cx="17145000" cy="3724096"/>
+            <a:ext cx="17145000" cy="3416320"/>
           </a:xfrm>
           <a:prstGeom prst="rect">
             <a:avLst/>
@@ -11147,7 +12199,7 @@
           </a:p>
           <a:p>
             <a:r>
-              <a:rPr lang="ko-KR" altLang="en-US" sz="2800" dirty="0">
+              <a:rPr lang="ko-KR" altLang="en-US" sz="2400" dirty="0">
                 <a:solidFill>
                   <a:schemeClr val="tx1">
                     <a:lumMod val="50000"/>
@@ -11157,10 +12209,10 @@
                 <a:latin typeface="G마켓 산스 Medium" panose="02000000000000000000" pitchFamily="50" charset="-127"/>
                 <a:ea typeface="G마켓 산스 Medium" panose="02000000000000000000" pitchFamily="50" charset="-127"/>
               </a:rPr>
-              <a:t>입출력을 위한 </a:t>
-            </a:r>
-            <a:r>
-              <a:rPr lang="ko-KR" altLang="en-US" sz="2800" dirty="0" err="1">
+              <a:t>입출력을 위한 스트림 역시 </a:t>
+            </a:r>
+            <a:r>
+              <a:rPr lang="en-US" altLang="ko-KR" sz="2400" dirty="0">
                 <a:solidFill>
                   <a:schemeClr val="tx1">
                     <a:lumMod val="50000"/>
@@ -11170,10 +12222,10 @@
                 <a:latin typeface="G마켓 산스 Medium" panose="02000000000000000000" pitchFamily="50" charset="-127"/>
                 <a:ea typeface="G마켓 산스 Medium" panose="02000000000000000000" pitchFamily="50" charset="-127"/>
               </a:rPr>
-              <a:t>스트림역시</a:t>
-            </a:r>
-            <a:r>
-              <a:rPr lang="ko-KR" altLang="en-US" sz="2800" dirty="0">
+              <a:t>ChatGPT </a:t>
+            </a:r>
+            <a:r>
+              <a:rPr lang="ko-KR" altLang="en-US" sz="2400" dirty="0">
                 <a:solidFill>
                   <a:schemeClr val="tx1">
                     <a:lumMod val="50000"/>
@@ -11183,10 +12235,10 @@
                 <a:latin typeface="G마켓 산스 Medium" panose="02000000000000000000" pitchFamily="50" charset="-127"/>
                 <a:ea typeface="G마켓 산스 Medium" panose="02000000000000000000" pitchFamily="50" charset="-127"/>
               </a:rPr>
-              <a:t> </a:t>
-            </a:r>
-            <a:r>
-              <a:rPr lang="en-US" altLang="ko-KR" sz="2800" dirty="0">
+              <a:t>클래스를 사용하는 사람 입장에서는 알 필요가 없는 것 들이다</a:t>
+            </a:r>
+            <a:r>
+              <a:rPr lang="en-US" altLang="ko-KR" sz="2400" dirty="0">
                 <a:solidFill>
                   <a:schemeClr val="tx1">
                     <a:lumMod val="50000"/>
@@ -11196,10 +12248,10 @@
                 <a:latin typeface="G마켓 산스 Medium" panose="02000000000000000000" pitchFamily="50" charset="-127"/>
                 <a:ea typeface="G마켓 산스 Medium" panose="02000000000000000000" pitchFamily="50" charset="-127"/>
               </a:rPr>
-              <a:t>ChatGPT </a:t>
-            </a:r>
-            <a:r>
-              <a:rPr lang="ko-KR" altLang="en-US" sz="2800" dirty="0">
+              <a:t>. </a:t>
+            </a:r>
+            <a:r>
+              <a:rPr lang="ko-KR" altLang="en-US" sz="2400" dirty="0">
                 <a:solidFill>
                   <a:schemeClr val="tx1">
                     <a:lumMod val="50000"/>
@@ -11209,10 +12261,10 @@
                 <a:latin typeface="G마켓 산스 Medium" panose="02000000000000000000" pitchFamily="50" charset="-127"/>
                 <a:ea typeface="G마켓 산스 Medium" panose="02000000000000000000" pitchFamily="50" charset="-127"/>
               </a:rPr>
-              <a:t>클래스를 사용하는 사람 입장에서는 알필요가 없는 것 들이다</a:t>
-            </a:r>
-            <a:r>
-              <a:rPr lang="en-US" altLang="ko-KR" sz="2800" dirty="0">
+              <a:t>그저 사용자는 </a:t>
+            </a:r>
+            <a:r>
+              <a:rPr lang="en-US" altLang="ko-KR" sz="2400" dirty="0">
                 <a:solidFill>
                   <a:schemeClr val="tx1">
                     <a:lumMod val="50000"/>
@@ -11222,10 +12274,10 @@
                 <a:latin typeface="G마켓 산스 Medium" panose="02000000000000000000" pitchFamily="50" charset="-127"/>
                 <a:ea typeface="G마켓 산스 Medium" panose="02000000000000000000" pitchFamily="50" charset="-127"/>
               </a:rPr>
-              <a:t>. </a:t>
-            </a:r>
-            <a:r>
-              <a:rPr lang="ko-KR" altLang="en-US" sz="2800" dirty="0">
+              <a:t>send</a:t>
+            </a:r>
+            <a:r>
+              <a:rPr lang="ko-KR" altLang="en-US" sz="2400" dirty="0">
                 <a:solidFill>
                   <a:schemeClr val="tx1">
                     <a:lumMod val="50000"/>
@@ -11235,10 +12287,10 @@
                 <a:latin typeface="G마켓 산스 Medium" panose="02000000000000000000" pitchFamily="50" charset="-127"/>
                 <a:ea typeface="G마켓 산스 Medium" panose="02000000000000000000" pitchFamily="50" charset="-127"/>
               </a:rPr>
-              <a:t>그저 사용자는 </a:t>
-            </a:r>
-            <a:r>
-              <a:rPr lang="en-US" altLang="ko-KR" sz="2800" dirty="0">
+              <a:t>의 매개변수로 메시지를 보내고 </a:t>
+            </a:r>
+            <a:r>
+              <a:rPr lang="en-US" altLang="ko-KR" sz="2400" dirty="0">
                 <a:solidFill>
                   <a:schemeClr val="tx1">
                     <a:lumMod val="50000"/>
@@ -11248,10 +12300,10 @@
                 <a:latin typeface="G마켓 산스 Medium" panose="02000000000000000000" pitchFamily="50" charset="-127"/>
                 <a:ea typeface="G마켓 산스 Medium" panose="02000000000000000000" pitchFamily="50" charset="-127"/>
               </a:rPr>
-              <a:t>send</a:t>
-            </a:r>
-            <a:r>
-              <a:rPr lang="ko-KR" altLang="en-US" sz="2800" dirty="0">
+              <a:t>receive </a:t>
+            </a:r>
+            <a:r>
+              <a:rPr lang="ko-KR" altLang="en-US" sz="2400" dirty="0">
                 <a:solidFill>
                   <a:schemeClr val="tx1">
                     <a:lumMod val="50000"/>
@@ -11261,10 +12313,10 @@
                 <a:latin typeface="G마켓 산스 Medium" panose="02000000000000000000" pitchFamily="50" charset="-127"/>
                 <a:ea typeface="G마켓 산스 Medium" panose="02000000000000000000" pitchFamily="50" charset="-127"/>
               </a:rPr>
-              <a:t>의 매개변수로 메시지를 보내고 </a:t>
-            </a:r>
-            <a:r>
-              <a:rPr lang="en-US" altLang="ko-KR" sz="2800" dirty="0">
+              <a:t>메서드를 이용해 메시지만 받으면 끝인 것이다</a:t>
+            </a:r>
+            <a:r>
+              <a:rPr lang="en-US" altLang="ko-KR" sz="2400" dirty="0">
                 <a:solidFill>
                   <a:schemeClr val="tx1">
                     <a:lumMod val="50000"/>
@@ -11274,10 +12326,10 @@
                 <a:latin typeface="G마켓 산스 Medium" panose="02000000000000000000" pitchFamily="50" charset="-127"/>
                 <a:ea typeface="G마켓 산스 Medium" panose="02000000000000000000" pitchFamily="50" charset="-127"/>
               </a:rPr>
-              <a:t>receive </a:t>
-            </a:r>
-            <a:r>
-              <a:rPr lang="ko-KR" altLang="en-US" sz="2800" dirty="0">
+              <a:t>. </a:t>
+            </a:r>
+            <a:r>
+              <a:rPr lang="ko-KR" altLang="en-US" sz="2400" dirty="0">
                 <a:solidFill>
                   <a:schemeClr val="tx1">
                     <a:lumMod val="50000"/>
@@ -11287,10 +12339,10 @@
                 <a:latin typeface="G마켓 산스 Medium" panose="02000000000000000000" pitchFamily="50" charset="-127"/>
                 <a:ea typeface="G마켓 산스 Medium" panose="02000000000000000000" pitchFamily="50" charset="-127"/>
               </a:rPr>
-              <a:t>메서드를 이용해 메시지만 받으면 끝인 것이다</a:t>
-            </a:r>
-            <a:r>
-              <a:rPr lang="en-US" altLang="ko-KR" sz="2800" dirty="0">
+              <a:t>즉 </a:t>
+            </a:r>
+            <a:r>
+              <a:rPr lang="en-US" altLang="ko-KR" sz="2400" dirty="0">
                 <a:solidFill>
                   <a:schemeClr val="tx1">
                     <a:lumMod val="50000"/>
@@ -11300,10 +12352,10 @@
                 <a:latin typeface="G마켓 산스 Medium" panose="02000000000000000000" pitchFamily="50" charset="-127"/>
                 <a:ea typeface="G마켓 산스 Medium" panose="02000000000000000000" pitchFamily="50" charset="-127"/>
               </a:rPr>
-              <a:t>. </a:t>
-            </a:r>
-            <a:r>
-              <a:rPr lang="ko-KR" altLang="en-US" sz="2800" dirty="0">
+              <a:t>con</a:t>
+            </a:r>
+            <a:r>
+              <a:rPr lang="ko-KR" altLang="en-US" sz="2400" dirty="0">
                 <a:solidFill>
                   <a:schemeClr val="tx1">
                     <a:lumMod val="50000"/>
@@ -11313,10 +12365,10 @@
                 <a:latin typeface="G마켓 산스 Medium" panose="02000000000000000000" pitchFamily="50" charset="-127"/>
                 <a:ea typeface="G마켓 산스 Medium" panose="02000000000000000000" pitchFamily="50" charset="-127"/>
               </a:rPr>
-              <a:t>즉 </a:t>
-            </a:r>
-            <a:r>
-              <a:rPr lang="en-US" altLang="ko-KR" sz="2800" dirty="0">
+              <a:t>객체를 이용해 스트림을 생성하는 것 역시 </a:t>
+            </a:r>
+            <a:r>
+              <a:rPr lang="en-US" altLang="ko-KR" sz="2400" dirty="0">
                 <a:solidFill>
                   <a:schemeClr val="tx1">
                     <a:lumMod val="50000"/>
@@ -11326,10 +12378,10 @@
                 <a:latin typeface="G마켓 산스 Medium" panose="02000000000000000000" pitchFamily="50" charset="-127"/>
                 <a:ea typeface="G마켓 산스 Medium" panose="02000000000000000000" pitchFamily="50" charset="-127"/>
               </a:rPr>
-              <a:t>con</a:t>
-            </a:r>
-            <a:r>
-              <a:rPr lang="ko-KR" altLang="en-US" sz="2800" dirty="0">
+              <a:t>ChatGPT </a:t>
+            </a:r>
+            <a:r>
+              <a:rPr lang="ko-KR" altLang="en-US" sz="2400" dirty="0">
                 <a:solidFill>
                   <a:schemeClr val="tx1">
                     <a:lumMod val="50000"/>
@@ -11339,10 +12391,10 @@
                 <a:latin typeface="G마켓 산스 Medium" panose="02000000000000000000" pitchFamily="50" charset="-127"/>
                 <a:ea typeface="G마켓 산스 Medium" panose="02000000000000000000" pitchFamily="50" charset="-127"/>
               </a:rPr>
-              <a:t>객체를 이용해 스트림을 생성하는 것 역시 </a:t>
-            </a:r>
-            <a:r>
-              <a:rPr lang="en-US" altLang="ko-KR" sz="2800" dirty="0">
+              <a:t>클래스 내부로 들어가면 된다</a:t>
+            </a:r>
+            <a:r>
+              <a:rPr lang="en-US" altLang="ko-KR" sz="2400" dirty="0">
                 <a:solidFill>
                   <a:schemeClr val="tx1">
                     <a:lumMod val="50000"/>
@@ -11352,38 +12404,12 @@
                 <a:latin typeface="G마켓 산스 Medium" panose="02000000000000000000" pitchFamily="50" charset="-127"/>
                 <a:ea typeface="G마켓 산스 Medium" panose="02000000000000000000" pitchFamily="50" charset="-127"/>
               </a:rPr>
-              <a:t>ChatGPT </a:t>
-            </a:r>
-            <a:r>
-              <a:rPr lang="ko-KR" altLang="en-US" sz="2800" dirty="0">
-                <a:solidFill>
-                  <a:schemeClr val="tx1">
-                    <a:lumMod val="50000"/>
-                    <a:lumOff val="50000"/>
-                  </a:schemeClr>
-                </a:solidFill>
-                <a:latin typeface="G마켓 산스 Medium" panose="02000000000000000000" pitchFamily="50" charset="-127"/>
-                <a:ea typeface="G마켓 산스 Medium" panose="02000000000000000000" pitchFamily="50" charset="-127"/>
-              </a:rPr>
-              <a:t>클래스 내부로 들어가면 된다</a:t>
-            </a:r>
-            <a:r>
-              <a:rPr lang="en-US" altLang="ko-KR" sz="2800" dirty="0">
-                <a:solidFill>
-                  <a:schemeClr val="tx1">
-                    <a:lumMod val="50000"/>
-                    <a:lumOff val="50000"/>
-                  </a:schemeClr>
-                </a:solidFill>
-                <a:latin typeface="G마켓 산스 Medium" panose="02000000000000000000" pitchFamily="50" charset="-127"/>
-                <a:ea typeface="G마켓 산스 Medium" panose="02000000000000000000" pitchFamily="50" charset="-127"/>
-              </a:rPr>
               <a:t>.</a:t>
             </a:r>
           </a:p>
           <a:p>
             <a:r>
-              <a:rPr lang="ko-KR" altLang="en-US" sz="2800" dirty="0">
+              <a:rPr lang="ko-KR" altLang="en-US" sz="2400" dirty="0">
                 <a:solidFill>
                   <a:srgbClr val="4C50BB"/>
                 </a:solidFill>
@@ -11393,7 +12419,7 @@
               <a:t>앞서 </a:t>
             </a:r>
             <a:r>
-              <a:rPr lang="en-US" altLang="ko-KR" sz="2800" dirty="0">
+              <a:rPr lang="en-US" altLang="ko-KR" sz="2400" dirty="0">
                 <a:solidFill>
                   <a:srgbClr val="4C50BB"/>
                 </a:solidFill>
@@ -11403,7 +12429,7 @@
               <a:t>ChatGPT</a:t>
             </a:r>
             <a:r>
-              <a:rPr lang="ko-KR" altLang="en-US" sz="2800" dirty="0">
+              <a:rPr lang="ko-KR" altLang="en-US" sz="2400" dirty="0">
                 <a:solidFill>
                   <a:srgbClr val="4C50BB"/>
                 </a:solidFill>
@@ -11413,7 +12439,7 @@
               <a:t>의 멤버변수로 </a:t>
             </a:r>
             <a:r>
-              <a:rPr lang="en-US" altLang="ko-KR" sz="2800" dirty="0">
+              <a:rPr lang="en-US" altLang="ko-KR" sz="2400" dirty="0">
                 <a:solidFill>
                   <a:srgbClr val="4C50BB"/>
                 </a:solidFill>
@@ -11423,7 +12449,7 @@
               <a:t>con </a:t>
             </a:r>
             <a:r>
-              <a:rPr lang="ko-KR" altLang="en-US" sz="2800" dirty="0">
+              <a:rPr lang="ko-KR" altLang="en-US" sz="2400" dirty="0">
                 <a:solidFill>
                   <a:srgbClr val="4C50BB"/>
                 </a:solidFill>
@@ -11433,7 +12459,7 @@
               <a:t>참조변수를 두고 </a:t>
             </a:r>
             <a:r>
-              <a:rPr lang="en-US" altLang="ko-KR" sz="2800" dirty="0">
+              <a:rPr lang="en-US" altLang="ko-KR" sz="2400" dirty="0">
                 <a:solidFill>
                   <a:srgbClr val="4C50BB"/>
                 </a:solidFill>
@@ -11443,7 +12469,7 @@
               <a:t>connect() </a:t>
             </a:r>
             <a:r>
-              <a:rPr lang="ko-KR" altLang="en-US" sz="2800" dirty="0">
+              <a:rPr lang="ko-KR" altLang="en-US" sz="2400" dirty="0">
                 <a:solidFill>
                   <a:srgbClr val="4C50BB"/>
                 </a:solidFill>
@@ -11453,7 +12479,7 @@
               <a:t>메서드에서 객체를 생성 </a:t>
             </a:r>
             <a:r>
-              <a:rPr lang="ko-KR" altLang="en-US" sz="2800" dirty="0" err="1">
+              <a:rPr lang="ko-KR" altLang="en-US" sz="2400" dirty="0" err="1">
                 <a:solidFill>
                   <a:srgbClr val="4C50BB"/>
                 </a:solidFill>
@@ -11463,7 +12489,7 @@
               <a:t>해놨다</a:t>
             </a:r>
             <a:r>
-              <a:rPr lang="en-US" altLang="ko-KR" sz="2800" dirty="0">
+              <a:rPr lang="en-US" altLang="ko-KR" sz="2400" dirty="0">
                 <a:solidFill>
                   <a:srgbClr val="4C50BB"/>
                 </a:solidFill>
@@ -11473,7 +12499,7 @@
               <a:t>. </a:t>
             </a:r>
             <a:r>
-              <a:rPr lang="ko-KR" altLang="en-US" sz="2800" dirty="0">
+              <a:rPr lang="ko-KR" altLang="en-US" sz="2400" dirty="0">
                 <a:solidFill>
                   <a:srgbClr val="4C50BB"/>
                 </a:solidFill>
@@ -11483,7 +12509,7 @@
               <a:t>그러니 </a:t>
             </a:r>
             <a:r>
-              <a:rPr lang="en-US" altLang="ko-KR" sz="2800" dirty="0">
+              <a:rPr lang="en-US" altLang="ko-KR" sz="2400" dirty="0">
                 <a:solidFill>
                   <a:srgbClr val="4C50BB"/>
                 </a:solidFill>
@@ -11493,7 +12519,7 @@
               <a:t>send ,received</a:t>
             </a:r>
             <a:r>
-              <a:rPr lang="ko-KR" altLang="en-US" sz="2800" dirty="0">
+              <a:rPr lang="ko-KR" altLang="en-US" sz="2400" dirty="0">
                 <a:solidFill>
                   <a:srgbClr val="4C50BB"/>
                 </a:solidFill>
@@ -11503,7 +12529,7 @@
               <a:t> 메서드 내부에서 </a:t>
             </a:r>
             <a:r>
-              <a:rPr lang="en-US" altLang="ko-KR" sz="2800" dirty="0">
+              <a:rPr lang="en-US" altLang="ko-KR" sz="2400" dirty="0">
                 <a:solidFill>
                   <a:srgbClr val="4C50BB"/>
                 </a:solidFill>
@@ -11513,7 +12539,7 @@
               <a:t>con</a:t>
             </a:r>
             <a:r>
-              <a:rPr lang="ko-KR" altLang="en-US" sz="2800" dirty="0">
+              <a:rPr lang="ko-KR" altLang="en-US" sz="2400" dirty="0">
                 <a:solidFill>
                   <a:srgbClr val="4C50BB"/>
                 </a:solidFill>
@@ -11523,7 +12549,7 @@
               <a:t>객체를 이용해 스트림을 생성하면 되지 않을까</a:t>
             </a:r>
             <a:r>
-              <a:rPr lang="en-US" altLang="ko-KR" sz="2800" dirty="0">
+              <a:rPr lang="en-US" altLang="ko-KR" sz="2400" dirty="0">
                 <a:solidFill>
                   <a:srgbClr val="4C50BB"/>
                 </a:solidFill>
@@ -11620,405 +12646,6 @@
     <p:extLst>
       <p:ext uri="{BB962C8B-B14F-4D97-AF65-F5344CB8AC3E}">
         <p14:creationId xmlns:p14="http://schemas.microsoft.com/office/powerpoint/2010/main" val="4116336804"/>
-      </p:ext>
-    </p:extLst>
-  </p:cSld>
-  <p:clrMapOvr>
-    <a:masterClrMapping/>
-  </p:clrMapOvr>
-</p:sld>
-</file>
-
-<file path=ppt/slides/slide32.xml><?xml version="1.0" encoding="utf-8"?>
-<p:sld xmlns:a="http://schemas.openxmlformats.org/drawingml/2006/main" xmlns:r="http://schemas.openxmlformats.org/officeDocument/2006/relationships" xmlns:p="http://schemas.openxmlformats.org/presentationml/2006/main">
-  <p:cSld>
-    <p:spTree>
-      <p:nvGrpSpPr>
-        <p:cNvPr id="1" name=""/>
-        <p:cNvGrpSpPr/>
-        <p:nvPr/>
-      </p:nvGrpSpPr>
-      <p:grpSpPr>
-        <a:xfrm>
-          <a:off x="0" y="0"/>
-          <a:ext cx="0" cy="0"/>
-          <a:chOff x="0" y="0"/>
-          <a:chExt cx="0" cy="0"/>
-        </a:xfrm>
-      </p:grpSpPr>
-      <p:pic>
-        <p:nvPicPr>
-          <p:cNvPr id="4" name="그림 3"/>
-          <p:cNvPicPr>
-            <a:picLocks noChangeAspect="1"/>
-          </p:cNvPicPr>
-          <p:nvPr/>
-        </p:nvPicPr>
-        <p:blipFill>
-          <a:blip r:embed="rId2"/>
-          <a:stretch>
-            <a:fillRect/>
-          </a:stretch>
-        </p:blipFill>
-        <p:spPr>
-          <a:xfrm>
-            <a:off x="762000" y="3009900"/>
-            <a:ext cx="9081656" cy="5257800"/>
-          </a:xfrm>
-          <a:prstGeom prst="rect">
-            <a:avLst/>
-          </a:prstGeom>
-        </p:spPr>
-      </p:pic>
-      <p:sp>
-        <p:nvSpPr>
-          <p:cNvPr id="5" name="TextBox 4">
-            <a:extLst>
-              <a:ext uri="{FF2B5EF4-FFF2-40B4-BE49-F238E27FC236}">
-                <a16:creationId xmlns:a16="http://schemas.microsoft.com/office/drawing/2014/main" id="{52176D31-35F7-8916-46FA-6095EFEC1E49}"/>
-              </a:ext>
-            </a:extLst>
-          </p:cNvPr>
-          <p:cNvSpPr txBox="1"/>
-          <p:nvPr/>
-        </p:nvSpPr>
-        <p:spPr>
-          <a:xfrm>
-            <a:off x="609600" y="190500"/>
-            <a:ext cx="17145000" cy="2677656"/>
-          </a:xfrm>
-          <a:prstGeom prst="rect">
-            <a:avLst/>
-          </a:prstGeom>
-          <a:noFill/>
-        </p:spPr>
-        <p:txBody>
-          <a:bodyPr wrap="square" rtlCol="0">
-            <a:spAutoFit/>
-          </a:bodyPr>
-          <a:lstStyle/>
-          <a:p>
-            <a:r>
-              <a:rPr lang="en-US" altLang="ko-KR" sz="2800" dirty="0">
-                <a:solidFill>
-                  <a:srgbClr val="4C50BB"/>
-                </a:solidFill>
-                <a:latin typeface="G마켓 산스 Medium" panose="02000000000000000000" pitchFamily="50" charset="-127"/>
-                <a:ea typeface="G마켓 산스 Medium" panose="02000000000000000000" pitchFamily="50" charset="-127"/>
-              </a:rPr>
-              <a:t>6</a:t>
-            </a:r>
-            <a:r>
-              <a:rPr lang="ko-KR" altLang="en-US" sz="2800" dirty="0">
-                <a:solidFill>
-                  <a:srgbClr val="4C50BB"/>
-                </a:solidFill>
-                <a:latin typeface="G마켓 산스 Medium" panose="02000000000000000000" pitchFamily="50" charset="-127"/>
-                <a:ea typeface="G마켓 산스 Medium" panose="02000000000000000000" pitchFamily="50" charset="-127"/>
-              </a:rPr>
-              <a:t>번 힌트 </a:t>
-            </a:r>
-            <a:endParaRPr lang="en-US" altLang="ko-KR" sz="2800" dirty="0">
-              <a:solidFill>
-                <a:srgbClr val="4C50BB"/>
-              </a:solidFill>
-              <a:latin typeface="G마켓 산스 Medium" panose="02000000000000000000" pitchFamily="50" charset="-127"/>
-              <a:ea typeface="G마켓 산스 Medium" panose="02000000000000000000" pitchFamily="50" charset="-127"/>
-            </a:endParaRPr>
-          </a:p>
-          <a:p>
-            <a:endParaRPr lang="en-US" altLang="ko-KR" sz="2800" dirty="0">
-              <a:solidFill>
-                <a:srgbClr val="4C50BB"/>
-              </a:solidFill>
-              <a:latin typeface="G마켓 산스 Medium" panose="02000000000000000000" pitchFamily="50" charset="-127"/>
-              <a:ea typeface="G마켓 산스 Medium" panose="02000000000000000000" pitchFamily="50" charset="-127"/>
-            </a:endParaRPr>
-          </a:p>
-          <a:p>
-            <a:r>
-              <a:rPr lang="ko-KR" altLang="en-US" sz="2800" dirty="0">
-                <a:solidFill>
-                  <a:srgbClr val="4C50BB"/>
-                </a:solidFill>
-                <a:latin typeface="G마켓 산스 Medium" panose="02000000000000000000" pitchFamily="50" charset="-127"/>
-                <a:ea typeface="G마켓 산스 Medium" panose="02000000000000000000" pitchFamily="50" charset="-127"/>
-              </a:rPr>
-              <a:t>아래처럼 </a:t>
-            </a:r>
-            <a:r>
-              <a:rPr lang="en-US" altLang="ko-KR" sz="2800" dirty="0">
-                <a:solidFill>
-                  <a:srgbClr val="4C50BB"/>
-                </a:solidFill>
-                <a:latin typeface="G마켓 산스 Medium" panose="02000000000000000000" pitchFamily="50" charset="-127"/>
-                <a:ea typeface="G마켓 산스 Medium" panose="02000000000000000000" pitchFamily="50" charset="-127"/>
-              </a:rPr>
-              <a:t>send </a:t>
-            </a:r>
-            <a:r>
-              <a:rPr lang="ko-KR" altLang="en-US" sz="2800" dirty="0">
-                <a:solidFill>
-                  <a:srgbClr val="4C50BB"/>
-                </a:solidFill>
-                <a:latin typeface="G마켓 산스 Medium" panose="02000000000000000000" pitchFamily="50" charset="-127"/>
-                <a:ea typeface="G마켓 산스 Medium" panose="02000000000000000000" pitchFamily="50" charset="-127"/>
-              </a:rPr>
-              <a:t>를 오버로딩 하면 된다</a:t>
-            </a:r>
-            <a:r>
-              <a:rPr lang="en-US" altLang="ko-KR" sz="2800" dirty="0">
-                <a:solidFill>
-                  <a:srgbClr val="4C50BB"/>
-                </a:solidFill>
-                <a:latin typeface="G마켓 산스 Medium" panose="02000000000000000000" pitchFamily="50" charset="-127"/>
-                <a:ea typeface="G마켓 산스 Medium" panose="02000000000000000000" pitchFamily="50" charset="-127"/>
-              </a:rPr>
-              <a:t>. </a:t>
-            </a:r>
-            <a:r>
-              <a:rPr lang="ko-KR" altLang="en-US" sz="2800" dirty="0">
-                <a:solidFill>
-                  <a:srgbClr val="4C50BB"/>
-                </a:solidFill>
-                <a:latin typeface="G마켓 산스 Medium" panose="02000000000000000000" pitchFamily="50" charset="-127"/>
-                <a:ea typeface="G마켓 산스 Medium" panose="02000000000000000000" pitchFamily="50" charset="-127"/>
-              </a:rPr>
-              <a:t>외부에서는 그저 메시지만 전달하고 클래스 내부에서</a:t>
-            </a:r>
-            <a:endParaRPr lang="en-US" altLang="ko-KR" sz="2800" dirty="0">
-              <a:solidFill>
-                <a:srgbClr val="4C50BB"/>
-              </a:solidFill>
-              <a:latin typeface="G마켓 산스 Medium" panose="02000000000000000000" pitchFamily="50" charset="-127"/>
-              <a:ea typeface="G마켓 산스 Medium" panose="02000000000000000000" pitchFamily="50" charset="-127"/>
-            </a:endParaRPr>
-          </a:p>
-          <a:p>
-            <a:r>
-              <a:rPr lang="ko-KR" altLang="en-US" sz="2800" dirty="0" err="1">
-                <a:solidFill>
-                  <a:srgbClr val="4C50BB"/>
-                </a:solidFill>
-                <a:latin typeface="G마켓 산스 Medium" panose="02000000000000000000" pitchFamily="50" charset="-127"/>
-                <a:ea typeface="G마켓 산스 Medium" panose="02000000000000000000" pitchFamily="50" charset="-127"/>
-              </a:rPr>
-              <a:t>스트림을</a:t>
-            </a:r>
-            <a:r>
-              <a:rPr lang="ko-KR" altLang="en-US" sz="2800" dirty="0">
-                <a:solidFill>
-                  <a:srgbClr val="4C50BB"/>
-                </a:solidFill>
-                <a:latin typeface="G마켓 산스 Medium" panose="02000000000000000000" pitchFamily="50" charset="-127"/>
-                <a:ea typeface="G마켓 산스 Medium" panose="02000000000000000000" pitchFamily="50" charset="-127"/>
-              </a:rPr>
-              <a:t> 매개변수로 요구 하는 </a:t>
-            </a:r>
-            <a:r>
-              <a:rPr lang="en-US" altLang="ko-KR" sz="2800" dirty="0">
-                <a:solidFill>
-                  <a:srgbClr val="4C50BB"/>
-                </a:solidFill>
-                <a:latin typeface="G마켓 산스 Medium" panose="02000000000000000000" pitchFamily="50" charset="-127"/>
-                <a:ea typeface="G마켓 산스 Medium" panose="02000000000000000000" pitchFamily="50" charset="-127"/>
-              </a:rPr>
-              <a:t>send</a:t>
-            </a:r>
-            <a:r>
-              <a:rPr lang="ko-KR" altLang="en-US" sz="2800" dirty="0">
-                <a:solidFill>
-                  <a:srgbClr val="4C50BB"/>
-                </a:solidFill>
-                <a:latin typeface="G마켓 산스 Medium" panose="02000000000000000000" pitchFamily="50" charset="-127"/>
-                <a:ea typeface="G마켓 산스 Medium" panose="02000000000000000000" pitchFamily="50" charset="-127"/>
-              </a:rPr>
-              <a:t>를 사용하면 된다</a:t>
-            </a:r>
-            <a:r>
-              <a:rPr lang="en-US" altLang="ko-KR" sz="2800" dirty="0">
-                <a:solidFill>
-                  <a:srgbClr val="4C50BB"/>
-                </a:solidFill>
-                <a:latin typeface="G마켓 산스 Medium" panose="02000000000000000000" pitchFamily="50" charset="-127"/>
-                <a:ea typeface="G마켓 산스 Medium" panose="02000000000000000000" pitchFamily="50" charset="-127"/>
-              </a:rPr>
-              <a:t>.</a:t>
-            </a:r>
-          </a:p>
-          <a:p>
-            <a:r>
-              <a:rPr lang="en-US" altLang="ko-KR" sz="2800" dirty="0">
-                <a:solidFill>
-                  <a:schemeClr val="bg1">
-                    <a:lumMod val="50000"/>
-                  </a:schemeClr>
-                </a:solidFill>
-                <a:latin typeface="G마켓 산스 Medium" panose="02000000000000000000" pitchFamily="50" charset="-127"/>
-                <a:ea typeface="G마켓 산스 Medium" panose="02000000000000000000" pitchFamily="50" charset="-127"/>
-              </a:rPr>
-              <a:t>- receive() </a:t>
-            </a:r>
-            <a:r>
-              <a:rPr lang="ko-KR" altLang="en-US" sz="2800" dirty="0" err="1">
-                <a:solidFill>
-                  <a:schemeClr val="bg1">
-                    <a:lumMod val="50000"/>
-                  </a:schemeClr>
-                </a:solidFill>
-                <a:latin typeface="G마켓 산스 Medium" panose="02000000000000000000" pitchFamily="50" charset="-127"/>
-                <a:ea typeface="G마켓 산스 Medium" panose="02000000000000000000" pitchFamily="50" charset="-127"/>
-              </a:rPr>
-              <a:t>메서드</a:t>
-            </a:r>
-            <a:r>
-              <a:rPr lang="ko-KR" altLang="en-US" sz="2800" dirty="0">
-                <a:solidFill>
-                  <a:schemeClr val="bg1">
-                    <a:lumMod val="50000"/>
-                  </a:schemeClr>
-                </a:solidFill>
-                <a:latin typeface="G마켓 산스 Medium" panose="02000000000000000000" pitchFamily="50" charset="-127"/>
-                <a:ea typeface="G마켓 산스 Medium" panose="02000000000000000000" pitchFamily="50" charset="-127"/>
-              </a:rPr>
-              <a:t> 역시 이와 같이 만들어보자</a:t>
-            </a:r>
-            <a:r>
-              <a:rPr lang="en-US" altLang="ko-KR" sz="2800" dirty="0">
-                <a:solidFill>
-                  <a:schemeClr val="bg1">
-                    <a:lumMod val="50000"/>
-                  </a:schemeClr>
-                </a:solidFill>
-                <a:latin typeface="G마켓 산스 Medium" panose="02000000000000000000" pitchFamily="50" charset="-127"/>
-                <a:ea typeface="G마켓 산스 Medium" panose="02000000000000000000" pitchFamily="50" charset="-127"/>
-              </a:rPr>
-              <a:t>.</a:t>
-            </a:r>
-          </a:p>
-          <a:p>
-            <a:r>
-              <a:rPr lang="en-US" altLang="ko-KR" sz="2800" dirty="0">
-                <a:solidFill>
-                  <a:schemeClr val="bg1">
-                    <a:lumMod val="50000"/>
-                  </a:schemeClr>
-                </a:solidFill>
-                <a:latin typeface="G마켓 산스 Medium" panose="02000000000000000000" pitchFamily="50" charset="-127"/>
-                <a:ea typeface="G마켓 산스 Medium" panose="02000000000000000000" pitchFamily="50" charset="-127"/>
-              </a:rPr>
-              <a:t>- </a:t>
-            </a:r>
-            <a:r>
-              <a:rPr lang="en-US" altLang="ko-KR" sz="2800" dirty="0" err="1">
-                <a:solidFill>
-                  <a:schemeClr val="bg1">
-                    <a:lumMod val="50000"/>
-                  </a:schemeClr>
-                </a:solidFill>
-                <a:latin typeface="G마켓 산스 Medium" panose="02000000000000000000" pitchFamily="50" charset="-127"/>
-                <a:ea typeface="G마켓 산스 Medium" panose="02000000000000000000" pitchFamily="50" charset="-127"/>
-              </a:rPr>
-              <a:t>con.getResponseCode</a:t>
-            </a:r>
-            <a:r>
-              <a:rPr lang="en-US" altLang="ko-KR" sz="2800" dirty="0">
-                <a:solidFill>
-                  <a:schemeClr val="bg1">
-                    <a:lumMod val="50000"/>
-                  </a:schemeClr>
-                </a:solidFill>
-                <a:latin typeface="G마켓 산스 Medium" panose="02000000000000000000" pitchFamily="50" charset="-127"/>
-                <a:ea typeface="G마켓 산스 Medium" panose="02000000000000000000" pitchFamily="50" charset="-127"/>
-              </a:rPr>
-              <a:t>() </a:t>
-            </a:r>
-            <a:r>
-              <a:rPr lang="ko-KR" altLang="en-US" sz="2800" dirty="0" err="1">
-                <a:solidFill>
-                  <a:schemeClr val="bg1">
-                    <a:lumMod val="50000"/>
-                  </a:schemeClr>
-                </a:solidFill>
-                <a:latin typeface="G마켓 산스 Medium" panose="02000000000000000000" pitchFamily="50" charset="-127"/>
-                <a:ea typeface="G마켓 산스 Medium" panose="02000000000000000000" pitchFamily="50" charset="-127"/>
-              </a:rPr>
-              <a:t>메서드는</a:t>
-            </a:r>
-            <a:r>
-              <a:rPr lang="ko-KR" altLang="en-US" sz="2800" dirty="0">
-                <a:solidFill>
-                  <a:schemeClr val="bg1">
-                    <a:lumMod val="50000"/>
-                  </a:schemeClr>
-                </a:solidFill>
-                <a:latin typeface="G마켓 산스 Medium" panose="02000000000000000000" pitchFamily="50" charset="-127"/>
-                <a:ea typeface="G마켓 산스 Medium" panose="02000000000000000000" pitchFamily="50" charset="-127"/>
-              </a:rPr>
-              <a:t> 수신과 관련된 코드이니 </a:t>
-            </a:r>
-            <a:r>
-              <a:rPr lang="en-US" altLang="ko-KR" sz="2800" dirty="0">
-                <a:solidFill>
-                  <a:schemeClr val="bg1">
-                    <a:lumMod val="50000"/>
-                  </a:schemeClr>
-                </a:solidFill>
-                <a:latin typeface="G마켓 산스 Medium" panose="02000000000000000000" pitchFamily="50" charset="-127"/>
-                <a:ea typeface="G마켓 산스 Medium" panose="02000000000000000000" pitchFamily="50" charset="-127"/>
-              </a:rPr>
-              <a:t>receive() </a:t>
-            </a:r>
-            <a:r>
-              <a:rPr lang="ko-KR" altLang="en-US" sz="2800" dirty="0" err="1">
-                <a:solidFill>
-                  <a:schemeClr val="bg1">
-                    <a:lumMod val="50000"/>
-                  </a:schemeClr>
-                </a:solidFill>
-                <a:latin typeface="G마켓 산스 Medium" panose="02000000000000000000" pitchFamily="50" charset="-127"/>
-                <a:ea typeface="G마켓 산스 Medium" panose="02000000000000000000" pitchFamily="50" charset="-127"/>
-              </a:rPr>
-              <a:t>메서드</a:t>
-            </a:r>
-            <a:r>
-              <a:rPr lang="ko-KR" altLang="en-US" sz="2800" dirty="0">
-                <a:solidFill>
-                  <a:schemeClr val="bg1">
-                    <a:lumMod val="50000"/>
-                  </a:schemeClr>
-                </a:solidFill>
-                <a:latin typeface="G마켓 산스 Medium" panose="02000000000000000000" pitchFamily="50" charset="-127"/>
-                <a:ea typeface="G마켓 산스 Medium" panose="02000000000000000000" pitchFamily="50" charset="-127"/>
-              </a:rPr>
-              <a:t> 내부에 넣자</a:t>
-            </a:r>
-            <a:r>
-              <a:rPr lang="en-US" altLang="ko-KR" sz="2800" dirty="0">
-                <a:solidFill>
-                  <a:schemeClr val="bg1">
-                    <a:lumMod val="50000"/>
-                  </a:schemeClr>
-                </a:solidFill>
-                <a:latin typeface="G마켓 산스 Medium" panose="02000000000000000000" pitchFamily="50" charset="-127"/>
-                <a:ea typeface="G마켓 산스 Medium" panose="02000000000000000000" pitchFamily="50" charset="-127"/>
-              </a:rPr>
-              <a:t>.</a:t>
-            </a:r>
-            <a:endParaRPr lang="en-US" altLang="ko-KR" sz="2800" dirty="0">
-              <a:solidFill>
-                <a:srgbClr val="4C50BB"/>
-              </a:solidFill>
-              <a:latin typeface="G마켓 산스 Medium" panose="02000000000000000000" pitchFamily="50" charset="-127"/>
-              <a:ea typeface="G마켓 산스 Medium" panose="02000000000000000000" pitchFamily="50" charset="-127"/>
-            </a:endParaRPr>
-          </a:p>
-        </p:txBody>
-      </p:sp>
-    </p:spTree>
-    <p:extLst>
-      <p:ext uri="{BB962C8B-B14F-4D97-AF65-F5344CB8AC3E}">
-        <p14:creationId xmlns:p14="http://schemas.microsoft.com/office/powerpoint/2010/main" val="990499814"/>
       </p:ext>
     </p:extLst>
   </p:cSld>
@@ -12045,30 +12672,6 @@
           <a:chExt cx="0" cy="0"/>
         </a:xfrm>
       </p:grpSpPr>
-      <p:pic>
-        <p:nvPicPr>
-          <p:cNvPr id="2" name="그림 1"/>
-          <p:cNvPicPr>
-            <a:picLocks noChangeAspect="1"/>
-          </p:cNvPicPr>
-          <p:nvPr/>
-        </p:nvPicPr>
-        <p:blipFill>
-          <a:blip r:embed="rId2"/>
-          <a:stretch>
-            <a:fillRect/>
-          </a:stretch>
-        </p:blipFill>
-        <p:spPr>
-          <a:xfrm>
-            <a:off x="228600" y="1764256"/>
-            <a:ext cx="9753600" cy="8296165"/>
-          </a:xfrm>
-          <a:prstGeom prst="rect">
-            <a:avLst/>
-          </a:prstGeom>
-        </p:spPr>
-      </p:pic>
       <p:sp>
         <p:nvSpPr>
           <p:cNvPr id="5" name="TextBox 4">
@@ -12084,7 +12687,7 @@
         <p:spPr>
           <a:xfrm>
             <a:off x="609600" y="190500"/>
-            <a:ext cx="17145000" cy="1384995"/>
+            <a:ext cx="17145000" cy="4401205"/>
           </a:xfrm>
           <a:prstGeom prst="rect">
             <a:avLst/>
@@ -12105,7 +12708,7 @@
                 <a:latin typeface="G마켓 산스 Medium" panose="02000000000000000000" pitchFamily="50" charset="-127"/>
                 <a:ea typeface="G마켓 산스 Medium" panose="02000000000000000000" pitchFamily="50" charset="-127"/>
               </a:rPr>
-              <a:t>7.chatGPT </a:t>
+              <a:t>6</a:t>
             </a:r>
             <a:r>
               <a:rPr lang="ko-KR" altLang="en-US" sz="2800" dirty="0">
@@ -12115,356 +12718,552 @@
                 <a:latin typeface="G마켓 산스 Medium" panose="02000000000000000000" pitchFamily="50" charset="-127"/>
                 <a:ea typeface="G마켓 산스 Medium" panose="02000000000000000000" pitchFamily="50" charset="-127"/>
               </a:rPr>
-              <a:t>클래스를 사용하는 입장에서 </a:t>
-            </a:r>
-            <a:r>
-              <a:rPr lang="en-US" altLang="ko-KR" sz="2800" dirty="0">
-                <a:solidFill>
-                  <a:srgbClr val="4C50BB"/>
-                </a:solidFill>
-                <a:latin typeface="G마켓 산스 Medium" panose="02000000000000000000" pitchFamily="50" charset="-127"/>
-                <a:ea typeface="G마켓 산스 Medium" panose="02000000000000000000" pitchFamily="50" charset="-127"/>
-              </a:rPr>
-              <a:t>GPT</a:t>
-            </a:r>
-            <a:r>
-              <a:rPr lang="ko-KR" altLang="en-US" sz="2800" dirty="0">
-                <a:solidFill>
-                  <a:srgbClr val="4C50BB"/>
-                </a:solidFill>
-                <a:latin typeface="G마켓 산스 Medium" panose="02000000000000000000" pitchFamily="50" charset="-127"/>
-                <a:ea typeface="G마켓 산스 Medium" panose="02000000000000000000" pitchFamily="50" charset="-127"/>
-              </a:rPr>
-              <a:t>가 </a:t>
-            </a:r>
-            <a:r>
-              <a:rPr lang="en-US" altLang="ko-KR" sz="2800" dirty="0">
-                <a:solidFill>
-                  <a:srgbClr val="4C50BB"/>
-                </a:solidFill>
-                <a:latin typeface="G마켓 산스 Medium" panose="02000000000000000000" pitchFamily="50" charset="-127"/>
-                <a:ea typeface="G마켓 산스 Medium" panose="02000000000000000000" pitchFamily="50" charset="-127"/>
-              </a:rPr>
-              <a:t>JSON </a:t>
-            </a:r>
-            <a:r>
-              <a:rPr lang="ko-KR" altLang="en-US" sz="2800" dirty="0">
-                <a:solidFill>
-                  <a:srgbClr val="4C50BB"/>
-                </a:solidFill>
-                <a:latin typeface="G마켓 산스 Medium" panose="02000000000000000000" pitchFamily="50" charset="-127"/>
-                <a:ea typeface="G마켓 산스 Medium" panose="02000000000000000000" pitchFamily="50" charset="-127"/>
-              </a:rPr>
-              <a:t>형태로 응답하기 때문에 이를 </a:t>
-            </a:r>
-            <a:r>
-              <a:rPr lang="ko-KR" altLang="en-US" sz="2800" dirty="0" err="1">
-                <a:solidFill>
-                  <a:srgbClr val="4C50BB"/>
-                </a:solidFill>
-                <a:latin typeface="G마켓 산스 Medium" panose="02000000000000000000" pitchFamily="50" charset="-127"/>
-                <a:ea typeface="G마켓 산스 Medium" panose="02000000000000000000" pitchFamily="50" charset="-127"/>
-              </a:rPr>
-              <a:t>파싱해야</a:t>
-            </a:r>
-            <a:r>
-              <a:rPr lang="ko-KR" altLang="en-US" sz="2800" dirty="0">
-                <a:solidFill>
-                  <a:srgbClr val="4C50BB"/>
-                </a:solidFill>
-                <a:latin typeface="G마켓 산스 Medium" panose="02000000000000000000" pitchFamily="50" charset="-127"/>
-                <a:ea typeface="G마켓 산스 Medium" panose="02000000000000000000" pitchFamily="50" charset="-127"/>
-              </a:rPr>
-              <a:t> </a:t>
-            </a:r>
-            <a:r>
-              <a:rPr lang="ko-KR" altLang="en-US" sz="2800" dirty="0" err="1">
-                <a:solidFill>
-                  <a:srgbClr val="4C50BB"/>
-                </a:solidFill>
-                <a:latin typeface="G마켓 산스 Medium" panose="02000000000000000000" pitchFamily="50" charset="-127"/>
-                <a:ea typeface="G마켓 산스 Medium" panose="02000000000000000000" pitchFamily="50" charset="-127"/>
-              </a:rPr>
-              <a:t>한다는걸</a:t>
-            </a:r>
-            <a:r>
-              <a:rPr lang="ko-KR" altLang="en-US" sz="2800" dirty="0">
-                <a:solidFill>
-                  <a:srgbClr val="4C50BB"/>
-                </a:solidFill>
-                <a:latin typeface="G마켓 산스 Medium" panose="02000000000000000000" pitchFamily="50" charset="-127"/>
-                <a:ea typeface="G마켓 산스 Medium" panose="02000000000000000000" pitchFamily="50" charset="-127"/>
-              </a:rPr>
-              <a:t> 알 필요가 없다</a:t>
-            </a:r>
-            <a:r>
-              <a:rPr lang="en-US" altLang="ko-KR" sz="2800" dirty="0">
-                <a:solidFill>
-                  <a:srgbClr val="4C50BB"/>
-                </a:solidFill>
-                <a:latin typeface="G마켓 산스 Medium" panose="02000000000000000000" pitchFamily="50" charset="-127"/>
-                <a:ea typeface="G마켓 산스 Medium" panose="02000000000000000000" pitchFamily="50" charset="-127"/>
-              </a:rPr>
-              <a:t>.</a:t>
-            </a:r>
-          </a:p>
-          <a:p>
-            <a:pPr marL="457200" indent="-457200">
-              <a:buFontTx/>
-              <a:buChar char="-"/>
-            </a:pPr>
-            <a:r>
-              <a:rPr lang="ko-KR" altLang="en-US" sz="2800" dirty="0">
-                <a:solidFill>
-                  <a:srgbClr val="4C50BB"/>
-                </a:solidFill>
-                <a:latin typeface="G마켓 산스 Medium" panose="02000000000000000000" pitchFamily="50" charset="-127"/>
-                <a:ea typeface="G마켓 산스 Medium" panose="02000000000000000000" pitchFamily="50" charset="-127"/>
-              </a:rPr>
-              <a:t>매개변수로 없는 </a:t>
-            </a:r>
-            <a:r>
-              <a:rPr lang="en-US" altLang="ko-KR" sz="2800" dirty="0">
-                <a:solidFill>
-                  <a:srgbClr val="4C50BB"/>
-                </a:solidFill>
-                <a:latin typeface="G마켓 산스 Medium" panose="02000000000000000000" pitchFamily="50" charset="-127"/>
-                <a:ea typeface="G마켓 산스 Medium" panose="02000000000000000000" pitchFamily="50" charset="-127"/>
-              </a:rPr>
-              <a:t>receive() </a:t>
-            </a:r>
-            <a:r>
-              <a:rPr lang="ko-KR" altLang="en-US" sz="2800" dirty="0" err="1">
-                <a:solidFill>
-                  <a:srgbClr val="4C50BB"/>
-                </a:solidFill>
-                <a:latin typeface="G마켓 산스 Medium" panose="02000000000000000000" pitchFamily="50" charset="-127"/>
-                <a:ea typeface="G마켓 산스 Medium" panose="02000000000000000000" pitchFamily="50" charset="-127"/>
-              </a:rPr>
-              <a:t>메서드쪽에서</a:t>
-            </a:r>
-            <a:r>
-              <a:rPr lang="ko-KR" altLang="en-US" sz="2800" dirty="0">
-                <a:solidFill>
-                  <a:srgbClr val="4C50BB"/>
-                </a:solidFill>
-                <a:latin typeface="G마켓 산스 Medium" panose="02000000000000000000" pitchFamily="50" charset="-127"/>
-                <a:ea typeface="G마켓 산스 Medium" panose="02000000000000000000" pitchFamily="50" charset="-127"/>
-              </a:rPr>
-              <a:t> </a:t>
-            </a:r>
-            <a:r>
-              <a:rPr lang="ko-KR" altLang="en-US" sz="2800" dirty="0" err="1">
-                <a:solidFill>
-                  <a:srgbClr val="4C50BB"/>
-                </a:solidFill>
-                <a:latin typeface="G마켓 산스 Medium" panose="02000000000000000000" pitchFamily="50" charset="-127"/>
-                <a:ea typeface="G마켓 산스 Medium" panose="02000000000000000000" pitchFamily="50" charset="-127"/>
-              </a:rPr>
-              <a:t>파싱하는것이</a:t>
-            </a:r>
-            <a:r>
-              <a:rPr lang="ko-KR" altLang="en-US" sz="2800" dirty="0">
-                <a:solidFill>
-                  <a:srgbClr val="4C50BB"/>
-                </a:solidFill>
-                <a:latin typeface="G마켓 산스 Medium" panose="02000000000000000000" pitchFamily="50" charset="-127"/>
-                <a:ea typeface="G마켓 산스 Medium" panose="02000000000000000000" pitchFamily="50" charset="-127"/>
-              </a:rPr>
-              <a:t> 좋다</a:t>
-            </a:r>
-            <a:r>
-              <a:rPr lang="en-US" altLang="ko-KR" sz="2800" dirty="0">
-                <a:solidFill>
-                  <a:srgbClr val="4C50BB"/>
-                </a:solidFill>
-                <a:latin typeface="G마켓 산스 Medium" panose="02000000000000000000" pitchFamily="50" charset="-127"/>
-                <a:ea typeface="G마켓 산스 Medium" panose="02000000000000000000" pitchFamily="50" charset="-127"/>
-              </a:rPr>
-              <a:t>.</a:t>
-            </a:r>
-          </a:p>
-        </p:txBody>
-      </p:sp>
-      <p:cxnSp>
-        <p:nvCxnSpPr>
-          <p:cNvPr id="7" name="직선 화살표 연결선 6">
-            <a:extLst>
-              <a:ext uri="{FF2B5EF4-FFF2-40B4-BE49-F238E27FC236}">
-                <a16:creationId xmlns:a16="http://schemas.microsoft.com/office/drawing/2014/main" id="{299DF5EC-9DF4-5255-06AC-0A7CE4FF58C3}"/>
-              </a:ext>
-            </a:extLst>
-          </p:cNvPr>
-          <p:cNvCxnSpPr>
-            <a:cxnSpLocks/>
-          </p:cNvCxnSpPr>
-          <p:nvPr/>
-        </p:nvCxnSpPr>
-        <p:spPr>
-          <a:xfrm>
-            <a:off x="8229600" y="7240424"/>
-            <a:ext cx="762000" cy="853171"/>
-          </a:xfrm>
-          <a:prstGeom prst="straightConnector1">
-            <a:avLst/>
-          </a:prstGeom>
-          <a:ln w="38100">
-            <a:tailEnd type="triangle"/>
-          </a:ln>
-        </p:spPr>
-        <p:style>
-          <a:lnRef idx="1">
-            <a:schemeClr val="accent2"/>
-          </a:lnRef>
-          <a:fillRef idx="0">
-            <a:schemeClr val="accent2"/>
-          </a:fillRef>
-          <a:effectRef idx="0">
-            <a:schemeClr val="accent2"/>
-          </a:effectRef>
-          <a:fontRef idx="minor">
-            <a:schemeClr val="tx1"/>
-          </a:fontRef>
-        </p:style>
-      </p:cxnSp>
-      <p:sp>
-        <p:nvSpPr>
-          <p:cNvPr id="8" name="직사각형 7">
-            <a:extLst>
-              <a:ext uri="{FF2B5EF4-FFF2-40B4-BE49-F238E27FC236}">
-                <a16:creationId xmlns:a16="http://schemas.microsoft.com/office/drawing/2014/main" id="{FFF506F9-840A-0508-4CAF-3AC711D8D5CE}"/>
-              </a:ext>
-            </a:extLst>
-          </p:cNvPr>
-          <p:cNvSpPr/>
-          <p:nvPr/>
-        </p:nvSpPr>
-        <p:spPr>
-          <a:xfrm>
-            <a:off x="4419600" y="6783224"/>
-            <a:ext cx="5334000" cy="457200"/>
-          </a:xfrm>
-          <a:prstGeom prst="rect">
-            <a:avLst/>
-          </a:prstGeom>
-          <a:noFill/>
-          <a:ln>
-            <a:solidFill>
-              <a:srgbClr val="FF0000"/>
-            </a:solidFill>
-          </a:ln>
-        </p:spPr>
-        <p:style>
-          <a:lnRef idx="2">
-            <a:schemeClr val="accent2">
-              <a:shade val="50000"/>
-            </a:schemeClr>
-          </a:lnRef>
-          <a:fillRef idx="1">
-            <a:schemeClr val="accent2"/>
-          </a:fillRef>
-          <a:effectRef idx="0">
-            <a:schemeClr val="accent2"/>
-          </a:effectRef>
-          <a:fontRef idx="minor">
-            <a:schemeClr val="lt1"/>
-          </a:fontRef>
-        </p:style>
-        <p:txBody>
-          <a:bodyPr rtlCol="0" anchor="ctr"/>
-          <a:lstStyle/>
-          <a:p>
-            <a:pPr algn="ctr"/>
-            <a:endParaRPr lang="ko-KR" altLang="en-US"/>
-          </a:p>
-        </p:txBody>
-      </p:sp>
-      <p:sp>
-        <p:nvSpPr>
-          <p:cNvPr id="9" name="TextBox 8">
-            <a:extLst>
-              <a:ext uri="{FF2B5EF4-FFF2-40B4-BE49-F238E27FC236}">
-                <a16:creationId xmlns:a16="http://schemas.microsoft.com/office/drawing/2014/main" id="{C6D113C6-EA5C-788F-0C77-E7CE6EBB865F}"/>
-              </a:ext>
-            </a:extLst>
-          </p:cNvPr>
-          <p:cNvSpPr txBox="1"/>
-          <p:nvPr/>
-        </p:nvSpPr>
-        <p:spPr>
-          <a:xfrm>
-            <a:off x="6096000" y="8125578"/>
-            <a:ext cx="6400800" cy="646331"/>
-          </a:xfrm>
-          <a:prstGeom prst="rect">
-            <a:avLst/>
-          </a:prstGeom>
-          <a:noFill/>
-        </p:spPr>
-        <p:txBody>
-          <a:bodyPr wrap="square" rtlCol="0">
-            <a:spAutoFit/>
-          </a:bodyPr>
-          <a:lstStyle/>
-          <a:p>
-            <a:r>
-              <a:rPr lang="ko-KR" altLang="en-US" sz="3600" dirty="0">
-                <a:solidFill>
-                  <a:srgbClr val="FF0000"/>
-                </a:solidFill>
-                <a:latin typeface="G마켓 산스 Medium" panose="02000000000000000000" pitchFamily="50" charset="-127"/>
-                <a:ea typeface="G마켓 산스 Medium" panose="02000000000000000000" pitchFamily="50" charset="-127"/>
-              </a:rPr>
-              <a:t>클래스 내부로 </a:t>
-            </a:r>
-            <a:r>
-              <a:rPr lang="ko-KR" altLang="en-US" sz="3600" dirty="0" err="1">
-                <a:solidFill>
-                  <a:srgbClr val="FF0000"/>
-                </a:solidFill>
-                <a:latin typeface="G마켓 산스 Medium" panose="02000000000000000000" pitchFamily="50" charset="-127"/>
-                <a:ea typeface="G마켓 산스 Medium" panose="02000000000000000000" pitchFamily="50" charset="-127"/>
-              </a:rPr>
-              <a:t>옮기도록하자</a:t>
-            </a:r>
-            <a:endParaRPr lang="en-US" altLang="ko-KR" sz="3600" dirty="0">
+              <a:t>번 힌트 </a:t>
+            </a:r>
+            <a:endParaRPr lang="en-US" altLang="ko-KR" sz="2800" dirty="0">
               <a:solidFill>
-                <a:srgbClr val="FF0000"/>
+                <a:srgbClr val="4C50BB"/>
               </a:solidFill>
               <a:latin typeface="G마켓 산스 Medium" panose="02000000000000000000" pitchFamily="50" charset="-127"/>
               <a:ea typeface="G마켓 산스 Medium" panose="02000000000000000000" pitchFamily="50" charset="-127"/>
             </a:endParaRPr>
           </a:p>
+          <a:p>
+            <a:endParaRPr lang="en-US" altLang="ko-KR" sz="2800" dirty="0">
+              <a:solidFill>
+                <a:srgbClr val="4C50BB"/>
+              </a:solidFill>
+              <a:latin typeface="G마켓 산스 Medium" panose="02000000000000000000" pitchFamily="50" charset="-127"/>
+              <a:ea typeface="G마켓 산스 Medium" panose="02000000000000000000" pitchFamily="50" charset="-127"/>
+            </a:endParaRPr>
+          </a:p>
+          <a:p>
+            <a:r>
+              <a:rPr lang="en-US" altLang="ko-KR" sz="2800" dirty="0">
+                <a:solidFill>
+                  <a:srgbClr val="4C50BB"/>
+                </a:solidFill>
+                <a:latin typeface="G마켓 산스 Medium" panose="02000000000000000000" pitchFamily="50" charset="-127"/>
+                <a:ea typeface="G마켓 산스 Medium" panose="02000000000000000000" pitchFamily="50" charset="-127"/>
+              </a:rPr>
+              <a:t>send </a:t>
+            </a:r>
+            <a:r>
+              <a:rPr lang="ko-KR" altLang="en-US" sz="2800" dirty="0">
+                <a:solidFill>
+                  <a:srgbClr val="4C50BB"/>
+                </a:solidFill>
+                <a:latin typeface="G마켓 산스 Medium" panose="02000000000000000000" pitchFamily="50" charset="-127"/>
+                <a:ea typeface="G마켓 산스 Medium" panose="02000000000000000000" pitchFamily="50" charset="-127"/>
+              </a:rPr>
+              <a:t>에서는 </a:t>
+            </a:r>
+            <a:r>
+              <a:rPr lang="en-US" altLang="ko-KR" sz="2800" dirty="0">
+                <a:solidFill>
+                  <a:srgbClr val="4C50BB"/>
+                </a:solidFill>
+                <a:latin typeface="G마켓 산스 Medium" panose="02000000000000000000" pitchFamily="50" charset="-127"/>
+                <a:ea typeface="G마켓 산스 Medium" panose="02000000000000000000" pitchFamily="50" charset="-127"/>
+              </a:rPr>
+              <a:t>con </a:t>
+            </a:r>
+            <a:r>
+              <a:rPr lang="ko-KR" altLang="en-US" sz="2800" dirty="0">
+                <a:solidFill>
+                  <a:srgbClr val="4C50BB"/>
+                </a:solidFill>
+                <a:latin typeface="G마켓 산스 Medium" panose="02000000000000000000" pitchFamily="50" charset="-127"/>
+                <a:ea typeface="G마켓 산스 Medium" panose="02000000000000000000" pitchFamily="50" charset="-127"/>
+              </a:rPr>
+              <a:t>객체를 통해 </a:t>
+            </a:r>
+            <a:r>
+              <a:rPr lang="en-US" altLang="ko-KR" sz="2800" dirty="0" err="1">
+                <a:solidFill>
+                  <a:srgbClr val="4C50BB"/>
+                </a:solidFill>
+                <a:latin typeface="G마켓 산스 Medium" panose="02000000000000000000" pitchFamily="50" charset="-127"/>
+                <a:ea typeface="G마켓 산스 Medium" panose="02000000000000000000" pitchFamily="50" charset="-127"/>
+              </a:rPr>
+              <a:t>OutputStream</a:t>
+            </a:r>
+            <a:r>
+              <a:rPr lang="ko-KR" altLang="en-US" sz="2800" dirty="0">
+                <a:solidFill>
+                  <a:srgbClr val="4C50BB"/>
+                </a:solidFill>
+                <a:latin typeface="G마켓 산스 Medium" panose="02000000000000000000" pitchFamily="50" charset="-127"/>
+                <a:ea typeface="G마켓 산스 Medium" panose="02000000000000000000" pitchFamily="50" charset="-127"/>
+              </a:rPr>
+              <a:t>을 얻어와 </a:t>
+            </a:r>
+            <a:r>
+              <a:rPr lang="en-US" altLang="ko-KR" sz="2800" dirty="0">
+                <a:solidFill>
+                  <a:srgbClr val="4C50BB"/>
+                </a:solidFill>
+                <a:latin typeface="G마켓 산스 Medium" panose="02000000000000000000" pitchFamily="50" charset="-127"/>
+                <a:ea typeface="G마켓 산스 Medium" panose="02000000000000000000" pitchFamily="50" charset="-127"/>
+              </a:rPr>
+              <a:t>write </a:t>
+            </a:r>
+            <a:r>
+              <a:rPr lang="ko-KR" altLang="en-US" sz="2800" dirty="0">
+                <a:solidFill>
+                  <a:srgbClr val="4C50BB"/>
+                </a:solidFill>
+                <a:latin typeface="G마켓 산스 Medium" panose="02000000000000000000" pitchFamily="50" charset="-127"/>
+                <a:ea typeface="G마켓 산스 Medium" panose="02000000000000000000" pitchFamily="50" charset="-127"/>
+              </a:rPr>
+              <a:t>해야만 한다</a:t>
+            </a:r>
+            <a:r>
+              <a:rPr lang="en-US" altLang="ko-KR" sz="2800" dirty="0">
+                <a:solidFill>
+                  <a:srgbClr val="4C50BB"/>
+                </a:solidFill>
+                <a:latin typeface="G마켓 산스 Medium" panose="02000000000000000000" pitchFamily="50" charset="-127"/>
+                <a:ea typeface="G마켓 산스 Medium" panose="02000000000000000000" pitchFamily="50" charset="-127"/>
+              </a:rPr>
+              <a:t>. connect() </a:t>
+            </a:r>
+            <a:r>
+              <a:rPr lang="ko-KR" altLang="en-US" sz="2800" dirty="0">
+                <a:solidFill>
+                  <a:srgbClr val="4C50BB"/>
+                </a:solidFill>
+                <a:latin typeface="G마켓 산스 Medium" panose="02000000000000000000" pitchFamily="50" charset="-127"/>
+                <a:ea typeface="G마켓 산스 Medium" panose="02000000000000000000" pitchFamily="50" charset="-127"/>
+              </a:rPr>
+              <a:t>메서드에서 </a:t>
+            </a:r>
+            <a:r>
+              <a:rPr lang="en-US" altLang="ko-KR" sz="2800" dirty="0">
+                <a:solidFill>
+                  <a:srgbClr val="4C50BB"/>
+                </a:solidFill>
+                <a:latin typeface="G마켓 산스 Medium" panose="02000000000000000000" pitchFamily="50" charset="-127"/>
+                <a:ea typeface="G마켓 산스 Medium" panose="02000000000000000000" pitchFamily="50" charset="-127"/>
+              </a:rPr>
+              <a:t>con </a:t>
+            </a:r>
+            <a:r>
+              <a:rPr lang="ko-KR" altLang="en-US" sz="2800" dirty="0">
+                <a:solidFill>
+                  <a:srgbClr val="4C50BB"/>
+                </a:solidFill>
+                <a:latin typeface="G마켓 산스 Medium" panose="02000000000000000000" pitchFamily="50" charset="-127"/>
+                <a:ea typeface="G마켓 산스 Medium" panose="02000000000000000000" pitchFamily="50" charset="-127"/>
+              </a:rPr>
+              <a:t>객체를 만들어 놨으니 그대로 사용하면 된다</a:t>
+            </a:r>
+            <a:r>
+              <a:rPr lang="en-US" altLang="ko-KR" sz="2800" dirty="0">
+                <a:solidFill>
+                  <a:srgbClr val="4C50BB"/>
+                </a:solidFill>
+                <a:latin typeface="G마켓 산스 Medium" panose="02000000000000000000" pitchFamily="50" charset="-127"/>
+                <a:ea typeface="G마켓 산스 Medium" panose="02000000000000000000" pitchFamily="50" charset="-127"/>
+              </a:rPr>
+              <a:t>.</a:t>
+            </a:r>
+            <a:r>
+              <a:rPr lang="ko-KR" altLang="en-US" sz="2800" dirty="0">
+                <a:solidFill>
+                  <a:srgbClr val="4C50BB"/>
+                </a:solidFill>
+                <a:latin typeface="G마켓 산스 Medium" panose="02000000000000000000" pitchFamily="50" charset="-127"/>
+                <a:ea typeface="G마켓 산스 Medium" panose="02000000000000000000" pitchFamily="50" charset="-127"/>
+              </a:rPr>
+              <a:t>그러면 더 이상 </a:t>
+            </a:r>
+            <a:r>
+              <a:rPr lang="en-US" altLang="ko-KR" sz="2800" dirty="0">
+                <a:solidFill>
+                  <a:srgbClr val="4C50BB"/>
+                </a:solidFill>
+                <a:latin typeface="G마켓 산스 Medium" panose="02000000000000000000" pitchFamily="50" charset="-127"/>
+                <a:ea typeface="G마켓 산스 Medium" panose="02000000000000000000" pitchFamily="50" charset="-127"/>
+              </a:rPr>
+              <a:t>send</a:t>
+            </a:r>
+            <a:r>
+              <a:rPr lang="ko-KR" altLang="en-US" sz="2800" dirty="0">
+                <a:solidFill>
+                  <a:srgbClr val="4C50BB"/>
+                </a:solidFill>
+                <a:latin typeface="G마켓 산스 Medium" panose="02000000000000000000" pitchFamily="50" charset="-127"/>
+                <a:ea typeface="G마켓 산스 Medium" panose="02000000000000000000" pitchFamily="50" charset="-127"/>
+              </a:rPr>
+              <a:t>의 매개변수로 </a:t>
+            </a:r>
+            <a:r>
+              <a:rPr lang="en-US" altLang="ko-KR" sz="2800" dirty="0">
+                <a:solidFill>
+                  <a:srgbClr val="4C50BB"/>
+                </a:solidFill>
+                <a:latin typeface="G마켓 산스 Medium" panose="02000000000000000000" pitchFamily="50" charset="-127"/>
+                <a:ea typeface="G마켓 산스 Medium" panose="02000000000000000000" pitchFamily="50" charset="-127"/>
+              </a:rPr>
+              <a:t>con </a:t>
+            </a:r>
+            <a:r>
+              <a:rPr lang="ko-KR" altLang="en-US" sz="2800" dirty="0">
+                <a:solidFill>
+                  <a:srgbClr val="4C50BB"/>
+                </a:solidFill>
+                <a:latin typeface="G마켓 산스 Medium" panose="02000000000000000000" pitchFamily="50" charset="-127"/>
+                <a:ea typeface="G마켓 산스 Medium" panose="02000000000000000000" pitchFamily="50" charset="-127"/>
+              </a:rPr>
+              <a:t>객체를 받을 필요가 </a:t>
+            </a:r>
+            <a:r>
+              <a:rPr lang="ko-KR" altLang="en-US" sz="2800" dirty="0" err="1">
+                <a:solidFill>
+                  <a:srgbClr val="4C50BB"/>
+                </a:solidFill>
+                <a:latin typeface="G마켓 산스 Medium" panose="02000000000000000000" pitchFamily="50" charset="-127"/>
+                <a:ea typeface="G마켓 산스 Medium" panose="02000000000000000000" pitchFamily="50" charset="-127"/>
+              </a:rPr>
+              <a:t>없게된다</a:t>
+            </a:r>
+            <a:r>
+              <a:rPr lang="en-US" altLang="ko-KR" sz="2800" dirty="0">
+                <a:solidFill>
+                  <a:srgbClr val="4C50BB"/>
+                </a:solidFill>
+                <a:latin typeface="G마켓 산스 Medium" panose="02000000000000000000" pitchFamily="50" charset="-127"/>
+                <a:ea typeface="G마켓 산스 Medium" panose="02000000000000000000" pitchFamily="50" charset="-127"/>
+              </a:rPr>
+              <a:t>.</a:t>
+            </a:r>
+          </a:p>
+          <a:p>
+            <a:r>
+              <a:rPr lang="en-US" altLang="ko-KR" sz="2800" dirty="0">
+                <a:solidFill>
+                  <a:srgbClr val="4C50BB"/>
+                </a:solidFill>
+                <a:latin typeface="G마켓 산스 Medium" panose="02000000000000000000" pitchFamily="50" charset="-127"/>
+                <a:ea typeface="G마켓 산스 Medium" panose="02000000000000000000" pitchFamily="50" charset="-127"/>
+              </a:rPr>
+              <a:t>- </a:t>
+            </a:r>
+            <a:r>
+              <a:rPr lang="ko-KR" altLang="en-US" sz="2800" dirty="0">
+                <a:solidFill>
+                  <a:srgbClr val="4C50BB"/>
+                </a:solidFill>
+                <a:latin typeface="G마켓 산스 Medium" panose="02000000000000000000" pitchFamily="50" charset="-127"/>
+                <a:ea typeface="G마켓 산스 Medium" panose="02000000000000000000" pitchFamily="50" charset="-127"/>
+              </a:rPr>
+              <a:t>하지만 매개변수가 바뀌게 되면 기존에 </a:t>
+            </a:r>
+            <a:r>
+              <a:rPr lang="ko-KR" altLang="en-US" sz="2800" dirty="0" err="1">
+                <a:solidFill>
+                  <a:srgbClr val="4C50BB"/>
+                </a:solidFill>
+                <a:latin typeface="G마켓 산스 Medium" panose="02000000000000000000" pitchFamily="50" charset="-127"/>
+                <a:ea typeface="G마켓 산스 Medium" panose="02000000000000000000" pitchFamily="50" charset="-127"/>
+              </a:rPr>
+              <a:t>작성해놓은</a:t>
+            </a:r>
+            <a:r>
+              <a:rPr lang="ko-KR" altLang="en-US" sz="2800" dirty="0">
+                <a:solidFill>
+                  <a:srgbClr val="4C50BB"/>
+                </a:solidFill>
+                <a:latin typeface="G마켓 산스 Medium" panose="02000000000000000000" pitchFamily="50" charset="-127"/>
+                <a:ea typeface="G마켓 산스 Medium" panose="02000000000000000000" pitchFamily="50" charset="-127"/>
+              </a:rPr>
+              <a:t> 코드들이 에러가 발생하지 않는가</a:t>
+            </a:r>
+            <a:r>
+              <a:rPr lang="en-US" altLang="ko-KR" sz="2800" dirty="0">
+                <a:solidFill>
+                  <a:srgbClr val="4C50BB"/>
+                </a:solidFill>
+                <a:latin typeface="G마켓 산스 Medium" panose="02000000000000000000" pitchFamily="50" charset="-127"/>
+                <a:ea typeface="G마켓 산스 Medium" panose="02000000000000000000" pitchFamily="50" charset="-127"/>
+              </a:rPr>
+              <a:t>? </a:t>
+            </a:r>
+            <a:r>
+              <a:rPr lang="ko-KR" altLang="en-US" sz="2800" dirty="0">
+                <a:solidFill>
+                  <a:srgbClr val="4C50BB"/>
+                </a:solidFill>
+                <a:latin typeface="G마켓 산스 Medium" panose="02000000000000000000" pitchFamily="50" charset="-127"/>
+                <a:ea typeface="G마켓 산스 Medium" panose="02000000000000000000" pitchFamily="50" charset="-127"/>
+              </a:rPr>
+              <a:t>기존코드는 그대로 작동되게 하면서 </a:t>
+            </a:r>
+            <a:r>
+              <a:rPr lang="en-US" altLang="ko-KR" sz="2800" dirty="0">
+                <a:solidFill>
+                  <a:srgbClr val="4C50BB"/>
+                </a:solidFill>
+                <a:latin typeface="G마켓 산스 Medium" panose="02000000000000000000" pitchFamily="50" charset="-127"/>
+                <a:ea typeface="G마켓 산스 Medium" panose="02000000000000000000" pitchFamily="50" charset="-127"/>
+              </a:rPr>
+              <a:t>con</a:t>
+            </a:r>
+            <a:r>
+              <a:rPr lang="ko-KR" altLang="en-US" sz="2800" dirty="0">
+                <a:solidFill>
+                  <a:srgbClr val="4C50BB"/>
+                </a:solidFill>
+                <a:latin typeface="G마켓 산스 Medium" panose="02000000000000000000" pitchFamily="50" charset="-127"/>
+                <a:ea typeface="G마켓 산스 Medium" panose="02000000000000000000" pitchFamily="50" charset="-127"/>
+              </a:rPr>
+              <a:t>객체를 매개변수로 </a:t>
+            </a:r>
+            <a:r>
+              <a:rPr lang="ko-KR" altLang="en-US" sz="2800" dirty="0" err="1">
+                <a:solidFill>
+                  <a:srgbClr val="4C50BB"/>
+                </a:solidFill>
+                <a:latin typeface="G마켓 산스 Medium" panose="02000000000000000000" pitchFamily="50" charset="-127"/>
+                <a:ea typeface="G마켓 산스 Medium" panose="02000000000000000000" pitchFamily="50" charset="-127"/>
+              </a:rPr>
+              <a:t>받는게</a:t>
+            </a:r>
+            <a:r>
+              <a:rPr lang="ko-KR" altLang="en-US" sz="2800" dirty="0">
+                <a:solidFill>
+                  <a:srgbClr val="4C50BB"/>
+                </a:solidFill>
+                <a:latin typeface="G마켓 산스 Medium" panose="02000000000000000000" pitchFamily="50" charset="-127"/>
+                <a:ea typeface="G마켓 산스 Medium" panose="02000000000000000000" pitchFamily="50" charset="-127"/>
+              </a:rPr>
+              <a:t> 아닌 멤버변수의 </a:t>
+            </a:r>
+            <a:r>
+              <a:rPr lang="en-US" altLang="ko-KR" sz="2800" dirty="0">
+                <a:solidFill>
+                  <a:srgbClr val="4C50BB"/>
+                </a:solidFill>
+                <a:latin typeface="G마켓 산스 Medium" panose="02000000000000000000" pitchFamily="50" charset="-127"/>
+                <a:ea typeface="G마켓 산스 Medium" panose="02000000000000000000" pitchFamily="50" charset="-127"/>
+              </a:rPr>
+              <a:t>con</a:t>
+            </a:r>
+            <a:r>
+              <a:rPr lang="ko-KR" altLang="en-US" sz="2800" dirty="0">
+                <a:solidFill>
+                  <a:srgbClr val="4C50BB"/>
+                </a:solidFill>
+                <a:latin typeface="G마켓 산스 Medium" panose="02000000000000000000" pitchFamily="50" charset="-127"/>
+                <a:ea typeface="G마켓 산스 Medium" panose="02000000000000000000" pitchFamily="50" charset="-127"/>
+              </a:rPr>
+              <a:t>을 바로 사용할 방법은</a:t>
+            </a:r>
+            <a:r>
+              <a:rPr lang="en-US" altLang="ko-KR" sz="2800" dirty="0">
+                <a:solidFill>
+                  <a:srgbClr val="4C50BB"/>
+                </a:solidFill>
+                <a:latin typeface="G마켓 산스 Medium" panose="02000000000000000000" pitchFamily="50" charset="-127"/>
+                <a:ea typeface="G마켓 산스 Medium" panose="02000000000000000000" pitchFamily="50" charset="-127"/>
+              </a:rPr>
+              <a:t>?</a:t>
+            </a:r>
+          </a:p>
+          <a:p>
+            <a:r>
+              <a:rPr lang="en-US" altLang="ko-KR" sz="2800" dirty="0">
+                <a:solidFill>
+                  <a:srgbClr val="4C50BB"/>
+                </a:solidFill>
+                <a:latin typeface="G마켓 산스 Medium" panose="02000000000000000000" pitchFamily="50" charset="-127"/>
+                <a:ea typeface="G마켓 산스 Medium" panose="02000000000000000000" pitchFamily="50" charset="-127"/>
+              </a:rPr>
+              <a:t>(send </a:t>
+            </a:r>
+            <a:r>
+              <a:rPr lang="ko-KR" altLang="en-US" sz="2800" dirty="0">
+                <a:solidFill>
+                  <a:srgbClr val="4C50BB"/>
+                </a:solidFill>
+                <a:latin typeface="G마켓 산스 Medium" panose="02000000000000000000" pitchFamily="50" charset="-127"/>
+                <a:ea typeface="G마켓 산스 Medium" panose="02000000000000000000" pitchFamily="50" charset="-127"/>
+              </a:rPr>
+              <a:t>를 오버로딩 하는 방법을 생각해보자</a:t>
+            </a:r>
+            <a:r>
+              <a:rPr lang="en-US" altLang="ko-KR" sz="2800" dirty="0">
+                <a:solidFill>
+                  <a:srgbClr val="4C50BB"/>
+                </a:solidFill>
+                <a:latin typeface="G마켓 산스 Medium" panose="02000000000000000000" pitchFamily="50" charset="-127"/>
+                <a:ea typeface="G마켓 산스 Medium" panose="02000000000000000000" pitchFamily="50" charset="-127"/>
+              </a:rPr>
+              <a:t>)</a:t>
+            </a:r>
+          </a:p>
+          <a:p>
+            <a:r>
+              <a:rPr lang="en-US" altLang="ko-KR" sz="2800" dirty="0">
+                <a:solidFill>
+                  <a:schemeClr val="bg1">
+                    <a:lumMod val="50000"/>
+                  </a:schemeClr>
+                </a:solidFill>
+                <a:latin typeface="G마켓 산스 Medium" panose="02000000000000000000" pitchFamily="50" charset="-127"/>
+                <a:ea typeface="G마켓 산스 Medium" panose="02000000000000000000" pitchFamily="50" charset="-127"/>
+              </a:rPr>
+              <a:t>- receive() </a:t>
+            </a:r>
+            <a:r>
+              <a:rPr lang="ko-KR" altLang="en-US" sz="2800" dirty="0">
+                <a:solidFill>
+                  <a:schemeClr val="bg1">
+                    <a:lumMod val="50000"/>
+                  </a:schemeClr>
+                </a:solidFill>
+                <a:latin typeface="G마켓 산스 Medium" panose="02000000000000000000" pitchFamily="50" charset="-127"/>
+                <a:ea typeface="G마켓 산스 Medium" panose="02000000000000000000" pitchFamily="50" charset="-127"/>
+              </a:rPr>
+              <a:t>메서드 역시 이와 같이 만들어보자</a:t>
+            </a:r>
+            <a:r>
+              <a:rPr lang="en-US" altLang="ko-KR" sz="2800" dirty="0">
+                <a:solidFill>
+                  <a:schemeClr val="bg1">
+                    <a:lumMod val="50000"/>
+                  </a:schemeClr>
+                </a:solidFill>
+                <a:latin typeface="G마켓 산스 Medium" panose="02000000000000000000" pitchFamily="50" charset="-127"/>
+                <a:ea typeface="G마켓 산스 Medium" panose="02000000000000000000" pitchFamily="50" charset="-127"/>
+              </a:rPr>
+              <a:t>.</a:t>
+            </a:r>
+          </a:p>
+          <a:p>
+            <a:r>
+              <a:rPr lang="en-US" altLang="ko-KR" sz="2800" dirty="0">
+                <a:solidFill>
+                  <a:schemeClr val="bg1">
+                    <a:lumMod val="50000"/>
+                  </a:schemeClr>
+                </a:solidFill>
+                <a:latin typeface="G마켓 산스 Medium" panose="02000000000000000000" pitchFamily="50" charset="-127"/>
+                <a:ea typeface="G마켓 산스 Medium" panose="02000000000000000000" pitchFamily="50" charset="-127"/>
+              </a:rPr>
+              <a:t>- </a:t>
+            </a:r>
+            <a:r>
+              <a:rPr lang="en-US" altLang="ko-KR" sz="2800" dirty="0" err="1">
+                <a:solidFill>
+                  <a:schemeClr val="bg1">
+                    <a:lumMod val="50000"/>
+                  </a:schemeClr>
+                </a:solidFill>
+                <a:latin typeface="G마켓 산스 Medium" panose="02000000000000000000" pitchFamily="50" charset="-127"/>
+                <a:ea typeface="G마켓 산스 Medium" panose="02000000000000000000" pitchFamily="50" charset="-127"/>
+              </a:rPr>
+              <a:t>con.getResponseCode</a:t>
+            </a:r>
+            <a:r>
+              <a:rPr lang="en-US" altLang="ko-KR" sz="2800" dirty="0">
+                <a:solidFill>
+                  <a:schemeClr val="bg1">
+                    <a:lumMod val="50000"/>
+                  </a:schemeClr>
+                </a:solidFill>
+                <a:latin typeface="G마켓 산스 Medium" panose="02000000000000000000" pitchFamily="50" charset="-127"/>
+                <a:ea typeface="G마켓 산스 Medium" panose="02000000000000000000" pitchFamily="50" charset="-127"/>
+              </a:rPr>
+              <a:t>() </a:t>
+            </a:r>
+            <a:r>
+              <a:rPr lang="ko-KR" altLang="en-US" sz="2800" dirty="0" err="1">
+                <a:solidFill>
+                  <a:schemeClr val="bg1">
+                    <a:lumMod val="50000"/>
+                  </a:schemeClr>
+                </a:solidFill>
+                <a:latin typeface="G마켓 산스 Medium" panose="02000000000000000000" pitchFamily="50" charset="-127"/>
+                <a:ea typeface="G마켓 산스 Medium" panose="02000000000000000000" pitchFamily="50" charset="-127"/>
+              </a:rPr>
+              <a:t>메서드는</a:t>
+            </a:r>
+            <a:r>
+              <a:rPr lang="ko-KR" altLang="en-US" sz="2800" dirty="0">
+                <a:solidFill>
+                  <a:schemeClr val="bg1">
+                    <a:lumMod val="50000"/>
+                  </a:schemeClr>
+                </a:solidFill>
+                <a:latin typeface="G마켓 산스 Medium" panose="02000000000000000000" pitchFamily="50" charset="-127"/>
+                <a:ea typeface="G마켓 산스 Medium" panose="02000000000000000000" pitchFamily="50" charset="-127"/>
+              </a:rPr>
+              <a:t> 수신과 관련된 코드이니 </a:t>
+            </a:r>
+            <a:r>
+              <a:rPr lang="en-US" altLang="ko-KR" sz="2800" dirty="0">
+                <a:solidFill>
+                  <a:schemeClr val="bg1">
+                    <a:lumMod val="50000"/>
+                  </a:schemeClr>
+                </a:solidFill>
+                <a:latin typeface="G마켓 산스 Medium" panose="02000000000000000000" pitchFamily="50" charset="-127"/>
+                <a:ea typeface="G마켓 산스 Medium" panose="02000000000000000000" pitchFamily="50" charset="-127"/>
+              </a:rPr>
+              <a:t>receive() </a:t>
+            </a:r>
+            <a:r>
+              <a:rPr lang="ko-KR" altLang="en-US" sz="2800" dirty="0" err="1">
+                <a:solidFill>
+                  <a:schemeClr val="bg1">
+                    <a:lumMod val="50000"/>
+                  </a:schemeClr>
+                </a:solidFill>
+                <a:latin typeface="G마켓 산스 Medium" panose="02000000000000000000" pitchFamily="50" charset="-127"/>
+                <a:ea typeface="G마켓 산스 Medium" panose="02000000000000000000" pitchFamily="50" charset="-127"/>
+              </a:rPr>
+              <a:t>메서드</a:t>
+            </a:r>
+            <a:r>
+              <a:rPr lang="ko-KR" altLang="en-US" sz="2800" dirty="0">
+                <a:solidFill>
+                  <a:schemeClr val="bg1">
+                    <a:lumMod val="50000"/>
+                  </a:schemeClr>
+                </a:solidFill>
+                <a:latin typeface="G마켓 산스 Medium" panose="02000000000000000000" pitchFamily="50" charset="-127"/>
+                <a:ea typeface="G마켓 산스 Medium" panose="02000000000000000000" pitchFamily="50" charset="-127"/>
+              </a:rPr>
+              <a:t> 내부에 넣자</a:t>
+            </a:r>
+            <a:r>
+              <a:rPr lang="en-US" altLang="ko-KR" sz="2800" dirty="0">
+                <a:solidFill>
+                  <a:schemeClr val="bg1">
+                    <a:lumMod val="50000"/>
+                  </a:schemeClr>
+                </a:solidFill>
+                <a:latin typeface="G마켓 산스 Medium" panose="02000000000000000000" pitchFamily="50" charset="-127"/>
+                <a:ea typeface="G마켓 산스 Medium" panose="02000000000000000000" pitchFamily="50" charset="-127"/>
+              </a:rPr>
+              <a:t>.</a:t>
+            </a:r>
+            <a:endParaRPr lang="en-US" altLang="ko-KR" sz="2800" dirty="0">
+              <a:solidFill>
+                <a:srgbClr val="4C50BB"/>
+              </a:solidFill>
+              <a:latin typeface="G마켓 산스 Medium" panose="02000000000000000000" pitchFamily="50" charset="-127"/>
+              <a:ea typeface="G마켓 산스 Medium" panose="02000000000000000000" pitchFamily="50" charset="-127"/>
+            </a:endParaRPr>
+          </a:p>
         </p:txBody>
       </p:sp>
-      <p:pic>
-        <p:nvPicPr>
-          <p:cNvPr id="3" name="그림 2"/>
-          <p:cNvPicPr>
-            <a:picLocks noChangeAspect="1"/>
-          </p:cNvPicPr>
-          <p:nvPr/>
-        </p:nvPicPr>
-        <p:blipFill>
-          <a:blip r:embed="rId3"/>
-          <a:stretch>
-            <a:fillRect/>
-          </a:stretch>
-        </p:blipFill>
-        <p:spPr>
-          <a:xfrm>
-            <a:off x="11125200" y="1740444"/>
-            <a:ext cx="6400800" cy="6353151"/>
-          </a:xfrm>
-          <a:prstGeom prst="rect">
-            <a:avLst/>
-          </a:prstGeom>
-        </p:spPr>
-      </p:pic>
     </p:spTree>
     <p:extLst>
       <p:ext uri="{BB962C8B-B14F-4D97-AF65-F5344CB8AC3E}">
-        <p14:creationId xmlns:p14="http://schemas.microsoft.com/office/powerpoint/2010/main" val="1013360659"/>
+        <p14:creationId xmlns:p14="http://schemas.microsoft.com/office/powerpoint/2010/main" val="990499814"/>
       </p:ext>
     </p:extLst>
   </p:cSld>
@@ -12491,384 +13290,15 @@
           <a:chExt cx="0" cy="0"/>
         </a:xfrm>
       </p:grpSpPr>
-      <p:sp>
-        <p:nvSpPr>
-          <p:cNvPr id="4" name="TextBox 3">
+      <p:pic>
+        <p:nvPicPr>
+          <p:cNvPr id="4" name="그림 3">
             <a:extLst>
               <a:ext uri="{FF2B5EF4-FFF2-40B4-BE49-F238E27FC236}">
-                <a16:creationId xmlns:a16="http://schemas.microsoft.com/office/drawing/2014/main" id="{52176D31-35F7-8916-46FA-6095EFEC1E49}"/>
+                <a16:creationId xmlns:a16="http://schemas.microsoft.com/office/drawing/2014/main" id="{BB7942F3-DCFA-4FC7-4E07-7A1C40C2CBED}"/>
               </a:ext>
             </a:extLst>
           </p:cNvPr>
-          <p:cNvSpPr txBox="1"/>
-          <p:nvPr/>
-        </p:nvSpPr>
-        <p:spPr>
-          <a:xfrm>
-            <a:off x="3505200" y="2019300"/>
-            <a:ext cx="12115800" cy="2308324"/>
-          </a:xfrm>
-          <a:prstGeom prst="rect">
-            <a:avLst/>
-          </a:prstGeom>
-          <a:noFill/>
-        </p:spPr>
-        <p:txBody>
-          <a:bodyPr wrap="square" rtlCol="0">
-            <a:spAutoFit/>
-          </a:bodyPr>
-          <a:lstStyle/>
-          <a:p>
-            <a:r>
-              <a:rPr lang="en-US" altLang="ko-KR" sz="3600" dirty="0" err="1">
-                <a:solidFill>
-                  <a:srgbClr val="4C50BB"/>
-                </a:solidFill>
-                <a:latin typeface="G마켓 산스 Medium" panose="02000000000000000000" pitchFamily="50" charset="-127"/>
-                <a:ea typeface="G마켓 산스 Medium" panose="02000000000000000000" pitchFamily="50" charset="-127"/>
-              </a:rPr>
-              <a:t>chatGPT</a:t>
-            </a:r>
-            <a:r>
-              <a:rPr lang="en-US" altLang="ko-KR" sz="3600" dirty="0">
-                <a:solidFill>
-                  <a:srgbClr val="4C50BB"/>
-                </a:solidFill>
-                <a:latin typeface="G마켓 산스 Medium" panose="02000000000000000000" pitchFamily="50" charset="-127"/>
-                <a:ea typeface="G마켓 산스 Medium" panose="02000000000000000000" pitchFamily="50" charset="-127"/>
-              </a:rPr>
-              <a:t> </a:t>
-            </a:r>
-            <a:r>
-              <a:rPr lang="ko-KR" altLang="en-US" sz="3600" dirty="0">
-                <a:solidFill>
-                  <a:srgbClr val="4C50BB"/>
-                </a:solidFill>
-                <a:latin typeface="G마켓 산스 Medium" panose="02000000000000000000" pitchFamily="50" charset="-127"/>
-                <a:ea typeface="G마켓 산스 Medium" panose="02000000000000000000" pitchFamily="50" charset="-127"/>
-              </a:rPr>
-              <a:t>클래스 </a:t>
-            </a:r>
-            <a:r>
-              <a:rPr lang="ko-KR" altLang="en-US" sz="3600" dirty="0" err="1">
-                <a:solidFill>
-                  <a:srgbClr val="4C50BB"/>
-                </a:solidFill>
-                <a:latin typeface="G마켓 산스 Medium" panose="02000000000000000000" pitchFamily="50" charset="-127"/>
-                <a:ea typeface="G마켓 산스 Medium" panose="02000000000000000000" pitchFamily="50" charset="-127"/>
-              </a:rPr>
-              <a:t>리팩토링</a:t>
-            </a:r>
-            <a:r>
-              <a:rPr lang="ko-KR" altLang="en-US" sz="3600" dirty="0">
-                <a:solidFill>
-                  <a:srgbClr val="4C50BB"/>
-                </a:solidFill>
-                <a:latin typeface="G마켓 산스 Medium" panose="02000000000000000000" pitchFamily="50" charset="-127"/>
-                <a:ea typeface="G마켓 산스 Medium" panose="02000000000000000000" pitchFamily="50" charset="-127"/>
-              </a:rPr>
-              <a:t> 작업을 진행한 결과 사용시 코드가 상당히 간결해졌다</a:t>
-            </a:r>
-            <a:r>
-              <a:rPr lang="en-US" altLang="ko-KR" sz="3600" dirty="0">
-                <a:solidFill>
-                  <a:srgbClr val="4C50BB"/>
-                </a:solidFill>
-                <a:latin typeface="G마켓 산스 Medium" panose="02000000000000000000" pitchFamily="50" charset="-127"/>
-                <a:ea typeface="G마켓 산스 Medium" panose="02000000000000000000" pitchFamily="50" charset="-127"/>
-              </a:rPr>
-              <a:t>.</a:t>
-            </a:r>
-            <a:r>
-              <a:rPr lang="ko-KR" altLang="en-US" sz="3600" dirty="0">
-                <a:solidFill>
-                  <a:srgbClr val="4C50BB"/>
-                </a:solidFill>
-                <a:latin typeface="G마켓 산스 Medium" panose="02000000000000000000" pitchFamily="50" charset="-127"/>
-                <a:ea typeface="G마켓 산스 Medium" panose="02000000000000000000" pitchFamily="50" charset="-127"/>
-              </a:rPr>
-              <a:t>이런 작업은 사실 상당히 </a:t>
-            </a:r>
-            <a:r>
-              <a:rPr lang="ko-KR" altLang="en-US" sz="3600" dirty="0" err="1">
-                <a:solidFill>
-                  <a:srgbClr val="4C50BB"/>
-                </a:solidFill>
-                <a:latin typeface="G마켓 산스 Medium" panose="02000000000000000000" pitchFamily="50" charset="-127"/>
-                <a:ea typeface="G마켓 산스 Medium" panose="02000000000000000000" pitchFamily="50" charset="-127"/>
-              </a:rPr>
-              <a:t>고난이도</a:t>
-            </a:r>
-            <a:r>
-              <a:rPr lang="ko-KR" altLang="en-US" sz="3600" dirty="0">
-                <a:solidFill>
-                  <a:srgbClr val="4C50BB"/>
-                </a:solidFill>
-                <a:latin typeface="G마켓 산스 Medium" panose="02000000000000000000" pitchFamily="50" charset="-127"/>
-                <a:ea typeface="G마켓 산스 Medium" panose="02000000000000000000" pitchFamily="50" charset="-127"/>
-              </a:rPr>
-              <a:t> 작업이라 할 수 있다</a:t>
-            </a:r>
-            <a:r>
-              <a:rPr lang="en-US" altLang="ko-KR" sz="3600" dirty="0">
-                <a:solidFill>
-                  <a:srgbClr val="4C50BB"/>
-                </a:solidFill>
-                <a:latin typeface="G마켓 산스 Medium" panose="02000000000000000000" pitchFamily="50" charset="-127"/>
-                <a:ea typeface="G마켓 산스 Medium" panose="02000000000000000000" pitchFamily="50" charset="-127"/>
-              </a:rPr>
-              <a:t>.</a:t>
-            </a:r>
-            <a:r>
-              <a:rPr lang="ko-KR" altLang="en-US" sz="3600" dirty="0">
-                <a:solidFill>
-                  <a:srgbClr val="4C50BB"/>
-                </a:solidFill>
-                <a:latin typeface="G마켓 산스 Medium" panose="02000000000000000000" pitchFamily="50" charset="-127"/>
-                <a:ea typeface="G마켓 산스 Medium" panose="02000000000000000000" pitchFamily="50" charset="-127"/>
-              </a:rPr>
-              <a:t>나중에는 도움 없이 직접 </a:t>
-            </a:r>
-            <a:r>
-              <a:rPr lang="ko-KR" altLang="en-US" sz="3600" dirty="0" err="1">
-                <a:solidFill>
-                  <a:srgbClr val="4C50BB"/>
-                </a:solidFill>
-                <a:latin typeface="G마켓 산스 Medium" panose="02000000000000000000" pitchFamily="50" charset="-127"/>
-                <a:ea typeface="G마켓 산스 Medium" panose="02000000000000000000" pitchFamily="50" charset="-127"/>
-              </a:rPr>
-              <a:t>이런식의</a:t>
-            </a:r>
-            <a:r>
-              <a:rPr lang="ko-KR" altLang="en-US" sz="3600" dirty="0">
-                <a:solidFill>
-                  <a:srgbClr val="4C50BB"/>
-                </a:solidFill>
-                <a:latin typeface="G마켓 산스 Medium" panose="02000000000000000000" pitchFamily="50" charset="-127"/>
-                <a:ea typeface="G마켓 산스 Medium" panose="02000000000000000000" pitchFamily="50" charset="-127"/>
-              </a:rPr>
-              <a:t> 클래스 설계를 할 수 있도록 해보자</a:t>
-            </a:r>
-            <a:r>
-              <a:rPr lang="en-US" altLang="ko-KR" sz="3600" dirty="0">
-                <a:solidFill>
-                  <a:srgbClr val="4C50BB"/>
-                </a:solidFill>
-                <a:latin typeface="G마켓 산스 Medium" panose="02000000000000000000" pitchFamily="50" charset="-127"/>
-                <a:ea typeface="G마켓 산스 Medium" panose="02000000000000000000" pitchFamily="50" charset="-127"/>
-              </a:rPr>
-              <a:t>.</a:t>
-            </a:r>
-          </a:p>
-        </p:txBody>
-      </p:sp>
-      <p:sp>
-        <p:nvSpPr>
-          <p:cNvPr id="5" name="TextBox 4">
-            <a:extLst>
-              <a:ext uri="{FF2B5EF4-FFF2-40B4-BE49-F238E27FC236}">
-                <a16:creationId xmlns:a16="http://schemas.microsoft.com/office/drawing/2014/main" id="{52176D31-35F7-8916-46FA-6095EFEC1E49}"/>
-              </a:ext>
-            </a:extLst>
-          </p:cNvPr>
-          <p:cNvSpPr txBox="1"/>
-          <p:nvPr/>
-        </p:nvSpPr>
-        <p:spPr>
-          <a:xfrm>
-            <a:off x="3505200" y="5143500"/>
-            <a:ext cx="12115800" cy="2862322"/>
-          </a:xfrm>
-          <a:prstGeom prst="rect">
-            <a:avLst/>
-          </a:prstGeom>
-          <a:noFill/>
-        </p:spPr>
-        <p:txBody>
-          <a:bodyPr wrap="square" rtlCol="0">
-            <a:spAutoFit/>
-          </a:bodyPr>
-          <a:lstStyle/>
-          <a:p>
-            <a:r>
-              <a:rPr lang="ko-KR" altLang="en-US" sz="3600" dirty="0">
-                <a:solidFill>
-                  <a:srgbClr val="4C50BB"/>
-                </a:solidFill>
-                <a:latin typeface="G마켓 산스 Medium" panose="02000000000000000000" pitchFamily="50" charset="-127"/>
-                <a:ea typeface="G마켓 산스 Medium" panose="02000000000000000000" pitchFamily="50" charset="-127"/>
-              </a:rPr>
-              <a:t>이제 </a:t>
-            </a:r>
-            <a:r>
-              <a:rPr lang="ko-KR" altLang="en-US" sz="3600" dirty="0" err="1">
-                <a:solidFill>
-                  <a:srgbClr val="4C50BB"/>
-                </a:solidFill>
-                <a:latin typeface="G마켓 산스 Medium" panose="02000000000000000000" pitchFamily="50" charset="-127"/>
-                <a:ea typeface="G마켓 산스 Medium" panose="02000000000000000000" pitchFamily="50" charset="-127"/>
-              </a:rPr>
-              <a:t>다음장부터</a:t>
-            </a:r>
-            <a:r>
-              <a:rPr lang="ko-KR" altLang="en-US" sz="3600" dirty="0">
-                <a:solidFill>
-                  <a:srgbClr val="4C50BB"/>
-                </a:solidFill>
-                <a:latin typeface="G마켓 산스 Medium" panose="02000000000000000000" pitchFamily="50" charset="-127"/>
-                <a:ea typeface="G마켓 산스 Medium" panose="02000000000000000000" pitchFamily="50" charset="-127"/>
-              </a:rPr>
-              <a:t> 대화를 주고 받을 수 있도록 기능을 추가하도록 하자</a:t>
-            </a:r>
-            <a:r>
-              <a:rPr lang="en-US" altLang="ko-KR" sz="3600" dirty="0">
-                <a:solidFill>
-                  <a:srgbClr val="4C50BB"/>
-                </a:solidFill>
-                <a:latin typeface="G마켓 산스 Medium" panose="02000000000000000000" pitchFamily="50" charset="-127"/>
-                <a:ea typeface="G마켓 산스 Medium" panose="02000000000000000000" pitchFamily="50" charset="-127"/>
-              </a:rPr>
-              <a:t>.</a:t>
-            </a:r>
-          </a:p>
-          <a:p>
-            <a:r>
-              <a:rPr lang="en-US" altLang="ko-KR" sz="3600" dirty="0">
-                <a:solidFill>
-                  <a:srgbClr val="4C50BB"/>
-                </a:solidFill>
-                <a:latin typeface="G마켓 산스 Medium" panose="02000000000000000000" pitchFamily="50" charset="-127"/>
-                <a:ea typeface="G마켓 산스 Medium" panose="02000000000000000000" pitchFamily="50" charset="-127"/>
-              </a:rPr>
-              <a:t>(</a:t>
-            </a:r>
-            <a:r>
-              <a:rPr lang="ko-KR" altLang="en-US" sz="3600" dirty="0">
-                <a:solidFill>
-                  <a:srgbClr val="FF0000"/>
-                </a:solidFill>
-                <a:latin typeface="G마켓 산스 Medium" panose="02000000000000000000" pitchFamily="50" charset="-127"/>
-                <a:ea typeface="G마켓 산스 Medium" panose="02000000000000000000" pitchFamily="50" charset="-127"/>
-              </a:rPr>
-              <a:t>항상 현재 코드가 모듈화가 잘되어 있는가를 항상 생각해보자 모듈화 되지 않은 채로 추가적인 기능개발을 들어가면 코드가 점점 </a:t>
-            </a:r>
-            <a:r>
-              <a:rPr lang="ko-KR" altLang="en-US" sz="3600" dirty="0" err="1">
-                <a:solidFill>
-                  <a:srgbClr val="FF0000"/>
-                </a:solidFill>
-                <a:latin typeface="G마켓 산스 Medium" panose="02000000000000000000" pitchFamily="50" charset="-127"/>
-                <a:ea typeface="G마켓 산스 Medium" panose="02000000000000000000" pitchFamily="50" charset="-127"/>
-              </a:rPr>
-              <a:t>복잡해질뿐이다</a:t>
-            </a:r>
-            <a:r>
-              <a:rPr lang="en-US" altLang="ko-KR" sz="3600" dirty="0">
-                <a:solidFill>
-                  <a:srgbClr val="FF0000"/>
-                </a:solidFill>
-                <a:latin typeface="G마켓 산스 Medium" panose="02000000000000000000" pitchFamily="50" charset="-127"/>
-                <a:ea typeface="G마켓 산스 Medium" panose="02000000000000000000" pitchFamily="50" charset="-127"/>
-              </a:rPr>
-              <a:t>.)</a:t>
-            </a:r>
-          </a:p>
-        </p:txBody>
-      </p:sp>
-    </p:spTree>
-    <p:extLst>
-      <p:ext uri="{BB962C8B-B14F-4D97-AF65-F5344CB8AC3E}">
-        <p14:creationId xmlns:p14="http://schemas.microsoft.com/office/powerpoint/2010/main" val="1926535390"/>
-      </p:ext>
-    </p:extLst>
-  </p:cSld>
-  <p:clrMapOvr>
-    <a:masterClrMapping/>
-  </p:clrMapOvr>
-</p:sld>
-</file>
-
-<file path=ppt/slides/slide35.xml><?xml version="1.0" encoding="utf-8"?>
-<p:sld xmlns:a="http://schemas.openxmlformats.org/drawingml/2006/main" xmlns:r="http://schemas.openxmlformats.org/officeDocument/2006/relationships" xmlns:p="http://schemas.openxmlformats.org/presentationml/2006/main">
-  <p:cSld>
-    <p:spTree>
-      <p:nvGrpSpPr>
-        <p:cNvPr id="1" name=""/>
-        <p:cNvGrpSpPr/>
-        <p:nvPr/>
-      </p:nvGrpSpPr>
-      <p:grpSpPr>
-        <a:xfrm>
-          <a:off x="0" y="0"/>
-          <a:ext cx="0" cy="0"/>
-          <a:chOff x="0" y="0"/>
-          <a:chExt cx="0" cy="0"/>
-        </a:xfrm>
-      </p:grpSpPr>
-      <p:sp>
-        <p:nvSpPr>
-          <p:cNvPr id="4" name="TextBox 3">
-            <a:extLst>
-              <a:ext uri="{FF2B5EF4-FFF2-40B4-BE49-F238E27FC236}">
-                <a16:creationId xmlns:a16="http://schemas.microsoft.com/office/drawing/2014/main" id="{52176D31-35F7-8916-46FA-6095EFEC1E49}"/>
-              </a:ext>
-            </a:extLst>
-          </p:cNvPr>
-          <p:cNvSpPr txBox="1"/>
-          <p:nvPr/>
-        </p:nvSpPr>
-        <p:spPr>
-          <a:xfrm>
-            <a:off x="609600" y="190500"/>
-            <a:ext cx="17145000" cy="523220"/>
-          </a:xfrm>
-          <a:prstGeom prst="rect">
-            <a:avLst/>
-          </a:prstGeom>
-          <a:noFill/>
-        </p:spPr>
-        <p:txBody>
-          <a:bodyPr wrap="square" rtlCol="0">
-            <a:spAutoFit/>
-          </a:bodyPr>
-          <a:lstStyle/>
-          <a:p>
-            <a:r>
-              <a:rPr lang="en-US" altLang="ko-KR" sz="2800" dirty="0">
-                <a:solidFill>
-                  <a:srgbClr val="4C50BB"/>
-                </a:solidFill>
-                <a:latin typeface="G마켓 산스 Medium" panose="02000000000000000000" pitchFamily="50" charset="-127"/>
-                <a:ea typeface="G마켓 산스 Medium" panose="02000000000000000000" pitchFamily="50" charset="-127"/>
-              </a:rPr>
-              <a:t>8.chatGPT</a:t>
-            </a:r>
-            <a:r>
-              <a:rPr lang="ko-KR" altLang="en-US" sz="2800" dirty="0">
-                <a:solidFill>
-                  <a:srgbClr val="4C50BB"/>
-                </a:solidFill>
-                <a:latin typeface="G마켓 산스 Medium" panose="02000000000000000000" pitchFamily="50" charset="-127"/>
-                <a:ea typeface="G마켓 산스 Medium" panose="02000000000000000000" pitchFamily="50" charset="-127"/>
-              </a:rPr>
-              <a:t>로 전송할 메시지를 키보드로 입력 받아 보자</a:t>
-            </a:r>
-            <a:r>
-              <a:rPr lang="en-US" altLang="ko-KR" sz="2800" dirty="0">
-                <a:solidFill>
-                  <a:srgbClr val="4C50BB"/>
-                </a:solidFill>
-                <a:latin typeface="G마켓 산스 Medium" panose="02000000000000000000" pitchFamily="50" charset="-127"/>
-                <a:ea typeface="G마켓 산스 Medium" panose="02000000000000000000" pitchFamily="50" charset="-127"/>
-              </a:rPr>
-              <a:t>.</a:t>
-            </a:r>
-          </a:p>
-        </p:txBody>
-      </p:sp>
-      <p:pic>
-        <p:nvPicPr>
-          <p:cNvPr id="7" name="그림 6"/>
           <p:cNvPicPr>
             <a:picLocks noChangeAspect="1"/>
           </p:cNvPicPr>
@@ -12882,1710 +13312,23 @@
         </p:blipFill>
         <p:spPr>
           <a:xfrm>
-            <a:off x="228600" y="2095500"/>
-            <a:ext cx="17662553" cy="2514600"/>
+            <a:off x="4114800" y="1714500"/>
+            <a:ext cx="9081656" cy="5257800"/>
           </a:xfrm>
           <a:prstGeom prst="rect">
             <a:avLst/>
           </a:prstGeom>
         </p:spPr>
       </p:pic>
-    </p:spTree>
-    <p:extLst>
-      <p:ext uri="{BB962C8B-B14F-4D97-AF65-F5344CB8AC3E}">
-        <p14:creationId xmlns:p14="http://schemas.microsoft.com/office/powerpoint/2010/main" val="3139265561"/>
-      </p:ext>
-    </p:extLst>
-  </p:cSld>
-  <p:clrMapOvr>
-    <a:masterClrMapping/>
-  </p:clrMapOvr>
-</p:sld>
-</file>
-
-<file path=ppt/slides/slide36.xml><?xml version="1.0" encoding="utf-8"?>
-<p:sld xmlns:a="http://schemas.openxmlformats.org/drawingml/2006/main" xmlns:r="http://schemas.openxmlformats.org/officeDocument/2006/relationships" xmlns:p="http://schemas.openxmlformats.org/presentationml/2006/main">
-  <p:cSld>
-    <p:spTree>
-      <p:nvGrpSpPr>
-        <p:cNvPr id="1" name=""/>
-        <p:cNvGrpSpPr/>
-        <p:nvPr/>
-      </p:nvGrpSpPr>
-      <p:grpSpPr>
-        <a:xfrm>
-          <a:off x="0" y="0"/>
-          <a:ext cx="0" cy="0"/>
-          <a:chOff x="0" y="0"/>
-          <a:chExt cx="0" cy="0"/>
-        </a:xfrm>
-      </p:grpSpPr>
-      <p:sp>
-        <p:nvSpPr>
-          <p:cNvPr id="4" name="TextBox 3">
+      <p:pic>
+        <p:nvPicPr>
+          <p:cNvPr id="5" name="그림 4">
             <a:extLst>
               <a:ext uri="{FF2B5EF4-FFF2-40B4-BE49-F238E27FC236}">
-                <a16:creationId xmlns:a16="http://schemas.microsoft.com/office/drawing/2014/main" id="{52176D31-35F7-8916-46FA-6095EFEC1E49}"/>
+                <a16:creationId xmlns:a16="http://schemas.microsoft.com/office/drawing/2014/main" id="{B42BD662-C4BA-AC48-4CC0-714FB412B677}"/>
               </a:ext>
             </a:extLst>
           </p:cNvPr>
-          <p:cNvSpPr txBox="1"/>
-          <p:nvPr/>
-        </p:nvSpPr>
-        <p:spPr>
-          <a:xfrm>
-            <a:off x="609600" y="190500"/>
-            <a:ext cx="17145000" cy="2246769"/>
-          </a:xfrm>
-          <a:prstGeom prst="rect">
-            <a:avLst/>
-          </a:prstGeom>
-          <a:noFill/>
-        </p:spPr>
-        <p:txBody>
-          <a:bodyPr wrap="square" rtlCol="0">
-            <a:spAutoFit/>
-          </a:bodyPr>
-          <a:lstStyle/>
-          <a:p>
-            <a:r>
-              <a:rPr lang="en-US" altLang="ko-KR" sz="2800" dirty="0">
-                <a:solidFill>
-                  <a:srgbClr val="4C50BB"/>
-                </a:solidFill>
-                <a:latin typeface="G마켓 산스 Medium" panose="02000000000000000000" pitchFamily="50" charset="-127"/>
-                <a:ea typeface="G마켓 산스 Medium" panose="02000000000000000000" pitchFamily="50" charset="-127"/>
-              </a:rPr>
-              <a:t>9.</a:t>
-            </a:r>
-            <a:r>
-              <a:rPr lang="ko-KR" altLang="en-US" sz="2800" dirty="0">
-                <a:solidFill>
-                  <a:srgbClr val="4C50BB"/>
-                </a:solidFill>
-                <a:latin typeface="G마켓 산스 Medium" panose="02000000000000000000" pitchFamily="50" charset="-127"/>
-                <a:ea typeface="G마켓 산스 Medium" panose="02000000000000000000" pitchFamily="50" charset="-127"/>
-              </a:rPr>
-              <a:t>지금까지는 한번 말을 건네면 한번 대답 </a:t>
-            </a:r>
-            <a:r>
-              <a:rPr lang="ko-KR" altLang="en-US" sz="2800" dirty="0" err="1">
-                <a:solidFill>
-                  <a:srgbClr val="4C50BB"/>
-                </a:solidFill>
-                <a:latin typeface="G마켓 산스 Medium" panose="02000000000000000000" pitchFamily="50" charset="-127"/>
-                <a:ea typeface="G마켓 산스 Medium" panose="02000000000000000000" pitchFamily="50" charset="-127"/>
-              </a:rPr>
-              <a:t>오는게</a:t>
-            </a:r>
-            <a:r>
-              <a:rPr lang="ko-KR" altLang="en-US" sz="2800" dirty="0">
-                <a:solidFill>
-                  <a:srgbClr val="4C50BB"/>
-                </a:solidFill>
-                <a:latin typeface="G마켓 산스 Medium" panose="02000000000000000000" pitchFamily="50" charset="-127"/>
-                <a:ea typeface="G마켓 산스 Medium" panose="02000000000000000000" pitchFamily="50" charset="-127"/>
-              </a:rPr>
-              <a:t> 끝 이였다</a:t>
-            </a:r>
-            <a:r>
-              <a:rPr lang="en-US" altLang="ko-KR" sz="2800" dirty="0">
-                <a:solidFill>
-                  <a:srgbClr val="4C50BB"/>
-                </a:solidFill>
-                <a:latin typeface="G마켓 산스 Medium" panose="02000000000000000000" pitchFamily="50" charset="-127"/>
-                <a:ea typeface="G마켓 산스 Medium" panose="02000000000000000000" pitchFamily="50" charset="-127"/>
-              </a:rPr>
-              <a:t>. </a:t>
-            </a:r>
-            <a:r>
-              <a:rPr lang="ko-KR" altLang="en-US" sz="2800" dirty="0">
-                <a:solidFill>
-                  <a:srgbClr val="4C50BB"/>
-                </a:solidFill>
-                <a:latin typeface="G마켓 산스 Medium" panose="02000000000000000000" pitchFamily="50" charset="-127"/>
-                <a:ea typeface="G마켓 산스 Medium" panose="02000000000000000000" pitchFamily="50" charset="-127"/>
-              </a:rPr>
-              <a:t>대화가 계속 이어 질 수 있게 </a:t>
-            </a:r>
-            <a:r>
-              <a:rPr lang="en-US" altLang="ko-KR" sz="2800" dirty="0">
-                <a:solidFill>
-                  <a:srgbClr val="4C50BB"/>
-                </a:solidFill>
-                <a:latin typeface="G마켓 산스 Medium" panose="02000000000000000000" pitchFamily="50" charset="-127"/>
-                <a:ea typeface="G마켓 산스 Medium" panose="02000000000000000000" pitchFamily="50" charset="-127"/>
-              </a:rPr>
-              <a:t>“</a:t>
-            </a:r>
-            <a:r>
-              <a:rPr lang="ko-KR" altLang="en-US" sz="2800" dirty="0">
-                <a:solidFill>
-                  <a:srgbClr val="4C50BB"/>
-                </a:solidFill>
-                <a:latin typeface="G마켓 산스 Medium" panose="02000000000000000000" pitchFamily="50" charset="-127"/>
-                <a:ea typeface="G마켓 산스 Medium" panose="02000000000000000000" pitchFamily="50" charset="-127"/>
-              </a:rPr>
-              <a:t>대화종료</a:t>
-            </a:r>
-            <a:r>
-              <a:rPr lang="en-US" altLang="ko-KR" sz="2800" dirty="0">
-                <a:solidFill>
-                  <a:srgbClr val="4C50BB"/>
-                </a:solidFill>
-                <a:latin typeface="G마켓 산스 Medium" panose="02000000000000000000" pitchFamily="50" charset="-127"/>
-                <a:ea typeface="G마켓 산스 Medium" panose="02000000000000000000" pitchFamily="50" charset="-127"/>
-              </a:rPr>
-              <a:t>” </a:t>
-            </a:r>
-            <a:r>
-              <a:rPr lang="ko-KR" altLang="en-US" sz="2800" dirty="0">
-                <a:solidFill>
-                  <a:srgbClr val="4C50BB"/>
-                </a:solidFill>
-                <a:latin typeface="G마켓 산스 Medium" panose="02000000000000000000" pitchFamily="50" charset="-127"/>
-                <a:ea typeface="G마켓 산스 Medium" panose="02000000000000000000" pitchFamily="50" charset="-127"/>
-              </a:rPr>
-              <a:t>라고 입력 하기 전까지 무한반복 하도록 하자</a:t>
-            </a:r>
-            <a:r>
-              <a:rPr lang="en-US" altLang="ko-KR" sz="2800" dirty="0">
-                <a:solidFill>
-                  <a:srgbClr val="4C50BB"/>
-                </a:solidFill>
-                <a:latin typeface="G마켓 산스 Medium" panose="02000000000000000000" pitchFamily="50" charset="-127"/>
-                <a:ea typeface="G마켓 산스 Medium" panose="02000000000000000000" pitchFamily="50" charset="-127"/>
-              </a:rPr>
-              <a:t>.</a:t>
-            </a:r>
-          </a:p>
-          <a:p>
-            <a:r>
-              <a:rPr lang="en-US" altLang="ko-KR" sz="2800" dirty="0">
-                <a:solidFill>
-                  <a:schemeClr val="bg1">
-                    <a:lumMod val="50000"/>
-                  </a:schemeClr>
-                </a:solidFill>
-                <a:latin typeface="G마켓 산스 Medium" panose="02000000000000000000" pitchFamily="50" charset="-127"/>
-                <a:ea typeface="G마켓 산스 Medium" panose="02000000000000000000" pitchFamily="50" charset="-127"/>
-              </a:rPr>
-              <a:t>- </a:t>
-            </a:r>
-            <a:r>
-              <a:rPr lang="en-US" altLang="ko-KR" sz="2800" dirty="0" err="1">
-                <a:solidFill>
-                  <a:schemeClr val="bg1">
-                    <a:lumMod val="50000"/>
-                  </a:schemeClr>
-                </a:solidFill>
-                <a:latin typeface="G마켓 산스 Medium" panose="02000000000000000000" pitchFamily="50" charset="-127"/>
-                <a:ea typeface="G마켓 산스 Medium" panose="02000000000000000000" pitchFamily="50" charset="-127"/>
-              </a:rPr>
-              <a:t>chatGPT</a:t>
-            </a:r>
-            <a:r>
-              <a:rPr lang="ko-KR" altLang="en-US" sz="2800" dirty="0">
-                <a:solidFill>
-                  <a:schemeClr val="bg1">
-                    <a:lumMod val="50000"/>
-                  </a:schemeClr>
-                </a:solidFill>
-                <a:latin typeface="G마켓 산스 Medium" panose="02000000000000000000" pitchFamily="50" charset="-127"/>
-                <a:ea typeface="G마켓 산스 Medium" panose="02000000000000000000" pitchFamily="50" charset="-127"/>
-              </a:rPr>
-              <a:t>는 </a:t>
-            </a:r>
-            <a:r>
-              <a:rPr lang="en-US" altLang="ko-KR" sz="2800" dirty="0">
-                <a:solidFill>
-                  <a:schemeClr val="bg1">
-                    <a:lumMod val="50000"/>
-                  </a:schemeClr>
-                </a:solidFill>
-                <a:latin typeface="G마켓 산스 Medium" panose="02000000000000000000" pitchFamily="50" charset="-127"/>
-                <a:ea typeface="G마켓 산스 Medium" panose="02000000000000000000" pitchFamily="50" charset="-127"/>
-              </a:rPr>
-              <a:t>http</a:t>
-            </a:r>
-            <a:r>
-              <a:rPr lang="ko-KR" altLang="en-US" sz="2800" dirty="0">
-                <a:solidFill>
-                  <a:schemeClr val="bg1">
-                    <a:lumMod val="50000"/>
-                  </a:schemeClr>
-                </a:solidFill>
-                <a:latin typeface="G마켓 산스 Medium" panose="02000000000000000000" pitchFamily="50" charset="-127"/>
-                <a:ea typeface="G마켓 산스 Medium" panose="02000000000000000000" pitchFamily="50" charset="-127"/>
-              </a:rPr>
-              <a:t>를 사용하여 통신한다</a:t>
-            </a:r>
-            <a:r>
-              <a:rPr lang="en-US" altLang="ko-KR" sz="2800" dirty="0">
-                <a:solidFill>
-                  <a:schemeClr val="bg1">
-                    <a:lumMod val="50000"/>
-                  </a:schemeClr>
-                </a:solidFill>
-                <a:latin typeface="G마켓 산스 Medium" panose="02000000000000000000" pitchFamily="50" charset="-127"/>
-                <a:ea typeface="G마켓 산스 Medium" panose="02000000000000000000" pitchFamily="50" charset="-127"/>
-              </a:rPr>
-              <a:t>. Http</a:t>
-            </a:r>
-            <a:r>
-              <a:rPr lang="ko-KR" altLang="en-US" sz="2800" dirty="0">
-                <a:solidFill>
-                  <a:schemeClr val="bg1">
-                    <a:lumMod val="50000"/>
-                  </a:schemeClr>
-                </a:solidFill>
-                <a:latin typeface="G마켓 산스 Medium" panose="02000000000000000000" pitchFamily="50" charset="-127"/>
-                <a:ea typeface="G마켓 산스 Medium" panose="02000000000000000000" pitchFamily="50" charset="-127"/>
-              </a:rPr>
-              <a:t>는 </a:t>
-            </a:r>
-            <a:r>
-              <a:rPr lang="ko-KR" altLang="en-US" sz="2800" dirty="0" err="1">
-                <a:solidFill>
-                  <a:schemeClr val="bg1">
-                    <a:lumMod val="50000"/>
-                  </a:schemeClr>
-                </a:solidFill>
-                <a:latin typeface="G마켓 산스 Medium" panose="02000000000000000000" pitchFamily="50" charset="-127"/>
-                <a:ea typeface="G마켓 산스 Medium" panose="02000000000000000000" pitchFamily="50" charset="-127"/>
-              </a:rPr>
-              <a:t>비연결성</a:t>
-            </a:r>
-            <a:r>
-              <a:rPr lang="ko-KR" altLang="en-US" sz="2800" dirty="0">
-                <a:solidFill>
-                  <a:schemeClr val="bg1">
-                    <a:lumMod val="50000"/>
-                  </a:schemeClr>
-                </a:solidFill>
-                <a:latin typeface="G마켓 산스 Medium" panose="02000000000000000000" pitchFamily="50" charset="-127"/>
-                <a:ea typeface="G마켓 산스 Medium" panose="02000000000000000000" pitchFamily="50" charset="-127"/>
-              </a:rPr>
-              <a:t> 통신이기 때문에 </a:t>
-            </a:r>
-            <a:r>
-              <a:rPr lang="ko-KR" altLang="en-US" sz="2800" dirty="0" err="1">
-                <a:solidFill>
-                  <a:schemeClr val="bg1">
-                    <a:lumMod val="50000"/>
-                  </a:schemeClr>
-                </a:solidFill>
-                <a:latin typeface="G마켓 산스 Medium" panose="02000000000000000000" pitchFamily="50" charset="-127"/>
-                <a:ea typeface="G마켓 산스 Medium" panose="02000000000000000000" pitchFamily="50" charset="-127"/>
-              </a:rPr>
-              <a:t>스트림을</a:t>
-            </a:r>
-            <a:r>
-              <a:rPr lang="ko-KR" altLang="en-US" sz="2800" dirty="0">
-                <a:solidFill>
-                  <a:schemeClr val="bg1">
-                    <a:lumMod val="50000"/>
-                  </a:schemeClr>
-                </a:solidFill>
-                <a:latin typeface="G마켓 산스 Medium" panose="02000000000000000000" pitchFamily="50" charset="-127"/>
-                <a:ea typeface="G마켓 산스 Medium" panose="02000000000000000000" pitchFamily="50" charset="-127"/>
-              </a:rPr>
-              <a:t> 한번 사용하면 재사용 할 수 없다</a:t>
-            </a:r>
-            <a:r>
-              <a:rPr lang="en-US" altLang="ko-KR" sz="2800" dirty="0">
-                <a:solidFill>
-                  <a:schemeClr val="bg1">
-                    <a:lumMod val="50000"/>
-                  </a:schemeClr>
-                </a:solidFill>
-                <a:latin typeface="G마켓 산스 Medium" panose="02000000000000000000" pitchFamily="50" charset="-127"/>
-                <a:ea typeface="G마켓 산스 Medium" panose="02000000000000000000" pitchFamily="50" charset="-127"/>
-              </a:rPr>
-              <a:t>. </a:t>
-            </a:r>
-            <a:r>
-              <a:rPr lang="ko-KR" altLang="en-US" sz="2800" dirty="0">
-                <a:solidFill>
-                  <a:schemeClr val="bg1">
-                    <a:lumMod val="50000"/>
-                  </a:schemeClr>
-                </a:solidFill>
-                <a:latin typeface="G마켓 산스 Medium" panose="02000000000000000000" pitchFamily="50" charset="-127"/>
-                <a:ea typeface="G마켓 산스 Medium" panose="02000000000000000000" pitchFamily="50" charset="-127"/>
-              </a:rPr>
-              <a:t>따라서 한번 대화를 주고 받고 그 다음에는 또 다시 </a:t>
-            </a:r>
-            <a:r>
-              <a:rPr lang="en-US" altLang="ko-KR" sz="2800" dirty="0">
-                <a:solidFill>
-                  <a:schemeClr val="bg1">
-                    <a:lumMod val="50000"/>
-                  </a:schemeClr>
-                </a:solidFill>
-                <a:latin typeface="G마켓 산스 Medium" panose="02000000000000000000" pitchFamily="50" charset="-127"/>
-                <a:ea typeface="G마켓 산스 Medium" panose="02000000000000000000" pitchFamily="50" charset="-127"/>
-              </a:rPr>
-              <a:t>connect() </a:t>
-            </a:r>
-            <a:r>
-              <a:rPr lang="ko-KR" altLang="en-US" sz="2800" dirty="0" err="1">
-                <a:solidFill>
-                  <a:schemeClr val="bg1">
-                    <a:lumMod val="50000"/>
-                  </a:schemeClr>
-                </a:solidFill>
-                <a:latin typeface="G마켓 산스 Medium" panose="02000000000000000000" pitchFamily="50" charset="-127"/>
-                <a:ea typeface="G마켓 산스 Medium" panose="02000000000000000000" pitchFamily="50" charset="-127"/>
-              </a:rPr>
-              <a:t>메서드를</a:t>
-            </a:r>
-            <a:r>
-              <a:rPr lang="ko-KR" altLang="en-US" sz="2800" dirty="0">
-                <a:solidFill>
-                  <a:schemeClr val="bg1">
-                    <a:lumMod val="50000"/>
-                  </a:schemeClr>
-                </a:solidFill>
-                <a:latin typeface="G마켓 산스 Medium" panose="02000000000000000000" pitchFamily="50" charset="-127"/>
-                <a:ea typeface="G마켓 산스 Medium" panose="02000000000000000000" pitchFamily="50" charset="-127"/>
-              </a:rPr>
-              <a:t> 사용해야 한다</a:t>
-            </a:r>
-            <a:r>
-              <a:rPr lang="en-US" altLang="ko-KR" sz="2800" dirty="0">
-                <a:solidFill>
-                  <a:schemeClr val="bg1">
-                    <a:lumMod val="50000"/>
-                  </a:schemeClr>
-                </a:solidFill>
-                <a:latin typeface="G마켓 산스 Medium" panose="02000000000000000000" pitchFamily="50" charset="-127"/>
-                <a:ea typeface="G마켓 산스 Medium" panose="02000000000000000000" pitchFamily="50" charset="-127"/>
-              </a:rPr>
-              <a:t>.</a:t>
-            </a:r>
-          </a:p>
-        </p:txBody>
-      </p:sp>
-      <p:pic>
-        <p:nvPicPr>
-          <p:cNvPr id="2" name="그림 1"/>
-          <p:cNvPicPr>
-            <a:picLocks noChangeAspect="1"/>
-          </p:cNvPicPr>
-          <p:nvPr/>
-        </p:nvPicPr>
-        <p:blipFill>
-          <a:blip r:embed="rId2"/>
-          <a:stretch>
-            <a:fillRect/>
-          </a:stretch>
-        </p:blipFill>
-        <p:spPr>
-          <a:xfrm>
-            <a:off x="304800" y="3238500"/>
-            <a:ext cx="17334327" cy="3048000"/>
-          </a:xfrm>
-          <a:prstGeom prst="rect">
-            <a:avLst/>
-          </a:prstGeom>
-        </p:spPr>
-      </p:pic>
-    </p:spTree>
-    <p:extLst>
-      <p:ext uri="{BB962C8B-B14F-4D97-AF65-F5344CB8AC3E}">
-        <p14:creationId xmlns:p14="http://schemas.microsoft.com/office/powerpoint/2010/main" val="2693284351"/>
-      </p:ext>
-    </p:extLst>
-  </p:cSld>
-  <p:clrMapOvr>
-    <a:masterClrMapping/>
-  </p:clrMapOvr>
-</p:sld>
-</file>
-
-<file path=ppt/slides/slide37.xml><?xml version="1.0" encoding="utf-8"?>
-<p:sld xmlns:a="http://schemas.openxmlformats.org/drawingml/2006/main" xmlns:r="http://schemas.openxmlformats.org/officeDocument/2006/relationships" xmlns:p="http://schemas.openxmlformats.org/presentationml/2006/main">
-  <p:cSld>
-    <p:spTree>
-      <p:nvGrpSpPr>
-        <p:cNvPr id="1" name=""/>
-        <p:cNvGrpSpPr/>
-        <p:nvPr/>
-      </p:nvGrpSpPr>
-      <p:grpSpPr>
-        <a:xfrm>
-          <a:off x="0" y="0"/>
-          <a:ext cx="0" cy="0"/>
-          <a:chOff x="0" y="0"/>
-          <a:chExt cx="0" cy="0"/>
-        </a:xfrm>
-      </p:grpSpPr>
-      <p:sp>
-        <p:nvSpPr>
-          <p:cNvPr id="4" name="TextBox 3">
-            <a:extLst>
-              <a:ext uri="{FF2B5EF4-FFF2-40B4-BE49-F238E27FC236}">
-                <a16:creationId xmlns:a16="http://schemas.microsoft.com/office/drawing/2014/main" id="{52176D31-35F7-8916-46FA-6095EFEC1E49}"/>
-              </a:ext>
-            </a:extLst>
-          </p:cNvPr>
-          <p:cNvSpPr txBox="1"/>
-          <p:nvPr/>
-        </p:nvSpPr>
-        <p:spPr>
-          <a:xfrm>
-            <a:off x="609600" y="190500"/>
-            <a:ext cx="17145000" cy="3539430"/>
-          </a:xfrm>
-          <a:prstGeom prst="rect">
-            <a:avLst/>
-          </a:prstGeom>
-          <a:noFill/>
-        </p:spPr>
-        <p:txBody>
-          <a:bodyPr wrap="square" rtlCol="0">
-            <a:spAutoFit/>
-          </a:bodyPr>
-          <a:lstStyle/>
-          <a:p>
-            <a:r>
-              <a:rPr lang="en-US" altLang="ko-KR" sz="2800" dirty="0">
-                <a:solidFill>
-                  <a:srgbClr val="4C50BB"/>
-                </a:solidFill>
-                <a:latin typeface="G마켓 산스 Medium" panose="02000000000000000000" pitchFamily="50" charset="-127"/>
-                <a:ea typeface="G마켓 산스 Medium" panose="02000000000000000000" pitchFamily="50" charset="-127"/>
-              </a:rPr>
-              <a:t>10.</a:t>
-            </a:r>
-            <a:r>
-              <a:rPr lang="ko-KR" altLang="en-US" sz="2800" dirty="0">
-                <a:solidFill>
-                  <a:srgbClr val="4C50BB"/>
-                </a:solidFill>
-                <a:latin typeface="G마켓 산스 Medium" panose="02000000000000000000" pitchFamily="50" charset="-127"/>
-                <a:ea typeface="G마켓 산스 Medium" panose="02000000000000000000" pitchFamily="50" charset="-127"/>
-              </a:rPr>
-              <a:t>앞서 </a:t>
-            </a:r>
-            <a:r>
-              <a:rPr lang="ko-KR" altLang="en-US" sz="2800" dirty="0" err="1">
-                <a:solidFill>
-                  <a:srgbClr val="4C50BB"/>
-                </a:solidFill>
-                <a:latin typeface="G마켓 산스 Medium" panose="02000000000000000000" pitchFamily="50" charset="-127"/>
-                <a:ea typeface="G마켓 산스 Medium" panose="02000000000000000000" pitchFamily="50" charset="-127"/>
-              </a:rPr>
-              <a:t>배운것처럼</a:t>
-            </a:r>
-            <a:r>
-              <a:rPr lang="ko-KR" altLang="en-US" sz="2800" dirty="0">
-                <a:solidFill>
-                  <a:srgbClr val="4C50BB"/>
-                </a:solidFill>
-                <a:latin typeface="G마켓 산스 Medium" panose="02000000000000000000" pitchFamily="50" charset="-127"/>
-                <a:ea typeface="G마켓 산스 Medium" panose="02000000000000000000" pitchFamily="50" charset="-127"/>
-              </a:rPr>
-              <a:t> </a:t>
-            </a:r>
-            <a:r>
-              <a:rPr lang="en-US" altLang="ko-KR" sz="2800" dirty="0">
-                <a:solidFill>
-                  <a:srgbClr val="4C50BB"/>
-                </a:solidFill>
-                <a:latin typeface="G마켓 산스 Medium" panose="02000000000000000000" pitchFamily="50" charset="-127"/>
-                <a:ea typeface="G마켓 산스 Medium" panose="02000000000000000000" pitchFamily="50" charset="-127"/>
-              </a:rPr>
-              <a:t>Http </a:t>
-            </a:r>
-            <a:r>
-              <a:rPr lang="ko-KR" altLang="en-US" sz="2800" dirty="0">
-                <a:solidFill>
-                  <a:srgbClr val="4C50BB"/>
-                </a:solidFill>
-                <a:latin typeface="G마켓 산스 Medium" panose="02000000000000000000" pitchFamily="50" charset="-127"/>
-                <a:ea typeface="G마켓 산스 Medium" panose="02000000000000000000" pitchFamily="50" charset="-127"/>
-              </a:rPr>
-              <a:t>통신은 </a:t>
-            </a:r>
-            <a:r>
-              <a:rPr lang="ko-KR" altLang="en-US" sz="2800" dirty="0" err="1">
-                <a:solidFill>
-                  <a:srgbClr val="4C50BB"/>
-                </a:solidFill>
-                <a:latin typeface="G마켓 산스 Medium" panose="02000000000000000000" pitchFamily="50" charset="-127"/>
-                <a:ea typeface="G마켓 산스 Medium" panose="02000000000000000000" pitchFamily="50" charset="-127"/>
-              </a:rPr>
-              <a:t>비연결성이기에</a:t>
-            </a:r>
-            <a:r>
-              <a:rPr lang="ko-KR" altLang="en-US" sz="2800" dirty="0">
-                <a:solidFill>
-                  <a:srgbClr val="4C50BB"/>
-                </a:solidFill>
-                <a:latin typeface="G마켓 산스 Medium" panose="02000000000000000000" pitchFamily="50" charset="-127"/>
-                <a:ea typeface="G마켓 산스 Medium" panose="02000000000000000000" pitchFamily="50" charset="-127"/>
-              </a:rPr>
-              <a:t> </a:t>
-            </a:r>
-            <a:r>
-              <a:rPr lang="en-US" altLang="ko-KR" sz="2800" dirty="0" err="1">
-                <a:solidFill>
-                  <a:srgbClr val="4C50BB"/>
-                </a:solidFill>
-                <a:latin typeface="G마켓 산스 Medium" panose="02000000000000000000" pitchFamily="50" charset="-127"/>
-                <a:ea typeface="G마켓 산스 Medium" panose="02000000000000000000" pitchFamily="50" charset="-127"/>
-              </a:rPr>
-              <a:t>chatGPT</a:t>
-            </a:r>
-            <a:r>
-              <a:rPr lang="ko-KR" altLang="en-US" sz="2800" dirty="0">
-                <a:solidFill>
-                  <a:srgbClr val="4C50BB"/>
-                </a:solidFill>
-                <a:latin typeface="G마켓 산스 Medium" panose="02000000000000000000" pitchFamily="50" charset="-127"/>
-                <a:ea typeface="G마켓 산스 Medium" panose="02000000000000000000" pitchFamily="50" charset="-127"/>
-              </a:rPr>
-              <a:t>는 대화이력을 기억하고 있지 않다</a:t>
-            </a:r>
-            <a:r>
-              <a:rPr lang="en-US" altLang="ko-KR" sz="2800" dirty="0">
-                <a:solidFill>
-                  <a:srgbClr val="4C50BB"/>
-                </a:solidFill>
-                <a:latin typeface="G마켓 산스 Medium" panose="02000000000000000000" pitchFamily="50" charset="-127"/>
-                <a:ea typeface="G마켓 산스 Medium" panose="02000000000000000000" pitchFamily="50" charset="-127"/>
-              </a:rPr>
-              <a:t>.</a:t>
-            </a:r>
-          </a:p>
-          <a:p>
-            <a:r>
-              <a:rPr lang="ko-KR" altLang="en-US" sz="2800" dirty="0">
-                <a:solidFill>
-                  <a:srgbClr val="4C50BB"/>
-                </a:solidFill>
-                <a:latin typeface="G마켓 산스 Medium" panose="02000000000000000000" pitchFamily="50" charset="-127"/>
-                <a:ea typeface="G마켓 산스 Medium" panose="02000000000000000000" pitchFamily="50" charset="-127"/>
-              </a:rPr>
-              <a:t>따라서  </a:t>
-            </a:r>
-            <a:r>
-              <a:rPr lang="en-US" altLang="ko-KR" sz="2800" dirty="0">
-                <a:solidFill>
-                  <a:srgbClr val="4C50BB"/>
-                </a:solidFill>
-                <a:latin typeface="G마켓 산스 Medium" panose="02000000000000000000" pitchFamily="50" charset="-127"/>
-                <a:ea typeface="G마켓 산스 Medium" panose="02000000000000000000" pitchFamily="50" charset="-127"/>
-              </a:rPr>
-              <a:t>9</a:t>
-            </a:r>
-            <a:r>
-              <a:rPr lang="ko-KR" altLang="en-US" sz="2800" dirty="0">
-                <a:solidFill>
-                  <a:srgbClr val="4C50BB"/>
-                </a:solidFill>
-                <a:latin typeface="G마켓 산스 Medium" panose="02000000000000000000" pitchFamily="50" charset="-127"/>
-                <a:ea typeface="G마켓 산스 Medium" panose="02000000000000000000" pitchFamily="50" charset="-127"/>
-              </a:rPr>
-              <a:t>번까지 해서 대화를 시도하면 대화 내용이 </a:t>
-            </a:r>
-            <a:r>
-              <a:rPr lang="ko-KR" altLang="en-US" sz="2800" dirty="0" err="1">
-                <a:solidFill>
-                  <a:srgbClr val="4C50BB"/>
-                </a:solidFill>
-                <a:latin typeface="G마켓 산스 Medium" panose="02000000000000000000" pitchFamily="50" charset="-127"/>
-                <a:ea typeface="G마켓 산스 Medium" panose="02000000000000000000" pitchFamily="50" charset="-127"/>
-              </a:rPr>
-              <a:t>어색할것이다</a:t>
-            </a:r>
-            <a:r>
-              <a:rPr lang="en-US" altLang="ko-KR" sz="2800" dirty="0">
-                <a:solidFill>
-                  <a:srgbClr val="4C50BB"/>
-                </a:solidFill>
-                <a:latin typeface="G마켓 산스 Medium" panose="02000000000000000000" pitchFamily="50" charset="-127"/>
-                <a:ea typeface="G마켓 산스 Medium" panose="02000000000000000000" pitchFamily="50" charset="-127"/>
-              </a:rPr>
-              <a:t>. </a:t>
-            </a:r>
-          </a:p>
-          <a:p>
-            <a:r>
-              <a:rPr lang="ko-KR" altLang="en-US" sz="2800" dirty="0">
-                <a:solidFill>
-                  <a:srgbClr val="4C50BB"/>
-                </a:solidFill>
-                <a:latin typeface="G마켓 산스 Medium" panose="02000000000000000000" pitchFamily="50" charset="-127"/>
-                <a:ea typeface="G마켓 산스 Medium" panose="02000000000000000000" pitchFamily="50" charset="-127"/>
-              </a:rPr>
-              <a:t>그러므로 매번 새로운 채팅을 칠 때마다 이전에 주고 받은 대화 내용을 </a:t>
-            </a:r>
-            <a:r>
-              <a:rPr lang="en-US" altLang="ko-KR" sz="2800" dirty="0" err="1">
-                <a:solidFill>
-                  <a:srgbClr val="4C50BB"/>
-                </a:solidFill>
-                <a:latin typeface="G마켓 산스 Medium" panose="02000000000000000000" pitchFamily="50" charset="-127"/>
-                <a:ea typeface="G마켓 산스 Medium" panose="02000000000000000000" pitchFamily="50" charset="-127"/>
-              </a:rPr>
-              <a:t>json</a:t>
-            </a:r>
-            <a:r>
-              <a:rPr lang="ko-KR" altLang="en-US" sz="2800" dirty="0">
-                <a:solidFill>
-                  <a:srgbClr val="4C50BB"/>
-                </a:solidFill>
-                <a:latin typeface="G마켓 산스 Medium" panose="02000000000000000000" pitchFamily="50" charset="-127"/>
-                <a:ea typeface="G마켓 산스 Medium" panose="02000000000000000000" pitchFamily="50" charset="-127"/>
-              </a:rPr>
-              <a:t>형태로 모두 전송해줘야 한다</a:t>
-            </a:r>
-            <a:r>
-              <a:rPr lang="en-US" altLang="ko-KR" sz="2800" dirty="0">
-                <a:solidFill>
-                  <a:srgbClr val="4C50BB"/>
-                </a:solidFill>
-                <a:latin typeface="G마켓 산스 Medium" panose="02000000000000000000" pitchFamily="50" charset="-127"/>
-                <a:ea typeface="G마켓 산스 Medium" panose="02000000000000000000" pitchFamily="50" charset="-127"/>
-              </a:rPr>
-              <a:t>. ( </a:t>
-            </a:r>
-            <a:r>
-              <a:rPr lang="ko-KR" altLang="en-US" sz="2800" dirty="0">
-                <a:solidFill>
-                  <a:srgbClr val="4C50BB"/>
-                </a:solidFill>
-                <a:latin typeface="G마켓 산스 Medium" panose="02000000000000000000" pitchFamily="50" charset="-127"/>
-                <a:ea typeface="G마켓 산스 Medium" panose="02000000000000000000" pitchFamily="50" charset="-127"/>
-              </a:rPr>
-              <a:t>끝말잇기를 시도해보면 된다</a:t>
-            </a:r>
-            <a:r>
-              <a:rPr lang="en-US" altLang="ko-KR" sz="2800" dirty="0">
-                <a:solidFill>
-                  <a:srgbClr val="4C50BB"/>
-                </a:solidFill>
-                <a:latin typeface="G마켓 산스 Medium" panose="02000000000000000000" pitchFamily="50" charset="-127"/>
-                <a:ea typeface="G마켓 산스 Medium" panose="02000000000000000000" pitchFamily="50" charset="-127"/>
-              </a:rPr>
-              <a:t>)</a:t>
-            </a:r>
-          </a:p>
-          <a:p>
-            <a:pPr marL="457200" indent="-457200">
-              <a:buFontTx/>
-              <a:buChar char="-"/>
-            </a:pPr>
-            <a:r>
-              <a:rPr lang="en-US" altLang="ko-KR" sz="2800" dirty="0" err="1">
-                <a:solidFill>
-                  <a:schemeClr val="bg1">
-                    <a:lumMod val="50000"/>
-                  </a:schemeClr>
-                </a:solidFill>
-                <a:latin typeface="G마켓 산스 Medium" panose="02000000000000000000" pitchFamily="50" charset="-127"/>
-                <a:ea typeface="G마켓 산스 Medium" panose="02000000000000000000" pitchFamily="50" charset="-127"/>
-              </a:rPr>
-              <a:t>chatGPT</a:t>
-            </a:r>
-            <a:r>
-              <a:rPr lang="ko-KR" altLang="en-US" sz="2800" dirty="0">
-                <a:solidFill>
-                  <a:schemeClr val="bg1">
-                    <a:lumMod val="50000"/>
-                  </a:schemeClr>
-                </a:solidFill>
-                <a:latin typeface="G마켓 산스 Medium" panose="02000000000000000000" pitchFamily="50" charset="-127"/>
-                <a:ea typeface="G마켓 산스 Medium" panose="02000000000000000000" pitchFamily="50" charset="-127"/>
-              </a:rPr>
-              <a:t>의 응답을 저장해두고 다음 번 </a:t>
-            </a:r>
-            <a:r>
-              <a:rPr lang="en-US" altLang="ko-KR" sz="2800" dirty="0">
-                <a:solidFill>
-                  <a:schemeClr val="bg1">
-                    <a:lumMod val="50000"/>
-                  </a:schemeClr>
-                </a:solidFill>
-                <a:latin typeface="G마켓 산스 Medium" panose="02000000000000000000" pitchFamily="50" charset="-127"/>
-                <a:ea typeface="G마켓 산스 Medium" panose="02000000000000000000" pitchFamily="50" charset="-127"/>
-              </a:rPr>
-              <a:t>send</a:t>
-            </a:r>
-            <a:r>
-              <a:rPr lang="ko-KR" altLang="en-US" sz="2800" dirty="0">
-                <a:solidFill>
-                  <a:schemeClr val="bg1">
-                    <a:lumMod val="50000"/>
-                  </a:schemeClr>
-                </a:solidFill>
-                <a:latin typeface="G마켓 산스 Medium" panose="02000000000000000000" pitchFamily="50" charset="-127"/>
-                <a:ea typeface="G마켓 산스 Medium" panose="02000000000000000000" pitchFamily="50" charset="-127"/>
-              </a:rPr>
-              <a:t>시 대화 내역에 포함하여 전송해보자</a:t>
-            </a:r>
-            <a:r>
-              <a:rPr lang="en-US" altLang="ko-KR" sz="2800" dirty="0">
-                <a:solidFill>
-                  <a:schemeClr val="bg1">
-                    <a:lumMod val="50000"/>
-                  </a:schemeClr>
-                </a:solidFill>
-                <a:latin typeface="G마켓 산스 Medium" panose="02000000000000000000" pitchFamily="50" charset="-127"/>
-                <a:ea typeface="G마켓 산스 Medium" panose="02000000000000000000" pitchFamily="50" charset="-127"/>
-              </a:rPr>
-              <a:t>.</a:t>
-            </a:r>
-          </a:p>
-          <a:p>
-            <a:pPr marL="457200" indent="-457200">
-              <a:buFontTx/>
-              <a:buChar char="-"/>
-            </a:pPr>
-            <a:r>
-              <a:rPr lang="ko-KR" altLang="en-US" sz="2800" dirty="0">
-                <a:solidFill>
-                  <a:schemeClr val="bg1">
-                    <a:lumMod val="50000"/>
-                  </a:schemeClr>
-                </a:solidFill>
-                <a:latin typeface="G마켓 산스 Medium" panose="02000000000000000000" pitchFamily="50" charset="-127"/>
-                <a:ea typeface="G마켓 산스 Medium" panose="02000000000000000000" pitchFamily="50" charset="-127"/>
-              </a:rPr>
-              <a:t>아래는 대화 내역을 전송하는 예시이다</a:t>
-            </a:r>
-            <a:r>
-              <a:rPr lang="en-US" altLang="ko-KR" sz="2800" dirty="0">
-                <a:solidFill>
-                  <a:schemeClr val="bg1">
-                    <a:lumMod val="50000"/>
-                  </a:schemeClr>
-                </a:solidFill>
-                <a:latin typeface="G마켓 산스 Medium" panose="02000000000000000000" pitchFamily="50" charset="-127"/>
-                <a:ea typeface="G마켓 산스 Medium" panose="02000000000000000000" pitchFamily="50" charset="-127"/>
-              </a:rPr>
-              <a:t>. Messages </a:t>
-            </a:r>
-            <a:r>
-              <a:rPr lang="ko-KR" altLang="en-US" sz="2800" dirty="0">
-                <a:solidFill>
-                  <a:schemeClr val="bg1">
-                    <a:lumMod val="50000"/>
-                  </a:schemeClr>
-                </a:solidFill>
-                <a:latin typeface="G마켓 산스 Medium" panose="02000000000000000000" pitchFamily="50" charset="-127"/>
-                <a:ea typeface="G마켓 산스 Medium" panose="02000000000000000000" pitchFamily="50" charset="-127"/>
-              </a:rPr>
-              <a:t>키 안에 배열 형태로 대화를 추가해서 전송해줘야 한다</a:t>
-            </a:r>
-            <a:r>
-              <a:rPr lang="en-US" altLang="ko-KR" sz="2800" dirty="0">
-                <a:solidFill>
-                  <a:schemeClr val="bg1">
-                    <a:lumMod val="50000"/>
-                  </a:schemeClr>
-                </a:solidFill>
-                <a:latin typeface="G마켓 산스 Medium" panose="02000000000000000000" pitchFamily="50" charset="-127"/>
-                <a:ea typeface="G마켓 산스 Medium" panose="02000000000000000000" pitchFamily="50" charset="-127"/>
-              </a:rPr>
-              <a:t>.</a:t>
-            </a:r>
-          </a:p>
-          <a:p>
-            <a:pPr marL="457200" indent="-457200">
-              <a:buFontTx/>
-              <a:buChar char="-"/>
-            </a:pPr>
-            <a:r>
-              <a:rPr lang="en-US" altLang="ko-KR" sz="2800" dirty="0" err="1">
-                <a:solidFill>
-                  <a:schemeClr val="bg1">
-                    <a:lumMod val="50000"/>
-                  </a:schemeClr>
-                </a:solidFill>
-                <a:latin typeface="G마켓 산스 Medium" panose="02000000000000000000" pitchFamily="50" charset="-127"/>
-                <a:ea typeface="G마켓 산스 Medium" panose="02000000000000000000" pitchFamily="50" charset="-127"/>
-              </a:rPr>
-              <a:t>JSONObject</a:t>
-            </a:r>
-            <a:r>
-              <a:rPr lang="en-US" altLang="ko-KR" sz="2800" dirty="0">
-                <a:solidFill>
-                  <a:schemeClr val="bg1">
-                    <a:lumMod val="50000"/>
-                  </a:schemeClr>
-                </a:solidFill>
-                <a:latin typeface="G마켓 산스 Medium" panose="02000000000000000000" pitchFamily="50" charset="-127"/>
-                <a:ea typeface="G마켓 산스 Medium" panose="02000000000000000000" pitchFamily="50" charset="-127"/>
-              </a:rPr>
-              <a:t>, </a:t>
-            </a:r>
-            <a:r>
-              <a:rPr lang="en-US" altLang="ko-KR" sz="2800" dirty="0" err="1">
-                <a:solidFill>
-                  <a:schemeClr val="bg1">
-                    <a:lumMod val="50000"/>
-                  </a:schemeClr>
-                </a:solidFill>
-                <a:latin typeface="G마켓 산스 Medium" panose="02000000000000000000" pitchFamily="50" charset="-127"/>
-                <a:ea typeface="G마켓 산스 Medium" panose="02000000000000000000" pitchFamily="50" charset="-127"/>
-              </a:rPr>
-              <a:t>JSONArray</a:t>
-            </a:r>
-            <a:r>
-              <a:rPr lang="en-US" altLang="ko-KR" sz="2800" dirty="0">
-                <a:solidFill>
-                  <a:schemeClr val="bg1">
-                    <a:lumMod val="50000"/>
-                  </a:schemeClr>
-                </a:solidFill>
-                <a:latin typeface="G마켓 산스 Medium" panose="02000000000000000000" pitchFamily="50" charset="-127"/>
-                <a:ea typeface="G마켓 산스 Medium" panose="02000000000000000000" pitchFamily="50" charset="-127"/>
-              </a:rPr>
-              <a:t> </a:t>
-            </a:r>
-            <a:r>
-              <a:rPr lang="ko-KR" altLang="en-US" sz="2800" dirty="0">
-                <a:solidFill>
-                  <a:schemeClr val="bg1">
-                    <a:lumMod val="50000"/>
-                  </a:schemeClr>
-                </a:solidFill>
-                <a:latin typeface="G마켓 산스 Medium" panose="02000000000000000000" pitchFamily="50" charset="-127"/>
-                <a:ea typeface="G마켓 산스 Medium" panose="02000000000000000000" pitchFamily="50" charset="-127"/>
-              </a:rPr>
-              <a:t>클래스를 활용해 보자</a:t>
-            </a:r>
-            <a:r>
-              <a:rPr lang="en-US" altLang="ko-KR" sz="2800" dirty="0">
-                <a:solidFill>
-                  <a:schemeClr val="bg1">
-                    <a:lumMod val="50000"/>
-                  </a:schemeClr>
-                </a:solidFill>
-                <a:latin typeface="G마켓 산스 Medium" panose="02000000000000000000" pitchFamily="50" charset="-127"/>
-                <a:ea typeface="G마켓 산스 Medium" panose="02000000000000000000" pitchFamily="50" charset="-127"/>
-              </a:rPr>
-              <a:t>.</a:t>
-            </a:r>
-          </a:p>
-        </p:txBody>
-      </p:sp>
-      <p:pic>
-        <p:nvPicPr>
-          <p:cNvPr id="5" name="그림 4"/>
-          <p:cNvPicPr>
-            <a:picLocks noChangeAspect="1"/>
-          </p:cNvPicPr>
-          <p:nvPr/>
-        </p:nvPicPr>
-        <p:blipFill>
-          <a:blip r:embed="rId2"/>
-          <a:stretch>
-            <a:fillRect/>
-          </a:stretch>
-        </p:blipFill>
-        <p:spPr>
-          <a:xfrm>
-            <a:off x="4762" y="5067300"/>
-            <a:ext cx="12339232" cy="5181600"/>
-          </a:xfrm>
-          <a:prstGeom prst="rect">
-            <a:avLst/>
-          </a:prstGeom>
-        </p:spPr>
-      </p:pic>
-      <p:pic>
-        <p:nvPicPr>
-          <p:cNvPr id="2" name="그림 1"/>
-          <p:cNvPicPr>
-            <a:picLocks noChangeAspect="1"/>
-          </p:cNvPicPr>
-          <p:nvPr/>
-        </p:nvPicPr>
-        <p:blipFill>
-          <a:blip r:embed="rId3"/>
-          <a:stretch>
-            <a:fillRect/>
-          </a:stretch>
-        </p:blipFill>
-        <p:spPr>
-          <a:xfrm>
-            <a:off x="12477015" y="5943600"/>
-            <a:ext cx="5207961" cy="4343400"/>
-          </a:xfrm>
-          <a:prstGeom prst="rect">
-            <a:avLst/>
-          </a:prstGeom>
-        </p:spPr>
-      </p:pic>
-      <p:pic>
-        <p:nvPicPr>
-          <p:cNvPr id="3" name="그림 2"/>
-          <p:cNvPicPr>
-            <a:picLocks noChangeAspect="1"/>
-          </p:cNvPicPr>
-          <p:nvPr/>
-        </p:nvPicPr>
-        <p:blipFill>
-          <a:blip r:embed="rId4"/>
-          <a:stretch>
-            <a:fillRect/>
-          </a:stretch>
-        </p:blipFill>
-        <p:spPr>
-          <a:xfrm>
-            <a:off x="12486540" y="3009900"/>
-            <a:ext cx="5711092" cy="2819400"/>
-          </a:xfrm>
-          <a:prstGeom prst="rect">
-            <a:avLst/>
-          </a:prstGeom>
-        </p:spPr>
-      </p:pic>
-      <p:cxnSp>
-        <p:nvCxnSpPr>
-          <p:cNvPr id="6" name="직선 화살표 연결선 5">
-            <a:extLst>
-              <a:ext uri="{FF2B5EF4-FFF2-40B4-BE49-F238E27FC236}">
-                <a16:creationId xmlns:a16="http://schemas.microsoft.com/office/drawing/2014/main" id="{299DF5EC-9DF4-5255-06AC-0A7CE4FF58C3}"/>
-              </a:ext>
-            </a:extLst>
-          </p:cNvPr>
-          <p:cNvCxnSpPr>
-            <a:cxnSpLocks/>
-          </p:cNvCxnSpPr>
-          <p:nvPr/>
-        </p:nvCxnSpPr>
-        <p:spPr>
-          <a:xfrm flipV="1">
-            <a:off x="7010400" y="3314701"/>
-            <a:ext cx="7620000" cy="3557794"/>
-          </a:xfrm>
-          <a:prstGeom prst="straightConnector1">
-            <a:avLst/>
-          </a:prstGeom>
-          <a:ln w="38100">
-            <a:tailEnd type="triangle"/>
-          </a:ln>
-        </p:spPr>
-        <p:style>
-          <a:lnRef idx="1">
-            <a:schemeClr val="accent2"/>
-          </a:lnRef>
-          <a:fillRef idx="0">
-            <a:schemeClr val="accent2"/>
-          </a:fillRef>
-          <a:effectRef idx="0">
-            <a:schemeClr val="accent2"/>
-          </a:effectRef>
-          <a:fontRef idx="minor">
-            <a:schemeClr val="tx1"/>
-          </a:fontRef>
-        </p:style>
-      </p:cxnSp>
-      <p:sp>
-        <p:nvSpPr>
-          <p:cNvPr id="7" name="직사각형 6">
-            <a:extLst>
-              <a:ext uri="{FF2B5EF4-FFF2-40B4-BE49-F238E27FC236}">
-                <a16:creationId xmlns:a16="http://schemas.microsoft.com/office/drawing/2014/main" id="{FFF506F9-840A-0508-4CAF-3AC711D8D5CE}"/>
-              </a:ext>
-            </a:extLst>
-          </p:cNvPr>
-          <p:cNvSpPr/>
-          <p:nvPr/>
-        </p:nvSpPr>
-        <p:spPr>
-          <a:xfrm>
-            <a:off x="628650" y="7048500"/>
-            <a:ext cx="11715344" cy="2743200"/>
-          </a:xfrm>
-          <a:prstGeom prst="rect">
-            <a:avLst/>
-          </a:prstGeom>
-          <a:noFill/>
-          <a:ln>
-            <a:solidFill>
-              <a:srgbClr val="FF0000"/>
-            </a:solidFill>
-          </a:ln>
-        </p:spPr>
-        <p:style>
-          <a:lnRef idx="2">
-            <a:schemeClr val="accent2">
-              <a:shade val="50000"/>
-            </a:schemeClr>
-          </a:lnRef>
-          <a:fillRef idx="1">
-            <a:schemeClr val="accent2"/>
-          </a:fillRef>
-          <a:effectRef idx="0">
-            <a:schemeClr val="accent2"/>
-          </a:effectRef>
-          <a:fontRef idx="minor">
-            <a:schemeClr val="lt1"/>
-          </a:fontRef>
-        </p:style>
-        <p:txBody>
-          <a:bodyPr rtlCol="0" anchor="ctr"/>
-          <a:lstStyle/>
-          <a:p>
-            <a:pPr algn="ctr"/>
-            <a:endParaRPr lang="ko-KR" altLang="en-US"/>
-          </a:p>
-        </p:txBody>
-      </p:sp>
-      <p:sp>
-        <p:nvSpPr>
-          <p:cNvPr id="8" name="TextBox 7">
-            <a:extLst>
-              <a:ext uri="{FF2B5EF4-FFF2-40B4-BE49-F238E27FC236}">
-                <a16:creationId xmlns:a16="http://schemas.microsoft.com/office/drawing/2014/main" id="{C6D113C6-EA5C-788F-0C77-E7CE6EBB865F}"/>
-              </a:ext>
-            </a:extLst>
-          </p:cNvPr>
-          <p:cNvSpPr txBox="1"/>
-          <p:nvPr/>
-        </p:nvSpPr>
-        <p:spPr>
-          <a:xfrm>
-            <a:off x="2362200" y="4832211"/>
-            <a:ext cx="7239000" cy="1754326"/>
-          </a:xfrm>
-          <a:prstGeom prst="rect">
-            <a:avLst/>
-          </a:prstGeom>
-          <a:noFill/>
-        </p:spPr>
-        <p:txBody>
-          <a:bodyPr wrap="square" rtlCol="0">
-            <a:spAutoFit/>
-          </a:bodyPr>
-          <a:lstStyle/>
-          <a:p>
-            <a:r>
-              <a:rPr lang="ko-KR" altLang="en-US" sz="3600" dirty="0">
-                <a:solidFill>
-                  <a:srgbClr val="FF0000"/>
-                </a:solidFill>
-                <a:latin typeface="G마켓 산스 Medium" panose="02000000000000000000" pitchFamily="50" charset="-127"/>
-                <a:ea typeface="G마켓 산스 Medium" panose="02000000000000000000" pitchFamily="50" charset="-127"/>
-              </a:rPr>
-              <a:t>객체화 하여 멤버변수로 가지고 있으면서 </a:t>
-            </a:r>
-            <a:r>
-              <a:rPr lang="en-US" altLang="ko-KR" sz="3600" dirty="0">
-                <a:solidFill>
-                  <a:srgbClr val="FF0000"/>
-                </a:solidFill>
-                <a:latin typeface="G마켓 산스 Medium" panose="02000000000000000000" pitchFamily="50" charset="-127"/>
-                <a:ea typeface="G마켓 산스 Medium" panose="02000000000000000000" pitchFamily="50" charset="-127"/>
-              </a:rPr>
-              <a:t>messages </a:t>
-            </a:r>
-            <a:r>
-              <a:rPr lang="ko-KR" altLang="en-US" sz="3600" dirty="0">
-                <a:solidFill>
-                  <a:srgbClr val="FF0000"/>
-                </a:solidFill>
-                <a:latin typeface="G마켓 산스 Medium" panose="02000000000000000000" pitchFamily="50" charset="-127"/>
-                <a:ea typeface="G마켓 산스 Medium" panose="02000000000000000000" pitchFamily="50" charset="-127"/>
-              </a:rPr>
-              <a:t>에 추가로 계속 넣는다면</a:t>
-            </a:r>
-            <a:r>
-              <a:rPr lang="en-US" altLang="ko-KR" sz="3600" dirty="0">
-                <a:solidFill>
-                  <a:srgbClr val="FF0000"/>
-                </a:solidFill>
-                <a:latin typeface="G마켓 산스 Medium" panose="02000000000000000000" pitchFamily="50" charset="-127"/>
-                <a:ea typeface="G마켓 산스 Medium" panose="02000000000000000000" pitchFamily="50" charset="-127"/>
-              </a:rPr>
-              <a:t>?</a:t>
-            </a:r>
-          </a:p>
-        </p:txBody>
-      </p:sp>
-    </p:spTree>
-    <p:extLst>
-      <p:ext uri="{BB962C8B-B14F-4D97-AF65-F5344CB8AC3E}">
-        <p14:creationId xmlns:p14="http://schemas.microsoft.com/office/powerpoint/2010/main" val="856083383"/>
-      </p:ext>
-    </p:extLst>
-  </p:cSld>
-  <p:clrMapOvr>
-    <a:masterClrMapping/>
-  </p:clrMapOvr>
-</p:sld>
-</file>
-
-<file path=ppt/slides/slide38.xml><?xml version="1.0" encoding="utf-8"?>
-<p:sld xmlns:a="http://schemas.openxmlformats.org/drawingml/2006/main" xmlns:r="http://schemas.openxmlformats.org/officeDocument/2006/relationships" xmlns:p="http://schemas.openxmlformats.org/presentationml/2006/main">
-  <p:cSld>
-    <p:spTree>
-      <p:nvGrpSpPr>
-        <p:cNvPr id="1" name=""/>
-        <p:cNvGrpSpPr/>
-        <p:nvPr/>
-      </p:nvGrpSpPr>
-      <p:grpSpPr>
-        <a:xfrm>
-          <a:off x="0" y="0"/>
-          <a:ext cx="0" cy="0"/>
-          <a:chOff x="0" y="0"/>
-          <a:chExt cx="0" cy="0"/>
-        </a:xfrm>
-      </p:grpSpPr>
-      <p:sp>
-        <p:nvSpPr>
-          <p:cNvPr id="4" name="TextBox 3">
-            <a:extLst>
-              <a:ext uri="{FF2B5EF4-FFF2-40B4-BE49-F238E27FC236}">
-                <a16:creationId xmlns:a16="http://schemas.microsoft.com/office/drawing/2014/main" id="{52176D31-35F7-8916-46FA-6095EFEC1E49}"/>
-              </a:ext>
-            </a:extLst>
-          </p:cNvPr>
-          <p:cNvSpPr txBox="1"/>
-          <p:nvPr/>
-        </p:nvSpPr>
-        <p:spPr>
-          <a:xfrm>
-            <a:off x="609600" y="190500"/>
-            <a:ext cx="17145000" cy="2677656"/>
-          </a:xfrm>
-          <a:prstGeom prst="rect">
-            <a:avLst/>
-          </a:prstGeom>
-          <a:noFill/>
-        </p:spPr>
-        <p:txBody>
-          <a:bodyPr wrap="square" rtlCol="0">
-            <a:spAutoFit/>
-          </a:bodyPr>
-          <a:lstStyle/>
-          <a:p>
-            <a:r>
-              <a:rPr lang="en-US" altLang="ko-KR" sz="2800" dirty="0">
-                <a:solidFill>
-                  <a:srgbClr val="4C50BB"/>
-                </a:solidFill>
-                <a:latin typeface="G마켓 산스 Medium" panose="02000000000000000000" pitchFamily="50" charset="-127"/>
-                <a:ea typeface="G마켓 산스 Medium" panose="02000000000000000000" pitchFamily="50" charset="-127"/>
-              </a:rPr>
-              <a:t>11.chatGPT</a:t>
-            </a:r>
-            <a:r>
-              <a:rPr lang="ko-KR" altLang="en-US" sz="2800" dirty="0">
-                <a:solidFill>
-                  <a:srgbClr val="4C50BB"/>
-                </a:solidFill>
-                <a:latin typeface="G마켓 산스 Medium" panose="02000000000000000000" pitchFamily="50" charset="-127"/>
-                <a:ea typeface="G마켓 산스 Medium" panose="02000000000000000000" pitchFamily="50" charset="-127"/>
-              </a:rPr>
-              <a:t>클래스의 </a:t>
-            </a:r>
-            <a:r>
-              <a:rPr lang="en-US" altLang="ko-KR" sz="2800" dirty="0">
-                <a:solidFill>
-                  <a:srgbClr val="4C50BB"/>
-                </a:solidFill>
-                <a:latin typeface="G마켓 산스 Medium" panose="02000000000000000000" pitchFamily="50" charset="-127"/>
-                <a:ea typeface="G마켓 산스 Medium" panose="02000000000000000000" pitchFamily="50" charset="-127"/>
-              </a:rPr>
-              <a:t>connect() </a:t>
-            </a:r>
-            <a:r>
-              <a:rPr lang="ko-KR" altLang="en-US" sz="2800" dirty="0" err="1">
-                <a:solidFill>
-                  <a:srgbClr val="4C50BB"/>
-                </a:solidFill>
-                <a:latin typeface="G마켓 산스 Medium" panose="02000000000000000000" pitchFamily="50" charset="-127"/>
-                <a:ea typeface="G마켓 산스 Medium" panose="02000000000000000000" pitchFamily="50" charset="-127"/>
-              </a:rPr>
-              <a:t>메서드를</a:t>
-            </a:r>
-            <a:r>
-              <a:rPr lang="ko-KR" altLang="en-US" sz="2800" dirty="0">
-                <a:solidFill>
-                  <a:srgbClr val="4C50BB"/>
-                </a:solidFill>
-                <a:latin typeface="G마켓 산스 Medium" panose="02000000000000000000" pitchFamily="50" charset="-127"/>
-                <a:ea typeface="G마켓 산스 Medium" panose="02000000000000000000" pitchFamily="50" charset="-127"/>
-              </a:rPr>
-              <a:t> 보면 연결을 위한 </a:t>
-            </a:r>
-            <a:r>
-              <a:rPr lang="en-US" altLang="ko-KR" sz="2800" dirty="0">
-                <a:solidFill>
-                  <a:srgbClr val="4C50BB"/>
-                </a:solidFill>
-                <a:latin typeface="G마켓 산스 Medium" panose="02000000000000000000" pitchFamily="50" charset="-127"/>
-                <a:ea typeface="G마켓 산스 Medium" panose="02000000000000000000" pitchFamily="50" charset="-127"/>
-              </a:rPr>
-              <a:t>URL</a:t>
-            </a:r>
-            <a:r>
-              <a:rPr lang="ko-KR" altLang="en-US" sz="2800" dirty="0">
-                <a:solidFill>
-                  <a:srgbClr val="4C50BB"/>
-                </a:solidFill>
-                <a:latin typeface="G마켓 산스 Medium" panose="02000000000000000000" pitchFamily="50" charset="-127"/>
-                <a:ea typeface="G마켓 산스 Medium" panose="02000000000000000000" pitchFamily="50" charset="-127"/>
-              </a:rPr>
-              <a:t>이 직접 적혀있다</a:t>
-            </a:r>
-            <a:r>
-              <a:rPr lang="en-US" altLang="ko-KR" sz="2800" dirty="0">
-                <a:solidFill>
-                  <a:srgbClr val="4C50BB"/>
-                </a:solidFill>
-                <a:latin typeface="G마켓 산스 Medium" panose="02000000000000000000" pitchFamily="50" charset="-127"/>
-                <a:ea typeface="G마켓 산스 Medium" panose="02000000000000000000" pitchFamily="50" charset="-127"/>
-              </a:rPr>
-              <a:t>.</a:t>
-            </a:r>
-          </a:p>
-          <a:p>
-            <a:r>
-              <a:rPr lang="ko-KR" altLang="en-US" sz="2800" dirty="0">
-                <a:solidFill>
-                  <a:srgbClr val="4C50BB"/>
-                </a:solidFill>
-                <a:latin typeface="G마켓 산스 Medium" panose="02000000000000000000" pitchFamily="50" charset="-127"/>
-                <a:ea typeface="G마켓 산스 Medium" panose="02000000000000000000" pitchFamily="50" charset="-127"/>
-              </a:rPr>
-              <a:t>이렇게 되면 </a:t>
-            </a:r>
-            <a:r>
-              <a:rPr lang="en-US" altLang="ko-KR" sz="2800" dirty="0" err="1">
-                <a:solidFill>
-                  <a:srgbClr val="4C50BB"/>
-                </a:solidFill>
-                <a:latin typeface="G마켓 산스 Medium" panose="02000000000000000000" pitchFamily="50" charset="-127"/>
-                <a:ea typeface="G마켓 산스 Medium" panose="02000000000000000000" pitchFamily="50" charset="-127"/>
-              </a:rPr>
-              <a:t>chatGPT</a:t>
-            </a:r>
-            <a:r>
-              <a:rPr lang="ko-KR" altLang="en-US" sz="2800" dirty="0">
-                <a:solidFill>
-                  <a:srgbClr val="4C50BB"/>
-                </a:solidFill>
-                <a:latin typeface="G마켓 산스 Medium" panose="02000000000000000000" pitchFamily="50" charset="-127"/>
-                <a:ea typeface="G마켓 산스 Medium" panose="02000000000000000000" pitchFamily="50" charset="-127"/>
-              </a:rPr>
-              <a:t>클래스를 사용하는 입장에서 </a:t>
-            </a:r>
-            <a:r>
-              <a:rPr lang="en-US" altLang="ko-KR" sz="2800" dirty="0">
-                <a:solidFill>
-                  <a:srgbClr val="4C50BB"/>
-                </a:solidFill>
-                <a:latin typeface="G마켓 산스 Medium" panose="02000000000000000000" pitchFamily="50" charset="-127"/>
-                <a:ea typeface="G마켓 산스 Medium" panose="02000000000000000000" pitchFamily="50" charset="-127"/>
-              </a:rPr>
-              <a:t>URL </a:t>
-            </a:r>
-            <a:r>
-              <a:rPr lang="ko-KR" altLang="en-US" sz="2800" dirty="0">
-                <a:solidFill>
-                  <a:srgbClr val="4C50BB"/>
-                </a:solidFill>
-                <a:latin typeface="G마켓 산스 Medium" panose="02000000000000000000" pitchFamily="50" charset="-127"/>
-                <a:ea typeface="G마켓 산스 Medium" panose="02000000000000000000" pitchFamily="50" charset="-127"/>
-              </a:rPr>
-              <a:t>주소가 변경되면 사용 할 수가 없게 된다</a:t>
-            </a:r>
-            <a:r>
-              <a:rPr lang="en-US" altLang="ko-KR" sz="2800" dirty="0">
-                <a:solidFill>
-                  <a:srgbClr val="4C50BB"/>
-                </a:solidFill>
-                <a:latin typeface="G마켓 산스 Medium" panose="02000000000000000000" pitchFamily="50" charset="-127"/>
-                <a:ea typeface="G마켓 산스 Medium" panose="02000000000000000000" pitchFamily="50" charset="-127"/>
-              </a:rPr>
-              <a:t>.</a:t>
-            </a:r>
-          </a:p>
-          <a:p>
-            <a:r>
-              <a:rPr lang="ko-KR" altLang="en-US" sz="2800" dirty="0">
-                <a:solidFill>
-                  <a:srgbClr val="4C50BB"/>
-                </a:solidFill>
-                <a:latin typeface="G마켓 산스 Medium" panose="02000000000000000000" pitchFamily="50" charset="-127"/>
-                <a:ea typeface="G마켓 산스 Medium" panose="02000000000000000000" pitchFamily="50" charset="-127"/>
-              </a:rPr>
-              <a:t>따라서 </a:t>
-            </a:r>
-            <a:r>
-              <a:rPr lang="en-US" altLang="ko-KR" sz="2800" dirty="0">
-                <a:solidFill>
-                  <a:srgbClr val="4C50BB"/>
-                </a:solidFill>
-                <a:latin typeface="G마켓 산스 Medium" panose="02000000000000000000" pitchFamily="50" charset="-127"/>
-                <a:ea typeface="G마켓 산스 Medium" panose="02000000000000000000" pitchFamily="50" charset="-127"/>
-              </a:rPr>
-              <a:t>connect() </a:t>
-            </a:r>
-            <a:r>
-              <a:rPr lang="ko-KR" altLang="en-US" sz="2800" dirty="0" err="1">
-                <a:solidFill>
-                  <a:srgbClr val="4C50BB"/>
-                </a:solidFill>
-                <a:latin typeface="G마켓 산스 Medium" panose="02000000000000000000" pitchFamily="50" charset="-127"/>
-                <a:ea typeface="G마켓 산스 Medium" panose="02000000000000000000" pitchFamily="50" charset="-127"/>
-              </a:rPr>
-              <a:t>메서드의</a:t>
-            </a:r>
-            <a:r>
-              <a:rPr lang="ko-KR" altLang="en-US" sz="2800" dirty="0">
-                <a:solidFill>
-                  <a:srgbClr val="4C50BB"/>
-                </a:solidFill>
-                <a:latin typeface="G마켓 산스 Medium" panose="02000000000000000000" pitchFamily="50" charset="-127"/>
-                <a:ea typeface="G마켓 산스 Medium" panose="02000000000000000000" pitchFamily="50" charset="-127"/>
-              </a:rPr>
-              <a:t> 매개변수로 받도록 하자</a:t>
-            </a:r>
-            <a:r>
-              <a:rPr lang="en-US" altLang="ko-KR" sz="2800" dirty="0">
-                <a:solidFill>
-                  <a:srgbClr val="4C50BB"/>
-                </a:solidFill>
-                <a:latin typeface="G마켓 산스 Medium" panose="02000000000000000000" pitchFamily="50" charset="-127"/>
-                <a:ea typeface="G마켓 산스 Medium" panose="02000000000000000000" pitchFamily="50" charset="-127"/>
-              </a:rPr>
-              <a:t>.</a:t>
-            </a:r>
-          </a:p>
-          <a:p>
-            <a:pPr marL="457200" indent="-457200">
-              <a:buFontTx/>
-              <a:buChar char="-"/>
-            </a:pPr>
-            <a:r>
-              <a:rPr lang="en-US" altLang="ko-KR" sz="2800" dirty="0">
-                <a:solidFill>
-                  <a:schemeClr val="bg1">
-                    <a:lumMod val="50000"/>
-                  </a:schemeClr>
-                </a:solidFill>
-                <a:latin typeface="G마켓 산스 Medium" panose="02000000000000000000" pitchFamily="50" charset="-127"/>
-                <a:ea typeface="G마켓 산스 Medium" panose="02000000000000000000" pitchFamily="50" charset="-127"/>
-              </a:rPr>
-              <a:t>connect()</a:t>
-            </a:r>
-            <a:r>
-              <a:rPr lang="ko-KR" altLang="en-US" sz="2800" dirty="0">
-                <a:solidFill>
-                  <a:schemeClr val="bg1">
-                    <a:lumMod val="50000"/>
-                  </a:schemeClr>
-                </a:solidFill>
-                <a:latin typeface="G마켓 산스 Medium" panose="02000000000000000000" pitchFamily="50" charset="-127"/>
-                <a:ea typeface="G마켓 산스 Medium" panose="02000000000000000000" pitchFamily="50" charset="-127"/>
-              </a:rPr>
-              <a:t>의 </a:t>
-            </a:r>
-            <a:r>
-              <a:rPr lang="ko-KR" altLang="en-US" sz="2800" dirty="0" err="1">
-                <a:solidFill>
-                  <a:schemeClr val="bg1">
-                    <a:lumMod val="50000"/>
-                  </a:schemeClr>
-                </a:solidFill>
-                <a:latin typeface="G마켓 산스 Medium" panose="02000000000000000000" pitchFamily="50" charset="-127"/>
-                <a:ea typeface="G마켓 산스 Medium" panose="02000000000000000000" pitchFamily="50" charset="-127"/>
-              </a:rPr>
-              <a:t>시그니처가</a:t>
-            </a:r>
-            <a:r>
-              <a:rPr lang="ko-KR" altLang="en-US" sz="2800" dirty="0">
-                <a:solidFill>
-                  <a:schemeClr val="bg1">
-                    <a:lumMod val="50000"/>
-                  </a:schemeClr>
-                </a:solidFill>
-                <a:latin typeface="G마켓 산스 Medium" panose="02000000000000000000" pitchFamily="50" charset="-127"/>
-                <a:ea typeface="G마켓 산스 Medium" panose="02000000000000000000" pitchFamily="50" charset="-127"/>
-              </a:rPr>
-              <a:t> 변경되면서 기존의 코드들이 에러가 발생 할 것이다</a:t>
-            </a:r>
-            <a:r>
-              <a:rPr lang="en-US" altLang="ko-KR" sz="2800" dirty="0">
-                <a:solidFill>
-                  <a:schemeClr val="bg1">
-                    <a:lumMod val="50000"/>
-                  </a:schemeClr>
-                </a:solidFill>
-                <a:latin typeface="G마켓 산스 Medium" panose="02000000000000000000" pitchFamily="50" charset="-127"/>
-                <a:ea typeface="G마켓 산스 Medium" panose="02000000000000000000" pitchFamily="50" charset="-127"/>
-              </a:rPr>
-              <a:t>. </a:t>
-            </a:r>
-          </a:p>
-          <a:p>
-            <a:r>
-              <a:rPr lang="en-US" altLang="ko-KR" sz="2800" dirty="0">
-                <a:solidFill>
-                  <a:schemeClr val="bg1">
-                    <a:lumMod val="50000"/>
-                  </a:schemeClr>
-                </a:solidFill>
-                <a:latin typeface="G마켓 산스 Medium" panose="02000000000000000000" pitchFamily="50" charset="-127"/>
-                <a:ea typeface="G마켓 산스 Medium" panose="02000000000000000000" pitchFamily="50" charset="-127"/>
-              </a:rPr>
-              <a:t> </a:t>
-            </a:r>
-            <a:r>
-              <a:rPr lang="ko-KR" altLang="en-US" sz="2800" dirty="0">
-                <a:solidFill>
-                  <a:schemeClr val="bg1">
-                    <a:lumMod val="50000"/>
-                  </a:schemeClr>
-                </a:solidFill>
-                <a:latin typeface="G마켓 산스 Medium" panose="02000000000000000000" pitchFamily="50" charset="-127"/>
-                <a:ea typeface="G마켓 산스 Medium" panose="02000000000000000000" pitchFamily="50" charset="-127"/>
-              </a:rPr>
-              <a:t>이를 해결할 방법은 무엇인가</a:t>
-            </a:r>
-            <a:r>
-              <a:rPr lang="en-US" altLang="ko-KR" sz="2800" dirty="0">
-                <a:solidFill>
-                  <a:schemeClr val="bg1">
-                    <a:lumMod val="50000"/>
-                  </a:schemeClr>
-                </a:solidFill>
-                <a:latin typeface="G마켓 산스 Medium" panose="02000000000000000000" pitchFamily="50" charset="-127"/>
-                <a:ea typeface="G마켓 산스 Medium" panose="02000000000000000000" pitchFamily="50" charset="-127"/>
-              </a:rPr>
-              <a:t>? </a:t>
-            </a:r>
-            <a:r>
-              <a:rPr lang="en-US" altLang="ko-KR" sz="2800" dirty="0" err="1">
-                <a:solidFill>
-                  <a:schemeClr val="bg1">
-                    <a:lumMod val="50000"/>
-                  </a:schemeClr>
-                </a:solidFill>
-                <a:latin typeface="G마켓 산스 Medium" panose="02000000000000000000" pitchFamily="50" charset="-127"/>
-                <a:ea typeface="G마켓 산스 Medium" panose="02000000000000000000" pitchFamily="50" charset="-127"/>
-              </a:rPr>
-              <a:t>chatGPT</a:t>
-            </a:r>
-            <a:r>
-              <a:rPr lang="en-US" altLang="ko-KR" sz="2800" dirty="0">
-                <a:solidFill>
-                  <a:schemeClr val="bg1">
-                    <a:lumMod val="50000"/>
-                  </a:schemeClr>
-                </a:solidFill>
-                <a:latin typeface="G마켓 산스 Medium" panose="02000000000000000000" pitchFamily="50" charset="-127"/>
-                <a:ea typeface="G마켓 산스 Medium" panose="02000000000000000000" pitchFamily="50" charset="-127"/>
-              </a:rPr>
-              <a:t> </a:t>
-            </a:r>
-            <a:r>
-              <a:rPr lang="ko-KR" altLang="en-US" sz="2800" dirty="0">
-                <a:solidFill>
-                  <a:schemeClr val="bg1">
-                    <a:lumMod val="50000"/>
-                  </a:schemeClr>
-                </a:solidFill>
-                <a:latin typeface="G마켓 산스 Medium" panose="02000000000000000000" pitchFamily="50" charset="-127"/>
-                <a:ea typeface="G마켓 산스 Medium" panose="02000000000000000000" pitchFamily="50" charset="-127"/>
-              </a:rPr>
-              <a:t>클래스를 지금까지 사용해준 사용자들에게 모두 수정해달라고 </a:t>
-            </a:r>
-            <a:r>
-              <a:rPr lang="ko-KR" altLang="en-US" sz="2800" dirty="0" err="1">
-                <a:solidFill>
-                  <a:schemeClr val="bg1">
-                    <a:lumMod val="50000"/>
-                  </a:schemeClr>
-                </a:solidFill>
-                <a:latin typeface="G마켓 산스 Medium" panose="02000000000000000000" pitchFamily="50" charset="-127"/>
-                <a:ea typeface="G마켓 산스 Medium" panose="02000000000000000000" pitchFamily="50" charset="-127"/>
-              </a:rPr>
-              <a:t>부탁할것인가</a:t>
-            </a:r>
-            <a:r>
-              <a:rPr lang="en-US" altLang="ko-KR" sz="2800" dirty="0">
-                <a:solidFill>
-                  <a:schemeClr val="bg1">
-                    <a:lumMod val="50000"/>
-                  </a:schemeClr>
-                </a:solidFill>
-                <a:latin typeface="G마켓 산스 Medium" panose="02000000000000000000" pitchFamily="50" charset="-127"/>
-                <a:ea typeface="G마켓 산스 Medium" panose="02000000000000000000" pitchFamily="50" charset="-127"/>
-              </a:rPr>
-              <a:t>?</a:t>
-            </a:r>
-          </a:p>
-        </p:txBody>
-      </p:sp>
-      <p:pic>
-        <p:nvPicPr>
-          <p:cNvPr id="5" name="그림 4"/>
-          <p:cNvPicPr>
-            <a:picLocks noChangeAspect="1"/>
-          </p:cNvPicPr>
-          <p:nvPr/>
-        </p:nvPicPr>
-        <p:blipFill>
-          <a:blip r:embed="rId2"/>
-          <a:stretch>
-            <a:fillRect/>
-          </a:stretch>
-        </p:blipFill>
-        <p:spPr>
-          <a:xfrm>
-            <a:off x="152400" y="3009900"/>
-            <a:ext cx="11671180" cy="4724400"/>
-          </a:xfrm>
-          <a:prstGeom prst="rect">
-            <a:avLst/>
-          </a:prstGeom>
-        </p:spPr>
-      </p:pic>
-      <p:sp>
-        <p:nvSpPr>
-          <p:cNvPr id="6" name="직사각형 5">
-            <a:extLst>
-              <a:ext uri="{FF2B5EF4-FFF2-40B4-BE49-F238E27FC236}">
-                <a16:creationId xmlns:a16="http://schemas.microsoft.com/office/drawing/2014/main" id="{FFF506F9-840A-0508-4CAF-3AC711D8D5CE}"/>
-              </a:ext>
-            </a:extLst>
-          </p:cNvPr>
-          <p:cNvSpPr/>
-          <p:nvPr/>
-        </p:nvSpPr>
-        <p:spPr>
-          <a:xfrm>
-            <a:off x="3060580" y="5219700"/>
-            <a:ext cx="8763000" cy="457200"/>
-          </a:xfrm>
-          <a:prstGeom prst="rect">
-            <a:avLst/>
-          </a:prstGeom>
-          <a:noFill/>
-          <a:ln>
-            <a:solidFill>
-              <a:srgbClr val="FF0000"/>
-            </a:solidFill>
-          </a:ln>
-        </p:spPr>
-        <p:style>
-          <a:lnRef idx="2">
-            <a:schemeClr val="accent2">
-              <a:shade val="50000"/>
-            </a:schemeClr>
-          </a:lnRef>
-          <a:fillRef idx="1">
-            <a:schemeClr val="accent2"/>
-          </a:fillRef>
-          <a:effectRef idx="0">
-            <a:schemeClr val="accent2"/>
-          </a:effectRef>
-          <a:fontRef idx="minor">
-            <a:schemeClr val="lt1"/>
-          </a:fontRef>
-        </p:style>
-        <p:txBody>
-          <a:bodyPr rtlCol="0" anchor="ctr"/>
-          <a:lstStyle/>
-          <a:p>
-            <a:pPr algn="ctr"/>
-            <a:endParaRPr lang="ko-KR" altLang="en-US"/>
-          </a:p>
-        </p:txBody>
-      </p:sp>
-      <p:pic>
-        <p:nvPicPr>
-          <p:cNvPr id="7" name="그림 6"/>
-          <p:cNvPicPr>
-            <a:picLocks noChangeAspect="1"/>
-          </p:cNvPicPr>
-          <p:nvPr/>
-        </p:nvPicPr>
-        <p:blipFill>
-          <a:blip r:embed="rId3"/>
-          <a:stretch>
-            <a:fillRect/>
-          </a:stretch>
-        </p:blipFill>
-        <p:spPr>
-          <a:xfrm>
-            <a:off x="11186118" y="3009900"/>
-            <a:ext cx="7125694" cy="3962953"/>
-          </a:xfrm>
-          <a:prstGeom prst="rect">
-            <a:avLst/>
-          </a:prstGeom>
-        </p:spPr>
-      </p:pic>
-    </p:spTree>
-    <p:extLst>
-      <p:ext uri="{BB962C8B-B14F-4D97-AF65-F5344CB8AC3E}">
-        <p14:creationId xmlns:p14="http://schemas.microsoft.com/office/powerpoint/2010/main" val="131419275"/>
-      </p:ext>
-    </p:extLst>
-  </p:cSld>
-  <p:clrMapOvr>
-    <a:masterClrMapping/>
-  </p:clrMapOvr>
-</p:sld>
-</file>
-
-<file path=ppt/slides/slide39.xml><?xml version="1.0" encoding="utf-8"?>
-<p:sld xmlns:a="http://schemas.openxmlformats.org/drawingml/2006/main" xmlns:r="http://schemas.openxmlformats.org/officeDocument/2006/relationships" xmlns:p="http://schemas.openxmlformats.org/presentationml/2006/main">
-  <p:cSld>
-    <p:spTree>
-      <p:nvGrpSpPr>
-        <p:cNvPr id="1" name=""/>
-        <p:cNvGrpSpPr/>
-        <p:nvPr/>
-      </p:nvGrpSpPr>
-      <p:grpSpPr>
-        <a:xfrm>
-          <a:off x="0" y="0"/>
-          <a:ext cx="0" cy="0"/>
-          <a:chOff x="0" y="0"/>
-          <a:chExt cx="0" cy="0"/>
-        </a:xfrm>
-      </p:grpSpPr>
-      <p:pic>
-        <p:nvPicPr>
-          <p:cNvPr id="4" name="그림 3"/>
-          <p:cNvPicPr>
-            <a:picLocks noChangeAspect="1"/>
-          </p:cNvPicPr>
-          <p:nvPr/>
-        </p:nvPicPr>
-        <p:blipFill>
-          <a:blip r:embed="rId2"/>
-          <a:stretch>
-            <a:fillRect/>
-          </a:stretch>
-        </p:blipFill>
-        <p:spPr>
-          <a:xfrm>
-            <a:off x="762000" y="190500"/>
-            <a:ext cx="16646320" cy="8991600"/>
-          </a:xfrm>
-          <a:prstGeom prst="rect">
-            <a:avLst/>
-          </a:prstGeom>
-        </p:spPr>
-      </p:pic>
-      <p:pic>
-        <p:nvPicPr>
-          <p:cNvPr id="5" name="그림 4"/>
           <p:cNvPicPr>
             <a:picLocks noChangeAspect="1"/>
           </p:cNvPicPr>
@@ -14598,7 +13341,7 @@
                 <a14:imgProps xmlns:a14="http://schemas.microsoft.com/office/drawing/2010/main">
                   <a14:imgLayer r:embed="rId4">
                     <a14:imgEffect>
-                      <a14:artisticGlass/>
+                      <a14:artisticBlur/>
                     </a14:imgEffect>
                   </a14:imgLayer>
                 </a14:imgProps>
@@ -14611,8 +13354,8 @@
         </p:blipFill>
         <p:spPr>
           <a:xfrm>
-            <a:off x="762000" y="190500"/>
-            <a:ext cx="16646320" cy="8991600"/>
+            <a:off x="4114800" y="1714500"/>
+            <a:ext cx="9081656" cy="5257800"/>
           </a:xfrm>
           <a:prstGeom prst="rect">
             <a:avLst/>
@@ -14622,7 +13365,7 @@
     </p:spTree>
     <p:extLst>
       <p:ext uri="{BB962C8B-B14F-4D97-AF65-F5344CB8AC3E}">
-        <p14:creationId xmlns:p14="http://schemas.microsoft.com/office/powerpoint/2010/main" val="2445357053"/>
+        <p14:creationId xmlns:p14="http://schemas.microsoft.com/office/powerpoint/2010/main" val="1598715058"/>
       </p:ext>
     </p:extLst>
   </p:cSld>
@@ -14704,6 +13447,1543 @@
       </p:par>
     </p:tnLst>
   </p:timing>
+</p:sld>
+</file>
+
+<file path=ppt/slides/slide35.xml><?xml version="1.0" encoding="utf-8"?>
+<p:sld xmlns:a="http://schemas.openxmlformats.org/drawingml/2006/main" xmlns:r="http://schemas.openxmlformats.org/officeDocument/2006/relationships" xmlns:p="http://schemas.openxmlformats.org/presentationml/2006/main">
+  <p:cSld>
+    <p:spTree>
+      <p:nvGrpSpPr>
+        <p:cNvPr id="1" name=""/>
+        <p:cNvGrpSpPr/>
+        <p:nvPr/>
+      </p:nvGrpSpPr>
+      <p:grpSpPr>
+        <a:xfrm>
+          <a:off x="0" y="0"/>
+          <a:ext cx="0" cy="0"/>
+          <a:chOff x="0" y="0"/>
+          <a:chExt cx="0" cy="0"/>
+        </a:xfrm>
+      </p:grpSpPr>
+      <p:pic>
+        <p:nvPicPr>
+          <p:cNvPr id="2" name="그림 1"/>
+          <p:cNvPicPr>
+            <a:picLocks noChangeAspect="1"/>
+          </p:cNvPicPr>
+          <p:nvPr/>
+        </p:nvPicPr>
+        <p:blipFill>
+          <a:blip r:embed="rId2"/>
+          <a:stretch>
+            <a:fillRect/>
+          </a:stretch>
+        </p:blipFill>
+        <p:spPr>
+          <a:xfrm>
+            <a:off x="228600" y="1764256"/>
+            <a:ext cx="9753600" cy="8296165"/>
+          </a:xfrm>
+          <a:prstGeom prst="rect">
+            <a:avLst/>
+          </a:prstGeom>
+        </p:spPr>
+      </p:pic>
+      <p:sp>
+        <p:nvSpPr>
+          <p:cNvPr id="5" name="TextBox 4">
+            <a:extLst>
+              <a:ext uri="{FF2B5EF4-FFF2-40B4-BE49-F238E27FC236}">
+                <a16:creationId xmlns:a16="http://schemas.microsoft.com/office/drawing/2014/main" id="{52176D31-35F7-8916-46FA-6095EFEC1E49}"/>
+              </a:ext>
+            </a:extLst>
+          </p:cNvPr>
+          <p:cNvSpPr txBox="1"/>
+          <p:nvPr/>
+        </p:nvSpPr>
+        <p:spPr>
+          <a:xfrm>
+            <a:off x="609600" y="190500"/>
+            <a:ext cx="17145000" cy="1384995"/>
+          </a:xfrm>
+          <a:prstGeom prst="rect">
+            <a:avLst/>
+          </a:prstGeom>
+          <a:noFill/>
+        </p:spPr>
+        <p:txBody>
+          <a:bodyPr wrap="square" rtlCol="0">
+            <a:spAutoFit/>
+          </a:bodyPr>
+          <a:lstStyle/>
+          <a:p>
+            <a:r>
+              <a:rPr lang="en-US" altLang="ko-KR" sz="2800" dirty="0">
+                <a:solidFill>
+                  <a:srgbClr val="4C50BB"/>
+                </a:solidFill>
+                <a:latin typeface="G마켓 산스 Medium" panose="02000000000000000000" pitchFamily="50" charset="-127"/>
+                <a:ea typeface="G마켓 산스 Medium" panose="02000000000000000000" pitchFamily="50" charset="-127"/>
+              </a:rPr>
+              <a:t>7.chatGPT </a:t>
+            </a:r>
+            <a:r>
+              <a:rPr lang="ko-KR" altLang="en-US" sz="2800" dirty="0">
+                <a:solidFill>
+                  <a:srgbClr val="4C50BB"/>
+                </a:solidFill>
+                <a:latin typeface="G마켓 산스 Medium" panose="02000000000000000000" pitchFamily="50" charset="-127"/>
+                <a:ea typeface="G마켓 산스 Medium" panose="02000000000000000000" pitchFamily="50" charset="-127"/>
+              </a:rPr>
+              <a:t>클래스를 사용하는 입장에서 </a:t>
+            </a:r>
+            <a:r>
+              <a:rPr lang="en-US" altLang="ko-KR" sz="2800" dirty="0">
+                <a:solidFill>
+                  <a:srgbClr val="4C50BB"/>
+                </a:solidFill>
+                <a:latin typeface="G마켓 산스 Medium" panose="02000000000000000000" pitchFamily="50" charset="-127"/>
+                <a:ea typeface="G마켓 산스 Medium" panose="02000000000000000000" pitchFamily="50" charset="-127"/>
+              </a:rPr>
+              <a:t>GPT</a:t>
+            </a:r>
+            <a:r>
+              <a:rPr lang="ko-KR" altLang="en-US" sz="2800" dirty="0">
+                <a:solidFill>
+                  <a:srgbClr val="4C50BB"/>
+                </a:solidFill>
+                <a:latin typeface="G마켓 산스 Medium" panose="02000000000000000000" pitchFamily="50" charset="-127"/>
+                <a:ea typeface="G마켓 산스 Medium" panose="02000000000000000000" pitchFamily="50" charset="-127"/>
+              </a:rPr>
+              <a:t>가 </a:t>
+            </a:r>
+            <a:r>
+              <a:rPr lang="en-US" altLang="ko-KR" sz="2800" dirty="0">
+                <a:solidFill>
+                  <a:srgbClr val="4C50BB"/>
+                </a:solidFill>
+                <a:latin typeface="G마켓 산스 Medium" panose="02000000000000000000" pitchFamily="50" charset="-127"/>
+                <a:ea typeface="G마켓 산스 Medium" panose="02000000000000000000" pitchFamily="50" charset="-127"/>
+              </a:rPr>
+              <a:t>JSON </a:t>
+            </a:r>
+            <a:r>
+              <a:rPr lang="ko-KR" altLang="en-US" sz="2800" dirty="0">
+                <a:solidFill>
+                  <a:srgbClr val="4C50BB"/>
+                </a:solidFill>
+                <a:latin typeface="G마켓 산스 Medium" panose="02000000000000000000" pitchFamily="50" charset="-127"/>
+                <a:ea typeface="G마켓 산스 Medium" panose="02000000000000000000" pitchFamily="50" charset="-127"/>
+              </a:rPr>
+              <a:t>형태로 응답하기 때문에 이를 파싱 해야 </a:t>
+            </a:r>
+            <a:r>
+              <a:rPr lang="ko-KR" altLang="en-US" sz="2800" dirty="0" err="1">
+                <a:solidFill>
+                  <a:srgbClr val="4C50BB"/>
+                </a:solidFill>
+                <a:latin typeface="G마켓 산스 Medium" panose="02000000000000000000" pitchFamily="50" charset="-127"/>
+                <a:ea typeface="G마켓 산스 Medium" panose="02000000000000000000" pitchFamily="50" charset="-127"/>
+              </a:rPr>
+              <a:t>한다는걸</a:t>
+            </a:r>
+            <a:r>
+              <a:rPr lang="ko-KR" altLang="en-US" sz="2800" dirty="0">
+                <a:solidFill>
+                  <a:srgbClr val="4C50BB"/>
+                </a:solidFill>
+                <a:latin typeface="G마켓 산스 Medium" panose="02000000000000000000" pitchFamily="50" charset="-127"/>
+                <a:ea typeface="G마켓 산스 Medium" panose="02000000000000000000" pitchFamily="50" charset="-127"/>
+              </a:rPr>
+              <a:t> 알 필요가 없다</a:t>
+            </a:r>
+            <a:r>
+              <a:rPr lang="en-US" altLang="ko-KR" sz="2800" dirty="0">
+                <a:solidFill>
+                  <a:srgbClr val="4C50BB"/>
+                </a:solidFill>
+                <a:latin typeface="G마켓 산스 Medium" panose="02000000000000000000" pitchFamily="50" charset="-127"/>
+                <a:ea typeface="G마켓 산스 Medium" panose="02000000000000000000" pitchFamily="50" charset="-127"/>
+              </a:rPr>
+              <a:t>. </a:t>
+            </a:r>
+            <a:r>
+              <a:rPr lang="ko-KR" altLang="en-US" sz="2800" dirty="0">
+                <a:solidFill>
+                  <a:srgbClr val="4C50BB"/>
+                </a:solidFill>
+                <a:latin typeface="G마켓 산스 Medium" panose="02000000000000000000" pitchFamily="50" charset="-127"/>
+                <a:ea typeface="G마켓 산스 Medium" panose="02000000000000000000" pitchFamily="50" charset="-127"/>
+              </a:rPr>
+              <a:t>그냥 응답에 해당하는 </a:t>
+            </a:r>
+            <a:r>
+              <a:rPr lang="en-US" altLang="ko-KR" sz="2800" dirty="0">
+                <a:solidFill>
+                  <a:srgbClr val="4C50BB"/>
+                </a:solidFill>
+                <a:latin typeface="G마켓 산스 Medium" panose="02000000000000000000" pitchFamily="50" charset="-127"/>
+                <a:ea typeface="G마켓 산스 Medium" panose="02000000000000000000" pitchFamily="50" charset="-127"/>
+              </a:rPr>
+              <a:t>String</a:t>
+            </a:r>
+            <a:r>
+              <a:rPr lang="ko-KR" altLang="en-US" sz="2800" dirty="0">
+                <a:solidFill>
+                  <a:srgbClr val="4C50BB"/>
+                </a:solidFill>
+                <a:latin typeface="G마켓 산스 Medium" panose="02000000000000000000" pitchFamily="50" charset="-127"/>
+                <a:ea typeface="G마켓 산스 Medium" panose="02000000000000000000" pitchFamily="50" charset="-127"/>
+              </a:rPr>
+              <a:t>값만 되돌려주면 </a:t>
+            </a:r>
+            <a:r>
+              <a:rPr lang="ko-KR" altLang="en-US" sz="2800" dirty="0" err="1">
+                <a:solidFill>
+                  <a:srgbClr val="4C50BB"/>
+                </a:solidFill>
+                <a:latin typeface="G마켓 산스 Medium" panose="02000000000000000000" pitchFamily="50" charset="-127"/>
+                <a:ea typeface="G마켓 산스 Medium" panose="02000000000000000000" pitchFamily="50" charset="-127"/>
+              </a:rPr>
+              <a:t>되는것이다</a:t>
+            </a:r>
+            <a:r>
+              <a:rPr lang="en-US" altLang="ko-KR" sz="2800" dirty="0">
+                <a:solidFill>
+                  <a:srgbClr val="4C50BB"/>
+                </a:solidFill>
+                <a:latin typeface="G마켓 산스 Medium" panose="02000000000000000000" pitchFamily="50" charset="-127"/>
+                <a:ea typeface="G마켓 산스 Medium" panose="02000000000000000000" pitchFamily="50" charset="-127"/>
+              </a:rPr>
+              <a:t>.</a:t>
+            </a:r>
+          </a:p>
+          <a:p>
+            <a:pPr marL="457200" indent="-457200">
+              <a:buFontTx/>
+              <a:buChar char="-"/>
+            </a:pPr>
+            <a:r>
+              <a:rPr lang="en-US" altLang="ko-KR" sz="2800" dirty="0">
+                <a:solidFill>
+                  <a:srgbClr val="4C50BB"/>
+                </a:solidFill>
+                <a:latin typeface="G마켓 산스 Medium" panose="02000000000000000000" pitchFamily="50" charset="-127"/>
+                <a:ea typeface="G마켓 산스 Medium" panose="02000000000000000000" pitchFamily="50" charset="-127"/>
+              </a:rPr>
+              <a:t>receive() </a:t>
+            </a:r>
+            <a:r>
+              <a:rPr lang="ko-KR" altLang="en-US" sz="2800" dirty="0" err="1">
+                <a:solidFill>
+                  <a:srgbClr val="4C50BB"/>
+                </a:solidFill>
+                <a:latin typeface="G마켓 산스 Medium" panose="02000000000000000000" pitchFamily="50" charset="-127"/>
+                <a:ea typeface="G마켓 산스 Medium" panose="02000000000000000000" pitchFamily="50" charset="-127"/>
+              </a:rPr>
+              <a:t>메서드쪽에서</a:t>
+            </a:r>
+            <a:r>
+              <a:rPr lang="ko-KR" altLang="en-US" sz="2800" dirty="0">
+                <a:solidFill>
+                  <a:srgbClr val="4C50BB"/>
+                </a:solidFill>
+                <a:latin typeface="G마켓 산스 Medium" panose="02000000000000000000" pitchFamily="50" charset="-127"/>
+                <a:ea typeface="G마켓 산스 Medium" panose="02000000000000000000" pitchFamily="50" charset="-127"/>
+              </a:rPr>
+              <a:t> 파싱 </a:t>
+            </a:r>
+            <a:r>
+              <a:rPr lang="ko-KR" altLang="en-US" sz="2800" dirty="0" err="1">
+                <a:solidFill>
+                  <a:srgbClr val="4C50BB"/>
+                </a:solidFill>
+                <a:latin typeface="G마켓 산스 Medium" panose="02000000000000000000" pitchFamily="50" charset="-127"/>
+                <a:ea typeface="G마켓 산스 Medium" panose="02000000000000000000" pitchFamily="50" charset="-127"/>
+              </a:rPr>
+              <a:t>하는것이</a:t>
+            </a:r>
+            <a:r>
+              <a:rPr lang="ko-KR" altLang="en-US" sz="2800" dirty="0">
+                <a:solidFill>
+                  <a:srgbClr val="4C50BB"/>
+                </a:solidFill>
+                <a:latin typeface="G마켓 산스 Medium" panose="02000000000000000000" pitchFamily="50" charset="-127"/>
+                <a:ea typeface="G마켓 산스 Medium" panose="02000000000000000000" pitchFamily="50" charset="-127"/>
+              </a:rPr>
+              <a:t> 좋다</a:t>
+            </a:r>
+            <a:r>
+              <a:rPr lang="en-US" altLang="ko-KR" sz="2800" dirty="0">
+                <a:solidFill>
+                  <a:srgbClr val="4C50BB"/>
+                </a:solidFill>
+                <a:latin typeface="G마켓 산스 Medium" panose="02000000000000000000" pitchFamily="50" charset="-127"/>
+                <a:ea typeface="G마켓 산스 Medium" panose="02000000000000000000" pitchFamily="50" charset="-127"/>
+              </a:rPr>
+              <a:t>.</a:t>
+            </a:r>
+          </a:p>
+        </p:txBody>
+      </p:sp>
+      <p:cxnSp>
+        <p:nvCxnSpPr>
+          <p:cNvPr id="7" name="직선 화살표 연결선 6">
+            <a:extLst>
+              <a:ext uri="{FF2B5EF4-FFF2-40B4-BE49-F238E27FC236}">
+                <a16:creationId xmlns:a16="http://schemas.microsoft.com/office/drawing/2014/main" id="{299DF5EC-9DF4-5255-06AC-0A7CE4FF58C3}"/>
+              </a:ext>
+            </a:extLst>
+          </p:cNvPr>
+          <p:cNvCxnSpPr>
+            <a:cxnSpLocks/>
+          </p:cNvCxnSpPr>
+          <p:nvPr/>
+        </p:nvCxnSpPr>
+        <p:spPr>
+          <a:xfrm>
+            <a:off x="8229600" y="7240424"/>
+            <a:ext cx="762000" cy="853171"/>
+          </a:xfrm>
+          <a:prstGeom prst="straightConnector1">
+            <a:avLst/>
+          </a:prstGeom>
+          <a:ln w="38100">
+            <a:tailEnd type="triangle"/>
+          </a:ln>
+        </p:spPr>
+        <p:style>
+          <a:lnRef idx="1">
+            <a:schemeClr val="accent2"/>
+          </a:lnRef>
+          <a:fillRef idx="0">
+            <a:schemeClr val="accent2"/>
+          </a:fillRef>
+          <a:effectRef idx="0">
+            <a:schemeClr val="accent2"/>
+          </a:effectRef>
+          <a:fontRef idx="minor">
+            <a:schemeClr val="tx1"/>
+          </a:fontRef>
+        </p:style>
+      </p:cxnSp>
+      <p:sp>
+        <p:nvSpPr>
+          <p:cNvPr id="8" name="직사각형 7">
+            <a:extLst>
+              <a:ext uri="{FF2B5EF4-FFF2-40B4-BE49-F238E27FC236}">
+                <a16:creationId xmlns:a16="http://schemas.microsoft.com/office/drawing/2014/main" id="{FFF506F9-840A-0508-4CAF-3AC711D8D5CE}"/>
+              </a:ext>
+            </a:extLst>
+          </p:cNvPr>
+          <p:cNvSpPr/>
+          <p:nvPr/>
+        </p:nvSpPr>
+        <p:spPr>
+          <a:xfrm>
+            <a:off x="4419600" y="6783224"/>
+            <a:ext cx="5334000" cy="457200"/>
+          </a:xfrm>
+          <a:prstGeom prst="rect">
+            <a:avLst/>
+          </a:prstGeom>
+          <a:noFill/>
+          <a:ln>
+            <a:solidFill>
+              <a:srgbClr val="FF0000"/>
+            </a:solidFill>
+          </a:ln>
+        </p:spPr>
+        <p:style>
+          <a:lnRef idx="2">
+            <a:schemeClr val="accent2">
+              <a:shade val="50000"/>
+            </a:schemeClr>
+          </a:lnRef>
+          <a:fillRef idx="1">
+            <a:schemeClr val="accent2"/>
+          </a:fillRef>
+          <a:effectRef idx="0">
+            <a:schemeClr val="accent2"/>
+          </a:effectRef>
+          <a:fontRef idx="minor">
+            <a:schemeClr val="lt1"/>
+          </a:fontRef>
+        </p:style>
+        <p:txBody>
+          <a:bodyPr rtlCol="0" anchor="ctr"/>
+          <a:lstStyle/>
+          <a:p>
+            <a:pPr algn="ctr"/>
+            <a:endParaRPr lang="ko-KR" altLang="en-US"/>
+          </a:p>
+        </p:txBody>
+      </p:sp>
+      <p:sp>
+        <p:nvSpPr>
+          <p:cNvPr id="9" name="TextBox 8">
+            <a:extLst>
+              <a:ext uri="{FF2B5EF4-FFF2-40B4-BE49-F238E27FC236}">
+                <a16:creationId xmlns:a16="http://schemas.microsoft.com/office/drawing/2014/main" id="{C6D113C6-EA5C-788F-0C77-E7CE6EBB865F}"/>
+              </a:ext>
+            </a:extLst>
+          </p:cNvPr>
+          <p:cNvSpPr txBox="1"/>
+          <p:nvPr/>
+        </p:nvSpPr>
+        <p:spPr>
+          <a:xfrm>
+            <a:off x="6096000" y="8125578"/>
+            <a:ext cx="6400800" cy="646331"/>
+          </a:xfrm>
+          <a:prstGeom prst="rect">
+            <a:avLst/>
+          </a:prstGeom>
+          <a:noFill/>
+        </p:spPr>
+        <p:txBody>
+          <a:bodyPr wrap="square" rtlCol="0">
+            <a:spAutoFit/>
+          </a:bodyPr>
+          <a:lstStyle/>
+          <a:p>
+            <a:r>
+              <a:rPr lang="ko-KR" altLang="en-US" sz="3600" dirty="0">
+                <a:solidFill>
+                  <a:srgbClr val="FF0000"/>
+                </a:solidFill>
+                <a:latin typeface="G마켓 산스 Medium" panose="02000000000000000000" pitchFamily="50" charset="-127"/>
+                <a:ea typeface="G마켓 산스 Medium" panose="02000000000000000000" pitchFamily="50" charset="-127"/>
+              </a:rPr>
+              <a:t>클래스 내부로 </a:t>
+            </a:r>
+            <a:r>
+              <a:rPr lang="ko-KR" altLang="en-US" sz="3600" dirty="0" err="1">
+                <a:solidFill>
+                  <a:srgbClr val="FF0000"/>
+                </a:solidFill>
+                <a:latin typeface="G마켓 산스 Medium" panose="02000000000000000000" pitchFamily="50" charset="-127"/>
+                <a:ea typeface="G마켓 산스 Medium" panose="02000000000000000000" pitchFamily="50" charset="-127"/>
+              </a:rPr>
+              <a:t>옮기도록하자</a:t>
+            </a:r>
+            <a:endParaRPr lang="en-US" altLang="ko-KR" sz="3600" dirty="0">
+              <a:solidFill>
+                <a:srgbClr val="FF0000"/>
+              </a:solidFill>
+              <a:latin typeface="G마켓 산스 Medium" panose="02000000000000000000" pitchFamily="50" charset="-127"/>
+              <a:ea typeface="G마켓 산스 Medium" panose="02000000000000000000" pitchFamily="50" charset="-127"/>
+            </a:endParaRPr>
+          </a:p>
+        </p:txBody>
+      </p:sp>
+      <p:pic>
+        <p:nvPicPr>
+          <p:cNvPr id="3" name="그림 2"/>
+          <p:cNvPicPr>
+            <a:picLocks noChangeAspect="1"/>
+          </p:cNvPicPr>
+          <p:nvPr/>
+        </p:nvPicPr>
+        <p:blipFill>
+          <a:blip r:embed="rId3"/>
+          <a:stretch>
+            <a:fillRect/>
+          </a:stretch>
+        </p:blipFill>
+        <p:spPr>
+          <a:xfrm>
+            <a:off x="11125200" y="1740444"/>
+            <a:ext cx="6400800" cy="6353151"/>
+          </a:xfrm>
+          <a:prstGeom prst="rect">
+            <a:avLst/>
+          </a:prstGeom>
+        </p:spPr>
+      </p:pic>
+    </p:spTree>
+    <p:extLst>
+      <p:ext uri="{BB962C8B-B14F-4D97-AF65-F5344CB8AC3E}">
+        <p14:creationId xmlns:p14="http://schemas.microsoft.com/office/powerpoint/2010/main" val="1013360659"/>
+      </p:ext>
+    </p:extLst>
+  </p:cSld>
+  <p:clrMapOvr>
+    <a:masterClrMapping/>
+  </p:clrMapOvr>
+</p:sld>
+</file>
+
+<file path=ppt/slides/slide36.xml><?xml version="1.0" encoding="utf-8"?>
+<p:sld xmlns:a="http://schemas.openxmlformats.org/drawingml/2006/main" xmlns:r="http://schemas.openxmlformats.org/officeDocument/2006/relationships" xmlns:p="http://schemas.openxmlformats.org/presentationml/2006/main">
+  <p:cSld>
+    <p:spTree>
+      <p:nvGrpSpPr>
+        <p:cNvPr id="1" name=""/>
+        <p:cNvGrpSpPr/>
+        <p:nvPr/>
+      </p:nvGrpSpPr>
+      <p:grpSpPr>
+        <a:xfrm>
+          <a:off x="0" y="0"/>
+          <a:ext cx="0" cy="0"/>
+          <a:chOff x="0" y="0"/>
+          <a:chExt cx="0" cy="0"/>
+        </a:xfrm>
+      </p:grpSpPr>
+      <p:sp>
+        <p:nvSpPr>
+          <p:cNvPr id="4" name="TextBox 3">
+            <a:extLst>
+              <a:ext uri="{FF2B5EF4-FFF2-40B4-BE49-F238E27FC236}">
+                <a16:creationId xmlns:a16="http://schemas.microsoft.com/office/drawing/2014/main" id="{52176D31-35F7-8916-46FA-6095EFEC1E49}"/>
+              </a:ext>
+            </a:extLst>
+          </p:cNvPr>
+          <p:cNvSpPr txBox="1"/>
+          <p:nvPr/>
+        </p:nvSpPr>
+        <p:spPr>
+          <a:xfrm>
+            <a:off x="3505200" y="2019300"/>
+            <a:ext cx="12115800" cy="2308324"/>
+          </a:xfrm>
+          <a:prstGeom prst="rect">
+            <a:avLst/>
+          </a:prstGeom>
+          <a:noFill/>
+        </p:spPr>
+        <p:txBody>
+          <a:bodyPr wrap="square" rtlCol="0">
+            <a:spAutoFit/>
+          </a:bodyPr>
+          <a:lstStyle/>
+          <a:p>
+            <a:r>
+              <a:rPr lang="en-US" altLang="ko-KR" sz="3600" dirty="0" err="1">
+                <a:solidFill>
+                  <a:srgbClr val="4C50BB"/>
+                </a:solidFill>
+                <a:latin typeface="G마켓 산스 Medium" panose="02000000000000000000" pitchFamily="50" charset="-127"/>
+                <a:ea typeface="G마켓 산스 Medium" panose="02000000000000000000" pitchFamily="50" charset="-127"/>
+              </a:rPr>
+              <a:t>chatGPT</a:t>
+            </a:r>
+            <a:r>
+              <a:rPr lang="en-US" altLang="ko-KR" sz="3600" dirty="0">
+                <a:solidFill>
+                  <a:srgbClr val="4C50BB"/>
+                </a:solidFill>
+                <a:latin typeface="G마켓 산스 Medium" panose="02000000000000000000" pitchFamily="50" charset="-127"/>
+                <a:ea typeface="G마켓 산스 Medium" panose="02000000000000000000" pitchFamily="50" charset="-127"/>
+              </a:rPr>
+              <a:t> </a:t>
+            </a:r>
+            <a:r>
+              <a:rPr lang="ko-KR" altLang="en-US" sz="3600" dirty="0">
+                <a:solidFill>
+                  <a:srgbClr val="4C50BB"/>
+                </a:solidFill>
+                <a:latin typeface="G마켓 산스 Medium" panose="02000000000000000000" pitchFamily="50" charset="-127"/>
+                <a:ea typeface="G마켓 산스 Medium" panose="02000000000000000000" pitchFamily="50" charset="-127"/>
+              </a:rPr>
+              <a:t>클래스 </a:t>
+            </a:r>
+            <a:r>
+              <a:rPr lang="ko-KR" altLang="en-US" sz="3600" dirty="0" err="1">
+                <a:solidFill>
+                  <a:srgbClr val="4C50BB"/>
+                </a:solidFill>
+                <a:latin typeface="G마켓 산스 Medium" panose="02000000000000000000" pitchFamily="50" charset="-127"/>
+                <a:ea typeface="G마켓 산스 Medium" panose="02000000000000000000" pitchFamily="50" charset="-127"/>
+              </a:rPr>
+              <a:t>리팩토링</a:t>
+            </a:r>
+            <a:r>
+              <a:rPr lang="ko-KR" altLang="en-US" sz="3600" dirty="0">
+                <a:solidFill>
+                  <a:srgbClr val="4C50BB"/>
+                </a:solidFill>
+                <a:latin typeface="G마켓 산스 Medium" panose="02000000000000000000" pitchFamily="50" charset="-127"/>
+                <a:ea typeface="G마켓 산스 Medium" panose="02000000000000000000" pitchFamily="50" charset="-127"/>
+              </a:rPr>
+              <a:t> 작업을 진행한 결과 사용시 코드가 상당히 간결해졌다</a:t>
+            </a:r>
+            <a:r>
+              <a:rPr lang="en-US" altLang="ko-KR" sz="3600" dirty="0">
+                <a:solidFill>
+                  <a:srgbClr val="4C50BB"/>
+                </a:solidFill>
+                <a:latin typeface="G마켓 산스 Medium" panose="02000000000000000000" pitchFamily="50" charset="-127"/>
+                <a:ea typeface="G마켓 산스 Medium" panose="02000000000000000000" pitchFamily="50" charset="-127"/>
+              </a:rPr>
+              <a:t>.</a:t>
+            </a:r>
+            <a:r>
+              <a:rPr lang="ko-KR" altLang="en-US" sz="3600" dirty="0">
+                <a:solidFill>
+                  <a:srgbClr val="4C50BB"/>
+                </a:solidFill>
+                <a:latin typeface="G마켓 산스 Medium" panose="02000000000000000000" pitchFamily="50" charset="-127"/>
+                <a:ea typeface="G마켓 산스 Medium" panose="02000000000000000000" pitchFamily="50" charset="-127"/>
+              </a:rPr>
+              <a:t>이런 작업은 사실 상당히 </a:t>
+            </a:r>
+            <a:r>
+              <a:rPr lang="ko-KR" altLang="en-US" sz="3600" dirty="0" err="1">
+                <a:solidFill>
+                  <a:srgbClr val="4C50BB"/>
+                </a:solidFill>
+                <a:latin typeface="G마켓 산스 Medium" panose="02000000000000000000" pitchFamily="50" charset="-127"/>
+                <a:ea typeface="G마켓 산스 Medium" panose="02000000000000000000" pitchFamily="50" charset="-127"/>
+              </a:rPr>
+              <a:t>고난이도</a:t>
+            </a:r>
+            <a:r>
+              <a:rPr lang="ko-KR" altLang="en-US" sz="3600" dirty="0">
+                <a:solidFill>
+                  <a:srgbClr val="4C50BB"/>
+                </a:solidFill>
+                <a:latin typeface="G마켓 산스 Medium" panose="02000000000000000000" pitchFamily="50" charset="-127"/>
+                <a:ea typeface="G마켓 산스 Medium" panose="02000000000000000000" pitchFamily="50" charset="-127"/>
+              </a:rPr>
+              <a:t> 작업이라 할 수 있다</a:t>
+            </a:r>
+            <a:r>
+              <a:rPr lang="en-US" altLang="ko-KR" sz="3600" dirty="0">
+                <a:solidFill>
+                  <a:srgbClr val="4C50BB"/>
+                </a:solidFill>
+                <a:latin typeface="G마켓 산스 Medium" panose="02000000000000000000" pitchFamily="50" charset="-127"/>
+                <a:ea typeface="G마켓 산스 Medium" panose="02000000000000000000" pitchFamily="50" charset="-127"/>
+              </a:rPr>
+              <a:t>.</a:t>
+            </a:r>
+            <a:r>
+              <a:rPr lang="ko-KR" altLang="en-US" sz="3600" dirty="0">
+                <a:solidFill>
+                  <a:srgbClr val="4C50BB"/>
+                </a:solidFill>
+                <a:latin typeface="G마켓 산스 Medium" panose="02000000000000000000" pitchFamily="50" charset="-127"/>
+                <a:ea typeface="G마켓 산스 Medium" panose="02000000000000000000" pitchFamily="50" charset="-127"/>
+              </a:rPr>
+              <a:t>나중에는 도움 없이 직접 </a:t>
+            </a:r>
+            <a:r>
+              <a:rPr lang="ko-KR" altLang="en-US" sz="3600" dirty="0" err="1">
+                <a:solidFill>
+                  <a:srgbClr val="4C50BB"/>
+                </a:solidFill>
+                <a:latin typeface="G마켓 산스 Medium" panose="02000000000000000000" pitchFamily="50" charset="-127"/>
+                <a:ea typeface="G마켓 산스 Medium" panose="02000000000000000000" pitchFamily="50" charset="-127"/>
+              </a:rPr>
+              <a:t>이런식의</a:t>
+            </a:r>
+            <a:r>
+              <a:rPr lang="ko-KR" altLang="en-US" sz="3600" dirty="0">
+                <a:solidFill>
+                  <a:srgbClr val="4C50BB"/>
+                </a:solidFill>
+                <a:latin typeface="G마켓 산스 Medium" panose="02000000000000000000" pitchFamily="50" charset="-127"/>
+                <a:ea typeface="G마켓 산스 Medium" panose="02000000000000000000" pitchFamily="50" charset="-127"/>
+              </a:rPr>
+              <a:t> 클래스 설계를 할 수 있도록 해보자</a:t>
+            </a:r>
+            <a:r>
+              <a:rPr lang="en-US" altLang="ko-KR" sz="3600" dirty="0">
+                <a:solidFill>
+                  <a:srgbClr val="4C50BB"/>
+                </a:solidFill>
+                <a:latin typeface="G마켓 산스 Medium" panose="02000000000000000000" pitchFamily="50" charset="-127"/>
+                <a:ea typeface="G마켓 산스 Medium" panose="02000000000000000000" pitchFamily="50" charset="-127"/>
+              </a:rPr>
+              <a:t>.</a:t>
+            </a:r>
+          </a:p>
+        </p:txBody>
+      </p:sp>
+      <p:sp>
+        <p:nvSpPr>
+          <p:cNvPr id="5" name="TextBox 4">
+            <a:extLst>
+              <a:ext uri="{FF2B5EF4-FFF2-40B4-BE49-F238E27FC236}">
+                <a16:creationId xmlns:a16="http://schemas.microsoft.com/office/drawing/2014/main" id="{52176D31-35F7-8916-46FA-6095EFEC1E49}"/>
+              </a:ext>
+            </a:extLst>
+          </p:cNvPr>
+          <p:cNvSpPr txBox="1"/>
+          <p:nvPr/>
+        </p:nvSpPr>
+        <p:spPr>
+          <a:xfrm>
+            <a:off x="3505200" y="5143500"/>
+            <a:ext cx="12115800" cy="2862322"/>
+          </a:xfrm>
+          <a:prstGeom prst="rect">
+            <a:avLst/>
+          </a:prstGeom>
+          <a:noFill/>
+        </p:spPr>
+        <p:txBody>
+          <a:bodyPr wrap="square" rtlCol="0">
+            <a:spAutoFit/>
+          </a:bodyPr>
+          <a:lstStyle/>
+          <a:p>
+            <a:r>
+              <a:rPr lang="ko-KR" altLang="en-US" sz="3600" dirty="0">
+                <a:solidFill>
+                  <a:srgbClr val="4C50BB"/>
+                </a:solidFill>
+                <a:latin typeface="G마켓 산스 Medium" panose="02000000000000000000" pitchFamily="50" charset="-127"/>
+                <a:ea typeface="G마켓 산스 Medium" panose="02000000000000000000" pitchFamily="50" charset="-127"/>
+              </a:rPr>
+              <a:t>이제 </a:t>
+            </a:r>
+            <a:r>
+              <a:rPr lang="ko-KR" altLang="en-US" sz="3600" dirty="0" err="1">
+                <a:solidFill>
+                  <a:srgbClr val="4C50BB"/>
+                </a:solidFill>
+                <a:latin typeface="G마켓 산스 Medium" panose="02000000000000000000" pitchFamily="50" charset="-127"/>
+                <a:ea typeface="G마켓 산스 Medium" panose="02000000000000000000" pitchFamily="50" charset="-127"/>
+              </a:rPr>
+              <a:t>다음장</a:t>
+            </a:r>
+            <a:r>
+              <a:rPr lang="ko-KR" altLang="en-US" sz="3600" dirty="0">
+                <a:solidFill>
+                  <a:srgbClr val="4C50BB"/>
+                </a:solidFill>
+                <a:latin typeface="G마켓 산스 Medium" panose="02000000000000000000" pitchFamily="50" charset="-127"/>
+                <a:ea typeface="G마켓 산스 Medium" panose="02000000000000000000" pitchFamily="50" charset="-127"/>
+              </a:rPr>
+              <a:t> </a:t>
+            </a:r>
+            <a:r>
+              <a:rPr lang="ko-KR" altLang="en-US" sz="3600" dirty="0" err="1">
+                <a:solidFill>
+                  <a:srgbClr val="4C50BB"/>
+                </a:solidFill>
+                <a:latin typeface="G마켓 산스 Medium" panose="02000000000000000000" pitchFamily="50" charset="-127"/>
+                <a:ea typeface="G마켓 산스 Medium" panose="02000000000000000000" pitchFamily="50" charset="-127"/>
+              </a:rPr>
+              <a:t>부터</a:t>
+            </a:r>
+            <a:r>
+              <a:rPr lang="ko-KR" altLang="en-US" sz="3600" dirty="0">
+                <a:solidFill>
+                  <a:srgbClr val="4C50BB"/>
+                </a:solidFill>
+                <a:latin typeface="G마켓 산스 Medium" panose="02000000000000000000" pitchFamily="50" charset="-127"/>
+                <a:ea typeface="G마켓 산스 Medium" panose="02000000000000000000" pitchFamily="50" charset="-127"/>
+              </a:rPr>
+              <a:t> 대화를 주고 받을 수 있도록 기능을 추가하도록 하자</a:t>
+            </a:r>
+            <a:r>
+              <a:rPr lang="en-US" altLang="ko-KR" sz="3600" dirty="0">
+                <a:solidFill>
+                  <a:srgbClr val="4C50BB"/>
+                </a:solidFill>
+                <a:latin typeface="G마켓 산스 Medium" panose="02000000000000000000" pitchFamily="50" charset="-127"/>
+                <a:ea typeface="G마켓 산스 Medium" panose="02000000000000000000" pitchFamily="50" charset="-127"/>
+              </a:rPr>
+              <a:t>.</a:t>
+            </a:r>
+          </a:p>
+          <a:p>
+            <a:r>
+              <a:rPr lang="en-US" altLang="ko-KR" sz="3600" dirty="0">
+                <a:solidFill>
+                  <a:srgbClr val="4C50BB"/>
+                </a:solidFill>
+                <a:latin typeface="G마켓 산스 Medium" panose="02000000000000000000" pitchFamily="50" charset="-127"/>
+                <a:ea typeface="G마켓 산스 Medium" panose="02000000000000000000" pitchFamily="50" charset="-127"/>
+              </a:rPr>
+              <a:t>(</a:t>
+            </a:r>
+            <a:r>
+              <a:rPr lang="ko-KR" altLang="en-US" sz="3600" dirty="0">
+                <a:solidFill>
+                  <a:srgbClr val="FF0000"/>
+                </a:solidFill>
+                <a:latin typeface="G마켓 산스 Medium" panose="02000000000000000000" pitchFamily="50" charset="-127"/>
+                <a:ea typeface="G마켓 산스 Medium" panose="02000000000000000000" pitchFamily="50" charset="-127"/>
+              </a:rPr>
+              <a:t>현재 코드가 모듈화가 잘되어 있는가를 항상 생각해보자 모듈화 되지 않은 채로 추가적인 기능 개발을 들어가면 코드가 점점 복잡 </a:t>
+            </a:r>
+            <a:r>
+              <a:rPr lang="ko-KR" altLang="en-US" sz="3600" dirty="0" err="1">
+                <a:solidFill>
+                  <a:srgbClr val="FF0000"/>
+                </a:solidFill>
+                <a:latin typeface="G마켓 산스 Medium" panose="02000000000000000000" pitchFamily="50" charset="-127"/>
+                <a:ea typeface="G마켓 산스 Medium" panose="02000000000000000000" pitchFamily="50" charset="-127"/>
+              </a:rPr>
+              <a:t>해질뿐이다</a:t>
+            </a:r>
+            <a:r>
+              <a:rPr lang="en-US" altLang="ko-KR" sz="3600" dirty="0">
+                <a:solidFill>
+                  <a:srgbClr val="FF0000"/>
+                </a:solidFill>
+                <a:latin typeface="G마켓 산스 Medium" panose="02000000000000000000" pitchFamily="50" charset="-127"/>
+                <a:ea typeface="G마켓 산스 Medium" panose="02000000000000000000" pitchFamily="50" charset="-127"/>
+              </a:rPr>
+              <a:t>.)</a:t>
+            </a:r>
+          </a:p>
+        </p:txBody>
+      </p:sp>
+    </p:spTree>
+    <p:extLst>
+      <p:ext uri="{BB962C8B-B14F-4D97-AF65-F5344CB8AC3E}">
+        <p14:creationId xmlns:p14="http://schemas.microsoft.com/office/powerpoint/2010/main" val="1926535390"/>
+      </p:ext>
+    </p:extLst>
+  </p:cSld>
+  <p:clrMapOvr>
+    <a:masterClrMapping/>
+  </p:clrMapOvr>
+</p:sld>
+</file>
+
+<file path=ppt/slides/slide37.xml><?xml version="1.0" encoding="utf-8"?>
+<p:sld xmlns:a="http://schemas.openxmlformats.org/drawingml/2006/main" xmlns:r="http://schemas.openxmlformats.org/officeDocument/2006/relationships" xmlns:p="http://schemas.openxmlformats.org/presentationml/2006/main">
+  <p:cSld>
+    <p:spTree>
+      <p:nvGrpSpPr>
+        <p:cNvPr id="1" name=""/>
+        <p:cNvGrpSpPr/>
+        <p:nvPr/>
+      </p:nvGrpSpPr>
+      <p:grpSpPr>
+        <a:xfrm>
+          <a:off x="0" y="0"/>
+          <a:ext cx="0" cy="0"/>
+          <a:chOff x="0" y="0"/>
+          <a:chExt cx="0" cy="0"/>
+        </a:xfrm>
+      </p:grpSpPr>
+      <p:sp>
+        <p:nvSpPr>
+          <p:cNvPr id="4" name="TextBox 3">
+            <a:extLst>
+              <a:ext uri="{FF2B5EF4-FFF2-40B4-BE49-F238E27FC236}">
+                <a16:creationId xmlns:a16="http://schemas.microsoft.com/office/drawing/2014/main" id="{52176D31-35F7-8916-46FA-6095EFEC1E49}"/>
+              </a:ext>
+            </a:extLst>
+          </p:cNvPr>
+          <p:cNvSpPr txBox="1"/>
+          <p:nvPr/>
+        </p:nvSpPr>
+        <p:spPr>
+          <a:xfrm>
+            <a:off x="609600" y="190500"/>
+            <a:ext cx="17145000" cy="523220"/>
+          </a:xfrm>
+          <a:prstGeom prst="rect">
+            <a:avLst/>
+          </a:prstGeom>
+          <a:noFill/>
+        </p:spPr>
+        <p:txBody>
+          <a:bodyPr wrap="square" rtlCol="0">
+            <a:spAutoFit/>
+          </a:bodyPr>
+          <a:lstStyle/>
+          <a:p>
+            <a:r>
+              <a:rPr lang="en-US" altLang="ko-KR" sz="2800" dirty="0">
+                <a:solidFill>
+                  <a:srgbClr val="4C50BB"/>
+                </a:solidFill>
+                <a:latin typeface="G마켓 산스 Medium" panose="02000000000000000000" pitchFamily="50" charset="-127"/>
+                <a:ea typeface="G마켓 산스 Medium" panose="02000000000000000000" pitchFamily="50" charset="-127"/>
+              </a:rPr>
+              <a:t>8.chatGPT</a:t>
+            </a:r>
+            <a:r>
+              <a:rPr lang="ko-KR" altLang="en-US" sz="2800" dirty="0">
+                <a:solidFill>
+                  <a:srgbClr val="4C50BB"/>
+                </a:solidFill>
+                <a:latin typeface="G마켓 산스 Medium" panose="02000000000000000000" pitchFamily="50" charset="-127"/>
+                <a:ea typeface="G마켓 산스 Medium" panose="02000000000000000000" pitchFamily="50" charset="-127"/>
+              </a:rPr>
+              <a:t>로 전송할 메시지를 키보드로 입력 받아 보자</a:t>
+            </a:r>
+            <a:r>
+              <a:rPr lang="en-US" altLang="ko-KR" sz="2800" dirty="0">
+                <a:solidFill>
+                  <a:srgbClr val="4C50BB"/>
+                </a:solidFill>
+                <a:latin typeface="G마켓 산스 Medium" panose="02000000000000000000" pitchFamily="50" charset="-127"/>
+                <a:ea typeface="G마켓 산스 Medium" panose="02000000000000000000" pitchFamily="50" charset="-127"/>
+              </a:rPr>
+              <a:t>.</a:t>
+            </a:r>
+          </a:p>
+        </p:txBody>
+      </p:sp>
+      <p:pic>
+        <p:nvPicPr>
+          <p:cNvPr id="7" name="그림 6"/>
+          <p:cNvPicPr>
+            <a:picLocks noChangeAspect="1"/>
+          </p:cNvPicPr>
+          <p:nvPr/>
+        </p:nvPicPr>
+        <p:blipFill>
+          <a:blip r:embed="rId2"/>
+          <a:stretch>
+            <a:fillRect/>
+          </a:stretch>
+        </p:blipFill>
+        <p:spPr>
+          <a:xfrm>
+            <a:off x="312723" y="7581900"/>
+            <a:ext cx="17662553" cy="2514600"/>
+          </a:xfrm>
+          <a:prstGeom prst="rect">
+            <a:avLst/>
+          </a:prstGeom>
+        </p:spPr>
+      </p:pic>
+      <p:pic>
+        <p:nvPicPr>
+          <p:cNvPr id="3" name="그림 2">
+            <a:extLst>
+              <a:ext uri="{FF2B5EF4-FFF2-40B4-BE49-F238E27FC236}">
+                <a16:creationId xmlns:a16="http://schemas.microsoft.com/office/drawing/2014/main" id="{124F1805-73BC-BF2C-D996-DF330D9110BB}"/>
+              </a:ext>
+            </a:extLst>
+          </p:cNvPr>
+          <p:cNvPicPr>
+            <a:picLocks noChangeAspect="1"/>
+          </p:cNvPicPr>
+          <p:nvPr/>
+        </p:nvPicPr>
+        <p:blipFill>
+          <a:blip r:embed="rId3"/>
+          <a:stretch>
+            <a:fillRect/>
+          </a:stretch>
+        </p:blipFill>
+        <p:spPr>
+          <a:xfrm>
+            <a:off x="228600" y="723900"/>
+            <a:ext cx="7924800" cy="6541564"/>
+          </a:xfrm>
+          <a:prstGeom prst="rect">
+            <a:avLst/>
+          </a:prstGeom>
+        </p:spPr>
+      </p:pic>
+      <p:cxnSp>
+        <p:nvCxnSpPr>
+          <p:cNvPr id="5" name="직선 화살표 연결선 4">
+            <a:extLst>
+              <a:ext uri="{FF2B5EF4-FFF2-40B4-BE49-F238E27FC236}">
+                <a16:creationId xmlns:a16="http://schemas.microsoft.com/office/drawing/2014/main" id="{040CDC6C-927B-4CF7-554C-A59C3C8F7DA8}"/>
+              </a:ext>
+            </a:extLst>
+          </p:cNvPr>
+          <p:cNvCxnSpPr>
+            <a:cxnSpLocks/>
+          </p:cNvCxnSpPr>
+          <p:nvPr/>
+        </p:nvCxnSpPr>
+        <p:spPr>
+          <a:xfrm flipV="1">
+            <a:off x="4495800" y="3884533"/>
+            <a:ext cx="1447800" cy="20414"/>
+          </a:xfrm>
+          <a:prstGeom prst="straightConnector1">
+            <a:avLst/>
+          </a:prstGeom>
+          <a:ln w="38100">
+            <a:tailEnd type="triangle"/>
+          </a:ln>
+        </p:spPr>
+        <p:style>
+          <a:lnRef idx="1">
+            <a:schemeClr val="accent2"/>
+          </a:lnRef>
+          <a:fillRef idx="0">
+            <a:schemeClr val="accent2"/>
+          </a:fillRef>
+          <a:effectRef idx="0">
+            <a:schemeClr val="accent2"/>
+          </a:effectRef>
+          <a:fontRef idx="minor">
+            <a:schemeClr val="tx1"/>
+          </a:fontRef>
+        </p:style>
+      </p:cxnSp>
+      <p:sp>
+        <p:nvSpPr>
+          <p:cNvPr id="6" name="직사각형 5">
+            <a:extLst>
+              <a:ext uri="{FF2B5EF4-FFF2-40B4-BE49-F238E27FC236}">
+                <a16:creationId xmlns:a16="http://schemas.microsoft.com/office/drawing/2014/main" id="{A3BC91D4-DE67-32B7-EB25-05DC3913733C}"/>
+              </a:ext>
+            </a:extLst>
+          </p:cNvPr>
+          <p:cNvSpPr/>
+          <p:nvPr/>
+        </p:nvSpPr>
+        <p:spPr>
+          <a:xfrm>
+            <a:off x="2808514" y="3695700"/>
+            <a:ext cx="1687286" cy="457200"/>
+          </a:xfrm>
+          <a:prstGeom prst="rect">
+            <a:avLst/>
+          </a:prstGeom>
+          <a:noFill/>
+          <a:ln>
+            <a:solidFill>
+              <a:srgbClr val="FF0000"/>
+            </a:solidFill>
+          </a:ln>
+        </p:spPr>
+        <p:style>
+          <a:lnRef idx="2">
+            <a:schemeClr val="accent2">
+              <a:shade val="50000"/>
+            </a:schemeClr>
+          </a:lnRef>
+          <a:fillRef idx="1">
+            <a:schemeClr val="accent2"/>
+          </a:fillRef>
+          <a:effectRef idx="0">
+            <a:schemeClr val="accent2"/>
+          </a:effectRef>
+          <a:fontRef idx="minor">
+            <a:schemeClr val="lt1"/>
+          </a:fontRef>
+        </p:style>
+        <p:txBody>
+          <a:bodyPr rtlCol="0" anchor="ctr"/>
+          <a:lstStyle/>
+          <a:p>
+            <a:pPr algn="ctr"/>
+            <a:endParaRPr lang="ko-KR" altLang="en-US"/>
+          </a:p>
+        </p:txBody>
+      </p:sp>
+      <p:sp>
+        <p:nvSpPr>
+          <p:cNvPr id="9" name="TextBox 8">
+            <a:extLst>
+              <a:ext uri="{FF2B5EF4-FFF2-40B4-BE49-F238E27FC236}">
+                <a16:creationId xmlns:a16="http://schemas.microsoft.com/office/drawing/2014/main" id="{D671669E-0223-7A24-5D51-24F351817DDA}"/>
+              </a:ext>
+            </a:extLst>
+          </p:cNvPr>
+          <p:cNvSpPr txBox="1"/>
+          <p:nvPr/>
+        </p:nvSpPr>
+        <p:spPr>
+          <a:xfrm>
+            <a:off x="5943598" y="3313414"/>
+            <a:ext cx="7543801" cy="1200329"/>
+          </a:xfrm>
+          <a:prstGeom prst="rect">
+            <a:avLst/>
+          </a:prstGeom>
+          <a:noFill/>
+        </p:spPr>
+        <p:txBody>
+          <a:bodyPr wrap="square" rtlCol="0">
+            <a:spAutoFit/>
+          </a:bodyPr>
+          <a:lstStyle/>
+          <a:p>
+            <a:r>
+              <a:rPr lang="ko-KR" altLang="en-US" sz="3600" dirty="0">
+                <a:solidFill>
+                  <a:srgbClr val="FF0000"/>
+                </a:solidFill>
+                <a:latin typeface="G마켓 산스 Medium" panose="02000000000000000000" pitchFamily="50" charset="-127"/>
+                <a:ea typeface="G마켓 산스 Medium" panose="02000000000000000000" pitchFamily="50" charset="-127"/>
+              </a:rPr>
+              <a:t>키보드로부터 값을 </a:t>
+            </a:r>
+            <a:r>
+              <a:rPr lang="ko-KR" altLang="en-US" sz="3600" dirty="0" err="1">
+                <a:solidFill>
+                  <a:srgbClr val="FF0000"/>
+                </a:solidFill>
+                <a:latin typeface="G마켓 산스 Medium" panose="02000000000000000000" pitchFamily="50" charset="-127"/>
+                <a:ea typeface="G마켓 산스 Medium" panose="02000000000000000000" pitchFamily="50" charset="-127"/>
+              </a:rPr>
+              <a:t>입력받아</a:t>
+            </a:r>
+            <a:r>
+              <a:rPr lang="ko-KR" altLang="en-US" sz="3600" dirty="0">
+                <a:solidFill>
+                  <a:srgbClr val="FF0000"/>
+                </a:solidFill>
+                <a:latin typeface="G마켓 산스 Medium" panose="02000000000000000000" pitchFamily="50" charset="-127"/>
+                <a:ea typeface="G마켓 산스 Medium" panose="02000000000000000000" pitchFamily="50" charset="-127"/>
+              </a:rPr>
+              <a:t> 전달하도록 하자</a:t>
+            </a:r>
+            <a:endParaRPr lang="en-US" altLang="ko-KR" sz="3600" dirty="0">
+              <a:solidFill>
+                <a:srgbClr val="FF0000"/>
+              </a:solidFill>
+              <a:latin typeface="G마켓 산스 Medium" panose="02000000000000000000" pitchFamily="50" charset="-127"/>
+              <a:ea typeface="G마켓 산스 Medium" panose="02000000000000000000" pitchFamily="50" charset="-127"/>
+            </a:endParaRPr>
+          </a:p>
+        </p:txBody>
+      </p:sp>
+    </p:spTree>
+    <p:extLst>
+      <p:ext uri="{BB962C8B-B14F-4D97-AF65-F5344CB8AC3E}">
+        <p14:creationId xmlns:p14="http://schemas.microsoft.com/office/powerpoint/2010/main" val="3139265561"/>
+      </p:ext>
+    </p:extLst>
+  </p:cSld>
+  <p:clrMapOvr>
+    <a:masterClrMapping/>
+  </p:clrMapOvr>
+</p:sld>
+</file>
+
+<file path=ppt/slides/slide38.xml><?xml version="1.0" encoding="utf-8"?>
+<p:sld xmlns:a="http://schemas.openxmlformats.org/drawingml/2006/main" xmlns:r="http://schemas.openxmlformats.org/officeDocument/2006/relationships" xmlns:p="http://schemas.openxmlformats.org/presentationml/2006/main">
+  <p:cSld>
+    <p:spTree>
+      <p:nvGrpSpPr>
+        <p:cNvPr id="1" name=""/>
+        <p:cNvGrpSpPr/>
+        <p:nvPr/>
+      </p:nvGrpSpPr>
+      <p:grpSpPr>
+        <a:xfrm>
+          <a:off x="0" y="0"/>
+          <a:ext cx="0" cy="0"/>
+          <a:chOff x="0" y="0"/>
+          <a:chExt cx="0" cy="0"/>
+        </a:xfrm>
+      </p:grpSpPr>
+    </p:spTree>
+    <p:extLst>
+      <p:ext uri="{BB962C8B-B14F-4D97-AF65-F5344CB8AC3E}">
+        <p14:creationId xmlns:p14="http://schemas.microsoft.com/office/powerpoint/2010/main" val="3657041939"/>
+      </p:ext>
+    </p:extLst>
+  </p:cSld>
+  <p:clrMapOvr>
+    <a:masterClrMapping/>
+  </p:clrMapOvr>
+</p:sld>
+</file>
+
+<file path=ppt/slides/slide39.xml><?xml version="1.0" encoding="utf-8"?>
+<p:sld xmlns:a="http://schemas.openxmlformats.org/drawingml/2006/main" xmlns:r="http://schemas.openxmlformats.org/officeDocument/2006/relationships" xmlns:p="http://schemas.openxmlformats.org/presentationml/2006/main">
+  <p:cSld>
+    <p:spTree>
+      <p:nvGrpSpPr>
+        <p:cNvPr id="1" name=""/>
+        <p:cNvGrpSpPr/>
+        <p:nvPr/>
+      </p:nvGrpSpPr>
+      <p:grpSpPr>
+        <a:xfrm>
+          <a:off x="0" y="0"/>
+          <a:ext cx="0" cy="0"/>
+          <a:chOff x="0" y="0"/>
+          <a:chExt cx="0" cy="0"/>
+        </a:xfrm>
+      </p:grpSpPr>
+      <p:sp>
+        <p:nvSpPr>
+          <p:cNvPr id="4" name="TextBox 3">
+            <a:extLst>
+              <a:ext uri="{FF2B5EF4-FFF2-40B4-BE49-F238E27FC236}">
+                <a16:creationId xmlns:a16="http://schemas.microsoft.com/office/drawing/2014/main" id="{52176D31-35F7-8916-46FA-6095EFEC1E49}"/>
+              </a:ext>
+            </a:extLst>
+          </p:cNvPr>
+          <p:cNvSpPr txBox="1"/>
+          <p:nvPr/>
+        </p:nvSpPr>
+        <p:spPr>
+          <a:xfrm>
+            <a:off x="609600" y="190500"/>
+            <a:ext cx="17145000" cy="2246769"/>
+          </a:xfrm>
+          <a:prstGeom prst="rect">
+            <a:avLst/>
+          </a:prstGeom>
+          <a:noFill/>
+        </p:spPr>
+        <p:txBody>
+          <a:bodyPr wrap="square" rtlCol="0">
+            <a:spAutoFit/>
+          </a:bodyPr>
+          <a:lstStyle/>
+          <a:p>
+            <a:r>
+              <a:rPr lang="en-US" altLang="ko-KR" sz="2800" dirty="0">
+                <a:solidFill>
+                  <a:srgbClr val="4C50BB"/>
+                </a:solidFill>
+                <a:latin typeface="G마켓 산스 Medium" panose="02000000000000000000" pitchFamily="50" charset="-127"/>
+                <a:ea typeface="G마켓 산스 Medium" panose="02000000000000000000" pitchFamily="50" charset="-127"/>
+              </a:rPr>
+              <a:t>9.</a:t>
+            </a:r>
+            <a:r>
+              <a:rPr lang="ko-KR" altLang="en-US" sz="2800" dirty="0">
+                <a:solidFill>
+                  <a:srgbClr val="4C50BB"/>
+                </a:solidFill>
+                <a:latin typeface="G마켓 산스 Medium" panose="02000000000000000000" pitchFamily="50" charset="-127"/>
+                <a:ea typeface="G마켓 산스 Medium" panose="02000000000000000000" pitchFamily="50" charset="-127"/>
+              </a:rPr>
+              <a:t>지금까지는 한번 말을 건네면 한번 대답 </a:t>
+            </a:r>
+            <a:r>
+              <a:rPr lang="ko-KR" altLang="en-US" sz="2800" dirty="0" err="1">
+                <a:solidFill>
+                  <a:srgbClr val="4C50BB"/>
+                </a:solidFill>
+                <a:latin typeface="G마켓 산스 Medium" panose="02000000000000000000" pitchFamily="50" charset="-127"/>
+                <a:ea typeface="G마켓 산스 Medium" panose="02000000000000000000" pitchFamily="50" charset="-127"/>
+              </a:rPr>
+              <a:t>오는게</a:t>
+            </a:r>
+            <a:r>
+              <a:rPr lang="ko-KR" altLang="en-US" sz="2800" dirty="0">
+                <a:solidFill>
+                  <a:srgbClr val="4C50BB"/>
+                </a:solidFill>
+                <a:latin typeface="G마켓 산스 Medium" panose="02000000000000000000" pitchFamily="50" charset="-127"/>
+                <a:ea typeface="G마켓 산스 Medium" panose="02000000000000000000" pitchFamily="50" charset="-127"/>
+              </a:rPr>
+              <a:t> 끝 이였다</a:t>
+            </a:r>
+            <a:r>
+              <a:rPr lang="en-US" altLang="ko-KR" sz="2800" dirty="0">
+                <a:solidFill>
+                  <a:srgbClr val="4C50BB"/>
+                </a:solidFill>
+                <a:latin typeface="G마켓 산스 Medium" panose="02000000000000000000" pitchFamily="50" charset="-127"/>
+                <a:ea typeface="G마켓 산스 Medium" panose="02000000000000000000" pitchFamily="50" charset="-127"/>
+              </a:rPr>
+              <a:t>. </a:t>
+            </a:r>
+            <a:r>
+              <a:rPr lang="ko-KR" altLang="en-US" sz="2800" dirty="0">
+                <a:solidFill>
+                  <a:srgbClr val="4C50BB"/>
+                </a:solidFill>
+                <a:latin typeface="G마켓 산스 Medium" panose="02000000000000000000" pitchFamily="50" charset="-127"/>
+                <a:ea typeface="G마켓 산스 Medium" panose="02000000000000000000" pitchFamily="50" charset="-127"/>
+              </a:rPr>
+              <a:t>대화가 계속 이어 질 수 있게 </a:t>
+            </a:r>
+            <a:r>
+              <a:rPr lang="en-US" altLang="ko-KR" sz="2800" dirty="0">
+                <a:solidFill>
+                  <a:srgbClr val="4C50BB"/>
+                </a:solidFill>
+                <a:latin typeface="G마켓 산스 Medium" panose="02000000000000000000" pitchFamily="50" charset="-127"/>
+                <a:ea typeface="G마켓 산스 Medium" panose="02000000000000000000" pitchFamily="50" charset="-127"/>
+              </a:rPr>
+              <a:t>“</a:t>
+            </a:r>
+            <a:r>
+              <a:rPr lang="ko-KR" altLang="en-US" sz="2800" dirty="0">
+                <a:solidFill>
+                  <a:srgbClr val="4C50BB"/>
+                </a:solidFill>
+                <a:latin typeface="G마켓 산스 Medium" panose="02000000000000000000" pitchFamily="50" charset="-127"/>
+                <a:ea typeface="G마켓 산스 Medium" panose="02000000000000000000" pitchFamily="50" charset="-127"/>
+              </a:rPr>
+              <a:t>대화종료</a:t>
+            </a:r>
+            <a:r>
+              <a:rPr lang="en-US" altLang="ko-KR" sz="2800" dirty="0">
+                <a:solidFill>
+                  <a:srgbClr val="4C50BB"/>
+                </a:solidFill>
+                <a:latin typeface="G마켓 산스 Medium" panose="02000000000000000000" pitchFamily="50" charset="-127"/>
+                <a:ea typeface="G마켓 산스 Medium" panose="02000000000000000000" pitchFamily="50" charset="-127"/>
+              </a:rPr>
+              <a:t>” </a:t>
+            </a:r>
+            <a:r>
+              <a:rPr lang="ko-KR" altLang="en-US" sz="2800" dirty="0">
+                <a:solidFill>
+                  <a:srgbClr val="4C50BB"/>
+                </a:solidFill>
+                <a:latin typeface="G마켓 산스 Medium" panose="02000000000000000000" pitchFamily="50" charset="-127"/>
+                <a:ea typeface="G마켓 산스 Medium" panose="02000000000000000000" pitchFamily="50" charset="-127"/>
+              </a:rPr>
+              <a:t>라고 입력 하기 전까지 무한반복 하도록 하자</a:t>
+            </a:r>
+            <a:r>
+              <a:rPr lang="en-US" altLang="ko-KR" sz="2800" dirty="0">
+                <a:solidFill>
+                  <a:srgbClr val="4C50BB"/>
+                </a:solidFill>
+                <a:latin typeface="G마켓 산스 Medium" panose="02000000000000000000" pitchFamily="50" charset="-127"/>
+                <a:ea typeface="G마켓 산스 Medium" panose="02000000000000000000" pitchFamily="50" charset="-127"/>
+              </a:rPr>
+              <a:t>.</a:t>
+            </a:r>
+          </a:p>
+          <a:p>
+            <a:r>
+              <a:rPr lang="en-US" altLang="ko-KR" sz="2800" dirty="0">
+                <a:solidFill>
+                  <a:schemeClr val="bg1">
+                    <a:lumMod val="50000"/>
+                  </a:schemeClr>
+                </a:solidFill>
+                <a:latin typeface="G마켓 산스 Medium" panose="02000000000000000000" pitchFamily="50" charset="-127"/>
+                <a:ea typeface="G마켓 산스 Medium" panose="02000000000000000000" pitchFamily="50" charset="-127"/>
+              </a:rPr>
+              <a:t>- </a:t>
+            </a:r>
+            <a:r>
+              <a:rPr lang="en-US" altLang="ko-KR" sz="2800" dirty="0" err="1">
+                <a:solidFill>
+                  <a:schemeClr val="bg1">
+                    <a:lumMod val="50000"/>
+                  </a:schemeClr>
+                </a:solidFill>
+                <a:latin typeface="G마켓 산스 Medium" panose="02000000000000000000" pitchFamily="50" charset="-127"/>
+                <a:ea typeface="G마켓 산스 Medium" panose="02000000000000000000" pitchFamily="50" charset="-127"/>
+              </a:rPr>
+              <a:t>chatGPT</a:t>
+            </a:r>
+            <a:r>
+              <a:rPr lang="ko-KR" altLang="en-US" sz="2800" dirty="0">
+                <a:solidFill>
+                  <a:schemeClr val="bg1">
+                    <a:lumMod val="50000"/>
+                  </a:schemeClr>
+                </a:solidFill>
+                <a:latin typeface="G마켓 산스 Medium" panose="02000000000000000000" pitchFamily="50" charset="-127"/>
+                <a:ea typeface="G마켓 산스 Medium" panose="02000000000000000000" pitchFamily="50" charset="-127"/>
+              </a:rPr>
+              <a:t>는 </a:t>
+            </a:r>
+            <a:r>
+              <a:rPr lang="en-US" altLang="ko-KR" sz="2800" dirty="0">
+                <a:solidFill>
+                  <a:schemeClr val="bg1">
+                    <a:lumMod val="50000"/>
+                  </a:schemeClr>
+                </a:solidFill>
+                <a:latin typeface="G마켓 산스 Medium" panose="02000000000000000000" pitchFamily="50" charset="-127"/>
+                <a:ea typeface="G마켓 산스 Medium" panose="02000000000000000000" pitchFamily="50" charset="-127"/>
+              </a:rPr>
+              <a:t>http</a:t>
+            </a:r>
+            <a:r>
+              <a:rPr lang="ko-KR" altLang="en-US" sz="2800" dirty="0">
+                <a:solidFill>
+                  <a:schemeClr val="bg1">
+                    <a:lumMod val="50000"/>
+                  </a:schemeClr>
+                </a:solidFill>
+                <a:latin typeface="G마켓 산스 Medium" panose="02000000000000000000" pitchFamily="50" charset="-127"/>
+                <a:ea typeface="G마켓 산스 Medium" panose="02000000000000000000" pitchFamily="50" charset="-127"/>
+              </a:rPr>
+              <a:t>를 사용하여 통신한다</a:t>
+            </a:r>
+            <a:r>
+              <a:rPr lang="en-US" altLang="ko-KR" sz="2800" dirty="0">
+                <a:solidFill>
+                  <a:schemeClr val="bg1">
+                    <a:lumMod val="50000"/>
+                  </a:schemeClr>
+                </a:solidFill>
+                <a:latin typeface="G마켓 산스 Medium" panose="02000000000000000000" pitchFamily="50" charset="-127"/>
+                <a:ea typeface="G마켓 산스 Medium" panose="02000000000000000000" pitchFamily="50" charset="-127"/>
+              </a:rPr>
+              <a:t>. Http</a:t>
+            </a:r>
+            <a:r>
+              <a:rPr lang="ko-KR" altLang="en-US" sz="2800" dirty="0">
+                <a:solidFill>
+                  <a:schemeClr val="bg1">
+                    <a:lumMod val="50000"/>
+                  </a:schemeClr>
+                </a:solidFill>
+                <a:latin typeface="G마켓 산스 Medium" panose="02000000000000000000" pitchFamily="50" charset="-127"/>
+                <a:ea typeface="G마켓 산스 Medium" panose="02000000000000000000" pitchFamily="50" charset="-127"/>
+              </a:rPr>
+              <a:t>는 </a:t>
+            </a:r>
+            <a:r>
+              <a:rPr lang="ko-KR" altLang="en-US" sz="2800" dirty="0" err="1">
+                <a:solidFill>
+                  <a:schemeClr val="bg1">
+                    <a:lumMod val="50000"/>
+                  </a:schemeClr>
+                </a:solidFill>
+                <a:latin typeface="G마켓 산스 Medium" panose="02000000000000000000" pitchFamily="50" charset="-127"/>
+                <a:ea typeface="G마켓 산스 Medium" panose="02000000000000000000" pitchFamily="50" charset="-127"/>
+              </a:rPr>
+              <a:t>비연결성</a:t>
+            </a:r>
+            <a:r>
+              <a:rPr lang="ko-KR" altLang="en-US" sz="2800" dirty="0">
+                <a:solidFill>
+                  <a:schemeClr val="bg1">
+                    <a:lumMod val="50000"/>
+                  </a:schemeClr>
+                </a:solidFill>
+                <a:latin typeface="G마켓 산스 Medium" panose="02000000000000000000" pitchFamily="50" charset="-127"/>
+                <a:ea typeface="G마켓 산스 Medium" panose="02000000000000000000" pitchFamily="50" charset="-127"/>
+              </a:rPr>
+              <a:t> 통신이기 때문에 </a:t>
+            </a:r>
+            <a:r>
+              <a:rPr lang="ko-KR" altLang="en-US" sz="2800" dirty="0" err="1">
+                <a:solidFill>
+                  <a:schemeClr val="bg1">
+                    <a:lumMod val="50000"/>
+                  </a:schemeClr>
+                </a:solidFill>
+                <a:latin typeface="G마켓 산스 Medium" panose="02000000000000000000" pitchFamily="50" charset="-127"/>
+                <a:ea typeface="G마켓 산스 Medium" panose="02000000000000000000" pitchFamily="50" charset="-127"/>
+              </a:rPr>
+              <a:t>스트림을</a:t>
+            </a:r>
+            <a:r>
+              <a:rPr lang="ko-KR" altLang="en-US" sz="2800" dirty="0">
+                <a:solidFill>
+                  <a:schemeClr val="bg1">
+                    <a:lumMod val="50000"/>
+                  </a:schemeClr>
+                </a:solidFill>
+                <a:latin typeface="G마켓 산스 Medium" panose="02000000000000000000" pitchFamily="50" charset="-127"/>
+                <a:ea typeface="G마켓 산스 Medium" panose="02000000000000000000" pitchFamily="50" charset="-127"/>
+              </a:rPr>
+              <a:t> 한번 사용하면 재사용 할 수 없다</a:t>
+            </a:r>
+            <a:r>
+              <a:rPr lang="en-US" altLang="ko-KR" sz="2800" dirty="0">
+                <a:solidFill>
+                  <a:schemeClr val="bg1">
+                    <a:lumMod val="50000"/>
+                  </a:schemeClr>
+                </a:solidFill>
+                <a:latin typeface="G마켓 산스 Medium" panose="02000000000000000000" pitchFamily="50" charset="-127"/>
+                <a:ea typeface="G마켓 산스 Medium" panose="02000000000000000000" pitchFamily="50" charset="-127"/>
+              </a:rPr>
+              <a:t>. </a:t>
+            </a:r>
+            <a:r>
+              <a:rPr lang="ko-KR" altLang="en-US" sz="2800" dirty="0">
+                <a:solidFill>
+                  <a:schemeClr val="bg1">
+                    <a:lumMod val="50000"/>
+                  </a:schemeClr>
+                </a:solidFill>
+                <a:latin typeface="G마켓 산스 Medium" panose="02000000000000000000" pitchFamily="50" charset="-127"/>
+                <a:ea typeface="G마켓 산스 Medium" panose="02000000000000000000" pitchFamily="50" charset="-127"/>
+              </a:rPr>
+              <a:t>따라서 한번 대화를 주고 받고 그 다음에는 또 다시 </a:t>
+            </a:r>
+            <a:r>
+              <a:rPr lang="en-US" altLang="ko-KR" sz="2800" dirty="0">
+                <a:solidFill>
+                  <a:schemeClr val="bg1">
+                    <a:lumMod val="50000"/>
+                  </a:schemeClr>
+                </a:solidFill>
+                <a:latin typeface="G마켓 산스 Medium" panose="02000000000000000000" pitchFamily="50" charset="-127"/>
+                <a:ea typeface="G마켓 산스 Medium" panose="02000000000000000000" pitchFamily="50" charset="-127"/>
+              </a:rPr>
+              <a:t>connect() </a:t>
+            </a:r>
+            <a:r>
+              <a:rPr lang="ko-KR" altLang="en-US" sz="2800" dirty="0" err="1">
+                <a:solidFill>
+                  <a:schemeClr val="bg1">
+                    <a:lumMod val="50000"/>
+                  </a:schemeClr>
+                </a:solidFill>
+                <a:latin typeface="G마켓 산스 Medium" panose="02000000000000000000" pitchFamily="50" charset="-127"/>
+                <a:ea typeface="G마켓 산스 Medium" panose="02000000000000000000" pitchFamily="50" charset="-127"/>
+              </a:rPr>
+              <a:t>메서드를</a:t>
+            </a:r>
+            <a:r>
+              <a:rPr lang="ko-KR" altLang="en-US" sz="2800" dirty="0">
+                <a:solidFill>
+                  <a:schemeClr val="bg1">
+                    <a:lumMod val="50000"/>
+                  </a:schemeClr>
+                </a:solidFill>
+                <a:latin typeface="G마켓 산스 Medium" panose="02000000000000000000" pitchFamily="50" charset="-127"/>
+                <a:ea typeface="G마켓 산스 Medium" panose="02000000000000000000" pitchFamily="50" charset="-127"/>
+              </a:rPr>
+              <a:t> 사용해야 한다</a:t>
+            </a:r>
+            <a:r>
+              <a:rPr lang="en-US" altLang="ko-KR" sz="2800" dirty="0">
+                <a:solidFill>
+                  <a:schemeClr val="bg1">
+                    <a:lumMod val="50000"/>
+                  </a:schemeClr>
+                </a:solidFill>
+                <a:latin typeface="G마켓 산스 Medium" panose="02000000000000000000" pitchFamily="50" charset="-127"/>
+                <a:ea typeface="G마켓 산스 Medium" panose="02000000000000000000" pitchFamily="50" charset="-127"/>
+              </a:rPr>
+              <a:t>.</a:t>
+            </a:r>
+          </a:p>
+        </p:txBody>
+      </p:sp>
+      <p:pic>
+        <p:nvPicPr>
+          <p:cNvPr id="2" name="그림 1"/>
+          <p:cNvPicPr>
+            <a:picLocks noChangeAspect="1"/>
+          </p:cNvPicPr>
+          <p:nvPr/>
+        </p:nvPicPr>
+        <p:blipFill>
+          <a:blip r:embed="rId2"/>
+          <a:stretch>
+            <a:fillRect/>
+          </a:stretch>
+        </p:blipFill>
+        <p:spPr>
+          <a:xfrm>
+            <a:off x="304800" y="3238500"/>
+            <a:ext cx="17334327" cy="3048000"/>
+          </a:xfrm>
+          <a:prstGeom prst="rect">
+            <a:avLst/>
+          </a:prstGeom>
+        </p:spPr>
+      </p:pic>
+    </p:spTree>
+    <p:extLst>
+      <p:ext uri="{BB962C8B-B14F-4D97-AF65-F5344CB8AC3E}">
+        <p14:creationId xmlns:p14="http://schemas.microsoft.com/office/powerpoint/2010/main" val="2693284351"/>
+      </p:ext>
+    </p:extLst>
+  </p:cSld>
+  <p:clrMapOvr>
+    <a:masterClrMapping/>
+  </p:clrMapOvr>
 </p:sld>
 </file>
 
@@ -15214,6 +15494,1409 @@
         <p:spPr>
           <a:xfrm>
             <a:off x="609600" y="190500"/>
+            <a:ext cx="17145000" cy="3539430"/>
+          </a:xfrm>
+          <a:prstGeom prst="rect">
+            <a:avLst/>
+          </a:prstGeom>
+          <a:noFill/>
+        </p:spPr>
+        <p:txBody>
+          <a:bodyPr wrap="square" rtlCol="0">
+            <a:spAutoFit/>
+          </a:bodyPr>
+          <a:lstStyle/>
+          <a:p>
+            <a:r>
+              <a:rPr lang="en-US" altLang="ko-KR" sz="2800" dirty="0">
+                <a:solidFill>
+                  <a:srgbClr val="4C50BB"/>
+                </a:solidFill>
+                <a:latin typeface="G마켓 산스 Medium" panose="02000000000000000000" pitchFamily="50" charset="-127"/>
+                <a:ea typeface="G마켓 산스 Medium" panose="02000000000000000000" pitchFamily="50" charset="-127"/>
+              </a:rPr>
+              <a:t>10.</a:t>
+            </a:r>
+            <a:r>
+              <a:rPr lang="ko-KR" altLang="en-US" sz="2800" dirty="0">
+                <a:solidFill>
+                  <a:srgbClr val="4C50BB"/>
+                </a:solidFill>
+                <a:latin typeface="G마켓 산스 Medium" panose="02000000000000000000" pitchFamily="50" charset="-127"/>
+                <a:ea typeface="G마켓 산스 Medium" panose="02000000000000000000" pitchFamily="50" charset="-127"/>
+              </a:rPr>
+              <a:t>앞서 </a:t>
+            </a:r>
+            <a:r>
+              <a:rPr lang="ko-KR" altLang="en-US" sz="2800" dirty="0" err="1">
+                <a:solidFill>
+                  <a:srgbClr val="4C50BB"/>
+                </a:solidFill>
+                <a:latin typeface="G마켓 산스 Medium" panose="02000000000000000000" pitchFamily="50" charset="-127"/>
+                <a:ea typeface="G마켓 산스 Medium" panose="02000000000000000000" pitchFamily="50" charset="-127"/>
+              </a:rPr>
+              <a:t>배운것처럼</a:t>
+            </a:r>
+            <a:r>
+              <a:rPr lang="ko-KR" altLang="en-US" sz="2800" dirty="0">
+                <a:solidFill>
+                  <a:srgbClr val="4C50BB"/>
+                </a:solidFill>
+                <a:latin typeface="G마켓 산스 Medium" panose="02000000000000000000" pitchFamily="50" charset="-127"/>
+                <a:ea typeface="G마켓 산스 Medium" panose="02000000000000000000" pitchFamily="50" charset="-127"/>
+              </a:rPr>
+              <a:t> </a:t>
+            </a:r>
+            <a:r>
+              <a:rPr lang="en-US" altLang="ko-KR" sz="2800" dirty="0">
+                <a:solidFill>
+                  <a:srgbClr val="4C50BB"/>
+                </a:solidFill>
+                <a:latin typeface="G마켓 산스 Medium" panose="02000000000000000000" pitchFamily="50" charset="-127"/>
+                <a:ea typeface="G마켓 산스 Medium" panose="02000000000000000000" pitchFamily="50" charset="-127"/>
+              </a:rPr>
+              <a:t>Http </a:t>
+            </a:r>
+            <a:r>
+              <a:rPr lang="ko-KR" altLang="en-US" sz="2800" dirty="0">
+                <a:solidFill>
+                  <a:srgbClr val="4C50BB"/>
+                </a:solidFill>
+                <a:latin typeface="G마켓 산스 Medium" panose="02000000000000000000" pitchFamily="50" charset="-127"/>
+                <a:ea typeface="G마켓 산스 Medium" panose="02000000000000000000" pitchFamily="50" charset="-127"/>
+              </a:rPr>
+              <a:t>통신은 </a:t>
+            </a:r>
+            <a:r>
+              <a:rPr lang="ko-KR" altLang="en-US" sz="2800" dirty="0" err="1">
+                <a:solidFill>
+                  <a:srgbClr val="4C50BB"/>
+                </a:solidFill>
+                <a:latin typeface="G마켓 산스 Medium" panose="02000000000000000000" pitchFamily="50" charset="-127"/>
+                <a:ea typeface="G마켓 산스 Medium" panose="02000000000000000000" pitchFamily="50" charset="-127"/>
+              </a:rPr>
+              <a:t>비연결성이기에</a:t>
+            </a:r>
+            <a:r>
+              <a:rPr lang="ko-KR" altLang="en-US" sz="2800" dirty="0">
+                <a:solidFill>
+                  <a:srgbClr val="4C50BB"/>
+                </a:solidFill>
+                <a:latin typeface="G마켓 산스 Medium" panose="02000000000000000000" pitchFamily="50" charset="-127"/>
+                <a:ea typeface="G마켓 산스 Medium" panose="02000000000000000000" pitchFamily="50" charset="-127"/>
+              </a:rPr>
+              <a:t> </a:t>
+            </a:r>
+            <a:r>
+              <a:rPr lang="en-US" altLang="ko-KR" sz="2800" dirty="0" err="1">
+                <a:solidFill>
+                  <a:srgbClr val="4C50BB"/>
+                </a:solidFill>
+                <a:latin typeface="G마켓 산스 Medium" panose="02000000000000000000" pitchFamily="50" charset="-127"/>
+                <a:ea typeface="G마켓 산스 Medium" panose="02000000000000000000" pitchFamily="50" charset="-127"/>
+              </a:rPr>
+              <a:t>chatGPT</a:t>
+            </a:r>
+            <a:r>
+              <a:rPr lang="ko-KR" altLang="en-US" sz="2800" dirty="0">
+                <a:solidFill>
+                  <a:srgbClr val="4C50BB"/>
+                </a:solidFill>
+                <a:latin typeface="G마켓 산스 Medium" panose="02000000000000000000" pitchFamily="50" charset="-127"/>
+                <a:ea typeface="G마켓 산스 Medium" panose="02000000000000000000" pitchFamily="50" charset="-127"/>
+              </a:rPr>
+              <a:t>는 대화이력을 기억하고 있지 않다</a:t>
+            </a:r>
+            <a:r>
+              <a:rPr lang="en-US" altLang="ko-KR" sz="2800" dirty="0">
+                <a:solidFill>
+                  <a:srgbClr val="4C50BB"/>
+                </a:solidFill>
+                <a:latin typeface="G마켓 산스 Medium" panose="02000000000000000000" pitchFamily="50" charset="-127"/>
+                <a:ea typeface="G마켓 산스 Medium" panose="02000000000000000000" pitchFamily="50" charset="-127"/>
+              </a:rPr>
+              <a:t>.</a:t>
+            </a:r>
+          </a:p>
+          <a:p>
+            <a:r>
+              <a:rPr lang="ko-KR" altLang="en-US" sz="2800" dirty="0">
+                <a:solidFill>
+                  <a:srgbClr val="4C50BB"/>
+                </a:solidFill>
+                <a:latin typeface="G마켓 산스 Medium" panose="02000000000000000000" pitchFamily="50" charset="-127"/>
+                <a:ea typeface="G마켓 산스 Medium" panose="02000000000000000000" pitchFamily="50" charset="-127"/>
+              </a:rPr>
+              <a:t>따라서  </a:t>
+            </a:r>
+            <a:r>
+              <a:rPr lang="en-US" altLang="ko-KR" sz="2800" dirty="0">
+                <a:solidFill>
+                  <a:srgbClr val="4C50BB"/>
+                </a:solidFill>
+                <a:latin typeface="G마켓 산스 Medium" panose="02000000000000000000" pitchFamily="50" charset="-127"/>
+                <a:ea typeface="G마켓 산스 Medium" panose="02000000000000000000" pitchFamily="50" charset="-127"/>
+              </a:rPr>
+              <a:t>9</a:t>
+            </a:r>
+            <a:r>
+              <a:rPr lang="ko-KR" altLang="en-US" sz="2800" dirty="0">
+                <a:solidFill>
+                  <a:srgbClr val="4C50BB"/>
+                </a:solidFill>
+                <a:latin typeface="G마켓 산스 Medium" panose="02000000000000000000" pitchFamily="50" charset="-127"/>
+                <a:ea typeface="G마켓 산스 Medium" panose="02000000000000000000" pitchFamily="50" charset="-127"/>
+              </a:rPr>
+              <a:t>번까지 해서 대화를 시도하면 대화 내용이 </a:t>
+            </a:r>
+            <a:r>
+              <a:rPr lang="ko-KR" altLang="en-US" sz="2800" dirty="0" err="1">
+                <a:solidFill>
+                  <a:srgbClr val="4C50BB"/>
+                </a:solidFill>
+                <a:latin typeface="G마켓 산스 Medium" panose="02000000000000000000" pitchFamily="50" charset="-127"/>
+                <a:ea typeface="G마켓 산스 Medium" panose="02000000000000000000" pitchFamily="50" charset="-127"/>
+              </a:rPr>
+              <a:t>어색할것이다</a:t>
+            </a:r>
+            <a:r>
+              <a:rPr lang="en-US" altLang="ko-KR" sz="2800" dirty="0">
+                <a:solidFill>
+                  <a:srgbClr val="4C50BB"/>
+                </a:solidFill>
+                <a:latin typeface="G마켓 산스 Medium" panose="02000000000000000000" pitchFamily="50" charset="-127"/>
+                <a:ea typeface="G마켓 산스 Medium" panose="02000000000000000000" pitchFamily="50" charset="-127"/>
+              </a:rPr>
+              <a:t>. </a:t>
+            </a:r>
+          </a:p>
+          <a:p>
+            <a:r>
+              <a:rPr lang="ko-KR" altLang="en-US" sz="2800" dirty="0">
+                <a:solidFill>
+                  <a:srgbClr val="4C50BB"/>
+                </a:solidFill>
+                <a:latin typeface="G마켓 산스 Medium" panose="02000000000000000000" pitchFamily="50" charset="-127"/>
+                <a:ea typeface="G마켓 산스 Medium" panose="02000000000000000000" pitchFamily="50" charset="-127"/>
+              </a:rPr>
+              <a:t>그러므로 매번 새로운 채팅을 칠 때마다 이전에 주고 받은 대화 내용을 </a:t>
+            </a:r>
+            <a:r>
+              <a:rPr lang="en-US" altLang="ko-KR" sz="2800" dirty="0" err="1">
+                <a:solidFill>
+                  <a:srgbClr val="4C50BB"/>
+                </a:solidFill>
+                <a:latin typeface="G마켓 산스 Medium" panose="02000000000000000000" pitchFamily="50" charset="-127"/>
+                <a:ea typeface="G마켓 산스 Medium" panose="02000000000000000000" pitchFamily="50" charset="-127"/>
+              </a:rPr>
+              <a:t>json</a:t>
+            </a:r>
+            <a:r>
+              <a:rPr lang="ko-KR" altLang="en-US" sz="2800" dirty="0">
+                <a:solidFill>
+                  <a:srgbClr val="4C50BB"/>
+                </a:solidFill>
+                <a:latin typeface="G마켓 산스 Medium" panose="02000000000000000000" pitchFamily="50" charset="-127"/>
+                <a:ea typeface="G마켓 산스 Medium" panose="02000000000000000000" pitchFamily="50" charset="-127"/>
+              </a:rPr>
+              <a:t>형태로 모두 전송해줘야 한다</a:t>
+            </a:r>
+            <a:r>
+              <a:rPr lang="en-US" altLang="ko-KR" sz="2800" dirty="0">
+                <a:solidFill>
+                  <a:srgbClr val="4C50BB"/>
+                </a:solidFill>
+                <a:latin typeface="G마켓 산스 Medium" panose="02000000000000000000" pitchFamily="50" charset="-127"/>
+                <a:ea typeface="G마켓 산스 Medium" panose="02000000000000000000" pitchFamily="50" charset="-127"/>
+              </a:rPr>
+              <a:t>. ( </a:t>
+            </a:r>
+            <a:r>
+              <a:rPr lang="ko-KR" altLang="en-US" sz="2800" dirty="0">
+                <a:solidFill>
+                  <a:srgbClr val="4C50BB"/>
+                </a:solidFill>
+                <a:latin typeface="G마켓 산스 Medium" panose="02000000000000000000" pitchFamily="50" charset="-127"/>
+                <a:ea typeface="G마켓 산스 Medium" panose="02000000000000000000" pitchFamily="50" charset="-127"/>
+              </a:rPr>
+              <a:t>끝말잇기를 시도해보면 된다</a:t>
+            </a:r>
+            <a:r>
+              <a:rPr lang="en-US" altLang="ko-KR" sz="2800" dirty="0">
+                <a:solidFill>
+                  <a:srgbClr val="4C50BB"/>
+                </a:solidFill>
+                <a:latin typeface="G마켓 산스 Medium" panose="02000000000000000000" pitchFamily="50" charset="-127"/>
+                <a:ea typeface="G마켓 산스 Medium" panose="02000000000000000000" pitchFamily="50" charset="-127"/>
+              </a:rPr>
+              <a:t>)</a:t>
+            </a:r>
+          </a:p>
+          <a:p>
+            <a:pPr marL="457200" indent="-457200">
+              <a:buFontTx/>
+              <a:buChar char="-"/>
+            </a:pPr>
+            <a:r>
+              <a:rPr lang="en-US" altLang="ko-KR" sz="2800" dirty="0" err="1">
+                <a:solidFill>
+                  <a:schemeClr val="bg1">
+                    <a:lumMod val="50000"/>
+                  </a:schemeClr>
+                </a:solidFill>
+                <a:latin typeface="G마켓 산스 Medium" panose="02000000000000000000" pitchFamily="50" charset="-127"/>
+                <a:ea typeface="G마켓 산스 Medium" panose="02000000000000000000" pitchFamily="50" charset="-127"/>
+              </a:rPr>
+              <a:t>chatGPT</a:t>
+            </a:r>
+            <a:r>
+              <a:rPr lang="ko-KR" altLang="en-US" sz="2800" dirty="0">
+                <a:solidFill>
+                  <a:schemeClr val="bg1">
+                    <a:lumMod val="50000"/>
+                  </a:schemeClr>
+                </a:solidFill>
+                <a:latin typeface="G마켓 산스 Medium" panose="02000000000000000000" pitchFamily="50" charset="-127"/>
+                <a:ea typeface="G마켓 산스 Medium" panose="02000000000000000000" pitchFamily="50" charset="-127"/>
+              </a:rPr>
+              <a:t>의 응답을 저장해두고 다음 번 </a:t>
+            </a:r>
+            <a:r>
+              <a:rPr lang="en-US" altLang="ko-KR" sz="2800" dirty="0">
+                <a:solidFill>
+                  <a:schemeClr val="bg1">
+                    <a:lumMod val="50000"/>
+                  </a:schemeClr>
+                </a:solidFill>
+                <a:latin typeface="G마켓 산스 Medium" panose="02000000000000000000" pitchFamily="50" charset="-127"/>
+                <a:ea typeface="G마켓 산스 Medium" panose="02000000000000000000" pitchFamily="50" charset="-127"/>
+              </a:rPr>
+              <a:t>send</a:t>
+            </a:r>
+            <a:r>
+              <a:rPr lang="ko-KR" altLang="en-US" sz="2800" dirty="0">
+                <a:solidFill>
+                  <a:schemeClr val="bg1">
+                    <a:lumMod val="50000"/>
+                  </a:schemeClr>
+                </a:solidFill>
+                <a:latin typeface="G마켓 산스 Medium" panose="02000000000000000000" pitchFamily="50" charset="-127"/>
+                <a:ea typeface="G마켓 산스 Medium" panose="02000000000000000000" pitchFamily="50" charset="-127"/>
+              </a:rPr>
+              <a:t>시 대화 내역에 포함하여 전송해보자</a:t>
+            </a:r>
+            <a:r>
+              <a:rPr lang="en-US" altLang="ko-KR" sz="2800" dirty="0">
+                <a:solidFill>
+                  <a:schemeClr val="bg1">
+                    <a:lumMod val="50000"/>
+                  </a:schemeClr>
+                </a:solidFill>
+                <a:latin typeface="G마켓 산스 Medium" panose="02000000000000000000" pitchFamily="50" charset="-127"/>
+                <a:ea typeface="G마켓 산스 Medium" panose="02000000000000000000" pitchFamily="50" charset="-127"/>
+              </a:rPr>
+              <a:t>.</a:t>
+            </a:r>
+          </a:p>
+          <a:p>
+            <a:pPr marL="457200" indent="-457200">
+              <a:buFontTx/>
+              <a:buChar char="-"/>
+            </a:pPr>
+            <a:r>
+              <a:rPr lang="ko-KR" altLang="en-US" sz="2800" dirty="0">
+                <a:solidFill>
+                  <a:schemeClr val="bg1">
+                    <a:lumMod val="50000"/>
+                  </a:schemeClr>
+                </a:solidFill>
+                <a:latin typeface="G마켓 산스 Medium" panose="02000000000000000000" pitchFamily="50" charset="-127"/>
+                <a:ea typeface="G마켓 산스 Medium" panose="02000000000000000000" pitchFamily="50" charset="-127"/>
+              </a:rPr>
+              <a:t>아래는 대화 내역을 전송하는 예시이다</a:t>
+            </a:r>
+            <a:r>
+              <a:rPr lang="en-US" altLang="ko-KR" sz="2800" dirty="0">
+                <a:solidFill>
+                  <a:schemeClr val="bg1">
+                    <a:lumMod val="50000"/>
+                  </a:schemeClr>
+                </a:solidFill>
+                <a:latin typeface="G마켓 산스 Medium" panose="02000000000000000000" pitchFamily="50" charset="-127"/>
+                <a:ea typeface="G마켓 산스 Medium" panose="02000000000000000000" pitchFamily="50" charset="-127"/>
+              </a:rPr>
+              <a:t>. Messages </a:t>
+            </a:r>
+            <a:r>
+              <a:rPr lang="ko-KR" altLang="en-US" sz="2800" dirty="0">
+                <a:solidFill>
+                  <a:schemeClr val="bg1">
+                    <a:lumMod val="50000"/>
+                  </a:schemeClr>
+                </a:solidFill>
+                <a:latin typeface="G마켓 산스 Medium" panose="02000000000000000000" pitchFamily="50" charset="-127"/>
+                <a:ea typeface="G마켓 산스 Medium" panose="02000000000000000000" pitchFamily="50" charset="-127"/>
+              </a:rPr>
+              <a:t>키 안에 배열 형태로 대화를 추가해서 전송해줘야 한다</a:t>
+            </a:r>
+            <a:r>
+              <a:rPr lang="en-US" altLang="ko-KR" sz="2800" dirty="0">
+                <a:solidFill>
+                  <a:schemeClr val="bg1">
+                    <a:lumMod val="50000"/>
+                  </a:schemeClr>
+                </a:solidFill>
+                <a:latin typeface="G마켓 산스 Medium" panose="02000000000000000000" pitchFamily="50" charset="-127"/>
+                <a:ea typeface="G마켓 산스 Medium" panose="02000000000000000000" pitchFamily="50" charset="-127"/>
+              </a:rPr>
+              <a:t>.</a:t>
+            </a:r>
+          </a:p>
+          <a:p>
+            <a:pPr marL="457200" indent="-457200">
+              <a:buFontTx/>
+              <a:buChar char="-"/>
+            </a:pPr>
+            <a:r>
+              <a:rPr lang="en-US" altLang="ko-KR" sz="2800" dirty="0" err="1">
+                <a:solidFill>
+                  <a:schemeClr val="bg1">
+                    <a:lumMod val="50000"/>
+                  </a:schemeClr>
+                </a:solidFill>
+                <a:latin typeface="G마켓 산스 Medium" panose="02000000000000000000" pitchFamily="50" charset="-127"/>
+                <a:ea typeface="G마켓 산스 Medium" panose="02000000000000000000" pitchFamily="50" charset="-127"/>
+              </a:rPr>
+              <a:t>JSONObject</a:t>
+            </a:r>
+            <a:r>
+              <a:rPr lang="en-US" altLang="ko-KR" sz="2800" dirty="0">
+                <a:solidFill>
+                  <a:schemeClr val="bg1">
+                    <a:lumMod val="50000"/>
+                  </a:schemeClr>
+                </a:solidFill>
+                <a:latin typeface="G마켓 산스 Medium" panose="02000000000000000000" pitchFamily="50" charset="-127"/>
+                <a:ea typeface="G마켓 산스 Medium" panose="02000000000000000000" pitchFamily="50" charset="-127"/>
+              </a:rPr>
+              <a:t>, </a:t>
+            </a:r>
+            <a:r>
+              <a:rPr lang="en-US" altLang="ko-KR" sz="2800" dirty="0" err="1">
+                <a:solidFill>
+                  <a:schemeClr val="bg1">
+                    <a:lumMod val="50000"/>
+                  </a:schemeClr>
+                </a:solidFill>
+                <a:latin typeface="G마켓 산스 Medium" panose="02000000000000000000" pitchFamily="50" charset="-127"/>
+                <a:ea typeface="G마켓 산스 Medium" panose="02000000000000000000" pitchFamily="50" charset="-127"/>
+              </a:rPr>
+              <a:t>JSONArray</a:t>
+            </a:r>
+            <a:r>
+              <a:rPr lang="en-US" altLang="ko-KR" sz="2800" dirty="0">
+                <a:solidFill>
+                  <a:schemeClr val="bg1">
+                    <a:lumMod val="50000"/>
+                  </a:schemeClr>
+                </a:solidFill>
+                <a:latin typeface="G마켓 산스 Medium" panose="02000000000000000000" pitchFamily="50" charset="-127"/>
+                <a:ea typeface="G마켓 산스 Medium" panose="02000000000000000000" pitchFamily="50" charset="-127"/>
+              </a:rPr>
+              <a:t> </a:t>
+            </a:r>
+            <a:r>
+              <a:rPr lang="ko-KR" altLang="en-US" sz="2800" dirty="0">
+                <a:solidFill>
+                  <a:schemeClr val="bg1">
+                    <a:lumMod val="50000"/>
+                  </a:schemeClr>
+                </a:solidFill>
+                <a:latin typeface="G마켓 산스 Medium" panose="02000000000000000000" pitchFamily="50" charset="-127"/>
+                <a:ea typeface="G마켓 산스 Medium" panose="02000000000000000000" pitchFamily="50" charset="-127"/>
+              </a:rPr>
+              <a:t>클래스를 활용해 보자</a:t>
+            </a:r>
+            <a:r>
+              <a:rPr lang="en-US" altLang="ko-KR" sz="2800" dirty="0">
+                <a:solidFill>
+                  <a:schemeClr val="bg1">
+                    <a:lumMod val="50000"/>
+                  </a:schemeClr>
+                </a:solidFill>
+                <a:latin typeface="G마켓 산스 Medium" panose="02000000000000000000" pitchFamily="50" charset="-127"/>
+                <a:ea typeface="G마켓 산스 Medium" panose="02000000000000000000" pitchFamily="50" charset="-127"/>
+              </a:rPr>
+              <a:t>.</a:t>
+            </a:r>
+          </a:p>
+        </p:txBody>
+      </p:sp>
+      <p:pic>
+        <p:nvPicPr>
+          <p:cNvPr id="5" name="그림 4"/>
+          <p:cNvPicPr>
+            <a:picLocks noChangeAspect="1"/>
+          </p:cNvPicPr>
+          <p:nvPr/>
+        </p:nvPicPr>
+        <p:blipFill>
+          <a:blip r:embed="rId2"/>
+          <a:stretch>
+            <a:fillRect/>
+          </a:stretch>
+        </p:blipFill>
+        <p:spPr>
+          <a:xfrm>
+            <a:off x="4762" y="5067300"/>
+            <a:ext cx="12339232" cy="5181600"/>
+          </a:xfrm>
+          <a:prstGeom prst="rect">
+            <a:avLst/>
+          </a:prstGeom>
+        </p:spPr>
+      </p:pic>
+      <p:pic>
+        <p:nvPicPr>
+          <p:cNvPr id="2" name="그림 1"/>
+          <p:cNvPicPr>
+            <a:picLocks noChangeAspect="1"/>
+          </p:cNvPicPr>
+          <p:nvPr/>
+        </p:nvPicPr>
+        <p:blipFill>
+          <a:blip r:embed="rId3"/>
+          <a:stretch>
+            <a:fillRect/>
+          </a:stretch>
+        </p:blipFill>
+        <p:spPr>
+          <a:xfrm>
+            <a:off x="12477015" y="5943600"/>
+            <a:ext cx="5207961" cy="4343400"/>
+          </a:xfrm>
+          <a:prstGeom prst="rect">
+            <a:avLst/>
+          </a:prstGeom>
+        </p:spPr>
+      </p:pic>
+      <p:pic>
+        <p:nvPicPr>
+          <p:cNvPr id="3" name="그림 2"/>
+          <p:cNvPicPr>
+            <a:picLocks noChangeAspect="1"/>
+          </p:cNvPicPr>
+          <p:nvPr/>
+        </p:nvPicPr>
+        <p:blipFill>
+          <a:blip r:embed="rId4"/>
+          <a:stretch>
+            <a:fillRect/>
+          </a:stretch>
+        </p:blipFill>
+        <p:spPr>
+          <a:xfrm>
+            <a:off x="12486540" y="3009900"/>
+            <a:ext cx="5711092" cy="2819400"/>
+          </a:xfrm>
+          <a:prstGeom prst="rect">
+            <a:avLst/>
+          </a:prstGeom>
+        </p:spPr>
+      </p:pic>
+      <p:cxnSp>
+        <p:nvCxnSpPr>
+          <p:cNvPr id="6" name="직선 화살표 연결선 5">
+            <a:extLst>
+              <a:ext uri="{FF2B5EF4-FFF2-40B4-BE49-F238E27FC236}">
+                <a16:creationId xmlns:a16="http://schemas.microsoft.com/office/drawing/2014/main" id="{299DF5EC-9DF4-5255-06AC-0A7CE4FF58C3}"/>
+              </a:ext>
+            </a:extLst>
+          </p:cNvPr>
+          <p:cNvCxnSpPr>
+            <a:cxnSpLocks/>
+          </p:cNvCxnSpPr>
+          <p:nvPr/>
+        </p:nvCxnSpPr>
+        <p:spPr>
+          <a:xfrm flipV="1">
+            <a:off x="7010400" y="3314701"/>
+            <a:ext cx="7620000" cy="3557794"/>
+          </a:xfrm>
+          <a:prstGeom prst="straightConnector1">
+            <a:avLst/>
+          </a:prstGeom>
+          <a:ln w="38100">
+            <a:tailEnd type="triangle"/>
+          </a:ln>
+        </p:spPr>
+        <p:style>
+          <a:lnRef idx="1">
+            <a:schemeClr val="accent2"/>
+          </a:lnRef>
+          <a:fillRef idx="0">
+            <a:schemeClr val="accent2"/>
+          </a:fillRef>
+          <a:effectRef idx="0">
+            <a:schemeClr val="accent2"/>
+          </a:effectRef>
+          <a:fontRef idx="minor">
+            <a:schemeClr val="tx1"/>
+          </a:fontRef>
+        </p:style>
+      </p:cxnSp>
+      <p:sp>
+        <p:nvSpPr>
+          <p:cNvPr id="7" name="직사각형 6">
+            <a:extLst>
+              <a:ext uri="{FF2B5EF4-FFF2-40B4-BE49-F238E27FC236}">
+                <a16:creationId xmlns:a16="http://schemas.microsoft.com/office/drawing/2014/main" id="{FFF506F9-840A-0508-4CAF-3AC711D8D5CE}"/>
+              </a:ext>
+            </a:extLst>
+          </p:cNvPr>
+          <p:cNvSpPr/>
+          <p:nvPr/>
+        </p:nvSpPr>
+        <p:spPr>
+          <a:xfrm>
+            <a:off x="628650" y="7048500"/>
+            <a:ext cx="11715344" cy="2743200"/>
+          </a:xfrm>
+          <a:prstGeom prst="rect">
+            <a:avLst/>
+          </a:prstGeom>
+          <a:noFill/>
+          <a:ln>
+            <a:solidFill>
+              <a:srgbClr val="FF0000"/>
+            </a:solidFill>
+          </a:ln>
+        </p:spPr>
+        <p:style>
+          <a:lnRef idx="2">
+            <a:schemeClr val="accent2">
+              <a:shade val="50000"/>
+            </a:schemeClr>
+          </a:lnRef>
+          <a:fillRef idx="1">
+            <a:schemeClr val="accent2"/>
+          </a:fillRef>
+          <a:effectRef idx="0">
+            <a:schemeClr val="accent2"/>
+          </a:effectRef>
+          <a:fontRef idx="minor">
+            <a:schemeClr val="lt1"/>
+          </a:fontRef>
+        </p:style>
+        <p:txBody>
+          <a:bodyPr rtlCol="0" anchor="ctr"/>
+          <a:lstStyle/>
+          <a:p>
+            <a:pPr algn="ctr"/>
+            <a:endParaRPr lang="ko-KR" altLang="en-US"/>
+          </a:p>
+        </p:txBody>
+      </p:sp>
+      <p:sp>
+        <p:nvSpPr>
+          <p:cNvPr id="8" name="TextBox 7">
+            <a:extLst>
+              <a:ext uri="{FF2B5EF4-FFF2-40B4-BE49-F238E27FC236}">
+                <a16:creationId xmlns:a16="http://schemas.microsoft.com/office/drawing/2014/main" id="{C6D113C6-EA5C-788F-0C77-E7CE6EBB865F}"/>
+              </a:ext>
+            </a:extLst>
+          </p:cNvPr>
+          <p:cNvSpPr txBox="1"/>
+          <p:nvPr/>
+        </p:nvSpPr>
+        <p:spPr>
+          <a:xfrm>
+            <a:off x="2362200" y="4832211"/>
+            <a:ext cx="7239000" cy="1754326"/>
+          </a:xfrm>
+          <a:prstGeom prst="rect">
+            <a:avLst/>
+          </a:prstGeom>
+          <a:noFill/>
+        </p:spPr>
+        <p:txBody>
+          <a:bodyPr wrap="square" rtlCol="0">
+            <a:spAutoFit/>
+          </a:bodyPr>
+          <a:lstStyle/>
+          <a:p>
+            <a:r>
+              <a:rPr lang="ko-KR" altLang="en-US" sz="3600" dirty="0">
+                <a:solidFill>
+                  <a:srgbClr val="FF0000"/>
+                </a:solidFill>
+                <a:latin typeface="G마켓 산스 Medium" panose="02000000000000000000" pitchFamily="50" charset="-127"/>
+                <a:ea typeface="G마켓 산스 Medium" panose="02000000000000000000" pitchFamily="50" charset="-127"/>
+              </a:rPr>
+              <a:t>객체화 하여 멤버변수로 가지고 있으면서 </a:t>
+            </a:r>
+            <a:r>
+              <a:rPr lang="en-US" altLang="ko-KR" sz="3600" dirty="0">
+                <a:solidFill>
+                  <a:srgbClr val="FF0000"/>
+                </a:solidFill>
+                <a:latin typeface="G마켓 산스 Medium" panose="02000000000000000000" pitchFamily="50" charset="-127"/>
+                <a:ea typeface="G마켓 산스 Medium" panose="02000000000000000000" pitchFamily="50" charset="-127"/>
+              </a:rPr>
+              <a:t>messages </a:t>
+            </a:r>
+            <a:r>
+              <a:rPr lang="ko-KR" altLang="en-US" sz="3600" dirty="0">
+                <a:solidFill>
+                  <a:srgbClr val="FF0000"/>
+                </a:solidFill>
+                <a:latin typeface="G마켓 산스 Medium" panose="02000000000000000000" pitchFamily="50" charset="-127"/>
+                <a:ea typeface="G마켓 산스 Medium" panose="02000000000000000000" pitchFamily="50" charset="-127"/>
+              </a:rPr>
+              <a:t>에 추가로 계속 넣는다면</a:t>
+            </a:r>
+            <a:r>
+              <a:rPr lang="en-US" altLang="ko-KR" sz="3600" dirty="0">
+                <a:solidFill>
+                  <a:srgbClr val="FF0000"/>
+                </a:solidFill>
+                <a:latin typeface="G마켓 산스 Medium" panose="02000000000000000000" pitchFamily="50" charset="-127"/>
+                <a:ea typeface="G마켓 산스 Medium" panose="02000000000000000000" pitchFamily="50" charset="-127"/>
+              </a:rPr>
+              <a:t>?</a:t>
+            </a:r>
+          </a:p>
+        </p:txBody>
+      </p:sp>
+    </p:spTree>
+    <p:extLst>
+      <p:ext uri="{BB962C8B-B14F-4D97-AF65-F5344CB8AC3E}">
+        <p14:creationId xmlns:p14="http://schemas.microsoft.com/office/powerpoint/2010/main" val="856083383"/>
+      </p:ext>
+    </p:extLst>
+  </p:cSld>
+  <p:clrMapOvr>
+    <a:masterClrMapping/>
+  </p:clrMapOvr>
+</p:sld>
+</file>
+
+<file path=ppt/slides/slide41.xml><?xml version="1.0" encoding="utf-8"?>
+<p:sld xmlns:a="http://schemas.openxmlformats.org/drawingml/2006/main" xmlns:r="http://schemas.openxmlformats.org/officeDocument/2006/relationships" xmlns:p="http://schemas.openxmlformats.org/presentationml/2006/main">
+  <p:cSld>
+    <p:spTree>
+      <p:nvGrpSpPr>
+        <p:cNvPr id="1" name=""/>
+        <p:cNvGrpSpPr/>
+        <p:nvPr/>
+      </p:nvGrpSpPr>
+      <p:grpSpPr>
+        <a:xfrm>
+          <a:off x="0" y="0"/>
+          <a:ext cx="0" cy="0"/>
+          <a:chOff x="0" y="0"/>
+          <a:chExt cx="0" cy="0"/>
+        </a:xfrm>
+      </p:grpSpPr>
+      <p:sp>
+        <p:nvSpPr>
+          <p:cNvPr id="4" name="TextBox 3">
+            <a:extLst>
+              <a:ext uri="{FF2B5EF4-FFF2-40B4-BE49-F238E27FC236}">
+                <a16:creationId xmlns:a16="http://schemas.microsoft.com/office/drawing/2014/main" id="{52176D31-35F7-8916-46FA-6095EFEC1E49}"/>
+              </a:ext>
+            </a:extLst>
+          </p:cNvPr>
+          <p:cNvSpPr txBox="1"/>
+          <p:nvPr/>
+        </p:nvSpPr>
+        <p:spPr>
+          <a:xfrm>
+            <a:off x="609600" y="190500"/>
+            <a:ext cx="17145000" cy="2677656"/>
+          </a:xfrm>
+          <a:prstGeom prst="rect">
+            <a:avLst/>
+          </a:prstGeom>
+          <a:noFill/>
+        </p:spPr>
+        <p:txBody>
+          <a:bodyPr wrap="square" rtlCol="0">
+            <a:spAutoFit/>
+          </a:bodyPr>
+          <a:lstStyle/>
+          <a:p>
+            <a:r>
+              <a:rPr lang="en-US" altLang="ko-KR" sz="2800" dirty="0">
+                <a:solidFill>
+                  <a:srgbClr val="4C50BB"/>
+                </a:solidFill>
+                <a:latin typeface="G마켓 산스 Medium" panose="02000000000000000000" pitchFamily="50" charset="-127"/>
+                <a:ea typeface="G마켓 산스 Medium" panose="02000000000000000000" pitchFamily="50" charset="-127"/>
+              </a:rPr>
+              <a:t>11.chatGPT</a:t>
+            </a:r>
+            <a:r>
+              <a:rPr lang="ko-KR" altLang="en-US" sz="2800" dirty="0">
+                <a:solidFill>
+                  <a:srgbClr val="4C50BB"/>
+                </a:solidFill>
+                <a:latin typeface="G마켓 산스 Medium" panose="02000000000000000000" pitchFamily="50" charset="-127"/>
+                <a:ea typeface="G마켓 산스 Medium" panose="02000000000000000000" pitchFamily="50" charset="-127"/>
+              </a:rPr>
+              <a:t>클래스의 </a:t>
+            </a:r>
+            <a:r>
+              <a:rPr lang="en-US" altLang="ko-KR" sz="2800" dirty="0">
+                <a:solidFill>
+                  <a:srgbClr val="4C50BB"/>
+                </a:solidFill>
+                <a:latin typeface="G마켓 산스 Medium" panose="02000000000000000000" pitchFamily="50" charset="-127"/>
+                <a:ea typeface="G마켓 산스 Medium" panose="02000000000000000000" pitchFamily="50" charset="-127"/>
+              </a:rPr>
+              <a:t>connect() </a:t>
+            </a:r>
+            <a:r>
+              <a:rPr lang="ko-KR" altLang="en-US" sz="2800" dirty="0" err="1">
+                <a:solidFill>
+                  <a:srgbClr val="4C50BB"/>
+                </a:solidFill>
+                <a:latin typeface="G마켓 산스 Medium" panose="02000000000000000000" pitchFamily="50" charset="-127"/>
+                <a:ea typeface="G마켓 산스 Medium" panose="02000000000000000000" pitchFamily="50" charset="-127"/>
+              </a:rPr>
+              <a:t>메서드를</a:t>
+            </a:r>
+            <a:r>
+              <a:rPr lang="ko-KR" altLang="en-US" sz="2800" dirty="0">
+                <a:solidFill>
+                  <a:srgbClr val="4C50BB"/>
+                </a:solidFill>
+                <a:latin typeface="G마켓 산스 Medium" panose="02000000000000000000" pitchFamily="50" charset="-127"/>
+                <a:ea typeface="G마켓 산스 Medium" panose="02000000000000000000" pitchFamily="50" charset="-127"/>
+              </a:rPr>
+              <a:t> 보면 연결을 위한 </a:t>
+            </a:r>
+            <a:r>
+              <a:rPr lang="en-US" altLang="ko-KR" sz="2800" dirty="0">
+                <a:solidFill>
+                  <a:srgbClr val="4C50BB"/>
+                </a:solidFill>
+                <a:latin typeface="G마켓 산스 Medium" panose="02000000000000000000" pitchFamily="50" charset="-127"/>
+                <a:ea typeface="G마켓 산스 Medium" panose="02000000000000000000" pitchFamily="50" charset="-127"/>
+              </a:rPr>
+              <a:t>URL</a:t>
+            </a:r>
+            <a:r>
+              <a:rPr lang="ko-KR" altLang="en-US" sz="2800" dirty="0">
+                <a:solidFill>
+                  <a:srgbClr val="4C50BB"/>
+                </a:solidFill>
+                <a:latin typeface="G마켓 산스 Medium" panose="02000000000000000000" pitchFamily="50" charset="-127"/>
+                <a:ea typeface="G마켓 산스 Medium" panose="02000000000000000000" pitchFamily="50" charset="-127"/>
+              </a:rPr>
+              <a:t>이 직접 적혀있다</a:t>
+            </a:r>
+            <a:r>
+              <a:rPr lang="en-US" altLang="ko-KR" sz="2800" dirty="0">
+                <a:solidFill>
+                  <a:srgbClr val="4C50BB"/>
+                </a:solidFill>
+                <a:latin typeface="G마켓 산스 Medium" panose="02000000000000000000" pitchFamily="50" charset="-127"/>
+                <a:ea typeface="G마켓 산스 Medium" panose="02000000000000000000" pitchFamily="50" charset="-127"/>
+              </a:rPr>
+              <a:t>.</a:t>
+            </a:r>
+          </a:p>
+          <a:p>
+            <a:r>
+              <a:rPr lang="ko-KR" altLang="en-US" sz="2800" dirty="0">
+                <a:solidFill>
+                  <a:srgbClr val="4C50BB"/>
+                </a:solidFill>
+                <a:latin typeface="G마켓 산스 Medium" panose="02000000000000000000" pitchFamily="50" charset="-127"/>
+                <a:ea typeface="G마켓 산스 Medium" panose="02000000000000000000" pitchFamily="50" charset="-127"/>
+              </a:rPr>
+              <a:t>이렇게 되면 </a:t>
+            </a:r>
+            <a:r>
+              <a:rPr lang="en-US" altLang="ko-KR" sz="2800" dirty="0" err="1">
+                <a:solidFill>
+                  <a:srgbClr val="4C50BB"/>
+                </a:solidFill>
+                <a:latin typeface="G마켓 산스 Medium" panose="02000000000000000000" pitchFamily="50" charset="-127"/>
+                <a:ea typeface="G마켓 산스 Medium" panose="02000000000000000000" pitchFamily="50" charset="-127"/>
+              </a:rPr>
+              <a:t>chatGPT</a:t>
+            </a:r>
+            <a:r>
+              <a:rPr lang="ko-KR" altLang="en-US" sz="2800" dirty="0">
+                <a:solidFill>
+                  <a:srgbClr val="4C50BB"/>
+                </a:solidFill>
+                <a:latin typeface="G마켓 산스 Medium" panose="02000000000000000000" pitchFamily="50" charset="-127"/>
+                <a:ea typeface="G마켓 산스 Medium" panose="02000000000000000000" pitchFamily="50" charset="-127"/>
+              </a:rPr>
+              <a:t>클래스를 사용하는 입장에서 </a:t>
+            </a:r>
+            <a:r>
+              <a:rPr lang="en-US" altLang="ko-KR" sz="2800" dirty="0">
+                <a:solidFill>
+                  <a:srgbClr val="4C50BB"/>
+                </a:solidFill>
+                <a:latin typeface="G마켓 산스 Medium" panose="02000000000000000000" pitchFamily="50" charset="-127"/>
+                <a:ea typeface="G마켓 산스 Medium" panose="02000000000000000000" pitchFamily="50" charset="-127"/>
+              </a:rPr>
+              <a:t>URL </a:t>
+            </a:r>
+            <a:r>
+              <a:rPr lang="ko-KR" altLang="en-US" sz="2800" dirty="0">
+                <a:solidFill>
+                  <a:srgbClr val="4C50BB"/>
+                </a:solidFill>
+                <a:latin typeface="G마켓 산스 Medium" panose="02000000000000000000" pitchFamily="50" charset="-127"/>
+                <a:ea typeface="G마켓 산스 Medium" panose="02000000000000000000" pitchFamily="50" charset="-127"/>
+              </a:rPr>
+              <a:t>주소가 변경되면 사용 할 수가 없게 된다</a:t>
+            </a:r>
+            <a:r>
+              <a:rPr lang="en-US" altLang="ko-KR" sz="2800" dirty="0">
+                <a:solidFill>
+                  <a:srgbClr val="4C50BB"/>
+                </a:solidFill>
+                <a:latin typeface="G마켓 산스 Medium" panose="02000000000000000000" pitchFamily="50" charset="-127"/>
+                <a:ea typeface="G마켓 산스 Medium" panose="02000000000000000000" pitchFamily="50" charset="-127"/>
+              </a:rPr>
+              <a:t>.</a:t>
+            </a:r>
+          </a:p>
+          <a:p>
+            <a:r>
+              <a:rPr lang="ko-KR" altLang="en-US" sz="2800" dirty="0">
+                <a:solidFill>
+                  <a:srgbClr val="4C50BB"/>
+                </a:solidFill>
+                <a:latin typeface="G마켓 산스 Medium" panose="02000000000000000000" pitchFamily="50" charset="-127"/>
+                <a:ea typeface="G마켓 산스 Medium" panose="02000000000000000000" pitchFamily="50" charset="-127"/>
+              </a:rPr>
+              <a:t>따라서 </a:t>
+            </a:r>
+            <a:r>
+              <a:rPr lang="en-US" altLang="ko-KR" sz="2800" dirty="0">
+                <a:solidFill>
+                  <a:srgbClr val="4C50BB"/>
+                </a:solidFill>
+                <a:latin typeface="G마켓 산스 Medium" panose="02000000000000000000" pitchFamily="50" charset="-127"/>
+                <a:ea typeface="G마켓 산스 Medium" panose="02000000000000000000" pitchFamily="50" charset="-127"/>
+              </a:rPr>
+              <a:t>connect() </a:t>
+            </a:r>
+            <a:r>
+              <a:rPr lang="ko-KR" altLang="en-US" sz="2800" dirty="0" err="1">
+                <a:solidFill>
+                  <a:srgbClr val="4C50BB"/>
+                </a:solidFill>
+                <a:latin typeface="G마켓 산스 Medium" panose="02000000000000000000" pitchFamily="50" charset="-127"/>
+                <a:ea typeface="G마켓 산스 Medium" panose="02000000000000000000" pitchFamily="50" charset="-127"/>
+              </a:rPr>
+              <a:t>메서드의</a:t>
+            </a:r>
+            <a:r>
+              <a:rPr lang="ko-KR" altLang="en-US" sz="2800" dirty="0">
+                <a:solidFill>
+                  <a:srgbClr val="4C50BB"/>
+                </a:solidFill>
+                <a:latin typeface="G마켓 산스 Medium" panose="02000000000000000000" pitchFamily="50" charset="-127"/>
+                <a:ea typeface="G마켓 산스 Medium" panose="02000000000000000000" pitchFamily="50" charset="-127"/>
+              </a:rPr>
+              <a:t> 매개변수로 받도록 하자</a:t>
+            </a:r>
+            <a:r>
+              <a:rPr lang="en-US" altLang="ko-KR" sz="2800" dirty="0">
+                <a:solidFill>
+                  <a:srgbClr val="4C50BB"/>
+                </a:solidFill>
+                <a:latin typeface="G마켓 산스 Medium" panose="02000000000000000000" pitchFamily="50" charset="-127"/>
+                <a:ea typeface="G마켓 산스 Medium" panose="02000000000000000000" pitchFamily="50" charset="-127"/>
+              </a:rPr>
+              <a:t>.</a:t>
+            </a:r>
+          </a:p>
+          <a:p>
+            <a:pPr marL="457200" indent="-457200">
+              <a:buFontTx/>
+              <a:buChar char="-"/>
+            </a:pPr>
+            <a:r>
+              <a:rPr lang="en-US" altLang="ko-KR" sz="2800" dirty="0">
+                <a:solidFill>
+                  <a:schemeClr val="bg1">
+                    <a:lumMod val="50000"/>
+                  </a:schemeClr>
+                </a:solidFill>
+                <a:latin typeface="G마켓 산스 Medium" panose="02000000000000000000" pitchFamily="50" charset="-127"/>
+                <a:ea typeface="G마켓 산스 Medium" panose="02000000000000000000" pitchFamily="50" charset="-127"/>
+              </a:rPr>
+              <a:t>connect()</a:t>
+            </a:r>
+            <a:r>
+              <a:rPr lang="ko-KR" altLang="en-US" sz="2800" dirty="0">
+                <a:solidFill>
+                  <a:schemeClr val="bg1">
+                    <a:lumMod val="50000"/>
+                  </a:schemeClr>
+                </a:solidFill>
+                <a:latin typeface="G마켓 산스 Medium" panose="02000000000000000000" pitchFamily="50" charset="-127"/>
+                <a:ea typeface="G마켓 산스 Medium" panose="02000000000000000000" pitchFamily="50" charset="-127"/>
+              </a:rPr>
+              <a:t>의 </a:t>
+            </a:r>
+            <a:r>
+              <a:rPr lang="ko-KR" altLang="en-US" sz="2800" dirty="0" err="1">
+                <a:solidFill>
+                  <a:schemeClr val="bg1">
+                    <a:lumMod val="50000"/>
+                  </a:schemeClr>
+                </a:solidFill>
+                <a:latin typeface="G마켓 산스 Medium" panose="02000000000000000000" pitchFamily="50" charset="-127"/>
+                <a:ea typeface="G마켓 산스 Medium" panose="02000000000000000000" pitchFamily="50" charset="-127"/>
+              </a:rPr>
+              <a:t>시그니처가</a:t>
+            </a:r>
+            <a:r>
+              <a:rPr lang="ko-KR" altLang="en-US" sz="2800" dirty="0">
+                <a:solidFill>
+                  <a:schemeClr val="bg1">
+                    <a:lumMod val="50000"/>
+                  </a:schemeClr>
+                </a:solidFill>
+                <a:latin typeface="G마켓 산스 Medium" panose="02000000000000000000" pitchFamily="50" charset="-127"/>
+                <a:ea typeface="G마켓 산스 Medium" panose="02000000000000000000" pitchFamily="50" charset="-127"/>
+              </a:rPr>
+              <a:t> 변경되면서 기존의 코드들이 에러가 발생 할 것이다</a:t>
+            </a:r>
+            <a:r>
+              <a:rPr lang="en-US" altLang="ko-KR" sz="2800" dirty="0">
+                <a:solidFill>
+                  <a:schemeClr val="bg1">
+                    <a:lumMod val="50000"/>
+                  </a:schemeClr>
+                </a:solidFill>
+                <a:latin typeface="G마켓 산스 Medium" panose="02000000000000000000" pitchFamily="50" charset="-127"/>
+                <a:ea typeface="G마켓 산스 Medium" panose="02000000000000000000" pitchFamily="50" charset="-127"/>
+              </a:rPr>
+              <a:t>. </a:t>
+            </a:r>
+          </a:p>
+          <a:p>
+            <a:r>
+              <a:rPr lang="en-US" altLang="ko-KR" sz="2800" dirty="0">
+                <a:solidFill>
+                  <a:schemeClr val="bg1">
+                    <a:lumMod val="50000"/>
+                  </a:schemeClr>
+                </a:solidFill>
+                <a:latin typeface="G마켓 산스 Medium" panose="02000000000000000000" pitchFamily="50" charset="-127"/>
+                <a:ea typeface="G마켓 산스 Medium" panose="02000000000000000000" pitchFamily="50" charset="-127"/>
+              </a:rPr>
+              <a:t> </a:t>
+            </a:r>
+            <a:r>
+              <a:rPr lang="ko-KR" altLang="en-US" sz="2800" dirty="0">
+                <a:solidFill>
+                  <a:schemeClr val="bg1">
+                    <a:lumMod val="50000"/>
+                  </a:schemeClr>
+                </a:solidFill>
+                <a:latin typeface="G마켓 산스 Medium" panose="02000000000000000000" pitchFamily="50" charset="-127"/>
+                <a:ea typeface="G마켓 산스 Medium" panose="02000000000000000000" pitchFamily="50" charset="-127"/>
+              </a:rPr>
+              <a:t>이를 해결할 방법은 무엇인가</a:t>
+            </a:r>
+            <a:r>
+              <a:rPr lang="en-US" altLang="ko-KR" sz="2800" dirty="0">
+                <a:solidFill>
+                  <a:schemeClr val="bg1">
+                    <a:lumMod val="50000"/>
+                  </a:schemeClr>
+                </a:solidFill>
+                <a:latin typeface="G마켓 산스 Medium" panose="02000000000000000000" pitchFamily="50" charset="-127"/>
+                <a:ea typeface="G마켓 산스 Medium" panose="02000000000000000000" pitchFamily="50" charset="-127"/>
+              </a:rPr>
+              <a:t>? </a:t>
+            </a:r>
+            <a:r>
+              <a:rPr lang="en-US" altLang="ko-KR" sz="2800" dirty="0" err="1">
+                <a:solidFill>
+                  <a:schemeClr val="bg1">
+                    <a:lumMod val="50000"/>
+                  </a:schemeClr>
+                </a:solidFill>
+                <a:latin typeface="G마켓 산스 Medium" panose="02000000000000000000" pitchFamily="50" charset="-127"/>
+                <a:ea typeface="G마켓 산스 Medium" panose="02000000000000000000" pitchFamily="50" charset="-127"/>
+              </a:rPr>
+              <a:t>chatGPT</a:t>
+            </a:r>
+            <a:r>
+              <a:rPr lang="en-US" altLang="ko-KR" sz="2800" dirty="0">
+                <a:solidFill>
+                  <a:schemeClr val="bg1">
+                    <a:lumMod val="50000"/>
+                  </a:schemeClr>
+                </a:solidFill>
+                <a:latin typeface="G마켓 산스 Medium" panose="02000000000000000000" pitchFamily="50" charset="-127"/>
+                <a:ea typeface="G마켓 산스 Medium" panose="02000000000000000000" pitchFamily="50" charset="-127"/>
+              </a:rPr>
+              <a:t> </a:t>
+            </a:r>
+            <a:r>
+              <a:rPr lang="ko-KR" altLang="en-US" sz="2800" dirty="0">
+                <a:solidFill>
+                  <a:schemeClr val="bg1">
+                    <a:lumMod val="50000"/>
+                  </a:schemeClr>
+                </a:solidFill>
+                <a:latin typeface="G마켓 산스 Medium" panose="02000000000000000000" pitchFamily="50" charset="-127"/>
+                <a:ea typeface="G마켓 산스 Medium" panose="02000000000000000000" pitchFamily="50" charset="-127"/>
+              </a:rPr>
+              <a:t>클래스를 지금까지 사용해준 사용자들에게 모두 수정해달라고 </a:t>
+            </a:r>
+            <a:r>
+              <a:rPr lang="ko-KR" altLang="en-US" sz="2800" dirty="0" err="1">
+                <a:solidFill>
+                  <a:schemeClr val="bg1">
+                    <a:lumMod val="50000"/>
+                  </a:schemeClr>
+                </a:solidFill>
+                <a:latin typeface="G마켓 산스 Medium" panose="02000000000000000000" pitchFamily="50" charset="-127"/>
+                <a:ea typeface="G마켓 산스 Medium" panose="02000000000000000000" pitchFamily="50" charset="-127"/>
+              </a:rPr>
+              <a:t>부탁할것인가</a:t>
+            </a:r>
+            <a:r>
+              <a:rPr lang="en-US" altLang="ko-KR" sz="2800" dirty="0">
+                <a:solidFill>
+                  <a:schemeClr val="bg1">
+                    <a:lumMod val="50000"/>
+                  </a:schemeClr>
+                </a:solidFill>
+                <a:latin typeface="G마켓 산스 Medium" panose="02000000000000000000" pitchFamily="50" charset="-127"/>
+                <a:ea typeface="G마켓 산스 Medium" panose="02000000000000000000" pitchFamily="50" charset="-127"/>
+              </a:rPr>
+              <a:t>?</a:t>
+            </a:r>
+          </a:p>
+        </p:txBody>
+      </p:sp>
+      <p:pic>
+        <p:nvPicPr>
+          <p:cNvPr id="5" name="그림 4"/>
+          <p:cNvPicPr>
+            <a:picLocks noChangeAspect="1"/>
+          </p:cNvPicPr>
+          <p:nvPr/>
+        </p:nvPicPr>
+        <p:blipFill>
+          <a:blip r:embed="rId2"/>
+          <a:stretch>
+            <a:fillRect/>
+          </a:stretch>
+        </p:blipFill>
+        <p:spPr>
+          <a:xfrm>
+            <a:off x="152400" y="3009900"/>
+            <a:ext cx="11671180" cy="4724400"/>
+          </a:xfrm>
+          <a:prstGeom prst="rect">
+            <a:avLst/>
+          </a:prstGeom>
+        </p:spPr>
+      </p:pic>
+      <p:sp>
+        <p:nvSpPr>
+          <p:cNvPr id="6" name="직사각형 5">
+            <a:extLst>
+              <a:ext uri="{FF2B5EF4-FFF2-40B4-BE49-F238E27FC236}">
+                <a16:creationId xmlns:a16="http://schemas.microsoft.com/office/drawing/2014/main" id="{FFF506F9-840A-0508-4CAF-3AC711D8D5CE}"/>
+              </a:ext>
+            </a:extLst>
+          </p:cNvPr>
+          <p:cNvSpPr/>
+          <p:nvPr/>
+        </p:nvSpPr>
+        <p:spPr>
+          <a:xfrm>
+            <a:off x="3060580" y="5219700"/>
+            <a:ext cx="8763000" cy="457200"/>
+          </a:xfrm>
+          <a:prstGeom prst="rect">
+            <a:avLst/>
+          </a:prstGeom>
+          <a:noFill/>
+          <a:ln>
+            <a:solidFill>
+              <a:srgbClr val="FF0000"/>
+            </a:solidFill>
+          </a:ln>
+        </p:spPr>
+        <p:style>
+          <a:lnRef idx="2">
+            <a:schemeClr val="accent2">
+              <a:shade val="50000"/>
+            </a:schemeClr>
+          </a:lnRef>
+          <a:fillRef idx="1">
+            <a:schemeClr val="accent2"/>
+          </a:fillRef>
+          <a:effectRef idx="0">
+            <a:schemeClr val="accent2"/>
+          </a:effectRef>
+          <a:fontRef idx="minor">
+            <a:schemeClr val="lt1"/>
+          </a:fontRef>
+        </p:style>
+        <p:txBody>
+          <a:bodyPr rtlCol="0" anchor="ctr"/>
+          <a:lstStyle/>
+          <a:p>
+            <a:pPr algn="ctr"/>
+            <a:endParaRPr lang="ko-KR" altLang="en-US"/>
+          </a:p>
+        </p:txBody>
+      </p:sp>
+      <p:pic>
+        <p:nvPicPr>
+          <p:cNvPr id="7" name="그림 6"/>
+          <p:cNvPicPr>
+            <a:picLocks noChangeAspect="1"/>
+          </p:cNvPicPr>
+          <p:nvPr/>
+        </p:nvPicPr>
+        <p:blipFill>
+          <a:blip r:embed="rId3"/>
+          <a:stretch>
+            <a:fillRect/>
+          </a:stretch>
+        </p:blipFill>
+        <p:spPr>
+          <a:xfrm>
+            <a:off x="11186118" y="3009900"/>
+            <a:ext cx="7125694" cy="3962953"/>
+          </a:xfrm>
+          <a:prstGeom prst="rect">
+            <a:avLst/>
+          </a:prstGeom>
+        </p:spPr>
+      </p:pic>
+    </p:spTree>
+    <p:extLst>
+      <p:ext uri="{BB962C8B-B14F-4D97-AF65-F5344CB8AC3E}">
+        <p14:creationId xmlns:p14="http://schemas.microsoft.com/office/powerpoint/2010/main" val="131419275"/>
+      </p:ext>
+    </p:extLst>
+  </p:cSld>
+  <p:clrMapOvr>
+    <a:masterClrMapping/>
+  </p:clrMapOvr>
+</p:sld>
+</file>
+
+<file path=ppt/slides/slide42.xml><?xml version="1.0" encoding="utf-8"?>
+<p:sld xmlns:a="http://schemas.openxmlformats.org/drawingml/2006/main" xmlns:r="http://schemas.openxmlformats.org/officeDocument/2006/relationships" xmlns:p="http://schemas.openxmlformats.org/presentationml/2006/main">
+  <p:cSld>
+    <p:spTree>
+      <p:nvGrpSpPr>
+        <p:cNvPr id="1" name=""/>
+        <p:cNvGrpSpPr/>
+        <p:nvPr/>
+      </p:nvGrpSpPr>
+      <p:grpSpPr>
+        <a:xfrm>
+          <a:off x="0" y="0"/>
+          <a:ext cx="0" cy="0"/>
+          <a:chOff x="0" y="0"/>
+          <a:chExt cx="0" cy="0"/>
+        </a:xfrm>
+      </p:grpSpPr>
+      <p:pic>
+        <p:nvPicPr>
+          <p:cNvPr id="4" name="그림 3"/>
+          <p:cNvPicPr>
+            <a:picLocks noChangeAspect="1"/>
+          </p:cNvPicPr>
+          <p:nvPr/>
+        </p:nvPicPr>
+        <p:blipFill>
+          <a:blip r:embed="rId2"/>
+          <a:stretch>
+            <a:fillRect/>
+          </a:stretch>
+        </p:blipFill>
+        <p:spPr>
+          <a:xfrm>
+            <a:off x="762000" y="190500"/>
+            <a:ext cx="16646320" cy="8991600"/>
+          </a:xfrm>
+          <a:prstGeom prst="rect">
+            <a:avLst/>
+          </a:prstGeom>
+        </p:spPr>
+      </p:pic>
+      <p:pic>
+        <p:nvPicPr>
+          <p:cNvPr id="5" name="그림 4"/>
+          <p:cNvPicPr>
+            <a:picLocks noChangeAspect="1"/>
+          </p:cNvPicPr>
+          <p:nvPr/>
+        </p:nvPicPr>
+        <p:blipFill>
+          <a:blip r:embed="rId3">
+            <a:extLst>
+              <a:ext uri="{BEBA8EAE-BF5A-486C-A8C5-ECC9F3942E4B}">
+                <a14:imgProps xmlns:a14="http://schemas.microsoft.com/office/drawing/2010/main">
+                  <a14:imgLayer r:embed="rId4">
+                    <a14:imgEffect>
+                      <a14:artisticGlass/>
+                    </a14:imgEffect>
+                  </a14:imgLayer>
+                </a14:imgProps>
+              </a:ext>
+            </a:extLst>
+          </a:blip>
+          <a:stretch>
+            <a:fillRect/>
+          </a:stretch>
+        </p:blipFill>
+        <p:spPr>
+          <a:xfrm>
+            <a:off x="762000" y="190500"/>
+            <a:ext cx="16646320" cy="8991600"/>
+          </a:xfrm>
+          <a:prstGeom prst="rect">
+            <a:avLst/>
+          </a:prstGeom>
+        </p:spPr>
+      </p:pic>
+    </p:spTree>
+    <p:extLst>
+      <p:ext uri="{BB962C8B-B14F-4D97-AF65-F5344CB8AC3E}">
+        <p14:creationId xmlns:p14="http://schemas.microsoft.com/office/powerpoint/2010/main" val="2445357053"/>
+      </p:ext>
+    </p:extLst>
+  </p:cSld>
+  <p:clrMapOvr>
+    <a:masterClrMapping/>
+  </p:clrMapOvr>
+  <p:timing>
+    <p:tnLst>
+      <p:par>
+        <p:cTn id="1" dur="indefinite" restart="never" nodeType="tmRoot">
+          <p:childTnLst>
+            <p:seq concurrent="1" nextAc="seek">
+              <p:cTn id="2" dur="indefinite" nodeType="mainSeq">
+                <p:childTnLst>
+                  <p:par>
+                    <p:cTn id="3" fill="hold">
+                      <p:stCondLst>
+                        <p:cond delay="indefinite"/>
+                      </p:stCondLst>
+                      <p:childTnLst>
+                        <p:par>
+                          <p:cTn id="4" fill="hold">
+                            <p:stCondLst>
+                              <p:cond delay="0"/>
+                            </p:stCondLst>
+                            <p:childTnLst>
+                              <p:par>
+                                <p:cTn id="5" presetID="1" presetClass="exit" presetSubtype="0" fill="hold" nodeType="clickEffect">
+                                  <p:stCondLst>
+                                    <p:cond delay="0"/>
+                                  </p:stCondLst>
+                                  <p:childTnLst>
+                                    <p:set>
+                                      <p:cBhvr>
+                                        <p:cTn id="6" dur="1" fill="hold">
+                                          <p:stCondLst>
+                                            <p:cond delay="0"/>
+                                          </p:stCondLst>
+                                        </p:cTn>
+                                        <p:tgtEl>
+                                          <p:spTgt spid="5"/>
+                                        </p:tgtEl>
+                                        <p:attrNameLst>
+                                          <p:attrName>style.visibility</p:attrName>
+                                        </p:attrNameLst>
+                                      </p:cBhvr>
+                                      <p:to>
+                                        <p:strVal val="hidden"/>
+                                      </p:to>
+                                    </p:set>
+                                  </p:childTnLst>
+                                </p:cTn>
+                              </p:par>
+                            </p:childTnLst>
+                          </p:cTn>
+                        </p:par>
+                      </p:childTnLst>
+                    </p:cTn>
+                  </p:par>
+                </p:childTnLst>
+              </p:cTn>
+              <p:prevCondLst>
+                <p:cond evt="onPrev" delay="0">
+                  <p:tgtEl>
+                    <p:sldTgt/>
+                  </p:tgtEl>
+                </p:cond>
+              </p:prevCondLst>
+              <p:nextCondLst>
+                <p:cond evt="onNext" delay="0">
+                  <p:tgtEl>
+                    <p:sldTgt/>
+                  </p:tgtEl>
+                </p:cond>
+              </p:nextCondLst>
+            </p:seq>
+          </p:childTnLst>
+        </p:cTn>
+      </p:par>
+    </p:tnLst>
+  </p:timing>
+</p:sld>
+</file>
+
+<file path=ppt/slides/slide43.xml><?xml version="1.0" encoding="utf-8"?>
+<p:sld xmlns:a="http://schemas.openxmlformats.org/drawingml/2006/main" xmlns:r="http://schemas.openxmlformats.org/officeDocument/2006/relationships" xmlns:p="http://schemas.openxmlformats.org/presentationml/2006/main">
+  <p:cSld>
+    <p:spTree>
+      <p:nvGrpSpPr>
+        <p:cNvPr id="1" name=""/>
+        <p:cNvGrpSpPr/>
+        <p:nvPr/>
+      </p:nvGrpSpPr>
+      <p:grpSpPr>
+        <a:xfrm>
+          <a:off x="0" y="0"/>
+          <a:ext cx="0" cy="0"/>
+          <a:chOff x="0" y="0"/>
+          <a:chExt cx="0" cy="0"/>
+        </a:xfrm>
+      </p:grpSpPr>
+      <p:sp>
+        <p:nvSpPr>
+          <p:cNvPr id="4" name="TextBox 3">
+            <a:extLst>
+              <a:ext uri="{FF2B5EF4-FFF2-40B4-BE49-F238E27FC236}">
+                <a16:creationId xmlns:a16="http://schemas.microsoft.com/office/drawing/2014/main" id="{52176D31-35F7-8916-46FA-6095EFEC1E49}"/>
+              </a:ext>
+            </a:extLst>
+          </p:cNvPr>
+          <p:cNvSpPr txBox="1"/>
+          <p:nvPr/>
+        </p:nvSpPr>
+        <p:spPr>
+          <a:xfrm>
+            <a:off x="609600" y="190500"/>
             <a:ext cx="17145000" cy="3108543"/>
           </a:xfrm>
           <a:prstGeom prst="rect">
@@ -16083,7 +17766,7 @@
 </p:sld>
 </file>
 
-<file path=ppt/slides/slide41.xml><?xml version="1.0" encoding="utf-8"?>
+<file path=ppt/slides/slide44.xml><?xml version="1.0" encoding="utf-8"?>
 <p:sld xmlns:a="http://schemas.openxmlformats.org/drawingml/2006/main" xmlns:r="http://schemas.openxmlformats.org/officeDocument/2006/relationships" xmlns:p="http://schemas.openxmlformats.org/presentationml/2006/main">
   <p:cSld>
     <p:spTree>
@@ -16404,7 +18087,7 @@
 </p:sld>
 </file>
 
-<file path=ppt/slides/slide42.xml><?xml version="1.0" encoding="utf-8"?>
+<file path=ppt/slides/slide45.xml><?xml version="1.0" encoding="utf-8"?>
 <p:sld xmlns:a="http://schemas.openxmlformats.org/drawingml/2006/main" xmlns:r="http://schemas.openxmlformats.org/officeDocument/2006/relationships" xmlns:p="http://schemas.openxmlformats.org/presentationml/2006/main">
   <p:cSld name="Slide 20">
     <p:bg>
